--- a/test.pptx
+++ b/test.pptx
@@ -5,7 +5,7 @@
     <p:sldMasterId id="2147483648" r:id="rId1"/>
   </p:sldMasterIdLst>
   <p:notesMasterIdLst>
-    <p:notesMasterId r:id="rId21"/>
+    <p:notesMasterId r:id="rId22"/>
   </p:notesMasterIdLst>
   <p:sldIdLst>
     <p:sldId id="256" r:id="rId2"/>
@@ -20,13 +20,14 @@
     <p:sldId id="269" r:id="rId11"/>
     <p:sldId id="268" r:id="rId12"/>
     <p:sldId id="274" r:id="rId13"/>
-    <p:sldId id="264" r:id="rId14"/>
-    <p:sldId id="265" r:id="rId15"/>
-    <p:sldId id="266" r:id="rId16"/>
-    <p:sldId id="262" r:id="rId17"/>
-    <p:sldId id="261" r:id="rId18"/>
-    <p:sldId id="273" r:id="rId19"/>
-    <p:sldId id="263" r:id="rId20"/>
+    <p:sldId id="275" r:id="rId14"/>
+    <p:sldId id="264" r:id="rId15"/>
+    <p:sldId id="265" r:id="rId16"/>
+    <p:sldId id="266" r:id="rId17"/>
+    <p:sldId id="262" r:id="rId18"/>
+    <p:sldId id="261" r:id="rId19"/>
+    <p:sldId id="273" r:id="rId20"/>
+    <p:sldId id="263" r:id="rId21"/>
   </p:sldIdLst>
   <p:sldSz cx="12192000" cy="6858000"/>
   <p:notesSz cx="6858000" cy="9144000"/>
@@ -215,7 +216,7 @@
           <a:p>
             <a:fld id="{9E12240E-F1A6-4A91-967F-8E68706835E0}" type="datetimeFigureOut">
               <a:rPr lang="en-HK" smtClean="0"/>
-              <a:t>24/2/2025</a:t>
+              <a:t>14/3/2025</a:t>
             </a:fld>
             <a:endParaRPr lang="en-HK"/>
           </a:p>
@@ -719,7 +720,7 @@
           <a:p>
             <a:fld id="{A662AB9F-F8D6-4D84-8C93-94B520C5C2D5}" type="datetimeFigureOut">
               <a:rPr lang="en-HK" smtClean="0"/>
-              <a:t>24/2/2025</a:t>
+              <a:t>14/3/2025</a:t>
             </a:fld>
             <a:endParaRPr lang="en-HK"/>
           </a:p>
@@ -919,7 +920,7 @@
           <a:p>
             <a:fld id="{A662AB9F-F8D6-4D84-8C93-94B520C5C2D5}" type="datetimeFigureOut">
               <a:rPr lang="en-HK" smtClean="0"/>
-              <a:t>24/2/2025</a:t>
+              <a:t>14/3/2025</a:t>
             </a:fld>
             <a:endParaRPr lang="en-HK"/>
           </a:p>
@@ -1129,7 +1130,7 @@
           <a:p>
             <a:fld id="{A662AB9F-F8D6-4D84-8C93-94B520C5C2D5}" type="datetimeFigureOut">
               <a:rPr lang="en-HK" smtClean="0"/>
-              <a:t>24/2/2025</a:t>
+              <a:t>14/3/2025</a:t>
             </a:fld>
             <a:endParaRPr lang="en-HK"/>
           </a:p>
@@ -1329,7 +1330,7 @@
           <a:p>
             <a:fld id="{A662AB9F-F8D6-4D84-8C93-94B520C5C2D5}" type="datetimeFigureOut">
               <a:rPr lang="en-HK" smtClean="0"/>
-              <a:t>24/2/2025</a:t>
+              <a:t>14/3/2025</a:t>
             </a:fld>
             <a:endParaRPr lang="en-HK"/>
           </a:p>
@@ -1605,7 +1606,7 @@
           <a:p>
             <a:fld id="{A662AB9F-F8D6-4D84-8C93-94B520C5C2D5}" type="datetimeFigureOut">
               <a:rPr lang="en-HK" smtClean="0"/>
-              <a:t>24/2/2025</a:t>
+              <a:t>14/3/2025</a:t>
             </a:fld>
             <a:endParaRPr lang="en-HK"/>
           </a:p>
@@ -1873,7 +1874,7 @@
           <a:p>
             <a:fld id="{A662AB9F-F8D6-4D84-8C93-94B520C5C2D5}" type="datetimeFigureOut">
               <a:rPr lang="en-HK" smtClean="0"/>
-              <a:t>24/2/2025</a:t>
+              <a:t>14/3/2025</a:t>
             </a:fld>
             <a:endParaRPr lang="en-HK"/>
           </a:p>
@@ -2288,7 +2289,7 @@
           <a:p>
             <a:fld id="{A662AB9F-F8D6-4D84-8C93-94B520C5C2D5}" type="datetimeFigureOut">
               <a:rPr lang="en-HK" smtClean="0"/>
-              <a:t>24/2/2025</a:t>
+              <a:t>14/3/2025</a:t>
             </a:fld>
             <a:endParaRPr lang="en-HK"/>
           </a:p>
@@ -2430,7 +2431,7 @@
           <a:p>
             <a:fld id="{A662AB9F-F8D6-4D84-8C93-94B520C5C2D5}" type="datetimeFigureOut">
               <a:rPr lang="en-HK" smtClean="0"/>
-              <a:t>24/2/2025</a:t>
+              <a:t>14/3/2025</a:t>
             </a:fld>
             <a:endParaRPr lang="en-HK"/>
           </a:p>
@@ -2543,7 +2544,7 @@
           <a:p>
             <a:fld id="{A662AB9F-F8D6-4D84-8C93-94B520C5C2D5}" type="datetimeFigureOut">
               <a:rPr lang="en-HK" smtClean="0"/>
-              <a:t>24/2/2025</a:t>
+              <a:t>14/3/2025</a:t>
             </a:fld>
             <a:endParaRPr lang="en-HK"/>
           </a:p>
@@ -2856,7 +2857,7 @@
           <a:p>
             <a:fld id="{A662AB9F-F8D6-4D84-8C93-94B520C5C2D5}" type="datetimeFigureOut">
               <a:rPr lang="en-HK" smtClean="0"/>
-              <a:t>24/2/2025</a:t>
+              <a:t>14/3/2025</a:t>
             </a:fld>
             <a:endParaRPr lang="en-HK"/>
           </a:p>
@@ -3145,7 +3146,7 @@
           <a:p>
             <a:fld id="{A662AB9F-F8D6-4D84-8C93-94B520C5C2D5}" type="datetimeFigureOut">
               <a:rPr lang="en-HK" smtClean="0"/>
-              <a:t>24/2/2025</a:t>
+              <a:t>14/3/2025</a:t>
             </a:fld>
             <a:endParaRPr lang="en-HK"/>
           </a:p>
@@ -3388,7 +3389,7 @@
           <a:p>
             <a:fld id="{A662AB9F-F8D6-4D84-8C93-94B520C5C2D5}" type="datetimeFigureOut">
               <a:rPr lang="en-HK" smtClean="0"/>
-              <a:t>24/2/2025</a:t>
+              <a:t>14/3/2025</a:t>
             </a:fld>
             <a:endParaRPr lang="en-HK"/>
           </a:p>
@@ -13623,6 +13624,1716 @@
   <p:cSld>
     <p:spTree>
       <p:nvGrpSpPr>
+        <p:cNvPr id="1" name="">
+          <a:extLst>
+            <a:ext uri="{FF2B5EF4-FFF2-40B4-BE49-F238E27FC236}">
+              <a16:creationId xmlns:a16="http://schemas.microsoft.com/office/drawing/2014/main" id="{80EECD26-BAEE-64C4-20B0-6CC6477F82C7}"/>
+            </a:ext>
+          </a:extLst>
+        </p:cNvPr>
+        <p:cNvGrpSpPr/>
+        <p:nvPr/>
+      </p:nvGrpSpPr>
+      <p:grpSpPr>
+        <a:xfrm>
+          <a:off x="0" y="0"/>
+          <a:ext cx="0" cy="0"/>
+          <a:chOff x="0" y="0"/>
+          <a:chExt cx="0" cy="0"/>
+        </a:xfrm>
+      </p:grpSpPr>
+      <p:graphicFrame>
+        <p:nvGraphicFramePr>
+          <p:cNvPr id="2" name="Table 4">
+            <a:extLst>
+              <a:ext uri="{FF2B5EF4-FFF2-40B4-BE49-F238E27FC236}">
+                <a16:creationId xmlns:a16="http://schemas.microsoft.com/office/drawing/2014/main" id="{562D8367-1D3F-94D6-0BEF-BE32FE3AFF67}"/>
+              </a:ext>
+            </a:extLst>
+          </p:cNvPr>
+          <p:cNvGraphicFramePr>
+            <a:graphicFrameLocks noGrp="1"/>
+          </p:cNvGraphicFramePr>
+          <p:nvPr>
+            <p:extLst>
+              <p:ext uri="{D42A27DB-BD31-4B8C-83A1-F6EECF244321}">
+                <p14:modId xmlns:p14="http://schemas.microsoft.com/office/powerpoint/2010/main" val="251615292"/>
+              </p:ext>
+            </p:extLst>
+          </p:nvPr>
+        </p:nvGraphicFramePr>
+        <p:xfrm>
+          <a:off x="2684727" y="3158230"/>
+          <a:ext cx="4230780" cy="370840"/>
+        </p:xfrm>
+        <a:graphic>
+          <a:graphicData uri="http://schemas.openxmlformats.org/drawingml/2006/table">
+            <a:tbl>
+              <a:tblPr firstRow="1" bandRow="1">
+                <a:tableStyleId>{5C22544A-7EE6-4342-B048-85BDC9FD1C3A}</a:tableStyleId>
+              </a:tblPr>
+              <a:tblGrid>
+                <a:gridCol w="423078">
+                  <a:extLst>
+                    <a:ext uri="{9D8B030D-6E8A-4147-A177-3AD203B41FA5}">
+                      <a16:colId xmlns:a16="http://schemas.microsoft.com/office/drawing/2014/main" val="1958716807"/>
+                    </a:ext>
+                  </a:extLst>
+                </a:gridCol>
+                <a:gridCol w="423078">
+                  <a:extLst>
+                    <a:ext uri="{9D8B030D-6E8A-4147-A177-3AD203B41FA5}">
+                      <a16:colId xmlns:a16="http://schemas.microsoft.com/office/drawing/2014/main" val="2177103222"/>
+                    </a:ext>
+                  </a:extLst>
+                </a:gridCol>
+                <a:gridCol w="423078">
+                  <a:extLst>
+                    <a:ext uri="{9D8B030D-6E8A-4147-A177-3AD203B41FA5}">
+                      <a16:colId xmlns:a16="http://schemas.microsoft.com/office/drawing/2014/main" val="3409141404"/>
+                    </a:ext>
+                  </a:extLst>
+                </a:gridCol>
+                <a:gridCol w="423078">
+                  <a:extLst>
+                    <a:ext uri="{9D8B030D-6E8A-4147-A177-3AD203B41FA5}">
+                      <a16:colId xmlns:a16="http://schemas.microsoft.com/office/drawing/2014/main" val="217707470"/>
+                    </a:ext>
+                  </a:extLst>
+                </a:gridCol>
+                <a:gridCol w="423078">
+                  <a:extLst>
+                    <a:ext uri="{9D8B030D-6E8A-4147-A177-3AD203B41FA5}">
+                      <a16:colId xmlns:a16="http://schemas.microsoft.com/office/drawing/2014/main" val="770379941"/>
+                    </a:ext>
+                  </a:extLst>
+                </a:gridCol>
+                <a:gridCol w="423078">
+                  <a:extLst>
+                    <a:ext uri="{9D8B030D-6E8A-4147-A177-3AD203B41FA5}">
+                      <a16:colId xmlns:a16="http://schemas.microsoft.com/office/drawing/2014/main" val="4085467491"/>
+                    </a:ext>
+                  </a:extLst>
+                </a:gridCol>
+                <a:gridCol w="423078">
+                  <a:extLst>
+                    <a:ext uri="{9D8B030D-6E8A-4147-A177-3AD203B41FA5}">
+                      <a16:colId xmlns:a16="http://schemas.microsoft.com/office/drawing/2014/main" val="2183018877"/>
+                    </a:ext>
+                  </a:extLst>
+                </a:gridCol>
+                <a:gridCol w="423078">
+                  <a:extLst>
+                    <a:ext uri="{9D8B030D-6E8A-4147-A177-3AD203B41FA5}">
+                      <a16:colId xmlns:a16="http://schemas.microsoft.com/office/drawing/2014/main" val="3957069584"/>
+                    </a:ext>
+                  </a:extLst>
+                </a:gridCol>
+                <a:gridCol w="423078">
+                  <a:extLst>
+                    <a:ext uri="{9D8B030D-6E8A-4147-A177-3AD203B41FA5}">
+                      <a16:colId xmlns:a16="http://schemas.microsoft.com/office/drawing/2014/main" val="3244291510"/>
+                    </a:ext>
+                  </a:extLst>
+                </a:gridCol>
+                <a:gridCol w="423078">
+                  <a:extLst>
+                    <a:ext uri="{9D8B030D-6E8A-4147-A177-3AD203B41FA5}">
+                      <a16:colId xmlns:a16="http://schemas.microsoft.com/office/drawing/2014/main" val="3722398860"/>
+                    </a:ext>
+                  </a:extLst>
+                </a:gridCol>
+              </a:tblGrid>
+              <a:tr h="370840">
+                <a:tc>
+                  <a:txBody>
+                    <a:bodyPr/>
+                    <a:lstStyle/>
+                    <a:p>
+                      <a:pPr algn="ctr"/>
+                      <a:r>
+                        <a:rPr lang="en-HK" dirty="0">
+                          <a:solidFill>
+                            <a:schemeClr val="tx1"/>
+                          </a:solidFill>
+                        </a:rPr>
+                        <a:t>1</a:t>
+                      </a:r>
+                    </a:p>
+                  </a:txBody>
+                  <a:tcPr>
+                    <a:solidFill>
+                      <a:schemeClr val="accent3"/>
+                    </a:solidFill>
+                  </a:tcPr>
+                </a:tc>
+                <a:tc>
+                  <a:txBody>
+                    <a:bodyPr/>
+                    <a:lstStyle/>
+                    <a:p>
+                      <a:pPr algn="ctr"/>
+                      <a:r>
+                        <a:rPr lang="en-HK" dirty="0">
+                          <a:solidFill>
+                            <a:schemeClr val="tx1"/>
+                          </a:solidFill>
+                        </a:rPr>
+                        <a:t>2</a:t>
+                      </a:r>
+                    </a:p>
+                  </a:txBody>
+                  <a:tcPr>
+                    <a:solidFill>
+                      <a:schemeClr val="accent3"/>
+                    </a:solidFill>
+                  </a:tcPr>
+                </a:tc>
+                <a:tc>
+                  <a:txBody>
+                    <a:bodyPr/>
+                    <a:lstStyle/>
+                    <a:p>
+                      <a:pPr algn="ctr"/>
+                      <a:r>
+                        <a:rPr lang="en-HK" dirty="0">
+                          <a:solidFill>
+                            <a:schemeClr val="tx1"/>
+                          </a:solidFill>
+                        </a:rPr>
+                        <a:t>3</a:t>
+                      </a:r>
+                    </a:p>
+                  </a:txBody>
+                  <a:tcPr>
+                    <a:solidFill>
+                      <a:schemeClr val="bg1"/>
+                    </a:solidFill>
+                  </a:tcPr>
+                </a:tc>
+                <a:tc>
+                  <a:txBody>
+                    <a:bodyPr/>
+                    <a:lstStyle/>
+                    <a:p>
+                      <a:pPr algn="ctr"/>
+                      <a:r>
+                        <a:rPr lang="en-HK" dirty="0">
+                          <a:solidFill>
+                            <a:schemeClr val="tx1"/>
+                          </a:solidFill>
+                        </a:rPr>
+                        <a:t>4</a:t>
+                      </a:r>
+                    </a:p>
+                  </a:txBody>
+                  <a:tcPr>
+                    <a:solidFill>
+                      <a:schemeClr val="accent3"/>
+                    </a:solidFill>
+                  </a:tcPr>
+                </a:tc>
+                <a:tc>
+                  <a:txBody>
+                    <a:bodyPr/>
+                    <a:lstStyle/>
+                    <a:p>
+                      <a:pPr algn="ctr"/>
+                      <a:r>
+                        <a:rPr lang="en-HK" dirty="0">
+                          <a:solidFill>
+                            <a:schemeClr val="tx1"/>
+                          </a:solidFill>
+                        </a:rPr>
+                        <a:t>5</a:t>
+                      </a:r>
+                    </a:p>
+                  </a:txBody>
+                  <a:tcPr>
+                    <a:solidFill>
+                      <a:schemeClr val="bg1"/>
+                    </a:solidFill>
+                  </a:tcPr>
+                </a:tc>
+                <a:tc>
+                  <a:txBody>
+                    <a:bodyPr/>
+                    <a:lstStyle/>
+                    <a:p>
+                      <a:pPr algn="ctr"/>
+                      <a:r>
+                        <a:rPr lang="en-HK" dirty="0">
+                          <a:solidFill>
+                            <a:schemeClr val="tx1"/>
+                          </a:solidFill>
+                        </a:rPr>
+                        <a:t>6</a:t>
+                      </a:r>
+                    </a:p>
+                  </a:txBody>
+                  <a:tcPr>
+                    <a:solidFill>
+                      <a:schemeClr val="accent3"/>
+                    </a:solidFill>
+                  </a:tcPr>
+                </a:tc>
+                <a:tc>
+                  <a:txBody>
+                    <a:bodyPr/>
+                    <a:lstStyle/>
+                    <a:p>
+                      <a:pPr algn="ctr"/>
+                      <a:r>
+                        <a:rPr lang="en-HK" dirty="0">
+                          <a:solidFill>
+                            <a:schemeClr val="tx1"/>
+                          </a:solidFill>
+                        </a:rPr>
+                        <a:t>7</a:t>
+                      </a:r>
+                    </a:p>
+                  </a:txBody>
+                  <a:tcPr>
+                    <a:solidFill>
+                      <a:schemeClr val="accent3"/>
+                    </a:solidFill>
+                  </a:tcPr>
+                </a:tc>
+                <a:tc>
+                  <a:txBody>
+                    <a:bodyPr/>
+                    <a:lstStyle/>
+                    <a:p>
+                      <a:pPr algn="ctr"/>
+                      <a:r>
+                        <a:rPr lang="en-HK" dirty="0">
+                          <a:solidFill>
+                            <a:schemeClr val="tx1"/>
+                          </a:solidFill>
+                        </a:rPr>
+                        <a:t>8</a:t>
+                      </a:r>
+                    </a:p>
+                  </a:txBody>
+                  <a:tcPr>
+                    <a:solidFill>
+                      <a:schemeClr val="accent3"/>
+                    </a:solidFill>
+                  </a:tcPr>
+                </a:tc>
+                <a:tc>
+                  <a:txBody>
+                    <a:bodyPr/>
+                    <a:lstStyle/>
+                    <a:p>
+                      <a:pPr algn="ctr"/>
+                      <a:r>
+                        <a:rPr lang="en-HK" dirty="0">
+                          <a:solidFill>
+                            <a:schemeClr val="tx1"/>
+                          </a:solidFill>
+                        </a:rPr>
+                        <a:t>9</a:t>
+                      </a:r>
+                    </a:p>
+                  </a:txBody>
+                  <a:tcPr>
+                    <a:solidFill>
+                      <a:schemeClr val="bg1"/>
+                    </a:solidFill>
+                  </a:tcPr>
+                </a:tc>
+                <a:tc>
+                  <a:txBody>
+                    <a:bodyPr/>
+                    <a:lstStyle/>
+                    <a:p>
+                      <a:pPr algn="ctr"/>
+                      <a:r>
+                        <a:rPr lang="en-HK" dirty="0">
+                          <a:solidFill>
+                            <a:schemeClr val="tx1"/>
+                          </a:solidFill>
+                        </a:rPr>
+                        <a:t>10</a:t>
+                      </a:r>
+                    </a:p>
+                  </a:txBody>
+                  <a:tcPr>
+                    <a:solidFill>
+                      <a:schemeClr val="accent3"/>
+                    </a:solidFill>
+                  </a:tcPr>
+                </a:tc>
+                <a:extLst>
+                  <a:ext uri="{0D108BD9-81ED-4DB2-BD59-A6C34878D82A}">
+                    <a16:rowId xmlns:a16="http://schemas.microsoft.com/office/drawing/2014/main" val="2601047344"/>
+                  </a:ext>
+                </a:extLst>
+              </a:tr>
+            </a:tbl>
+          </a:graphicData>
+        </a:graphic>
+      </p:graphicFrame>
+      <p:graphicFrame>
+        <p:nvGraphicFramePr>
+          <p:cNvPr id="3" name="Table 2">
+            <a:extLst>
+              <a:ext uri="{FF2B5EF4-FFF2-40B4-BE49-F238E27FC236}">
+                <a16:creationId xmlns:a16="http://schemas.microsoft.com/office/drawing/2014/main" id="{1B65AD38-D6D6-711E-DC94-7A6896EE759E}"/>
+              </a:ext>
+            </a:extLst>
+          </p:cNvPr>
+          <p:cNvGraphicFramePr>
+            <a:graphicFrameLocks noGrp="1"/>
+          </p:cNvGraphicFramePr>
+          <p:nvPr>
+            <p:extLst>
+              <p:ext uri="{D42A27DB-BD31-4B8C-83A1-F6EECF244321}">
+                <p14:modId xmlns:p14="http://schemas.microsoft.com/office/powerpoint/2010/main" val="852919402"/>
+              </p:ext>
+            </p:extLst>
+          </p:nvPr>
+        </p:nvGraphicFramePr>
+        <p:xfrm>
+          <a:off x="2684740" y="3977734"/>
+          <a:ext cx="4653473" cy="370840"/>
+        </p:xfrm>
+        <a:graphic>
+          <a:graphicData uri="http://schemas.openxmlformats.org/drawingml/2006/table">
+            <a:tbl>
+              <a:tblPr firstRow="1" bandRow="1">
+                <a:tableStyleId>{5C22544A-7EE6-4342-B048-85BDC9FD1C3A}</a:tableStyleId>
+              </a:tblPr>
+              <a:tblGrid>
+                <a:gridCol w="423043">
+                  <a:extLst>
+                    <a:ext uri="{9D8B030D-6E8A-4147-A177-3AD203B41FA5}">
+                      <a16:colId xmlns:a16="http://schemas.microsoft.com/office/drawing/2014/main" val="1958716807"/>
+                    </a:ext>
+                  </a:extLst>
+                </a:gridCol>
+                <a:gridCol w="423043">
+                  <a:extLst>
+                    <a:ext uri="{9D8B030D-6E8A-4147-A177-3AD203B41FA5}">
+                      <a16:colId xmlns:a16="http://schemas.microsoft.com/office/drawing/2014/main" val="2177103222"/>
+                    </a:ext>
+                  </a:extLst>
+                </a:gridCol>
+                <a:gridCol w="423043">
+                  <a:extLst>
+                    <a:ext uri="{9D8B030D-6E8A-4147-A177-3AD203B41FA5}">
+                      <a16:colId xmlns:a16="http://schemas.microsoft.com/office/drawing/2014/main" val="3409141404"/>
+                    </a:ext>
+                  </a:extLst>
+                </a:gridCol>
+                <a:gridCol w="423043">
+                  <a:extLst>
+                    <a:ext uri="{9D8B030D-6E8A-4147-A177-3AD203B41FA5}">
+                      <a16:colId xmlns:a16="http://schemas.microsoft.com/office/drawing/2014/main" val="217707470"/>
+                    </a:ext>
+                  </a:extLst>
+                </a:gridCol>
+                <a:gridCol w="423043">
+                  <a:extLst>
+                    <a:ext uri="{9D8B030D-6E8A-4147-A177-3AD203B41FA5}">
+                      <a16:colId xmlns:a16="http://schemas.microsoft.com/office/drawing/2014/main" val="770379941"/>
+                    </a:ext>
+                  </a:extLst>
+                </a:gridCol>
+                <a:gridCol w="423043">
+                  <a:extLst>
+                    <a:ext uri="{9D8B030D-6E8A-4147-A177-3AD203B41FA5}">
+                      <a16:colId xmlns:a16="http://schemas.microsoft.com/office/drawing/2014/main" val="4085467491"/>
+                    </a:ext>
+                  </a:extLst>
+                </a:gridCol>
+                <a:gridCol w="423043">
+                  <a:extLst>
+                    <a:ext uri="{9D8B030D-6E8A-4147-A177-3AD203B41FA5}">
+                      <a16:colId xmlns:a16="http://schemas.microsoft.com/office/drawing/2014/main" val="2183018877"/>
+                    </a:ext>
+                  </a:extLst>
+                </a:gridCol>
+                <a:gridCol w="423043">
+                  <a:extLst>
+                    <a:ext uri="{9D8B030D-6E8A-4147-A177-3AD203B41FA5}">
+                      <a16:colId xmlns:a16="http://schemas.microsoft.com/office/drawing/2014/main" val="3957069584"/>
+                    </a:ext>
+                  </a:extLst>
+                </a:gridCol>
+                <a:gridCol w="423043">
+                  <a:extLst>
+                    <a:ext uri="{9D8B030D-6E8A-4147-A177-3AD203B41FA5}">
+                      <a16:colId xmlns:a16="http://schemas.microsoft.com/office/drawing/2014/main" val="3244291510"/>
+                    </a:ext>
+                  </a:extLst>
+                </a:gridCol>
+                <a:gridCol w="423043">
+                  <a:extLst>
+                    <a:ext uri="{9D8B030D-6E8A-4147-A177-3AD203B41FA5}">
+                      <a16:colId xmlns:a16="http://schemas.microsoft.com/office/drawing/2014/main" val="3722398860"/>
+                    </a:ext>
+                  </a:extLst>
+                </a:gridCol>
+                <a:gridCol w="423043">
+                  <a:extLst>
+                    <a:ext uri="{9D8B030D-6E8A-4147-A177-3AD203B41FA5}">
+                      <a16:colId xmlns:a16="http://schemas.microsoft.com/office/drawing/2014/main" val="3031954405"/>
+                    </a:ext>
+                  </a:extLst>
+                </a:gridCol>
+              </a:tblGrid>
+              <a:tr h="370840">
+                <a:tc>
+                  <a:txBody>
+                    <a:bodyPr/>
+                    <a:lstStyle/>
+                    <a:p>
+                      <a:pPr algn="ctr"/>
+                      <a:r>
+                        <a:rPr lang="en-HK" dirty="0">
+                          <a:solidFill>
+                            <a:schemeClr val="tx1"/>
+                          </a:solidFill>
+                        </a:rPr>
+                        <a:t>1</a:t>
+                      </a:r>
+                    </a:p>
+                  </a:txBody>
+                  <a:tcPr>
+                    <a:lnL w="38100" cap="flat" cmpd="sng" algn="ctr">
+                      <a:solidFill>
+                        <a:schemeClr val="tx1"/>
+                      </a:solidFill>
+                      <a:prstDash val="solid"/>
+                      <a:round/>
+                      <a:headEnd type="none" w="med" len="med"/>
+                      <a:tailEnd type="none" w="med" len="med"/>
+                    </a:lnL>
+                    <a:lnR w="38100" cap="flat" cmpd="sng" algn="ctr">
+                      <a:noFill/>
+                      <a:prstDash val="solid"/>
+                      <a:round/>
+                      <a:headEnd type="none" w="med" len="med"/>
+                      <a:tailEnd type="none" w="med" len="med"/>
+                    </a:lnR>
+                    <a:lnT w="38100" cap="flat" cmpd="sng" algn="ctr">
+                      <a:solidFill>
+                        <a:schemeClr val="tx1"/>
+                      </a:solidFill>
+                      <a:prstDash val="solid"/>
+                      <a:round/>
+                      <a:headEnd type="none" w="med" len="med"/>
+                      <a:tailEnd type="none" w="med" len="med"/>
+                    </a:lnT>
+                    <a:lnB w="38100" cap="flat" cmpd="sng" algn="ctr">
+                      <a:solidFill>
+                        <a:schemeClr val="tx1"/>
+                      </a:solidFill>
+                      <a:prstDash val="solid"/>
+                      <a:round/>
+                      <a:headEnd type="none" w="med" len="med"/>
+                      <a:tailEnd type="none" w="med" len="med"/>
+                    </a:lnB>
+                    <a:lnTlToBr w="12700" cmpd="sng">
+                      <a:noFill/>
+                      <a:prstDash val="solid"/>
+                    </a:lnTlToBr>
+                    <a:lnBlToTr w="12700" cmpd="sng">
+                      <a:noFill/>
+                      <a:prstDash val="solid"/>
+                    </a:lnBlToTr>
+                    <a:solidFill>
+                      <a:schemeClr val="accent3"/>
+                    </a:solidFill>
+                  </a:tcPr>
+                </a:tc>
+                <a:tc>
+                  <a:txBody>
+                    <a:bodyPr/>
+                    <a:lstStyle/>
+                    <a:p>
+                      <a:pPr algn="ctr"/>
+                      <a:r>
+                        <a:rPr lang="en-HK" dirty="0">
+                          <a:solidFill>
+                            <a:schemeClr val="tx1"/>
+                          </a:solidFill>
+                        </a:rPr>
+                        <a:t>2</a:t>
+                      </a:r>
+                    </a:p>
+                  </a:txBody>
+                  <a:tcPr>
+                    <a:lnL w="38100" cap="flat" cmpd="sng" algn="ctr">
+                      <a:noFill/>
+                      <a:prstDash val="solid"/>
+                      <a:round/>
+                      <a:headEnd type="none" w="med" len="med"/>
+                      <a:tailEnd type="none" w="med" len="med"/>
+                    </a:lnL>
+                    <a:lnR w="38100" cap="flat" cmpd="sng" algn="ctr">
+                      <a:noFill/>
+                      <a:prstDash val="solid"/>
+                      <a:round/>
+                      <a:headEnd type="none" w="med" len="med"/>
+                      <a:tailEnd type="none" w="med" len="med"/>
+                    </a:lnR>
+                    <a:lnT w="38100" cap="flat" cmpd="sng" algn="ctr">
+                      <a:solidFill>
+                        <a:schemeClr val="tx1"/>
+                      </a:solidFill>
+                      <a:prstDash val="solid"/>
+                      <a:round/>
+                      <a:headEnd type="none" w="med" len="med"/>
+                      <a:tailEnd type="none" w="med" len="med"/>
+                    </a:lnT>
+                    <a:lnB w="38100" cap="flat" cmpd="sng" algn="ctr">
+                      <a:solidFill>
+                        <a:schemeClr val="tx1"/>
+                      </a:solidFill>
+                      <a:prstDash val="solid"/>
+                      <a:round/>
+                      <a:headEnd type="none" w="med" len="med"/>
+                      <a:tailEnd type="none" w="med" len="med"/>
+                    </a:lnB>
+                    <a:lnTlToBr w="12700" cmpd="sng">
+                      <a:noFill/>
+                      <a:prstDash val="solid"/>
+                    </a:lnTlToBr>
+                    <a:lnBlToTr w="12700" cmpd="sng">
+                      <a:noFill/>
+                      <a:prstDash val="solid"/>
+                    </a:lnBlToTr>
+                    <a:solidFill>
+                      <a:schemeClr val="accent3"/>
+                    </a:solidFill>
+                  </a:tcPr>
+                </a:tc>
+                <a:tc>
+                  <a:txBody>
+                    <a:bodyPr/>
+                    <a:lstStyle/>
+                    <a:p>
+                      <a:pPr algn="ctr"/>
+                      <a:r>
+                        <a:rPr lang="en-HK" dirty="0">
+                          <a:solidFill>
+                            <a:schemeClr val="tx1"/>
+                          </a:solidFill>
+                        </a:rPr>
+                        <a:t>3</a:t>
+                      </a:r>
+                    </a:p>
+                  </a:txBody>
+                  <a:tcPr>
+                    <a:lnL w="38100" cap="flat" cmpd="sng" algn="ctr">
+                      <a:noFill/>
+                      <a:prstDash val="solid"/>
+                      <a:round/>
+                      <a:headEnd type="none" w="med" len="med"/>
+                      <a:tailEnd type="none" w="med" len="med"/>
+                    </a:lnL>
+                    <a:lnR w="38100" cap="flat" cmpd="sng" algn="ctr">
+                      <a:solidFill>
+                        <a:schemeClr val="tx1"/>
+                      </a:solidFill>
+                      <a:prstDash val="solid"/>
+                      <a:round/>
+                      <a:headEnd type="none" w="med" len="med"/>
+                      <a:tailEnd type="none" w="med" len="med"/>
+                    </a:lnR>
+                    <a:lnT w="38100" cap="flat" cmpd="sng" algn="ctr">
+                      <a:solidFill>
+                        <a:schemeClr val="tx1"/>
+                      </a:solidFill>
+                      <a:prstDash val="solid"/>
+                      <a:round/>
+                      <a:headEnd type="none" w="med" len="med"/>
+                      <a:tailEnd type="none" w="med" len="med"/>
+                    </a:lnT>
+                    <a:lnB w="38100" cap="flat" cmpd="sng" algn="ctr">
+                      <a:solidFill>
+                        <a:schemeClr val="tx1"/>
+                      </a:solidFill>
+                      <a:prstDash val="solid"/>
+                      <a:round/>
+                      <a:headEnd type="none" w="med" len="med"/>
+                      <a:tailEnd type="none" w="med" len="med"/>
+                    </a:lnB>
+                    <a:lnTlToBr w="12700" cmpd="sng">
+                      <a:noFill/>
+                      <a:prstDash val="solid"/>
+                    </a:lnTlToBr>
+                    <a:lnBlToTr w="12700" cmpd="sng">
+                      <a:noFill/>
+                      <a:prstDash val="solid"/>
+                    </a:lnBlToTr>
+                    <a:solidFill>
+                      <a:schemeClr val="accent3"/>
+                    </a:solidFill>
+                  </a:tcPr>
+                </a:tc>
+                <a:tc>
+                  <a:txBody>
+                    <a:bodyPr/>
+                    <a:lstStyle/>
+                    <a:p>
+                      <a:pPr algn="ctr"/>
+                      <a:r>
+                        <a:rPr lang="en-HK" dirty="0">
+                          <a:solidFill>
+                            <a:schemeClr val="tx1"/>
+                          </a:solidFill>
+                        </a:rPr>
+                        <a:t>4</a:t>
+                      </a:r>
+                    </a:p>
+                  </a:txBody>
+                  <a:tcPr>
+                    <a:lnL w="38100" cap="flat" cmpd="sng" algn="ctr">
+                      <a:solidFill>
+                        <a:schemeClr val="tx1"/>
+                      </a:solidFill>
+                      <a:prstDash val="solid"/>
+                      <a:round/>
+                      <a:headEnd type="none" w="med" len="med"/>
+                      <a:tailEnd type="none" w="med" len="med"/>
+                    </a:lnL>
+                    <a:lnR w="12700" cmpd="sng">
+                      <a:noFill/>
+                    </a:lnR>
+                    <a:lnT w="38100" cap="flat" cmpd="sng" algn="ctr">
+                      <a:solidFill>
+                        <a:schemeClr val="tx1"/>
+                      </a:solidFill>
+                      <a:prstDash val="solid"/>
+                      <a:round/>
+                      <a:headEnd type="none" w="med" len="med"/>
+                      <a:tailEnd type="none" w="med" len="med"/>
+                    </a:lnT>
+                    <a:lnB w="38100" cap="flat" cmpd="sng" algn="ctr">
+                      <a:solidFill>
+                        <a:schemeClr val="tx1"/>
+                      </a:solidFill>
+                      <a:prstDash val="solid"/>
+                      <a:round/>
+                      <a:headEnd type="none" w="med" len="med"/>
+                      <a:tailEnd type="none" w="med" len="med"/>
+                    </a:lnB>
+                    <a:lnTlToBr w="12700" cmpd="sng">
+                      <a:noFill/>
+                      <a:prstDash val="solid"/>
+                    </a:lnTlToBr>
+                    <a:lnBlToTr w="12700" cmpd="sng">
+                      <a:noFill/>
+                      <a:prstDash val="solid"/>
+                    </a:lnBlToTr>
+                    <a:solidFill>
+                      <a:schemeClr val="accent3"/>
+                    </a:solidFill>
+                  </a:tcPr>
+                </a:tc>
+                <a:tc>
+                  <a:txBody>
+                    <a:bodyPr/>
+                    <a:lstStyle/>
+                    <a:p>
+                      <a:pPr algn="ctr"/>
+                      <a:r>
+                        <a:rPr lang="en-HK" dirty="0">
+                          <a:solidFill>
+                            <a:schemeClr val="tx1"/>
+                          </a:solidFill>
+                        </a:rPr>
+                        <a:t>5</a:t>
+                      </a:r>
+                    </a:p>
+                  </a:txBody>
+                  <a:tcPr>
+                    <a:lnL w="12700" cmpd="sng">
+                      <a:noFill/>
+                    </a:lnL>
+                    <a:lnR w="38100" cap="flat" cmpd="sng" algn="ctr">
+                      <a:solidFill>
+                        <a:schemeClr val="tx1"/>
+                      </a:solidFill>
+                      <a:prstDash val="solid"/>
+                      <a:round/>
+                      <a:headEnd type="none" w="med" len="med"/>
+                      <a:tailEnd type="none" w="med" len="med"/>
+                    </a:lnR>
+                    <a:lnT w="38100" cap="flat" cmpd="sng" algn="ctr">
+                      <a:solidFill>
+                        <a:schemeClr val="tx1"/>
+                      </a:solidFill>
+                      <a:prstDash val="solid"/>
+                      <a:round/>
+                      <a:headEnd type="none" w="med" len="med"/>
+                      <a:tailEnd type="none" w="med" len="med"/>
+                    </a:lnT>
+                    <a:lnB w="38100" cap="flat" cmpd="sng" algn="ctr">
+                      <a:solidFill>
+                        <a:schemeClr val="tx1"/>
+                      </a:solidFill>
+                      <a:prstDash val="solid"/>
+                      <a:round/>
+                      <a:headEnd type="none" w="med" len="med"/>
+                      <a:tailEnd type="none" w="med" len="med"/>
+                    </a:lnB>
+                    <a:lnTlToBr w="12700" cmpd="sng">
+                      <a:noFill/>
+                      <a:prstDash val="solid"/>
+                    </a:lnTlToBr>
+                    <a:lnBlToTr w="12700" cmpd="sng">
+                      <a:noFill/>
+                      <a:prstDash val="solid"/>
+                    </a:lnBlToTr>
+                    <a:solidFill>
+                      <a:schemeClr val="accent3"/>
+                    </a:solidFill>
+                  </a:tcPr>
+                </a:tc>
+                <a:tc>
+                  <a:txBody>
+                    <a:bodyPr/>
+                    <a:lstStyle/>
+                    <a:p>
+                      <a:pPr algn="ctr"/>
+                      <a:r>
+                        <a:rPr lang="en-HK" dirty="0">
+                          <a:solidFill>
+                            <a:schemeClr val="tx1"/>
+                          </a:solidFill>
+                        </a:rPr>
+                        <a:t>6</a:t>
+                      </a:r>
+                    </a:p>
+                  </a:txBody>
+                  <a:tcPr>
+                    <a:lnL w="38100" cap="flat" cmpd="sng" algn="ctr">
+                      <a:solidFill>
+                        <a:schemeClr val="tx1"/>
+                      </a:solidFill>
+                      <a:prstDash val="solid"/>
+                      <a:round/>
+                      <a:headEnd type="none" w="med" len="med"/>
+                      <a:tailEnd type="none" w="med" len="med"/>
+                    </a:lnL>
+                    <a:lnR w="12700" cmpd="sng">
+                      <a:noFill/>
+                    </a:lnR>
+                    <a:lnT w="38100" cap="flat" cmpd="sng" algn="ctr">
+                      <a:solidFill>
+                        <a:schemeClr val="tx1"/>
+                      </a:solidFill>
+                      <a:prstDash val="solid"/>
+                      <a:round/>
+                      <a:headEnd type="none" w="med" len="med"/>
+                      <a:tailEnd type="none" w="med" len="med"/>
+                    </a:lnT>
+                    <a:lnB w="38100" cap="flat" cmpd="sng" algn="ctr">
+                      <a:solidFill>
+                        <a:schemeClr val="tx1"/>
+                      </a:solidFill>
+                      <a:prstDash val="solid"/>
+                      <a:round/>
+                      <a:headEnd type="none" w="med" len="med"/>
+                      <a:tailEnd type="none" w="med" len="med"/>
+                    </a:lnB>
+                    <a:lnTlToBr w="12700" cmpd="sng">
+                      <a:noFill/>
+                      <a:prstDash val="solid"/>
+                    </a:lnTlToBr>
+                    <a:lnBlToTr w="12700" cmpd="sng">
+                      <a:noFill/>
+                      <a:prstDash val="solid"/>
+                    </a:lnBlToTr>
+                    <a:solidFill>
+                      <a:schemeClr val="accent3"/>
+                    </a:solidFill>
+                  </a:tcPr>
+                </a:tc>
+                <a:tc>
+                  <a:txBody>
+                    <a:bodyPr/>
+                    <a:lstStyle/>
+                    <a:p>
+                      <a:pPr algn="ctr"/>
+                      <a:r>
+                        <a:rPr lang="en-HK" dirty="0">
+                          <a:solidFill>
+                            <a:schemeClr val="tx1"/>
+                          </a:solidFill>
+                        </a:rPr>
+                        <a:t>7</a:t>
+                      </a:r>
+                    </a:p>
+                  </a:txBody>
+                  <a:tcPr>
+                    <a:lnL w="12700" cmpd="sng">
+                      <a:noFill/>
+                    </a:lnL>
+                    <a:lnR w="12700" cmpd="sng">
+                      <a:noFill/>
+                    </a:lnR>
+                    <a:lnT w="38100" cap="flat" cmpd="sng" algn="ctr">
+                      <a:solidFill>
+                        <a:schemeClr val="tx1"/>
+                      </a:solidFill>
+                      <a:prstDash val="solid"/>
+                      <a:round/>
+                      <a:headEnd type="none" w="med" len="med"/>
+                      <a:tailEnd type="none" w="med" len="med"/>
+                    </a:lnT>
+                    <a:lnB w="38100" cap="flat" cmpd="sng" algn="ctr">
+                      <a:solidFill>
+                        <a:schemeClr val="tx1"/>
+                      </a:solidFill>
+                      <a:prstDash val="solid"/>
+                      <a:round/>
+                      <a:headEnd type="none" w="med" len="med"/>
+                      <a:tailEnd type="none" w="med" len="med"/>
+                    </a:lnB>
+                    <a:lnTlToBr w="12700" cmpd="sng">
+                      <a:noFill/>
+                      <a:prstDash val="solid"/>
+                    </a:lnTlToBr>
+                    <a:lnBlToTr w="12700" cmpd="sng">
+                      <a:noFill/>
+                      <a:prstDash val="solid"/>
+                    </a:lnBlToTr>
+                    <a:solidFill>
+                      <a:schemeClr val="accent3"/>
+                    </a:solidFill>
+                  </a:tcPr>
+                </a:tc>
+                <a:tc>
+                  <a:txBody>
+                    <a:bodyPr/>
+                    <a:lstStyle/>
+                    <a:p>
+                      <a:pPr algn="ctr"/>
+                      <a:r>
+                        <a:rPr lang="en-HK" dirty="0">
+                          <a:solidFill>
+                            <a:schemeClr val="tx1"/>
+                          </a:solidFill>
+                        </a:rPr>
+                        <a:t>8</a:t>
+                      </a:r>
+                    </a:p>
+                  </a:txBody>
+                  <a:tcPr>
+                    <a:lnL w="12700" cmpd="sng">
+                      <a:noFill/>
+                    </a:lnL>
+                    <a:lnR w="38100" cap="flat" cmpd="sng" algn="ctr">
+                      <a:solidFill>
+                        <a:schemeClr val="tx1"/>
+                      </a:solidFill>
+                      <a:prstDash val="solid"/>
+                      <a:round/>
+                      <a:headEnd type="none" w="med" len="med"/>
+                      <a:tailEnd type="none" w="med" len="med"/>
+                    </a:lnR>
+                    <a:lnT w="38100" cap="flat" cmpd="sng" algn="ctr">
+                      <a:solidFill>
+                        <a:schemeClr val="tx1"/>
+                      </a:solidFill>
+                      <a:prstDash val="solid"/>
+                      <a:round/>
+                      <a:headEnd type="none" w="med" len="med"/>
+                      <a:tailEnd type="none" w="med" len="med"/>
+                    </a:lnT>
+                    <a:lnB w="38100" cap="flat" cmpd="sng" algn="ctr">
+                      <a:solidFill>
+                        <a:schemeClr val="tx1"/>
+                      </a:solidFill>
+                      <a:prstDash val="solid"/>
+                      <a:round/>
+                      <a:headEnd type="none" w="med" len="med"/>
+                      <a:tailEnd type="none" w="med" len="med"/>
+                    </a:lnB>
+                    <a:lnTlToBr w="12700" cmpd="sng">
+                      <a:noFill/>
+                      <a:prstDash val="solid"/>
+                    </a:lnTlToBr>
+                    <a:lnBlToTr w="12700" cmpd="sng">
+                      <a:noFill/>
+                      <a:prstDash val="solid"/>
+                    </a:lnBlToTr>
+                    <a:solidFill>
+                      <a:schemeClr val="accent3"/>
+                    </a:solidFill>
+                  </a:tcPr>
+                </a:tc>
+                <a:tc>
+                  <a:txBody>
+                    <a:bodyPr/>
+                    <a:lstStyle/>
+                    <a:p>
+                      <a:pPr algn="ctr"/>
+                      <a:r>
+                        <a:rPr lang="en-HK" dirty="0">
+                          <a:solidFill>
+                            <a:schemeClr val="tx1"/>
+                          </a:solidFill>
+                        </a:rPr>
+                        <a:t>9</a:t>
+                      </a:r>
+                    </a:p>
+                  </a:txBody>
+                  <a:tcPr>
+                    <a:lnL w="38100" cap="flat" cmpd="sng" algn="ctr">
+                      <a:solidFill>
+                        <a:schemeClr val="tx1"/>
+                      </a:solidFill>
+                      <a:prstDash val="solid"/>
+                      <a:round/>
+                      <a:headEnd type="none" w="med" len="med"/>
+                      <a:tailEnd type="none" w="med" len="med"/>
+                    </a:lnL>
+                    <a:lnR w="38100" cap="flat" cmpd="sng" algn="ctr">
+                      <a:solidFill>
+                        <a:schemeClr val="tx1"/>
+                      </a:solidFill>
+                      <a:prstDash val="solid"/>
+                      <a:round/>
+                      <a:headEnd type="none" w="med" len="med"/>
+                      <a:tailEnd type="none" w="med" len="med"/>
+                    </a:lnR>
+                    <a:lnT w="38100" cap="flat" cmpd="sng" algn="ctr">
+                      <a:solidFill>
+                        <a:schemeClr val="tx1"/>
+                      </a:solidFill>
+                      <a:prstDash val="solid"/>
+                      <a:round/>
+                      <a:headEnd type="none" w="med" len="med"/>
+                      <a:tailEnd type="none" w="med" len="med"/>
+                    </a:lnT>
+                    <a:lnB w="38100" cap="flat" cmpd="sng" algn="ctr">
+                      <a:solidFill>
+                        <a:schemeClr val="tx1"/>
+                      </a:solidFill>
+                      <a:prstDash val="solid"/>
+                      <a:round/>
+                      <a:headEnd type="none" w="med" len="med"/>
+                      <a:tailEnd type="none" w="med" len="med"/>
+                    </a:lnB>
+                    <a:solidFill>
+                      <a:schemeClr val="accent3"/>
+                    </a:solidFill>
+                  </a:tcPr>
+                </a:tc>
+                <a:tc>
+                  <a:txBody>
+                    <a:bodyPr/>
+                    <a:lstStyle/>
+                    <a:p>
+                      <a:pPr algn="ctr"/>
+                      <a:r>
+                        <a:rPr lang="en-HK" dirty="0">
+                          <a:solidFill>
+                            <a:schemeClr val="tx1"/>
+                          </a:solidFill>
+                        </a:rPr>
+                        <a:t>10</a:t>
+                      </a:r>
+                    </a:p>
+                  </a:txBody>
+                  <a:tcPr>
+                    <a:lnL w="38100" cap="flat" cmpd="sng" algn="ctr">
+                      <a:solidFill>
+                        <a:schemeClr val="tx1"/>
+                      </a:solidFill>
+                      <a:prstDash val="solid"/>
+                      <a:round/>
+                      <a:headEnd type="none" w="med" len="med"/>
+                      <a:tailEnd type="none" w="med" len="med"/>
+                    </a:lnL>
+                    <a:lnR w="12700" cmpd="sng">
+                      <a:noFill/>
+                    </a:lnR>
+                    <a:lnT w="38100" cap="flat" cmpd="sng" algn="ctr">
+                      <a:solidFill>
+                        <a:schemeClr val="tx1"/>
+                      </a:solidFill>
+                      <a:prstDash val="solid"/>
+                      <a:round/>
+                      <a:headEnd type="none" w="med" len="med"/>
+                      <a:tailEnd type="none" w="med" len="med"/>
+                    </a:lnT>
+                    <a:lnB w="38100" cap="flat" cmpd="sng" algn="ctr">
+                      <a:solidFill>
+                        <a:schemeClr val="tx1"/>
+                      </a:solidFill>
+                      <a:prstDash val="solid"/>
+                      <a:round/>
+                      <a:headEnd type="none" w="med" len="med"/>
+                      <a:tailEnd type="none" w="med" len="med"/>
+                    </a:lnB>
+                    <a:lnTlToBr w="12700" cmpd="sng">
+                      <a:noFill/>
+                      <a:prstDash val="solid"/>
+                    </a:lnTlToBr>
+                    <a:lnBlToTr w="12700" cmpd="sng">
+                      <a:noFill/>
+                      <a:prstDash val="solid"/>
+                    </a:lnBlToTr>
+                    <a:solidFill>
+                      <a:schemeClr val="accent3"/>
+                    </a:solidFill>
+                  </a:tcPr>
+                </a:tc>
+                <a:tc>
+                  <a:txBody>
+                    <a:bodyPr/>
+                    <a:lstStyle/>
+                    <a:p>
+                      <a:pPr algn="ctr"/>
+                      <a:r>
+                        <a:rPr lang="en-HK" dirty="0">
+                          <a:solidFill>
+                            <a:schemeClr val="tx1"/>
+                          </a:solidFill>
+                        </a:rPr>
+                        <a:t>11</a:t>
+                      </a:r>
+                    </a:p>
+                  </a:txBody>
+                  <a:tcPr>
+                    <a:lnL w="12700" cmpd="sng">
+                      <a:noFill/>
+                    </a:lnL>
+                    <a:lnR w="38100" cap="flat" cmpd="sng" algn="ctr">
+                      <a:solidFill>
+                        <a:schemeClr val="tx1"/>
+                      </a:solidFill>
+                      <a:prstDash val="solid"/>
+                      <a:round/>
+                      <a:headEnd type="none" w="med" len="med"/>
+                      <a:tailEnd type="none" w="med" len="med"/>
+                    </a:lnR>
+                    <a:lnT w="38100" cap="flat" cmpd="sng" algn="ctr">
+                      <a:solidFill>
+                        <a:schemeClr val="tx1"/>
+                      </a:solidFill>
+                      <a:prstDash val="solid"/>
+                      <a:round/>
+                      <a:headEnd type="none" w="med" len="med"/>
+                      <a:tailEnd type="none" w="med" len="med"/>
+                    </a:lnT>
+                    <a:lnB w="38100" cap="flat" cmpd="sng" algn="ctr">
+                      <a:solidFill>
+                        <a:schemeClr val="tx1"/>
+                      </a:solidFill>
+                      <a:prstDash val="solid"/>
+                      <a:round/>
+                      <a:headEnd type="none" w="med" len="med"/>
+                      <a:tailEnd type="none" w="med" len="med"/>
+                    </a:lnB>
+                    <a:lnTlToBr w="12700" cmpd="sng">
+                      <a:noFill/>
+                      <a:prstDash val="solid"/>
+                    </a:lnTlToBr>
+                    <a:lnBlToTr w="12700" cmpd="sng">
+                      <a:noFill/>
+                      <a:prstDash val="solid"/>
+                    </a:lnBlToTr>
+                    <a:solidFill>
+                      <a:schemeClr val="accent3"/>
+                    </a:solidFill>
+                  </a:tcPr>
+                </a:tc>
+                <a:extLst>
+                  <a:ext uri="{0D108BD9-81ED-4DB2-BD59-A6C34878D82A}">
+                    <a16:rowId xmlns:a16="http://schemas.microsoft.com/office/drawing/2014/main" val="2601047344"/>
+                  </a:ext>
+                </a:extLst>
+              </a:tr>
+            </a:tbl>
+          </a:graphicData>
+        </a:graphic>
+      </p:graphicFrame>
+      <p:cxnSp>
+        <p:nvCxnSpPr>
+          <p:cNvPr id="6" name="Straight Arrow Connector 5">
+            <a:extLst>
+              <a:ext uri="{FF2B5EF4-FFF2-40B4-BE49-F238E27FC236}">
+                <a16:creationId xmlns:a16="http://schemas.microsoft.com/office/drawing/2014/main" id="{DFA01926-0260-24E2-E1F6-DCFF0A6FC47E}"/>
+              </a:ext>
+            </a:extLst>
+          </p:cNvPr>
+          <p:cNvCxnSpPr>
+            <a:cxnSpLocks/>
+          </p:cNvCxnSpPr>
+          <p:nvPr/>
+        </p:nvCxnSpPr>
+        <p:spPr>
+          <a:xfrm>
+            <a:off x="3732373" y="3546322"/>
+            <a:ext cx="0" cy="349329"/>
+          </a:xfrm>
+          <a:prstGeom prst="straightConnector1">
+            <a:avLst/>
+          </a:prstGeom>
+          <a:ln w="19050" cap="flat" cmpd="sng" algn="ctr">
+            <a:solidFill>
+              <a:schemeClr val="dk1"/>
+            </a:solidFill>
+            <a:prstDash val="dash"/>
+            <a:round/>
+            <a:headEnd type="none" w="med" len="med"/>
+            <a:tailEnd type="triangle" w="med" len="med"/>
+          </a:ln>
+        </p:spPr>
+        <p:style>
+          <a:lnRef idx="0">
+            <a:scrgbClr r="0" g="0" b="0"/>
+          </a:lnRef>
+          <a:fillRef idx="0">
+            <a:scrgbClr r="0" g="0" b="0"/>
+          </a:fillRef>
+          <a:effectRef idx="0">
+            <a:scrgbClr r="0" g="0" b="0"/>
+          </a:effectRef>
+          <a:fontRef idx="minor">
+            <a:schemeClr val="tx1"/>
+          </a:fontRef>
+        </p:style>
+      </p:cxnSp>
+      <p:sp>
+        <p:nvSpPr>
+          <p:cNvPr id="8" name="Left Brace 7">
+            <a:extLst>
+              <a:ext uri="{FF2B5EF4-FFF2-40B4-BE49-F238E27FC236}">
+                <a16:creationId xmlns:a16="http://schemas.microsoft.com/office/drawing/2014/main" id="{AB40FF92-6DEC-6C13-0596-B15163E55686}"/>
+              </a:ext>
+            </a:extLst>
+          </p:cNvPr>
+          <p:cNvSpPr/>
+          <p:nvPr/>
+        </p:nvSpPr>
+        <p:spPr>
+          <a:xfrm rot="16200000">
+            <a:off x="3279723" y="3844564"/>
+            <a:ext cx="73325" cy="1263291"/>
+          </a:xfrm>
+          <a:prstGeom prst="leftBrace">
+            <a:avLst/>
+          </a:prstGeom>
+          <a:ln>
+            <a:solidFill>
+              <a:schemeClr val="bg2">
+                <a:lumMod val="25000"/>
+              </a:schemeClr>
+            </a:solidFill>
+          </a:ln>
+        </p:spPr>
+        <p:style>
+          <a:lnRef idx="1">
+            <a:schemeClr val="accent2"/>
+          </a:lnRef>
+          <a:fillRef idx="0">
+            <a:schemeClr val="accent2"/>
+          </a:fillRef>
+          <a:effectRef idx="0">
+            <a:schemeClr val="accent2"/>
+          </a:effectRef>
+          <a:fontRef idx="minor">
+            <a:schemeClr val="tx1"/>
+          </a:fontRef>
+        </p:style>
+        <p:txBody>
+          <a:bodyPr rtlCol="0" anchor="ctr"/>
+          <a:lstStyle/>
+          <a:p>
+            <a:pPr algn="ctr"/>
+            <a:endParaRPr lang="en-HK"/>
+          </a:p>
+        </p:txBody>
+      </p:sp>
+      <p:sp>
+        <p:nvSpPr>
+          <p:cNvPr id="9" name="TextBox 8">
+            <a:extLst>
+              <a:ext uri="{FF2B5EF4-FFF2-40B4-BE49-F238E27FC236}">
+                <a16:creationId xmlns:a16="http://schemas.microsoft.com/office/drawing/2014/main" id="{1B180E2A-6C70-05B0-2C61-CDB1EC7A1C7D}"/>
+              </a:ext>
+            </a:extLst>
+          </p:cNvPr>
+          <p:cNvSpPr txBox="1"/>
+          <p:nvPr/>
+        </p:nvSpPr>
+        <p:spPr>
+          <a:xfrm>
+            <a:off x="2845198" y="4512872"/>
+            <a:ext cx="942374" cy="369332"/>
+          </a:xfrm>
+          <a:prstGeom prst="rect">
+            <a:avLst/>
+          </a:prstGeom>
+          <a:noFill/>
+        </p:spPr>
+        <p:txBody>
+          <a:bodyPr wrap="none" rtlCol="0">
+            <a:spAutoFit/>
+          </a:bodyPr>
+          <a:lstStyle/>
+          <a:p>
+            <a:r>
+              <a:rPr lang="en-US" altLang="zh-CN" dirty="0"/>
+              <a:t>Group 1</a:t>
+            </a:r>
+            <a:endParaRPr lang="en-HK" dirty="0"/>
+          </a:p>
+        </p:txBody>
+      </p:sp>
+      <p:sp>
+        <p:nvSpPr>
+          <p:cNvPr id="10" name="Left Brace 9">
+            <a:extLst>
+              <a:ext uri="{FF2B5EF4-FFF2-40B4-BE49-F238E27FC236}">
+                <a16:creationId xmlns:a16="http://schemas.microsoft.com/office/drawing/2014/main" id="{6BF47E86-7D27-0FB3-11EA-B93BE22314FF}"/>
+              </a:ext>
+            </a:extLst>
+          </p:cNvPr>
+          <p:cNvSpPr/>
+          <p:nvPr/>
+        </p:nvSpPr>
+        <p:spPr>
+          <a:xfrm rot="16200000">
+            <a:off x="4338575" y="4066262"/>
+            <a:ext cx="73324" cy="819118"/>
+          </a:xfrm>
+          <a:prstGeom prst="leftBrace">
+            <a:avLst/>
+          </a:prstGeom>
+          <a:ln>
+            <a:solidFill>
+              <a:schemeClr val="bg2">
+                <a:lumMod val="25000"/>
+              </a:schemeClr>
+            </a:solidFill>
+          </a:ln>
+        </p:spPr>
+        <p:style>
+          <a:lnRef idx="1">
+            <a:schemeClr val="accent2"/>
+          </a:lnRef>
+          <a:fillRef idx="0">
+            <a:schemeClr val="accent2"/>
+          </a:fillRef>
+          <a:effectRef idx="0">
+            <a:schemeClr val="accent2"/>
+          </a:effectRef>
+          <a:fontRef idx="minor">
+            <a:schemeClr val="tx1"/>
+          </a:fontRef>
+        </p:style>
+        <p:txBody>
+          <a:bodyPr rtlCol="0" anchor="ctr"/>
+          <a:lstStyle/>
+          <a:p>
+            <a:pPr algn="ctr"/>
+            <a:endParaRPr lang="en-HK"/>
+          </a:p>
+        </p:txBody>
+      </p:sp>
+      <p:sp>
+        <p:nvSpPr>
+          <p:cNvPr id="11" name="TextBox 10">
+            <a:extLst>
+              <a:ext uri="{FF2B5EF4-FFF2-40B4-BE49-F238E27FC236}">
+                <a16:creationId xmlns:a16="http://schemas.microsoft.com/office/drawing/2014/main" id="{F7638400-68ED-FC7F-B9A4-9CBFF30DD1DC}"/>
+              </a:ext>
+            </a:extLst>
+          </p:cNvPr>
+          <p:cNvSpPr txBox="1"/>
+          <p:nvPr/>
+        </p:nvSpPr>
+        <p:spPr>
+          <a:xfrm>
+            <a:off x="3948030" y="4512483"/>
+            <a:ext cx="942374" cy="369332"/>
+          </a:xfrm>
+          <a:prstGeom prst="rect">
+            <a:avLst/>
+          </a:prstGeom>
+          <a:noFill/>
+        </p:spPr>
+        <p:txBody>
+          <a:bodyPr wrap="none" rtlCol="0">
+            <a:spAutoFit/>
+          </a:bodyPr>
+          <a:lstStyle/>
+          <a:p>
+            <a:r>
+              <a:rPr lang="en-US" altLang="zh-CN" dirty="0"/>
+              <a:t>Group 2</a:t>
+            </a:r>
+            <a:endParaRPr lang="en-HK" dirty="0"/>
+          </a:p>
+        </p:txBody>
+      </p:sp>
+      <p:sp>
+        <p:nvSpPr>
+          <p:cNvPr id="13" name="Left Brace 12">
+            <a:extLst>
+              <a:ext uri="{FF2B5EF4-FFF2-40B4-BE49-F238E27FC236}">
+                <a16:creationId xmlns:a16="http://schemas.microsoft.com/office/drawing/2014/main" id="{95F41501-5EE2-E087-9434-C29B7574EB6C}"/>
+              </a:ext>
+            </a:extLst>
+          </p:cNvPr>
+          <p:cNvSpPr/>
+          <p:nvPr/>
+        </p:nvSpPr>
+        <p:spPr>
+          <a:xfrm rot="16200000">
+            <a:off x="5630808" y="3640114"/>
+            <a:ext cx="45719" cy="1661058"/>
+          </a:xfrm>
+          <a:prstGeom prst="leftBrace">
+            <a:avLst/>
+          </a:prstGeom>
+          <a:ln>
+            <a:solidFill>
+              <a:schemeClr val="bg2">
+                <a:lumMod val="25000"/>
+              </a:schemeClr>
+            </a:solidFill>
+          </a:ln>
+        </p:spPr>
+        <p:style>
+          <a:lnRef idx="1">
+            <a:schemeClr val="accent2"/>
+          </a:lnRef>
+          <a:fillRef idx="0">
+            <a:schemeClr val="accent2"/>
+          </a:fillRef>
+          <a:effectRef idx="0">
+            <a:schemeClr val="accent2"/>
+          </a:effectRef>
+          <a:fontRef idx="minor">
+            <a:schemeClr val="tx1"/>
+          </a:fontRef>
+        </p:style>
+        <p:txBody>
+          <a:bodyPr rtlCol="0" anchor="ctr"/>
+          <a:lstStyle/>
+          <a:p>
+            <a:pPr algn="ctr"/>
+            <a:endParaRPr lang="en-HK"/>
+          </a:p>
+        </p:txBody>
+      </p:sp>
+      <p:sp>
+        <p:nvSpPr>
+          <p:cNvPr id="14" name="TextBox 13">
+            <a:extLst>
+              <a:ext uri="{FF2B5EF4-FFF2-40B4-BE49-F238E27FC236}">
+                <a16:creationId xmlns:a16="http://schemas.microsoft.com/office/drawing/2014/main" id="{72680AD4-12E8-CEF1-FE99-059D4EECFD02}"/>
+              </a:ext>
+            </a:extLst>
+          </p:cNvPr>
+          <p:cNvSpPr txBox="1"/>
+          <p:nvPr/>
+        </p:nvSpPr>
+        <p:spPr>
+          <a:xfrm>
+            <a:off x="5162996" y="4486469"/>
+            <a:ext cx="1239095" cy="369332"/>
+          </a:xfrm>
+          <a:prstGeom prst="rect">
+            <a:avLst/>
+          </a:prstGeom>
+          <a:noFill/>
+        </p:spPr>
+        <p:txBody>
+          <a:bodyPr wrap="square" rtlCol="0">
+            <a:spAutoFit/>
+          </a:bodyPr>
+          <a:lstStyle/>
+          <a:p>
+            <a:r>
+              <a:rPr lang="en-US" altLang="zh-CN" dirty="0"/>
+              <a:t>Group 3</a:t>
+            </a:r>
+            <a:endParaRPr lang="en-HK" dirty="0"/>
+          </a:p>
+        </p:txBody>
+      </p:sp>
+      <p:sp>
+        <p:nvSpPr>
+          <p:cNvPr id="15" name="Left Brace 14">
+            <a:extLst>
+              <a:ext uri="{FF2B5EF4-FFF2-40B4-BE49-F238E27FC236}">
+                <a16:creationId xmlns:a16="http://schemas.microsoft.com/office/drawing/2014/main" id="{B64A5002-0E92-769F-2521-CB06ADA0EEFC}"/>
+              </a:ext>
+            </a:extLst>
+          </p:cNvPr>
+          <p:cNvSpPr/>
+          <p:nvPr/>
+        </p:nvSpPr>
+        <p:spPr>
+          <a:xfrm rot="16200000">
+            <a:off x="6904056" y="4062812"/>
+            <a:ext cx="45720" cy="819117"/>
+          </a:xfrm>
+          <a:prstGeom prst="leftBrace">
+            <a:avLst/>
+          </a:prstGeom>
+          <a:ln>
+            <a:solidFill>
+              <a:schemeClr val="bg2">
+                <a:lumMod val="25000"/>
+              </a:schemeClr>
+            </a:solidFill>
+          </a:ln>
+        </p:spPr>
+        <p:style>
+          <a:lnRef idx="1">
+            <a:schemeClr val="accent2"/>
+          </a:lnRef>
+          <a:fillRef idx="0">
+            <a:schemeClr val="accent2"/>
+          </a:fillRef>
+          <a:effectRef idx="0">
+            <a:schemeClr val="accent2"/>
+          </a:effectRef>
+          <a:fontRef idx="minor">
+            <a:schemeClr val="tx1"/>
+          </a:fontRef>
+        </p:style>
+        <p:txBody>
+          <a:bodyPr rtlCol="0" anchor="ctr"/>
+          <a:lstStyle/>
+          <a:p>
+            <a:pPr algn="ctr"/>
+            <a:endParaRPr lang="en-HK"/>
+          </a:p>
+        </p:txBody>
+      </p:sp>
+      <p:sp>
+        <p:nvSpPr>
+          <p:cNvPr id="16" name="TextBox 15">
+            <a:extLst>
+              <a:ext uri="{FF2B5EF4-FFF2-40B4-BE49-F238E27FC236}">
+                <a16:creationId xmlns:a16="http://schemas.microsoft.com/office/drawing/2014/main" id="{3E33B031-81B6-561D-9B76-773FE5A549DF}"/>
+              </a:ext>
+            </a:extLst>
+          </p:cNvPr>
+          <p:cNvSpPr txBox="1"/>
+          <p:nvPr/>
+        </p:nvSpPr>
+        <p:spPr>
+          <a:xfrm>
+            <a:off x="6440433" y="4486469"/>
+            <a:ext cx="972966" cy="369332"/>
+          </a:xfrm>
+          <a:prstGeom prst="rect">
+            <a:avLst/>
+          </a:prstGeom>
+          <a:noFill/>
+        </p:spPr>
+        <p:txBody>
+          <a:bodyPr wrap="square" rtlCol="0">
+            <a:spAutoFit/>
+          </a:bodyPr>
+          <a:lstStyle/>
+          <a:p>
+            <a:r>
+              <a:rPr lang="en-US" altLang="zh-CN" dirty="0"/>
+              <a:t>Group 4</a:t>
+            </a:r>
+            <a:endParaRPr lang="en-HK" dirty="0"/>
+          </a:p>
+        </p:txBody>
+      </p:sp>
+      <p:cxnSp>
+        <p:nvCxnSpPr>
+          <p:cNvPr id="18" name="Straight Arrow Connector 17">
+            <a:extLst>
+              <a:ext uri="{FF2B5EF4-FFF2-40B4-BE49-F238E27FC236}">
+                <a16:creationId xmlns:a16="http://schemas.microsoft.com/office/drawing/2014/main" id="{3BC1EB08-8E90-05A8-5F27-FF3B455715CA}"/>
+              </a:ext>
+            </a:extLst>
+          </p:cNvPr>
+          <p:cNvCxnSpPr>
+            <a:cxnSpLocks/>
+          </p:cNvCxnSpPr>
+          <p:nvPr/>
+        </p:nvCxnSpPr>
+        <p:spPr>
+          <a:xfrm>
+            <a:off x="4592138" y="3529070"/>
+            <a:ext cx="0" cy="349329"/>
+          </a:xfrm>
+          <a:prstGeom prst="straightConnector1">
+            <a:avLst/>
+          </a:prstGeom>
+          <a:ln w="19050" cap="flat" cmpd="sng" algn="ctr">
+            <a:solidFill>
+              <a:schemeClr val="dk1"/>
+            </a:solidFill>
+            <a:prstDash val="dash"/>
+            <a:round/>
+            <a:headEnd type="none" w="med" len="med"/>
+            <a:tailEnd type="triangle" w="med" len="med"/>
+          </a:ln>
+        </p:spPr>
+        <p:style>
+          <a:lnRef idx="0">
+            <a:scrgbClr r="0" g="0" b="0"/>
+          </a:lnRef>
+          <a:fillRef idx="0">
+            <a:scrgbClr r="0" g="0" b="0"/>
+          </a:fillRef>
+          <a:effectRef idx="0">
+            <a:scrgbClr r="0" g="0" b="0"/>
+          </a:effectRef>
+          <a:fontRef idx="minor">
+            <a:schemeClr val="tx1"/>
+          </a:fontRef>
+        </p:style>
+      </p:cxnSp>
+      <p:cxnSp>
+        <p:nvCxnSpPr>
+          <p:cNvPr id="26" name="Straight Arrow Connector 25">
+            <a:extLst>
+              <a:ext uri="{FF2B5EF4-FFF2-40B4-BE49-F238E27FC236}">
+                <a16:creationId xmlns:a16="http://schemas.microsoft.com/office/drawing/2014/main" id="{18F66881-0150-3C33-EACB-F4F870D9CE74}"/>
+              </a:ext>
+            </a:extLst>
+          </p:cNvPr>
+          <p:cNvCxnSpPr>
+            <a:cxnSpLocks/>
+          </p:cNvCxnSpPr>
+          <p:nvPr/>
+        </p:nvCxnSpPr>
+        <p:spPr>
+          <a:xfrm>
+            <a:off x="6275569" y="3529070"/>
+            <a:ext cx="0" cy="349329"/>
+          </a:xfrm>
+          <a:prstGeom prst="straightConnector1">
+            <a:avLst/>
+          </a:prstGeom>
+          <a:ln w="19050" cap="flat" cmpd="sng" algn="ctr">
+            <a:solidFill>
+              <a:schemeClr val="dk1"/>
+            </a:solidFill>
+            <a:prstDash val="dash"/>
+            <a:round/>
+            <a:headEnd type="none" w="med" len="med"/>
+            <a:tailEnd type="triangle" w="med" len="med"/>
+          </a:ln>
+        </p:spPr>
+        <p:style>
+          <a:lnRef idx="0">
+            <a:scrgbClr r="0" g="0" b="0"/>
+          </a:lnRef>
+          <a:fillRef idx="0">
+            <a:scrgbClr r="0" g="0" b="0"/>
+          </a:fillRef>
+          <a:effectRef idx="0">
+            <a:scrgbClr r="0" g="0" b="0"/>
+          </a:effectRef>
+          <a:fontRef idx="minor">
+            <a:schemeClr val="tx1"/>
+          </a:fontRef>
+        </p:style>
+      </p:cxnSp>
+      <p:sp>
+        <p:nvSpPr>
+          <p:cNvPr id="30" name="TextBox 29">
+            <a:extLst>
+              <a:ext uri="{FF2B5EF4-FFF2-40B4-BE49-F238E27FC236}">
+                <a16:creationId xmlns:a16="http://schemas.microsoft.com/office/drawing/2014/main" id="{5379F649-D051-A00E-979D-A33E471B98EE}"/>
+              </a:ext>
+            </a:extLst>
+          </p:cNvPr>
+          <p:cNvSpPr txBox="1"/>
+          <p:nvPr/>
+        </p:nvSpPr>
+        <p:spPr>
+          <a:xfrm>
+            <a:off x="7496533" y="3158230"/>
+            <a:ext cx="1828514" cy="369332"/>
+          </a:xfrm>
+          <a:prstGeom prst="rect">
+            <a:avLst/>
+          </a:prstGeom>
+          <a:noFill/>
+        </p:spPr>
+        <p:txBody>
+          <a:bodyPr wrap="none" rtlCol="0">
+            <a:spAutoFit/>
+          </a:bodyPr>
+          <a:lstStyle/>
+          <a:p>
+            <a:r>
+              <a:rPr lang="en-HK" dirty="0"/>
+              <a:t>Physical seat plan</a:t>
+            </a:r>
+          </a:p>
+        </p:txBody>
+      </p:sp>
+      <p:sp>
+        <p:nvSpPr>
+          <p:cNvPr id="37" name="TextBox 36">
+            <a:extLst>
+              <a:ext uri="{FF2B5EF4-FFF2-40B4-BE49-F238E27FC236}">
+                <a16:creationId xmlns:a16="http://schemas.microsoft.com/office/drawing/2014/main" id="{1E5B217D-7A10-E8FE-0E50-DA2AE292835C}"/>
+              </a:ext>
+            </a:extLst>
+          </p:cNvPr>
+          <p:cNvSpPr txBox="1"/>
+          <p:nvPr/>
+        </p:nvSpPr>
+        <p:spPr>
+          <a:xfrm>
+            <a:off x="7439465" y="3977734"/>
+            <a:ext cx="1942648" cy="369332"/>
+          </a:xfrm>
+          <a:prstGeom prst="rect">
+            <a:avLst/>
+          </a:prstGeom>
+          <a:noFill/>
+        </p:spPr>
+        <p:txBody>
+          <a:bodyPr wrap="none" rtlCol="0">
+            <a:spAutoFit/>
+          </a:bodyPr>
+          <a:lstStyle/>
+          <a:p>
+            <a:r>
+              <a:rPr lang="en-HK" dirty="0"/>
+              <a:t>Model of seat plan</a:t>
+            </a:r>
+          </a:p>
+        </p:txBody>
+      </p:sp>
+    </p:spTree>
+    <p:extLst>
+      <p:ext uri="{BB962C8B-B14F-4D97-AF65-F5344CB8AC3E}">
+        <p14:creationId xmlns:p14="http://schemas.microsoft.com/office/powerpoint/2010/main" val="1641998444"/>
+      </p:ext>
+    </p:extLst>
+  </p:cSld>
+  <p:clrMapOvr>
+    <a:masterClrMapping/>
+  </p:clrMapOvr>
+</p:sld>
+</file>
+
+<file path=ppt/slides/slide14.xml><?xml version="1.0" encoding="utf-8"?>
+<p:sld xmlns:a="http://schemas.openxmlformats.org/drawingml/2006/main" xmlns:r="http://schemas.openxmlformats.org/officeDocument/2006/relationships" xmlns:p="http://schemas.openxmlformats.org/presentationml/2006/main">
+  <p:cSld>
+    <p:spTree>
+      <p:nvGrpSpPr>
         <p:cNvPr id="1" name=""/>
         <p:cNvGrpSpPr/>
         <p:nvPr/>
@@ -15982,7 +17693,7 @@
 </p:sld>
 </file>
 
-<file path=ppt/slides/slide14.xml><?xml version="1.0" encoding="utf-8"?>
+<file path=ppt/slides/slide15.xml><?xml version="1.0" encoding="utf-8"?>
 <p:sld xmlns:a="http://schemas.openxmlformats.org/drawingml/2006/main" xmlns:r="http://schemas.openxmlformats.org/officeDocument/2006/relationships" xmlns:p="http://schemas.openxmlformats.org/presentationml/2006/main">
   <p:cSld>
     <p:spTree>
@@ -19211,7 +20922,7 @@
 </p:sld>
 </file>
 
-<file path=ppt/slides/slide15.xml><?xml version="1.0" encoding="utf-8"?>
+<file path=ppt/slides/slide16.xml><?xml version="1.0" encoding="utf-8"?>
 <p:sld xmlns:a="http://schemas.openxmlformats.org/drawingml/2006/main" xmlns:r="http://schemas.openxmlformats.org/officeDocument/2006/relationships" xmlns:p="http://schemas.openxmlformats.org/presentationml/2006/main">
   <p:cSld>
     <p:spTree>
@@ -22342,7 +24053,7 @@
 </p:sld>
 </file>
 
-<file path=ppt/slides/slide16.xml><?xml version="1.0" encoding="utf-8"?>
+<file path=ppt/slides/slide17.xml><?xml version="1.0" encoding="utf-8"?>
 <p:sld xmlns:a="http://schemas.openxmlformats.org/drawingml/2006/main" xmlns:r="http://schemas.openxmlformats.org/officeDocument/2006/relationships" xmlns:p="http://schemas.openxmlformats.org/presentationml/2006/main">
   <p:cSld>
     <p:spTree>
@@ -24466,13 +26177,13 @@
           <p:nvPr>
             <p:extLst>
               <p:ext uri="{D42A27DB-BD31-4B8C-83A1-F6EECF244321}">
-                <p14:modId xmlns:p14="http://schemas.microsoft.com/office/powerpoint/2010/main" val="2614978906"/>
+                <p14:modId xmlns:p14="http://schemas.microsoft.com/office/powerpoint/2010/main" val="2258017584"/>
               </p:ext>
             </p:extLst>
           </p:nvPr>
         </p:nvGraphicFramePr>
         <p:xfrm>
-          <a:off x="2106749" y="1852773"/>
+          <a:off x="2106749" y="1593989"/>
           <a:ext cx="6723822" cy="370840"/>
         </p:xfrm>
         <a:graphic>
@@ -24640,27 +26351,27 @@
                     </a:p>
                   </a:txBody>
                   <a:tcPr>
-                    <a:lnL w="12700" cap="flat" cmpd="sng" algn="ctr">
-                      <a:solidFill>
-                        <a:srgbClr val="FF0000"/>
+                    <a:lnL w="38100" cap="flat" cmpd="sng" algn="ctr">
+                      <a:solidFill>
+                        <a:schemeClr val="tx1"/>
                       </a:solidFill>
                       <a:prstDash val="solid"/>
                       <a:round/>
                       <a:headEnd type="none" w="med" len="med"/>
                       <a:tailEnd type="none" w="med" len="med"/>
                     </a:lnL>
-                    <a:lnT w="12700" cap="flat" cmpd="sng" algn="ctr">
-                      <a:solidFill>
-                        <a:srgbClr val="FF0000"/>
+                    <a:lnT w="38100" cap="flat" cmpd="sng" algn="ctr">
+                      <a:solidFill>
+                        <a:schemeClr val="tx1"/>
                       </a:solidFill>
                       <a:prstDash val="solid"/>
                       <a:round/>
                       <a:headEnd type="none" w="med" len="med"/>
                       <a:tailEnd type="none" w="med" len="med"/>
                     </a:lnT>
-                    <a:lnB w="12700" cap="flat" cmpd="sng" algn="ctr">
-                      <a:solidFill>
-                        <a:srgbClr val="FF0000"/>
+                    <a:lnB w="38100" cap="flat" cmpd="sng" algn="ctr">
+                      <a:solidFill>
+                        <a:schemeClr val="tx1"/>
                       </a:solidFill>
                       <a:prstDash val="solid"/>
                       <a:round/>
@@ -24668,34 +26379,31 @@
                       <a:tailEnd type="none" w="med" len="med"/>
                     </a:lnB>
                     <a:solidFill>
-                      <a:schemeClr val="accent2">
-                        <a:lumMod val="40000"/>
-                        <a:lumOff val="60000"/>
-                      </a:schemeClr>
-                    </a:solidFill>
-                  </a:tcPr>
-                </a:tc>
-                <a:tc>
-                  <a:txBody>
-                    <a:bodyPr/>
-                    <a:lstStyle/>
-                    <a:p>
-                      <a:endParaRPr lang="en-HK" dirty="0"/>
-                    </a:p>
-                  </a:txBody>
-                  <a:tcPr>
-                    <a:lnT w="12700" cap="flat" cmpd="sng" algn="ctr">
-                      <a:solidFill>
-                        <a:srgbClr val="FF0000"/>
+                      <a:schemeClr val="accent3"/>
+                    </a:solidFill>
+                  </a:tcPr>
+                </a:tc>
+                <a:tc>
+                  <a:txBody>
+                    <a:bodyPr/>
+                    <a:lstStyle/>
+                    <a:p>
+                      <a:endParaRPr lang="en-HK" dirty="0"/>
+                    </a:p>
+                  </a:txBody>
+                  <a:tcPr>
+                    <a:lnT w="38100" cap="flat" cmpd="sng" algn="ctr">
+                      <a:solidFill>
+                        <a:schemeClr val="tx1"/>
                       </a:solidFill>
                       <a:prstDash val="solid"/>
                       <a:round/>
                       <a:headEnd type="none" w="med" len="med"/>
                       <a:tailEnd type="none" w="med" len="med"/>
                     </a:lnT>
-                    <a:lnB w="12700" cap="flat" cmpd="sng" algn="ctr">
-                      <a:solidFill>
-                        <a:srgbClr val="FF0000"/>
+                    <a:lnB w="38100" cap="flat" cmpd="sng" algn="ctr">
+                      <a:solidFill>
+                        <a:schemeClr val="tx1"/>
                       </a:solidFill>
                       <a:prstDash val="solid"/>
                       <a:round/>
@@ -24703,34 +26411,31 @@
                       <a:tailEnd type="none" w="med" len="med"/>
                     </a:lnB>
                     <a:solidFill>
-                      <a:schemeClr val="accent2">
-                        <a:lumMod val="40000"/>
-                        <a:lumOff val="60000"/>
-                      </a:schemeClr>
-                    </a:solidFill>
-                  </a:tcPr>
-                </a:tc>
-                <a:tc>
-                  <a:txBody>
-                    <a:bodyPr/>
-                    <a:lstStyle/>
-                    <a:p>
-                      <a:endParaRPr lang="en-HK" dirty="0"/>
-                    </a:p>
-                  </a:txBody>
-                  <a:tcPr>
-                    <a:lnT w="12700" cap="flat" cmpd="sng" algn="ctr">
-                      <a:solidFill>
-                        <a:srgbClr val="FF0000"/>
+                      <a:schemeClr val="accent3"/>
+                    </a:solidFill>
+                  </a:tcPr>
+                </a:tc>
+                <a:tc>
+                  <a:txBody>
+                    <a:bodyPr/>
+                    <a:lstStyle/>
+                    <a:p>
+                      <a:endParaRPr lang="en-HK" dirty="0"/>
+                    </a:p>
+                  </a:txBody>
+                  <a:tcPr>
+                    <a:lnT w="38100" cap="flat" cmpd="sng" algn="ctr">
+                      <a:solidFill>
+                        <a:schemeClr val="tx1"/>
                       </a:solidFill>
                       <a:prstDash val="solid"/>
                       <a:round/>
                       <a:headEnd type="none" w="med" len="med"/>
                       <a:tailEnd type="none" w="med" len="med"/>
                     </a:lnT>
-                    <a:lnB w="12700" cap="flat" cmpd="sng" algn="ctr">
-                      <a:solidFill>
-                        <a:srgbClr val="FF0000"/>
+                    <a:lnB w="38100" cap="flat" cmpd="sng" algn="ctr">
+                      <a:solidFill>
+                        <a:schemeClr val="tx1"/>
                       </a:solidFill>
                       <a:prstDash val="solid"/>
                       <a:round/>
@@ -24738,34 +26443,31 @@
                       <a:tailEnd type="none" w="med" len="med"/>
                     </a:lnB>
                     <a:solidFill>
-                      <a:schemeClr val="accent2">
-                        <a:lumMod val="40000"/>
-                        <a:lumOff val="60000"/>
-                      </a:schemeClr>
-                    </a:solidFill>
-                  </a:tcPr>
-                </a:tc>
-                <a:tc>
-                  <a:txBody>
-                    <a:bodyPr/>
-                    <a:lstStyle/>
-                    <a:p>
-                      <a:endParaRPr lang="en-HK" dirty="0"/>
-                    </a:p>
-                  </a:txBody>
-                  <a:tcPr>
-                    <a:lnT w="12700" cap="flat" cmpd="sng" algn="ctr">
-                      <a:solidFill>
-                        <a:srgbClr val="FF0000"/>
+                      <a:schemeClr val="accent3"/>
+                    </a:solidFill>
+                  </a:tcPr>
+                </a:tc>
+                <a:tc>
+                  <a:txBody>
+                    <a:bodyPr/>
+                    <a:lstStyle/>
+                    <a:p>
+                      <a:endParaRPr lang="en-HK" dirty="0"/>
+                    </a:p>
+                  </a:txBody>
+                  <a:tcPr>
+                    <a:lnT w="38100" cap="flat" cmpd="sng" algn="ctr">
+                      <a:solidFill>
+                        <a:schemeClr val="tx1"/>
                       </a:solidFill>
                       <a:prstDash val="solid"/>
                       <a:round/>
                       <a:headEnd type="none" w="med" len="med"/>
                       <a:tailEnd type="none" w="med" len="med"/>
                     </a:lnT>
-                    <a:lnB w="12700" cap="flat" cmpd="sng" algn="ctr">
-                      <a:solidFill>
-                        <a:srgbClr val="FF0000"/>
+                    <a:lnB w="38100" cap="flat" cmpd="sng" algn="ctr">
+                      <a:solidFill>
+                        <a:schemeClr val="tx1"/>
                       </a:solidFill>
                       <a:prstDash val="solid"/>
                       <a:round/>
@@ -24773,43 +26475,40 @@
                       <a:tailEnd type="none" w="med" len="med"/>
                     </a:lnB>
                     <a:solidFill>
-                      <a:schemeClr val="accent2">
-                        <a:lumMod val="40000"/>
-                        <a:lumOff val="60000"/>
-                      </a:schemeClr>
-                    </a:solidFill>
-                  </a:tcPr>
-                </a:tc>
-                <a:tc>
-                  <a:txBody>
-                    <a:bodyPr/>
-                    <a:lstStyle/>
-                    <a:p>
-                      <a:endParaRPr lang="en-HK" dirty="0"/>
-                    </a:p>
-                  </a:txBody>
-                  <a:tcPr>
-                    <a:lnR w="12700" cap="flat" cmpd="sng" algn="ctr">
-                      <a:solidFill>
-                        <a:srgbClr val="FF0000"/>
+                      <a:schemeClr val="accent3"/>
+                    </a:solidFill>
+                  </a:tcPr>
+                </a:tc>
+                <a:tc>
+                  <a:txBody>
+                    <a:bodyPr/>
+                    <a:lstStyle/>
+                    <a:p>
+                      <a:endParaRPr lang="en-HK" dirty="0"/>
+                    </a:p>
+                  </a:txBody>
+                  <a:tcPr>
+                    <a:lnR w="38100" cap="flat" cmpd="sng" algn="ctr">
+                      <a:solidFill>
+                        <a:schemeClr val="tx1"/>
                       </a:solidFill>
                       <a:prstDash val="solid"/>
                       <a:round/>
                       <a:headEnd type="none" w="med" len="med"/>
                       <a:tailEnd type="none" w="med" len="med"/>
                     </a:lnR>
-                    <a:lnT w="12700" cap="flat" cmpd="sng" algn="ctr">
-                      <a:solidFill>
-                        <a:srgbClr val="FF0000"/>
+                    <a:lnT w="38100" cap="flat" cmpd="sng" algn="ctr">
+                      <a:solidFill>
+                        <a:schemeClr val="tx1"/>
                       </a:solidFill>
                       <a:prstDash val="solid"/>
                       <a:round/>
                       <a:headEnd type="none" w="med" len="med"/>
                       <a:tailEnd type="none" w="med" len="med"/>
                     </a:lnT>
-                    <a:lnB w="12700" cap="flat" cmpd="sng" algn="ctr">
-                      <a:solidFill>
-                        <a:srgbClr val="FF0000"/>
+                    <a:lnB w="38100" cap="flat" cmpd="sng" algn="ctr">
+                      <a:solidFill>
+                        <a:schemeClr val="tx1"/>
                       </a:solidFill>
                       <a:prstDash val="solid"/>
                       <a:round/>
@@ -24817,43 +26516,40 @@
                       <a:tailEnd type="none" w="med" len="med"/>
                     </a:lnB>
                     <a:solidFill>
-                      <a:schemeClr val="accent1">
-                        <a:lumMod val="40000"/>
-                        <a:lumOff val="60000"/>
-                      </a:schemeClr>
-                    </a:solidFill>
-                  </a:tcPr>
-                </a:tc>
-                <a:tc>
-                  <a:txBody>
-                    <a:bodyPr/>
-                    <a:lstStyle/>
-                    <a:p>
-                      <a:endParaRPr lang="en-HK" dirty="0"/>
-                    </a:p>
-                  </a:txBody>
-                  <a:tcPr>
-                    <a:lnL w="12700" cap="flat" cmpd="sng" algn="ctr">
-                      <a:solidFill>
-                        <a:srgbClr val="FF0000"/>
+                      <a:schemeClr val="bg1"/>
+                    </a:solidFill>
+                  </a:tcPr>
+                </a:tc>
+                <a:tc>
+                  <a:txBody>
+                    <a:bodyPr/>
+                    <a:lstStyle/>
+                    <a:p>
+                      <a:endParaRPr lang="en-HK" dirty="0"/>
+                    </a:p>
+                  </a:txBody>
+                  <a:tcPr>
+                    <a:lnL w="38100" cap="flat" cmpd="sng" algn="ctr">
+                      <a:solidFill>
+                        <a:schemeClr val="tx1"/>
                       </a:solidFill>
                       <a:prstDash val="solid"/>
                       <a:round/>
                       <a:headEnd type="none" w="med" len="med"/>
                       <a:tailEnd type="none" w="med" len="med"/>
                     </a:lnL>
-                    <a:lnT w="12700" cap="flat" cmpd="sng" algn="ctr">
-                      <a:solidFill>
-                        <a:srgbClr val="FF0000"/>
+                    <a:lnT w="38100" cap="flat" cmpd="sng" algn="ctr">
+                      <a:solidFill>
+                        <a:schemeClr val="tx1"/>
                       </a:solidFill>
                       <a:prstDash val="solid"/>
                       <a:round/>
                       <a:headEnd type="none" w="med" len="med"/>
                       <a:tailEnd type="none" w="med" len="med"/>
                     </a:lnT>
-                    <a:lnB w="12700" cap="flat" cmpd="sng" algn="ctr">
-                      <a:solidFill>
-                        <a:srgbClr val="FF0000"/>
+                    <a:lnB w="38100" cap="flat" cmpd="sng" algn="ctr">
+                      <a:solidFill>
+                        <a:schemeClr val="tx1"/>
                       </a:solidFill>
                       <a:prstDash val="solid"/>
                       <a:round/>
@@ -24861,34 +26557,31 @@
                       <a:tailEnd type="none" w="med" len="med"/>
                     </a:lnB>
                     <a:solidFill>
-                      <a:schemeClr val="accent2">
-                        <a:lumMod val="40000"/>
-                        <a:lumOff val="60000"/>
-                      </a:schemeClr>
-                    </a:solidFill>
-                  </a:tcPr>
-                </a:tc>
-                <a:tc>
-                  <a:txBody>
-                    <a:bodyPr/>
-                    <a:lstStyle/>
-                    <a:p>
-                      <a:endParaRPr lang="en-HK" dirty="0"/>
-                    </a:p>
-                  </a:txBody>
-                  <a:tcPr>
-                    <a:lnT w="12700" cap="flat" cmpd="sng" algn="ctr">
-                      <a:solidFill>
-                        <a:srgbClr val="FF0000"/>
+                      <a:schemeClr val="accent3"/>
+                    </a:solidFill>
+                  </a:tcPr>
+                </a:tc>
+                <a:tc>
+                  <a:txBody>
+                    <a:bodyPr/>
+                    <a:lstStyle/>
+                    <a:p>
+                      <a:endParaRPr lang="en-HK" dirty="0"/>
+                    </a:p>
+                  </a:txBody>
+                  <a:tcPr>
+                    <a:lnT w="38100" cap="flat" cmpd="sng" algn="ctr">
+                      <a:solidFill>
+                        <a:schemeClr val="tx1"/>
                       </a:solidFill>
                       <a:prstDash val="solid"/>
                       <a:round/>
                       <a:headEnd type="none" w="med" len="med"/>
                       <a:tailEnd type="none" w="med" len="med"/>
                     </a:lnT>
-                    <a:lnB w="12700" cap="flat" cmpd="sng" algn="ctr">
-                      <a:solidFill>
-                        <a:srgbClr val="FF0000"/>
+                    <a:lnB w="38100" cap="flat" cmpd="sng" algn="ctr">
+                      <a:solidFill>
+                        <a:schemeClr val="tx1"/>
                       </a:solidFill>
                       <a:prstDash val="solid"/>
                       <a:round/>
@@ -24896,34 +26589,31 @@
                       <a:tailEnd type="none" w="med" len="med"/>
                     </a:lnB>
                     <a:solidFill>
-                      <a:schemeClr val="accent2">
-                        <a:lumMod val="40000"/>
-                        <a:lumOff val="60000"/>
-                      </a:schemeClr>
-                    </a:solidFill>
-                  </a:tcPr>
-                </a:tc>
-                <a:tc>
-                  <a:txBody>
-                    <a:bodyPr/>
-                    <a:lstStyle/>
-                    <a:p>
-                      <a:endParaRPr lang="en-HK" dirty="0"/>
-                    </a:p>
-                  </a:txBody>
-                  <a:tcPr>
-                    <a:lnT w="12700" cap="flat" cmpd="sng" algn="ctr">
-                      <a:solidFill>
-                        <a:srgbClr val="FF0000"/>
+                      <a:schemeClr val="accent3"/>
+                    </a:solidFill>
+                  </a:tcPr>
+                </a:tc>
+                <a:tc>
+                  <a:txBody>
+                    <a:bodyPr/>
+                    <a:lstStyle/>
+                    <a:p>
+                      <a:endParaRPr lang="en-HK" dirty="0"/>
+                    </a:p>
+                  </a:txBody>
+                  <a:tcPr>
+                    <a:lnT w="38100" cap="flat" cmpd="sng" algn="ctr">
+                      <a:solidFill>
+                        <a:schemeClr val="tx1"/>
                       </a:solidFill>
                       <a:prstDash val="solid"/>
                       <a:round/>
                       <a:headEnd type="none" w="med" len="med"/>
                       <a:tailEnd type="none" w="med" len="med"/>
                     </a:lnT>
-                    <a:lnB w="12700" cap="flat" cmpd="sng" algn="ctr">
-                      <a:solidFill>
-                        <a:srgbClr val="FF0000"/>
+                    <a:lnB w="38100" cap="flat" cmpd="sng" algn="ctr">
+                      <a:solidFill>
+                        <a:schemeClr val="tx1"/>
                       </a:solidFill>
                       <a:prstDash val="solid"/>
                       <a:round/>
@@ -24931,34 +26621,31 @@
                       <a:tailEnd type="none" w="med" len="med"/>
                     </a:lnB>
                     <a:solidFill>
-                      <a:schemeClr val="accent2">
-                        <a:lumMod val="40000"/>
-                        <a:lumOff val="60000"/>
-                      </a:schemeClr>
-                    </a:solidFill>
-                  </a:tcPr>
-                </a:tc>
-                <a:tc>
-                  <a:txBody>
-                    <a:bodyPr/>
-                    <a:lstStyle/>
-                    <a:p>
-                      <a:endParaRPr lang="en-HK" dirty="0"/>
-                    </a:p>
-                  </a:txBody>
-                  <a:tcPr>
-                    <a:lnT w="12700" cap="flat" cmpd="sng" algn="ctr">
-                      <a:solidFill>
-                        <a:srgbClr val="FF0000"/>
+                      <a:schemeClr val="accent3"/>
+                    </a:solidFill>
+                  </a:tcPr>
+                </a:tc>
+                <a:tc>
+                  <a:txBody>
+                    <a:bodyPr/>
+                    <a:lstStyle/>
+                    <a:p>
+                      <a:endParaRPr lang="en-HK" dirty="0"/>
+                    </a:p>
+                  </a:txBody>
+                  <a:tcPr>
+                    <a:lnT w="38100" cap="flat" cmpd="sng" algn="ctr">
+                      <a:solidFill>
+                        <a:schemeClr val="tx1"/>
                       </a:solidFill>
                       <a:prstDash val="solid"/>
                       <a:round/>
                       <a:headEnd type="none" w="med" len="med"/>
                       <a:tailEnd type="none" w="med" len="med"/>
                     </a:lnT>
-                    <a:lnB w="12700" cap="flat" cmpd="sng" algn="ctr">
-                      <a:solidFill>
-                        <a:srgbClr val="FF0000"/>
+                    <a:lnB w="38100" cap="flat" cmpd="sng" algn="ctr">
+                      <a:solidFill>
+                        <a:schemeClr val="tx1"/>
                       </a:solidFill>
                       <a:prstDash val="solid"/>
                       <a:round/>
@@ -24966,43 +26653,40 @@
                       <a:tailEnd type="none" w="med" len="med"/>
                     </a:lnB>
                     <a:solidFill>
-                      <a:schemeClr val="accent2">
-                        <a:lumMod val="40000"/>
-                        <a:lumOff val="60000"/>
-                      </a:schemeClr>
-                    </a:solidFill>
-                  </a:tcPr>
-                </a:tc>
-                <a:tc>
-                  <a:txBody>
-                    <a:bodyPr/>
-                    <a:lstStyle/>
-                    <a:p>
-                      <a:endParaRPr lang="en-HK" dirty="0"/>
-                    </a:p>
-                  </a:txBody>
-                  <a:tcPr>
-                    <a:lnR w="12700" cap="flat" cmpd="sng" algn="ctr">
-                      <a:solidFill>
-                        <a:srgbClr val="FF0000"/>
+                      <a:schemeClr val="accent3"/>
+                    </a:solidFill>
+                  </a:tcPr>
+                </a:tc>
+                <a:tc>
+                  <a:txBody>
+                    <a:bodyPr/>
+                    <a:lstStyle/>
+                    <a:p>
+                      <a:endParaRPr lang="en-HK" dirty="0"/>
+                    </a:p>
+                  </a:txBody>
+                  <a:tcPr>
+                    <a:lnR w="38100" cap="flat" cmpd="sng" algn="ctr">
+                      <a:solidFill>
+                        <a:schemeClr val="tx1"/>
                       </a:solidFill>
                       <a:prstDash val="solid"/>
                       <a:round/>
                       <a:headEnd type="none" w="med" len="med"/>
                       <a:tailEnd type="none" w="med" len="med"/>
                     </a:lnR>
-                    <a:lnT w="12700" cap="flat" cmpd="sng" algn="ctr">
-                      <a:solidFill>
-                        <a:srgbClr val="FF0000"/>
+                    <a:lnT w="38100" cap="flat" cmpd="sng" algn="ctr">
+                      <a:solidFill>
+                        <a:schemeClr val="tx1"/>
                       </a:solidFill>
                       <a:prstDash val="solid"/>
                       <a:round/>
                       <a:headEnd type="none" w="med" len="med"/>
                       <a:tailEnd type="none" w="med" len="med"/>
                     </a:lnT>
-                    <a:lnB w="12700" cap="flat" cmpd="sng" algn="ctr">
-                      <a:solidFill>
-                        <a:srgbClr val="FF0000"/>
+                    <a:lnB w="38100" cap="flat" cmpd="sng" algn="ctr">
+                      <a:solidFill>
+                        <a:schemeClr val="tx1"/>
                       </a:solidFill>
                       <a:prstDash val="solid"/>
                       <a:round/>
@@ -25010,43 +26694,40 @@
                       <a:tailEnd type="none" w="med" len="med"/>
                     </a:lnB>
                     <a:solidFill>
-                      <a:schemeClr val="accent1">
-                        <a:lumMod val="40000"/>
-                        <a:lumOff val="60000"/>
-                      </a:schemeClr>
-                    </a:solidFill>
-                  </a:tcPr>
-                </a:tc>
-                <a:tc>
-                  <a:txBody>
-                    <a:bodyPr/>
-                    <a:lstStyle/>
-                    <a:p>
-                      <a:endParaRPr lang="en-HK" dirty="0"/>
-                    </a:p>
-                  </a:txBody>
-                  <a:tcPr>
-                    <a:lnL w="12700" cap="flat" cmpd="sng" algn="ctr">
-                      <a:solidFill>
-                        <a:srgbClr val="FF0000"/>
+                      <a:schemeClr val="bg1"/>
+                    </a:solidFill>
+                  </a:tcPr>
+                </a:tc>
+                <a:tc>
+                  <a:txBody>
+                    <a:bodyPr/>
+                    <a:lstStyle/>
+                    <a:p>
+                      <a:endParaRPr lang="en-HK" dirty="0"/>
+                    </a:p>
+                  </a:txBody>
+                  <a:tcPr>
+                    <a:lnL w="38100" cap="flat" cmpd="sng" algn="ctr">
+                      <a:solidFill>
+                        <a:schemeClr val="tx1"/>
                       </a:solidFill>
                       <a:prstDash val="solid"/>
                       <a:round/>
                       <a:headEnd type="none" w="med" len="med"/>
                       <a:tailEnd type="none" w="med" len="med"/>
                     </a:lnL>
-                    <a:lnT w="12700" cap="flat" cmpd="sng" algn="ctr">
-                      <a:solidFill>
-                        <a:srgbClr val="FF0000"/>
+                    <a:lnT w="38100" cap="flat" cmpd="sng" algn="ctr">
+                      <a:solidFill>
+                        <a:schemeClr val="tx1"/>
                       </a:solidFill>
                       <a:prstDash val="solid"/>
                       <a:round/>
                       <a:headEnd type="none" w="med" len="med"/>
                       <a:tailEnd type="none" w="med" len="med"/>
                     </a:lnT>
-                    <a:lnB w="12700" cap="flat" cmpd="sng" algn="ctr">
-                      <a:solidFill>
-                        <a:srgbClr val="FF0000"/>
+                    <a:lnB w="38100" cap="flat" cmpd="sng" algn="ctr">
+                      <a:solidFill>
+                        <a:schemeClr val="tx1"/>
                       </a:solidFill>
                       <a:prstDash val="solid"/>
                       <a:round/>
@@ -25054,34 +26735,31 @@
                       <a:tailEnd type="none" w="med" len="med"/>
                     </a:lnB>
                     <a:solidFill>
-                      <a:schemeClr val="accent2">
-                        <a:lumMod val="40000"/>
-                        <a:lumOff val="60000"/>
-                      </a:schemeClr>
-                    </a:solidFill>
-                  </a:tcPr>
-                </a:tc>
-                <a:tc>
-                  <a:txBody>
-                    <a:bodyPr/>
-                    <a:lstStyle/>
-                    <a:p>
-                      <a:endParaRPr lang="en-HK" dirty="0"/>
-                    </a:p>
-                  </a:txBody>
-                  <a:tcPr>
-                    <a:lnT w="12700" cap="flat" cmpd="sng" algn="ctr">
-                      <a:solidFill>
-                        <a:srgbClr val="FF0000"/>
+                      <a:schemeClr val="accent3"/>
+                    </a:solidFill>
+                  </a:tcPr>
+                </a:tc>
+                <a:tc>
+                  <a:txBody>
+                    <a:bodyPr/>
+                    <a:lstStyle/>
+                    <a:p>
+                      <a:endParaRPr lang="en-HK" dirty="0"/>
+                    </a:p>
+                  </a:txBody>
+                  <a:tcPr>
+                    <a:lnT w="38100" cap="flat" cmpd="sng" algn="ctr">
+                      <a:solidFill>
+                        <a:schemeClr val="tx1"/>
                       </a:solidFill>
                       <a:prstDash val="solid"/>
                       <a:round/>
                       <a:headEnd type="none" w="med" len="med"/>
                       <a:tailEnd type="none" w="med" len="med"/>
                     </a:lnT>
-                    <a:lnB w="12700" cap="flat" cmpd="sng" algn="ctr">
-                      <a:solidFill>
-                        <a:srgbClr val="FF0000"/>
+                    <a:lnB w="38100" cap="flat" cmpd="sng" algn="ctr">
+                      <a:solidFill>
+                        <a:schemeClr val="tx1"/>
                       </a:solidFill>
                       <a:prstDash val="solid"/>
                       <a:round/>
@@ -25089,34 +26767,31 @@
                       <a:tailEnd type="none" w="med" len="med"/>
                     </a:lnB>
                     <a:solidFill>
-                      <a:schemeClr val="accent2">
-                        <a:lumMod val="40000"/>
-                        <a:lumOff val="60000"/>
-                      </a:schemeClr>
-                    </a:solidFill>
-                  </a:tcPr>
-                </a:tc>
-                <a:tc>
-                  <a:txBody>
-                    <a:bodyPr/>
-                    <a:lstStyle/>
-                    <a:p>
-                      <a:endParaRPr lang="en-HK" dirty="0"/>
-                    </a:p>
-                  </a:txBody>
-                  <a:tcPr>
-                    <a:lnT w="12700" cap="flat" cmpd="sng" algn="ctr">
-                      <a:solidFill>
-                        <a:srgbClr val="FF0000"/>
+                      <a:schemeClr val="accent3"/>
+                    </a:solidFill>
+                  </a:tcPr>
+                </a:tc>
+                <a:tc>
+                  <a:txBody>
+                    <a:bodyPr/>
+                    <a:lstStyle/>
+                    <a:p>
+                      <a:endParaRPr lang="en-HK" dirty="0"/>
+                    </a:p>
+                  </a:txBody>
+                  <a:tcPr>
+                    <a:lnT w="38100" cap="flat" cmpd="sng" algn="ctr">
+                      <a:solidFill>
+                        <a:schemeClr val="tx1"/>
                       </a:solidFill>
                       <a:prstDash val="solid"/>
                       <a:round/>
                       <a:headEnd type="none" w="med" len="med"/>
                       <a:tailEnd type="none" w="med" len="med"/>
                     </a:lnT>
-                    <a:lnB w="12700" cap="flat" cmpd="sng" algn="ctr">
-                      <a:solidFill>
-                        <a:srgbClr val="FF0000"/>
+                    <a:lnB w="38100" cap="flat" cmpd="sng" algn="ctr">
+                      <a:solidFill>
+                        <a:schemeClr val="tx1"/>
                       </a:solidFill>
                       <a:prstDash val="solid"/>
                       <a:round/>
@@ -25124,34 +26799,31 @@
                       <a:tailEnd type="none" w="med" len="med"/>
                     </a:lnB>
                     <a:solidFill>
-                      <a:schemeClr val="accent2">
-                        <a:lumMod val="40000"/>
-                        <a:lumOff val="60000"/>
-                      </a:schemeClr>
-                    </a:solidFill>
-                  </a:tcPr>
-                </a:tc>
-                <a:tc>
-                  <a:txBody>
-                    <a:bodyPr/>
-                    <a:lstStyle/>
-                    <a:p>
-                      <a:endParaRPr lang="en-HK" dirty="0"/>
-                    </a:p>
-                  </a:txBody>
-                  <a:tcPr>
-                    <a:lnT w="12700" cap="flat" cmpd="sng" algn="ctr">
-                      <a:solidFill>
-                        <a:srgbClr val="FF0000"/>
+                      <a:schemeClr val="accent3"/>
+                    </a:solidFill>
+                  </a:tcPr>
+                </a:tc>
+                <a:tc>
+                  <a:txBody>
+                    <a:bodyPr/>
+                    <a:lstStyle/>
+                    <a:p>
+                      <a:endParaRPr lang="en-HK" dirty="0"/>
+                    </a:p>
+                  </a:txBody>
+                  <a:tcPr>
+                    <a:lnT w="38100" cap="flat" cmpd="sng" algn="ctr">
+                      <a:solidFill>
+                        <a:schemeClr val="tx1"/>
                       </a:solidFill>
                       <a:prstDash val="solid"/>
                       <a:round/>
                       <a:headEnd type="none" w="med" len="med"/>
                       <a:tailEnd type="none" w="med" len="med"/>
                     </a:lnT>
-                    <a:lnB w="12700" cap="flat" cmpd="sng" algn="ctr">
-                      <a:solidFill>
-                        <a:srgbClr val="FF0000"/>
+                    <a:lnB w="38100" cap="flat" cmpd="sng" algn="ctr">
+                      <a:solidFill>
+                        <a:schemeClr val="tx1"/>
                       </a:solidFill>
                       <a:prstDash val="solid"/>
                       <a:round/>
@@ -25159,43 +26831,40 @@
                       <a:tailEnd type="none" w="med" len="med"/>
                     </a:lnB>
                     <a:solidFill>
-                      <a:schemeClr val="accent2">
-                        <a:lumMod val="40000"/>
-                        <a:lumOff val="60000"/>
-                      </a:schemeClr>
-                    </a:solidFill>
-                  </a:tcPr>
-                </a:tc>
-                <a:tc>
-                  <a:txBody>
-                    <a:bodyPr/>
-                    <a:lstStyle/>
-                    <a:p>
-                      <a:endParaRPr lang="en-HK" dirty="0"/>
-                    </a:p>
-                  </a:txBody>
-                  <a:tcPr>
-                    <a:lnR w="12700" cap="flat" cmpd="sng" algn="ctr">
-                      <a:solidFill>
-                        <a:srgbClr val="FF0000"/>
+                      <a:schemeClr val="accent3"/>
+                    </a:solidFill>
+                  </a:tcPr>
+                </a:tc>
+                <a:tc>
+                  <a:txBody>
+                    <a:bodyPr/>
+                    <a:lstStyle/>
+                    <a:p>
+                      <a:endParaRPr lang="en-HK" dirty="0"/>
+                    </a:p>
+                  </a:txBody>
+                  <a:tcPr>
+                    <a:lnR w="38100" cap="flat" cmpd="sng" algn="ctr">
+                      <a:solidFill>
+                        <a:schemeClr val="tx1"/>
                       </a:solidFill>
                       <a:prstDash val="solid"/>
                       <a:round/>
                       <a:headEnd type="none" w="med" len="med"/>
                       <a:tailEnd type="none" w="med" len="med"/>
                     </a:lnR>
-                    <a:lnT w="12700" cap="flat" cmpd="sng" algn="ctr">
-                      <a:solidFill>
-                        <a:srgbClr val="FF0000"/>
+                    <a:lnT w="38100" cap="flat" cmpd="sng" algn="ctr">
+                      <a:solidFill>
+                        <a:schemeClr val="tx1"/>
                       </a:solidFill>
                       <a:prstDash val="solid"/>
                       <a:round/>
                       <a:headEnd type="none" w="med" len="med"/>
                       <a:tailEnd type="none" w="med" len="med"/>
                     </a:lnT>
-                    <a:lnB w="12700" cap="flat" cmpd="sng" algn="ctr">
-                      <a:solidFill>
-                        <a:srgbClr val="FF0000"/>
+                    <a:lnB w="38100" cap="flat" cmpd="sng" algn="ctr">
+                      <a:solidFill>
+                        <a:schemeClr val="tx1"/>
                       </a:solidFill>
                       <a:prstDash val="solid"/>
                       <a:round/>
@@ -25203,43 +26872,40 @@
                       <a:tailEnd type="none" w="med" len="med"/>
                     </a:lnB>
                     <a:solidFill>
-                      <a:schemeClr val="accent1">
-                        <a:lumMod val="40000"/>
-                        <a:lumOff val="60000"/>
-                      </a:schemeClr>
-                    </a:solidFill>
-                  </a:tcPr>
-                </a:tc>
-                <a:tc>
-                  <a:txBody>
-                    <a:bodyPr/>
-                    <a:lstStyle/>
-                    <a:p>
-                      <a:endParaRPr lang="en-HK" dirty="0"/>
-                    </a:p>
-                  </a:txBody>
-                  <a:tcPr>
-                    <a:lnL w="12700" cap="flat" cmpd="sng" algn="ctr">
-                      <a:solidFill>
-                        <a:srgbClr val="FF0000"/>
+                      <a:schemeClr val="bg1"/>
+                    </a:solidFill>
+                  </a:tcPr>
+                </a:tc>
+                <a:tc>
+                  <a:txBody>
+                    <a:bodyPr/>
+                    <a:lstStyle/>
+                    <a:p>
+                      <a:endParaRPr lang="en-HK" dirty="0"/>
+                    </a:p>
+                  </a:txBody>
+                  <a:tcPr>
+                    <a:lnL w="38100" cap="flat" cmpd="sng" algn="ctr">
+                      <a:solidFill>
+                        <a:schemeClr val="tx1"/>
                       </a:solidFill>
                       <a:prstDash val="solid"/>
                       <a:round/>
                       <a:headEnd type="none" w="med" len="med"/>
                       <a:tailEnd type="none" w="med" len="med"/>
                     </a:lnL>
-                    <a:lnT w="12700" cap="flat" cmpd="sng" algn="ctr">
-                      <a:solidFill>
-                        <a:srgbClr val="FF0000"/>
+                    <a:lnT w="38100" cap="flat" cmpd="sng" algn="ctr">
+                      <a:solidFill>
+                        <a:schemeClr val="tx1"/>
                       </a:solidFill>
                       <a:prstDash val="solid"/>
                       <a:round/>
                       <a:headEnd type="none" w="med" len="med"/>
                       <a:tailEnd type="none" w="med" len="med"/>
                     </a:lnT>
-                    <a:lnB w="12700" cap="flat" cmpd="sng" algn="ctr">
-                      <a:solidFill>
-                        <a:srgbClr val="FF0000"/>
+                    <a:lnB w="38100" cap="flat" cmpd="sng" algn="ctr">
+                      <a:solidFill>
+                        <a:schemeClr val="tx1"/>
                       </a:solidFill>
                       <a:prstDash val="solid"/>
                       <a:round/>
@@ -25247,34 +26913,31 @@
                       <a:tailEnd type="none" w="med" len="med"/>
                     </a:lnB>
                     <a:solidFill>
-                      <a:schemeClr val="accent2">
-                        <a:lumMod val="40000"/>
-                        <a:lumOff val="60000"/>
-                      </a:schemeClr>
-                    </a:solidFill>
-                  </a:tcPr>
-                </a:tc>
-                <a:tc>
-                  <a:txBody>
-                    <a:bodyPr/>
-                    <a:lstStyle/>
-                    <a:p>
-                      <a:endParaRPr lang="en-HK" dirty="0"/>
-                    </a:p>
-                  </a:txBody>
-                  <a:tcPr>
-                    <a:lnT w="12700" cap="flat" cmpd="sng" algn="ctr">
-                      <a:solidFill>
-                        <a:srgbClr val="FF0000"/>
+                      <a:schemeClr val="accent3"/>
+                    </a:solidFill>
+                  </a:tcPr>
+                </a:tc>
+                <a:tc>
+                  <a:txBody>
+                    <a:bodyPr/>
+                    <a:lstStyle/>
+                    <a:p>
+                      <a:endParaRPr lang="en-HK" dirty="0"/>
+                    </a:p>
+                  </a:txBody>
+                  <a:tcPr>
+                    <a:lnT w="38100" cap="flat" cmpd="sng" algn="ctr">
+                      <a:solidFill>
+                        <a:schemeClr val="tx1"/>
                       </a:solidFill>
                       <a:prstDash val="solid"/>
                       <a:round/>
                       <a:headEnd type="none" w="med" len="med"/>
                       <a:tailEnd type="none" w="med" len="med"/>
                     </a:lnT>
-                    <a:lnB w="12700" cap="flat" cmpd="sng" algn="ctr">
-                      <a:solidFill>
-                        <a:srgbClr val="FF0000"/>
+                    <a:lnB w="38100" cap="flat" cmpd="sng" algn="ctr">
+                      <a:solidFill>
+                        <a:schemeClr val="tx1"/>
                       </a:solidFill>
                       <a:prstDash val="solid"/>
                       <a:round/>
@@ -25282,34 +26945,31 @@
                       <a:tailEnd type="none" w="med" len="med"/>
                     </a:lnB>
                     <a:solidFill>
-                      <a:schemeClr val="accent2">
-                        <a:lumMod val="40000"/>
-                        <a:lumOff val="60000"/>
-                      </a:schemeClr>
-                    </a:solidFill>
-                  </a:tcPr>
-                </a:tc>
-                <a:tc>
-                  <a:txBody>
-                    <a:bodyPr/>
-                    <a:lstStyle/>
-                    <a:p>
-                      <a:endParaRPr lang="en-HK" dirty="0"/>
-                    </a:p>
-                  </a:txBody>
-                  <a:tcPr>
-                    <a:lnT w="12700" cap="flat" cmpd="sng" algn="ctr">
-                      <a:solidFill>
-                        <a:srgbClr val="FF0000"/>
+                      <a:schemeClr val="accent3"/>
+                    </a:solidFill>
+                  </a:tcPr>
+                </a:tc>
+                <a:tc>
+                  <a:txBody>
+                    <a:bodyPr/>
+                    <a:lstStyle/>
+                    <a:p>
+                      <a:endParaRPr lang="en-HK" dirty="0"/>
+                    </a:p>
+                  </a:txBody>
+                  <a:tcPr>
+                    <a:lnT w="38100" cap="flat" cmpd="sng" algn="ctr">
+                      <a:solidFill>
+                        <a:schemeClr val="tx1"/>
                       </a:solidFill>
                       <a:prstDash val="solid"/>
                       <a:round/>
                       <a:headEnd type="none" w="med" len="med"/>
                       <a:tailEnd type="none" w="med" len="med"/>
                     </a:lnT>
-                    <a:lnB w="12700" cap="flat" cmpd="sng" algn="ctr">
-                      <a:solidFill>
-                        <a:srgbClr val="FF0000"/>
+                    <a:lnB w="38100" cap="flat" cmpd="sng" algn="ctr">
+                      <a:solidFill>
+                        <a:schemeClr val="tx1"/>
                       </a:solidFill>
                       <a:prstDash val="solid"/>
                       <a:round/>
@@ -25317,34 +26977,31 @@
                       <a:tailEnd type="none" w="med" len="med"/>
                     </a:lnB>
                     <a:solidFill>
-                      <a:schemeClr val="accent2">
-                        <a:lumMod val="40000"/>
-                        <a:lumOff val="60000"/>
-                      </a:schemeClr>
-                    </a:solidFill>
-                  </a:tcPr>
-                </a:tc>
-                <a:tc>
-                  <a:txBody>
-                    <a:bodyPr/>
-                    <a:lstStyle/>
-                    <a:p>
-                      <a:endParaRPr lang="en-HK" dirty="0"/>
-                    </a:p>
-                  </a:txBody>
-                  <a:tcPr>
-                    <a:lnT w="12700" cap="flat" cmpd="sng" algn="ctr">
-                      <a:solidFill>
-                        <a:srgbClr val="FF0000"/>
+                      <a:schemeClr val="accent3"/>
+                    </a:solidFill>
+                  </a:tcPr>
+                </a:tc>
+                <a:tc>
+                  <a:txBody>
+                    <a:bodyPr/>
+                    <a:lstStyle/>
+                    <a:p>
+                      <a:endParaRPr lang="en-HK" dirty="0"/>
+                    </a:p>
+                  </a:txBody>
+                  <a:tcPr>
+                    <a:lnT w="38100" cap="flat" cmpd="sng" algn="ctr">
+                      <a:solidFill>
+                        <a:schemeClr val="tx1"/>
                       </a:solidFill>
                       <a:prstDash val="solid"/>
                       <a:round/>
                       <a:headEnd type="none" w="med" len="med"/>
                       <a:tailEnd type="none" w="med" len="med"/>
                     </a:lnT>
-                    <a:lnB w="12700" cap="flat" cmpd="sng" algn="ctr">
-                      <a:solidFill>
-                        <a:srgbClr val="FF0000"/>
+                    <a:lnB w="38100" cap="flat" cmpd="sng" algn="ctr">
+                      <a:solidFill>
+                        <a:schemeClr val="tx1"/>
                       </a:solidFill>
                       <a:prstDash val="solid"/>
                       <a:round/>
@@ -25352,43 +27009,40 @@
                       <a:tailEnd type="none" w="med" len="med"/>
                     </a:lnB>
                     <a:solidFill>
-                      <a:schemeClr val="accent2">
-                        <a:lumMod val="40000"/>
-                        <a:lumOff val="60000"/>
-                      </a:schemeClr>
-                    </a:solidFill>
-                  </a:tcPr>
-                </a:tc>
-                <a:tc>
-                  <a:txBody>
-                    <a:bodyPr/>
-                    <a:lstStyle/>
-                    <a:p>
-                      <a:endParaRPr lang="en-HK" dirty="0"/>
-                    </a:p>
-                  </a:txBody>
-                  <a:tcPr>
-                    <a:lnR w="12700" cap="flat" cmpd="sng" algn="ctr">
-                      <a:solidFill>
-                        <a:srgbClr val="FF0000"/>
+                      <a:schemeClr val="accent3"/>
+                    </a:solidFill>
+                  </a:tcPr>
+                </a:tc>
+                <a:tc>
+                  <a:txBody>
+                    <a:bodyPr/>
+                    <a:lstStyle/>
+                    <a:p>
+                      <a:endParaRPr lang="en-HK" dirty="0"/>
+                    </a:p>
+                  </a:txBody>
+                  <a:tcPr>
+                    <a:lnR w="38100" cap="flat" cmpd="sng" algn="ctr">
+                      <a:solidFill>
+                        <a:schemeClr val="tx1"/>
                       </a:solidFill>
                       <a:prstDash val="solid"/>
                       <a:round/>
                       <a:headEnd type="none" w="med" len="med"/>
                       <a:tailEnd type="none" w="med" len="med"/>
                     </a:lnR>
-                    <a:lnT w="12700" cap="flat" cmpd="sng" algn="ctr">
-                      <a:solidFill>
-                        <a:srgbClr val="FF0000"/>
+                    <a:lnT w="38100" cap="flat" cmpd="sng" algn="ctr">
+                      <a:solidFill>
+                        <a:schemeClr val="tx1"/>
                       </a:solidFill>
                       <a:prstDash val="solid"/>
                       <a:round/>
                       <a:headEnd type="none" w="med" len="med"/>
                       <a:tailEnd type="none" w="med" len="med"/>
                     </a:lnT>
-                    <a:lnB w="12700" cap="flat" cmpd="sng" algn="ctr">
-                      <a:solidFill>
-                        <a:srgbClr val="FF0000"/>
+                    <a:lnB w="38100" cap="flat" cmpd="sng" algn="ctr">
+                      <a:solidFill>
+                        <a:schemeClr val="tx1"/>
                       </a:solidFill>
                       <a:prstDash val="solid"/>
                       <a:round/>
@@ -25396,25 +27050,22 @@
                       <a:tailEnd type="none" w="med" len="med"/>
                     </a:lnB>
                     <a:solidFill>
-                      <a:schemeClr val="accent1">
-                        <a:lumMod val="40000"/>
-                        <a:lumOff val="60000"/>
-                      </a:schemeClr>
-                    </a:solidFill>
-                  </a:tcPr>
-                </a:tc>
-                <a:tc>
-                  <a:txBody>
-                    <a:bodyPr/>
-                    <a:lstStyle/>
-                    <a:p>
-                      <a:endParaRPr lang="en-HK" dirty="0"/>
-                    </a:p>
-                  </a:txBody>
-                  <a:tcPr>
-                    <a:lnL w="12700" cap="flat" cmpd="sng" algn="ctr">
-                      <a:solidFill>
-                        <a:srgbClr val="FF0000"/>
+                      <a:schemeClr val="bg1"/>
+                    </a:solidFill>
+                  </a:tcPr>
+                </a:tc>
+                <a:tc>
+                  <a:txBody>
+                    <a:bodyPr/>
+                    <a:lstStyle/>
+                    <a:p>
+                      <a:endParaRPr lang="en-HK" dirty="0"/>
+                    </a:p>
+                  </a:txBody>
+                  <a:tcPr>
+                    <a:lnL w="38100" cap="flat" cmpd="sng" algn="ctr">
+                      <a:solidFill>
+                        <a:schemeClr val="tx1"/>
                       </a:solidFill>
                       <a:prstDash val="solid"/>
                       <a:round/>
@@ -25422,9 +27073,7 @@
                       <a:tailEnd type="none" w="med" len="med"/>
                     </a:lnL>
                     <a:solidFill>
-                      <a:schemeClr val="bg2">
-                        <a:lumMod val="90000"/>
-                      </a:schemeClr>
+                      <a:schemeClr val="accent3"/>
                     </a:solidFill>
                   </a:tcPr>
                 </a:tc>
@@ -25453,7 +27102,7 @@
           <p:nvPr>
             <p:extLst>
               <p:ext uri="{D42A27DB-BD31-4B8C-83A1-F6EECF244321}">
-                <p14:modId xmlns:p14="http://schemas.microsoft.com/office/powerpoint/2010/main" val="1495715592"/>
+                <p14:modId xmlns:p14="http://schemas.microsoft.com/office/powerpoint/2010/main" val="308876207"/>
               </p:ext>
             </p:extLst>
           </p:nvPr>
@@ -25627,27 +27276,27 @@
                     </a:p>
                   </a:txBody>
                   <a:tcPr>
-                    <a:lnL w="12700" cap="flat" cmpd="sng" algn="ctr">
-                      <a:solidFill>
-                        <a:srgbClr val="FF0000"/>
+                    <a:lnL w="38100" cap="flat" cmpd="sng" algn="ctr">
+                      <a:solidFill>
+                        <a:schemeClr val="tx1"/>
                       </a:solidFill>
                       <a:prstDash val="solid"/>
                       <a:round/>
                       <a:headEnd type="none" w="med" len="med"/>
                       <a:tailEnd type="none" w="med" len="med"/>
                     </a:lnL>
-                    <a:lnT w="12700" cap="flat" cmpd="sng" algn="ctr">
-                      <a:solidFill>
-                        <a:srgbClr val="FF0000"/>
+                    <a:lnT w="38100" cap="flat" cmpd="sng" algn="ctr">
+                      <a:solidFill>
+                        <a:schemeClr val="tx1"/>
                       </a:solidFill>
                       <a:prstDash val="solid"/>
                       <a:round/>
                       <a:headEnd type="none" w="med" len="med"/>
                       <a:tailEnd type="none" w="med" len="med"/>
                     </a:lnT>
-                    <a:lnB w="12700" cap="flat" cmpd="sng" algn="ctr">
-                      <a:solidFill>
-                        <a:srgbClr val="FF0000"/>
+                    <a:lnB w="38100" cap="flat" cmpd="sng" algn="ctr">
+                      <a:solidFill>
+                        <a:schemeClr val="tx1"/>
                       </a:solidFill>
                       <a:prstDash val="solid"/>
                       <a:round/>
@@ -25655,34 +27304,31 @@
                       <a:tailEnd type="none" w="med" len="med"/>
                     </a:lnB>
                     <a:solidFill>
-                      <a:schemeClr val="accent2">
-                        <a:lumMod val="40000"/>
-                        <a:lumOff val="60000"/>
-                      </a:schemeClr>
-                    </a:solidFill>
-                  </a:tcPr>
-                </a:tc>
-                <a:tc>
-                  <a:txBody>
-                    <a:bodyPr/>
-                    <a:lstStyle/>
-                    <a:p>
-                      <a:endParaRPr lang="en-HK" dirty="0"/>
-                    </a:p>
-                  </a:txBody>
-                  <a:tcPr>
-                    <a:lnT w="12700" cap="flat" cmpd="sng" algn="ctr">
-                      <a:solidFill>
-                        <a:srgbClr val="FF0000"/>
+                      <a:schemeClr val="accent3"/>
+                    </a:solidFill>
+                  </a:tcPr>
+                </a:tc>
+                <a:tc>
+                  <a:txBody>
+                    <a:bodyPr/>
+                    <a:lstStyle/>
+                    <a:p>
+                      <a:endParaRPr lang="en-HK" dirty="0"/>
+                    </a:p>
+                  </a:txBody>
+                  <a:tcPr>
+                    <a:lnT w="38100" cap="flat" cmpd="sng" algn="ctr">
+                      <a:solidFill>
+                        <a:schemeClr val="tx1"/>
                       </a:solidFill>
                       <a:prstDash val="solid"/>
                       <a:round/>
                       <a:headEnd type="none" w="med" len="med"/>
                       <a:tailEnd type="none" w="med" len="med"/>
                     </a:lnT>
-                    <a:lnB w="12700" cap="flat" cmpd="sng" algn="ctr">
-                      <a:solidFill>
-                        <a:srgbClr val="FF0000"/>
+                    <a:lnB w="38100" cap="flat" cmpd="sng" algn="ctr">
+                      <a:solidFill>
+                        <a:schemeClr val="tx1"/>
                       </a:solidFill>
                       <a:prstDash val="solid"/>
                       <a:round/>
@@ -25690,34 +27336,31 @@
                       <a:tailEnd type="none" w="med" len="med"/>
                     </a:lnB>
                     <a:solidFill>
-                      <a:schemeClr val="accent2">
-                        <a:lumMod val="40000"/>
-                        <a:lumOff val="60000"/>
-                      </a:schemeClr>
-                    </a:solidFill>
-                  </a:tcPr>
-                </a:tc>
-                <a:tc>
-                  <a:txBody>
-                    <a:bodyPr/>
-                    <a:lstStyle/>
-                    <a:p>
-                      <a:endParaRPr lang="en-HK" dirty="0"/>
-                    </a:p>
-                  </a:txBody>
-                  <a:tcPr>
-                    <a:lnT w="12700" cap="flat" cmpd="sng" algn="ctr">
-                      <a:solidFill>
-                        <a:srgbClr val="FF0000"/>
+                      <a:schemeClr val="accent3"/>
+                    </a:solidFill>
+                  </a:tcPr>
+                </a:tc>
+                <a:tc>
+                  <a:txBody>
+                    <a:bodyPr/>
+                    <a:lstStyle/>
+                    <a:p>
+                      <a:endParaRPr lang="en-HK" dirty="0"/>
+                    </a:p>
+                  </a:txBody>
+                  <a:tcPr>
+                    <a:lnT w="38100" cap="flat" cmpd="sng" algn="ctr">
+                      <a:solidFill>
+                        <a:schemeClr val="tx1"/>
                       </a:solidFill>
                       <a:prstDash val="solid"/>
                       <a:round/>
                       <a:headEnd type="none" w="med" len="med"/>
                       <a:tailEnd type="none" w="med" len="med"/>
                     </a:lnT>
-                    <a:lnB w="12700" cap="flat" cmpd="sng" algn="ctr">
-                      <a:solidFill>
-                        <a:srgbClr val="FF0000"/>
+                    <a:lnB w="38100" cap="flat" cmpd="sng" algn="ctr">
+                      <a:solidFill>
+                        <a:schemeClr val="tx1"/>
                       </a:solidFill>
                       <a:prstDash val="solid"/>
                       <a:round/>
@@ -25725,43 +27368,40 @@
                       <a:tailEnd type="none" w="med" len="med"/>
                     </a:lnB>
                     <a:solidFill>
-                      <a:schemeClr val="accent2">
-                        <a:lumMod val="40000"/>
-                        <a:lumOff val="60000"/>
-                      </a:schemeClr>
-                    </a:solidFill>
-                  </a:tcPr>
-                </a:tc>
-                <a:tc>
-                  <a:txBody>
-                    <a:bodyPr/>
-                    <a:lstStyle/>
-                    <a:p>
-                      <a:endParaRPr lang="en-HK" dirty="0"/>
-                    </a:p>
-                  </a:txBody>
-                  <a:tcPr>
-                    <a:lnR w="12700" cap="flat" cmpd="sng" algn="ctr">
-                      <a:solidFill>
-                        <a:srgbClr val="FF0000"/>
+                      <a:schemeClr val="accent3"/>
+                    </a:solidFill>
+                  </a:tcPr>
+                </a:tc>
+                <a:tc>
+                  <a:txBody>
+                    <a:bodyPr/>
+                    <a:lstStyle/>
+                    <a:p>
+                      <a:endParaRPr lang="en-HK" dirty="0"/>
+                    </a:p>
+                  </a:txBody>
+                  <a:tcPr>
+                    <a:lnR w="38100" cap="flat" cmpd="sng" algn="ctr">
+                      <a:solidFill>
+                        <a:schemeClr val="tx1"/>
                       </a:solidFill>
                       <a:prstDash val="solid"/>
                       <a:round/>
                       <a:headEnd type="none" w="med" len="med"/>
                       <a:tailEnd type="none" w="med" len="med"/>
                     </a:lnR>
-                    <a:lnT w="12700" cap="flat" cmpd="sng" algn="ctr">
-                      <a:solidFill>
-                        <a:srgbClr val="FF0000"/>
+                    <a:lnT w="38100" cap="flat" cmpd="sng" algn="ctr">
+                      <a:solidFill>
+                        <a:schemeClr val="tx1"/>
                       </a:solidFill>
                       <a:prstDash val="solid"/>
                       <a:round/>
                       <a:headEnd type="none" w="med" len="med"/>
                       <a:tailEnd type="none" w="med" len="med"/>
                     </a:lnT>
-                    <a:lnB w="12700" cap="flat" cmpd="sng" algn="ctr">
-                      <a:solidFill>
-                        <a:srgbClr val="FF0000"/>
+                    <a:lnB w="38100" cap="flat" cmpd="sng" algn="ctr">
+                      <a:solidFill>
+                        <a:schemeClr val="tx1"/>
                       </a:solidFill>
                       <a:prstDash val="solid"/>
                       <a:round/>
@@ -25769,43 +27409,40 @@
                       <a:tailEnd type="none" w="med" len="med"/>
                     </a:lnB>
                     <a:solidFill>
-                      <a:schemeClr val="accent1">
-                        <a:lumMod val="40000"/>
-                        <a:lumOff val="60000"/>
-                      </a:schemeClr>
-                    </a:solidFill>
-                  </a:tcPr>
-                </a:tc>
-                <a:tc>
-                  <a:txBody>
-                    <a:bodyPr/>
-                    <a:lstStyle/>
-                    <a:p>
-                      <a:endParaRPr lang="en-HK" dirty="0"/>
-                    </a:p>
-                  </a:txBody>
-                  <a:tcPr>
-                    <a:lnL w="12700" cap="flat" cmpd="sng" algn="ctr">
-                      <a:solidFill>
-                        <a:srgbClr val="FF0000"/>
+                      <a:schemeClr val="bg1"/>
+                    </a:solidFill>
+                  </a:tcPr>
+                </a:tc>
+                <a:tc>
+                  <a:txBody>
+                    <a:bodyPr/>
+                    <a:lstStyle/>
+                    <a:p>
+                      <a:endParaRPr lang="en-HK" dirty="0"/>
+                    </a:p>
+                  </a:txBody>
+                  <a:tcPr>
+                    <a:lnL w="38100" cap="flat" cmpd="sng" algn="ctr">
+                      <a:solidFill>
+                        <a:schemeClr val="tx1"/>
                       </a:solidFill>
                       <a:prstDash val="solid"/>
                       <a:round/>
                       <a:headEnd type="none" w="med" len="med"/>
                       <a:tailEnd type="none" w="med" len="med"/>
                     </a:lnL>
-                    <a:lnT w="12700" cap="flat" cmpd="sng" algn="ctr">
-                      <a:solidFill>
-                        <a:srgbClr val="FF0000"/>
+                    <a:lnT w="38100" cap="flat" cmpd="sng" algn="ctr">
+                      <a:solidFill>
+                        <a:schemeClr val="tx1"/>
                       </a:solidFill>
                       <a:prstDash val="solid"/>
                       <a:round/>
                       <a:headEnd type="none" w="med" len="med"/>
                       <a:tailEnd type="none" w="med" len="med"/>
                     </a:lnT>
-                    <a:lnB w="12700" cap="flat" cmpd="sng" algn="ctr">
-                      <a:solidFill>
-                        <a:srgbClr val="FF0000"/>
+                    <a:lnB w="38100" cap="flat" cmpd="sng" algn="ctr">
+                      <a:solidFill>
+                        <a:schemeClr val="tx1"/>
                       </a:solidFill>
                       <a:prstDash val="solid"/>
                       <a:round/>
@@ -25813,34 +27450,31 @@
                       <a:tailEnd type="none" w="med" len="med"/>
                     </a:lnB>
                     <a:solidFill>
-                      <a:schemeClr val="accent2">
-                        <a:lumMod val="40000"/>
-                        <a:lumOff val="60000"/>
-                      </a:schemeClr>
-                    </a:solidFill>
-                  </a:tcPr>
-                </a:tc>
-                <a:tc>
-                  <a:txBody>
-                    <a:bodyPr/>
-                    <a:lstStyle/>
-                    <a:p>
-                      <a:endParaRPr lang="en-HK" dirty="0"/>
-                    </a:p>
-                  </a:txBody>
-                  <a:tcPr>
-                    <a:lnT w="12700" cap="flat" cmpd="sng" algn="ctr">
-                      <a:solidFill>
-                        <a:srgbClr val="FF0000"/>
+                      <a:schemeClr val="accent3"/>
+                    </a:solidFill>
+                  </a:tcPr>
+                </a:tc>
+                <a:tc>
+                  <a:txBody>
+                    <a:bodyPr/>
+                    <a:lstStyle/>
+                    <a:p>
+                      <a:endParaRPr lang="en-HK" dirty="0"/>
+                    </a:p>
+                  </a:txBody>
+                  <a:tcPr>
+                    <a:lnT w="38100" cap="flat" cmpd="sng" algn="ctr">
+                      <a:solidFill>
+                        <a:schemeClr val="tx1"/>
                       </a:solidFill>
                       <a:prstDash val="solid"/>
                       <a:round/>
                       <a:headEnd type="none" w="med" len="med"/>
                       <a:tailEnd type="none" w="med" len="med"/>
                     </a:lnT>
-                    <a:lnB w="12700" cap="flat" cmpd="sng" algn="ctr">
-                      <a:solidFill>
-                        <a:srgbClr val="FF0000"/>
+                    <a:lnB w="38100" cap="flat" cmpd="sng" algn="ctr">
+                      <a:solidFill>
+                        <a:schemeClr val="tx1"/>
                       </a:solidFill>
                       <a:prstDash val="solid"/>
                       <a:round/>
@@ -25848,34 +27482,31 @@
                       <a:tailEnd type="none" w="med" len="med"/>
                     </a:lnB>
                     <a:solidFill>
-                      <a:schemeClr val="accent2">
-                        <a:lumMod val="40000"/>
-                        <a:lumOff val="60000"/>
-                      </a:schemeClr>
-                    </a:solidFill>
-                  </a:tcPr>
-                </a:tc>
-                <a:tc>
-                  <a:txBody>
-                    <a:bodyPr/>
-                    <a:lstStyle/>
-                    <a:p>
-                      <a:endParaRPr lang="en-HK" dirty="0"/>
-                    </a:p>
-                  </a:txBody>
-                  <a:tcPr>
-                    <a:lnT w="12700" cap="flat" cmpd="sng" algn="ctr">
-                      <a:solidFill>
-                        <a:srgbClr val="FF0000"/>
+                      <a:schemeClr val="accent3"/>
+                    </a:solidFill>
+                  </a:tcPr>
+                </a:tc>
+                <a:tc>
+                  <a:txBody>
+                    <a:bodyPr/>
+                    <a:lstStyle/>
+                    <a:p>
+                      <a:endParaRPr lang="en-HK" dirty="0"/>
+                    </a:p>
+                  </a:txBody>
+                  <a:tcPr>
+                    <a:lnT w="38100" cap="flat" cmpd="sng" algn="ctr">
+                      <a:solidFill>
+                        <a:schemeClr val="tx1"/>
                       </a:solidFill>
                       <a:prstDash val="solid"/>
                       <a:round/>
                       <a:headEnd type="none" w="med" len="med"/>
                       <a:tailEnd type="none" w="med" len="med"/>
                     </a:lnT>
-                    <a:lnB w="12700" cap="flat" cmpd="sng" algn="ctr">
-                      <a:solidFill>
-                        <a:srgbClr val="FF0000"/>
+                    <a:lnB w="38100" cap="flat" cmpd="sng" algn="ctr">
+                      <a:solidFill>
+                        <a:schemeClr val="tx1"/>
                       </a:solidFill>
                       <a:prstDash val="solid"/>
                       <a:round/>
@@ -25883,43 +27514,40 @@
                       <a:tailEnd type="none" w="med" len="med"/>
                     </a:lnB>
                     <a:solidFill>
-                      <a:schemeClr val="accent2">
-                        <a:lumMod val="40000"/>
-                        <a:lumOff val="60000"/>
-                      </a:schemeClr>
-                    </a:solidFill>
-                  </a:tcPr>
-                </a:tc>
-                <a:tc>
-                  <a:txBody>
-                    <a:bodyPr/>
-                    <a:lstStyle/>
-                    <a:p>
-                      <a:endParaRPr lang="en-HK" dirty="0"/>
-                    </a:p>
-                  </a:txBody>
-                  <a:tcPr>
-                    <a:lnR w="12700" cap="flat" cmpd="sng" algn="ctr">
-                      <a:solidFill>
-                        <a:srgbClr val="FF0000"/>
+                      <a:schemeClr val="accent3"/>
+                    </a:solidFill>
+                  </a:tcPr>
+                </a:tc>
+                <a:tc>
+                  <a:txBody>
+                    <a:bodyPr/>
+                    <a:lstStyle/>
+                    <a:p>
+                      <a:endParaRPr lang="en-HK" dirty="0"/>
+                    </a:p>
+                  </a:txBody>
+                  <a:tcPr>
+                    <a:lnR w="38100" cap="flat" cmpd="sng" algn="ctr">
+                      <a:solidFill>
+                        <a:schemeClr val="tx1"/>
                       </a:solidFill>
                       <a:prstDash val="solid"/>
                       <a:round/>
                       <a:headEnd type="none" w="med" len="med"/>
                       <a:tailEnd type="none" w="med" len="med"/>
                     </a:lnR>
-                    <a:lnT w="12700" cap="flat" cmpd="sng" algn="ctr">
-                      <a:solidFill>
-                        <a:srgbClr val="FF0000"/>
+                    <a:lnT w="38100" cap="flat" cmpd="sng" algn="ctr">
+                      <a:solidFill>
+                        <a:schemeClr val="tx1"/>
                       </a:solidFill>
                       <a:prstDash val="solid"/>
                       <a:round/>
                       <a:headEnd type="none" w="med" len="med"/>
                       <a:tailEnd type="none" w="med" len="med"/>
                     </a:lnT>
-                    <a:lnB w="12700" cap="flat" cmpd="sng" algn="ctr">
-                      <a:solidFill>
-                        <a:srgbClr val="FF0000"/>
+                    <a:lnB w="38100" cap="flat" cmpd="sng" algn="ctr">
+                      <a:solidFill>
+                        <a:schemeClr val="tx1"/>
                       </a:solidFill>
                       <a:prstDash val="solid"/>
                       <a:round/>
@@ -25927,43 +27555,40 @@
                       <a:tailEnd type="none" w="med" len="med"/>
                     </a:lnB>
                     <a:solidFill>
-                      <a:schemeClr val="accent1">
-                        <a:lumMod val="40000"/>
-                        <a:lumOff val="60000"/>
-                      </a:schemeClr>
-                    </a:solidFill>
-                  </a:tcPr>
-                </a:tc>
-                <a:tc>
-                  <a:txBody>
-                    <a:bodyPr/>
-                    <a:lstStyle/>
-                    <a:p>
-                      <a:endParaRPr lang="en-HK" dirty="0"/>
-                    </a:p>
-                  </a:txBody>
-                  <a:tcPr>
-                    <a:lnL w="12700" cap="flat" cmpd="sng" algn="ctr">
-                      <a:solidFill>
-                        <a:srgbClr val="FF0000"/>
+                      <a:schemeClr val="bg1"/>
+                    </a:solidFill>
+                  </a:tcPr>
+                </a:tc>
+                <a:tc>
+                  <a:txBody>
+                    <a:bodyPr/>
+                    <a:lstStyle/>
+                    <a:p>
+                      <a:endParaRPr lang="en-HK" dirty="0"/>
+                    </a:p>
+                  </a:txBody>
+                  <a:tcPr>
+                    <a:lnL w="38100" cap="flat" cmpd="sng" algn="ctr">
+                      <a:solidFill>
+                        <a:schemeClr val="tx1"/>
                       </a:solidFill>
                       <a:prstDash val="solid"/>
                       <a:round/>
                       <a:headEnd type="none" w="med" len="med"/>
                       <a:tailEnd type="none" w="med" len="med"/>
                     </a:lnL>
-                    <a:lnT w="12700" cap="flat" cmpd="sng" algn="ctr">
-                      <a:solidFill>
-                        <a:srgbClr val="FF0000"/>
+                    <a:lnT w="38100" cap="flat" cmpd="sng" algn="ctr">
+                      <a:solidFill>
+                        <a:schemeClr val="tx1"/>
                       </a:solidFill>
                       <a:prstDash val="solid"/>
                       <a:round/>
                       <a:headEnd type="none" w="med" len="med"/>
                       <a:tailEnd type="none" w="med" len="med"/>
                     </a:lnT>
-                    <a:lnB w="12700" cap="flat" cmpd="sng" algn="ctr">
-                      <a:solidFill>
-                        <a:srgbClr val="FF0000"/>
+                    <a:lnB w="38100" cap="flat" cmpd="sng" algn="ctr">
+                      <a:solidFill>
+                        <a:schemeClr val="tx1"/>
                       </a:solidFill>
                       <a:prstDash val="solid"/>
                       <a:round/>
@@ -25971,34 +27596,31 @@
                       <a:tailEnd type="none" w="med" len="med"/>
                     </a:lnB>
                     <a:solidFill>
-                      <a:schemeClr val="accent2">
-                        <a:lumMod val="40000"/>
-                        <a:lumOff val="60000"/>
-                      </a:schemeClr>
-                    </a:solidFill>
-                  </a:tcPr>
-                </a:tc>
-                <a:tc>
-                  <a:txBody>
-                    <a:bodyPr/>
-                    <a:lstStyle/>
-                    <a:p>
-                      <a:endParaRPr lang="en-HK" dirty="0"/>
-                    </a:p>
-                  </a:txBody>
-                  <a:tcPr>
-                    <a:lnT w="12700" cap="flat" cmpd="sng" algn="ctr">
-                      <a:solidFill>
-                        <a:srgbClr val="FF0000"/>
+                      <a:schemeClr val="accent3"/>
+                    </a:solidFill>
+                  </a:tcPr>
+                </a:tc>
+                <a:tc>
+                  <a:txBody>
+                    <a:bodyPr/>
+                    <a:lstStyle/>
+                    <a:p>
+                      <a:endParaRPr lang="en-HK" dirty="0"/>
+                    </a:p>
+                  </a:txBody>
+                  <a:tcPr>
+                    <a:lnT w="38100" cap="flat" cmpd="sng" algn="ctr">
+                      <a:solidFill>
+                        <a:schemeClr val="tx1"/>
                       </a:solidFill>
                       <a:prstDash val="solid"/>
                       <a:round/>
                       <a:headEnd type="none" w="med" len="med"/>
                       <a:tailEnd type="none" w="med" len="med"/>
                     </a:lnT>
-                    <a:lnB w="12700" cap="flat" cmpd="sng" algn="ctr">
-                      <a:solidFill>
-                        <a:srgbClr val="FF0000"/>
+                    <a:lnB w="38100" cap="flat" cmpd="sng" algn="ctr">
+                      <a:solidFill>
+                        <a:schemeClr val="tx1"/>
                       </a:solidFill>
                       <a:prstDash val="solid"/>
                       <a:round/>
@@ -26006,34 +27628,31 @@
                       <a:tailEnd type="none" w="med" len="med"/>
                     </a:lnB>
                     <a:solidFill>
-                      <a:schemeClr val="accent2">
-                        <a:lumMod val="40000"/>
-                        <a:lumOff val="60000"/>
-                      </a:schemeClr>
-                    </a:solidFill>
-                  </a:tcPr>
-                </a:tc>
-                <a:tc>
-                  <a:txBody>
-                    <a:bodyPr/>
-                    <a:lstStyle/>
-                    <a:p>
-                      <a:endParaRPr lang="en-HK" dirty="0"/>
-                    </a:p>
-                  </a:txBody>
-                  <a:tcPr>
-                    <a:lnT w="12700" cap="flat" cmpd="sng" algn="ctr">
-                      <a:solidFill>
-                        <a:srgbClr val="FF0000"/>
+                      <a:schemeClr val="accent3"/>
+                    </a:solidFill>
+                  </a:tcPr>
+                </a:tc>
+                <a:tc>
+                  <a:txBody>
+                    <a:bodyPr/>
+                    <a:lstStyle/>
+                    <a:p>
+                      <a:endParaRPr lang="en-HK" dirty="0"/>
+                    </a:p>
+                  </a:txBody>
+                  <a:tcPr>
+                    <a:lnT w="38100" cap="flat" cmpd="sng" algn="ctr">
+                      <a:solidFill>
+                        <a:schemeClr val="tx1"/>
                       </a:solidFill>
                       <a:prstDash val="solid"/>
                       <a:round/>
                       <a:headEnd type="none" w="med" len="med"/>
                       <a:tailEnd type="none" w="med" len="med"/>
                     </a:lnT>
-                    <a:lnB w="12700" cap="flat" cmpd="sng" algn="ctr">
-                      <a:solidFill>
-                        <a:srgbClr val="FF0000"/>
+                    <a:lnB w="38100" cap="flat" cmpd="sng" algn="ctr">
+                      <a:solidFill>
+                        <a:schemeClr val="tx1"/>
                       </a:solidFill>
                       <a:prstDash val="solid"/>
                       <a:round/>
@@ -26041,43 +27660,40 @@
                       <a:tailEnd type="none" w="med" len="med"/>
                     </a:lnB>
                     <a:solidFill>
-                      <a:schemeClr val="accent2">
-                        <a:lumMod val="40000"/>
-                        <a:lumOff val="60000"/>
-                      </a:schemeClr>
-                    </a:solidFill>
-                  </a:tcPr>
-                </a:tc>
-                <a:tc>
-                  <a:txBody>
-                    <a:bodyPr/>
-                    <a:lstStyle/>
-                    <a:p>
-                      <a:endParaRPr lang="en-HK" dirty="0"/>
-                    </a:p>
-                  </a:txBody>
-                  <a:tcPr>
-                    <a:lnR w="12700" cap="flat" cmpd="sng" algn="ctr">
-                      <a:solidFill>
-                        <a:srgbClr val="FF0000"/>
+                      <a:schemeClr val="accent3"/>
+                    </a:solidFill>
+                  </a:tcPr>
+                </a:tc>
+                <a:tc>
+                  <a:txBody>
+                    <a:bodyPr/>
+                    <a:lstStyle/>
+                    <a:p>
+                      <a:endParaRPr lang="en-HK" dirty="0"/>
+                    </a:p>
+                  </a:txBody>
+                  <a:tcPr>
+                    <a:lnR w="38100" cap="flat" cmpd="sng" algn="ctr">
+                      <a:solidFill>
+                        <a:schemeClr val="tx1"/>
                       </a:solidFill>
                       <a:prstDash val="solid"/>
                       <a:round/>
                       <a:headEnd type="none" w="med" len="med"/>
                       <a:tailEnd type="none" w="med" len="med"/>
                     </a:lnR>
-                    <a:lnT w="12700" cap="flat" cmpd="sng" algn="ctr">
-                      <a:solidFill>
-                        <a:srgbClr val="FF0000"/>
+                    <a:lnT w="38100" cap="flat" cmpd="sng" algn="ctr">
+                      <a:solidFill>
+                        <a:schemeClr val="tx1"/>
                       </a:solidFill>
                       <a:prstDash val="solid"/>
                       <a:round/>
                       <a:headEnd type="none" w="med" len="med"/>
                       <a:tailEnd type="none" w="med" len="med"/>
                     </a:lnT>
-                    <a:lnB w="12700" cap="flat" cmpd="sng" algn="ctr">
-                      <a:solidFill>
-                        <a:srgbClr val="FF0000"/>
+                    <a:lnB w="38100" cap="flat" cmpd="sng" algn="ctr">
+                      <a:solidFill>
+                        <a:schemeClr val="tx1"/>
                       </a:solidFill>
                       <a:prstDash val="solid"/>
                       <a:round/>
@@ -26085,43 +27701,40 @@
                       <a:tailEnd type="none" w="med" len="med"/>
                     </a:lnB>
                     <a:solidFill>
-                      <a:schemeClr val="accent1">
-                        <a:lumMod val="40000"/>
-                        <a:lumOff val="60000"/>
-                      </a:schemeClr>
-                    </a:solidFill>
-                  </a:tcPr>
-                </a:tc>
-                <a:tc>
-                  <a:txBody>
-                    <a:bodyPr/>
-                    <a:lstStyle/>
-                    <a:p>
-                      <a:endParaRPr lang="en-HK" dirty="0"/>
-                    </a:p>
-                  </a:txBody>
-                  <a:tcPr>
-                    <a:lnL w="12700" cap="flat" cmpd="sng" algn="ctr">
-                      <a:solidFill>
-                        <a:srgbClr val="FF0000"/>
+                      <a:schemeClr val="bg1"/>
+                    </a:solidFill>
+                  </a:tcPr>
+                </a:tc>
+                <a:tc>
+                  <a:txBody>
+                    <a:bodyPr/>
+                    <a:lstStyle/>
+                    <a:p>
+                      <a:endParaRPr lang="en-HK" dirty="0"/>
+                    </a:p>
+                  </a:txBody>
+                  <a:tcPr>
+                    <a:lnL w="38100" cap="flat" cmpd="sng" algn="ctr">
+                      <a:solidFill>
+                        <a:schemeClr val="tx1"/>
                       </a:solidFill>
                       <a:prstDash val="solid"/>
                       <a:round/>
                       <a:headEnd type="none" w="med" len="med"/>
                       <a:tailEnd type="none" w="med" len="med"/>
                     </a:lnL>
-                    <a:lnT w="12700" cap="flat" cmpd="sng" algn="ctr">
-                      <a:solidFill>
-                        <a:srgbClr val="FF0000"/>
+                    <a:lnT w="38100" cap="flat" cmpd="sng" algn="ctr">
+                      <a:solidFill>
+                        <a:schemeClr val="tx1"/>
                       </a:solidFill>
                       <a:prstDash val="solid"/>
                       <a:round/>
                       <a:headEnd type="none" w="med" len="med"/>
                       <a:tailEnd type="none" w="med" len="med"/>
                     </a:lnT>
-                    <a:lnB w="12700" cap="flat" cmpd="sng" algn="ctr">
-                      <a:solidFill>
-                        <a:srgbClr val="FF0000"/>
+                    <a:lnB w="38100" cap="flat" cmpd="sng" algn="ctr">
+                      <a:solidFill>
+                        <a:schemeClr val="tx1"/>
                       </a:solidFill>
                       <a:prstDash val="solid"/>
                       <a:round/>
@@ -26129,34 +27742,31 @@
                       <a:tailEnd type="none" w="med" len="med"/>
                     </a:lnB>
                     <a:solidFill>
-                      <a:schemeClr val="accent2">
-                        <a:lumMod val="40000"/>
-                        <a:lumOff val="60000"/>
-                      </a:schemeClr>
-                    </a:solidFill>
-                  </a:tcPr>
-                </a:tc>
-                <a:tc>
-                  <a:txBody>
-                    <a:bodyPr/>
-                    <a:lstStyle/>
-                    <a:p>
-                      <a:endParaRPr lang="en-HK" dirty="0"/>
-                    </a:p>
-                  </a:txBody>
-                  <a:tcPr>
-                    <a:lnT w="12700" cap="flat" cmpd="sng" algn="ctr">
-                      <a:solidFill>
-                        <a:srgbClr val="FF0000"/>
+                      <a:schemeClr val="accent3"/>
+                    </a:solidFill>
+                  </a:tcPr>
+                </a:tc>
+                <a:tc>
+                  <a:txBody>
+                    <a:bodyPr/>
+                    <a:lstStyle/>
+                    <a:p>
+                      <a:endParaRPr lang="en-HK" dirty="0"/>
+                    </a:p>
+                  </a:txBody>
+                  <a:tcPr>
+                    <a:lnT w="38100" cap="flat" cmpd="sng" algn="ctr">
+                      <a:solidFill>
+                        <a:schemeClr val="tx1"/>
                       </a:solidFill>
                       <a:prstDash val="solid"/>
                       <a:round/>
                       <a:headEnd type="none" w="med" len="med"/>
                       <a:tailEnd type="none" w="med" len="med"/>
                     </a:lnT>
-                    <a:lnB w="12700" cap="flat" cmpd="sng" algn="ctr">
-                      <a:solidFill>
-                        <a:srgbClr val="FF0000"/>
+                    <a:lnB w="38100" cap="flat" cmpd="sng" algn="ctr">
+                      <a:solidFill>
+                        <a:schemeClr val="tx1"/>
                       </a:solidFill>
                       <a:prstDash val="solid"/>
                       <a:round/>
@@ -26164,34 +27774,31 @@
                       <a:tailEnd type="none" w="med" len="med"/>
                     </a:lnB>
                     <a:solidFill>
-                      <a:schemeClr val="accent2">
-                        <a:lumMod val="40000"/>
-                        <a:lumOff val="60000"/>
-                      </a:schemeClr>
-                    </a:solidFill>
-                  </a:tcPr>
-                </a:tc>
-                <a:tc>
-                  <a:txBody>
-                    <a:bodyPr/>
-                    <a:lstStyle/>
-                    <a:p>
-                      <a:endParaRPr lang="en-HK" dirty="0"/>
-                    </a:p>
-                  </a:txBody>
-                  <a:tcPr>
-                    <a:lnT w="12700" cap="flat" cmpd="sng" algn="ctr">
-                      <a:solidFill>
-                        <a:srgbClr val="FF0000"/>
+                      <a:schemeClr val="accent3"/>
+                    </a:solidFill>
+                  </a:tcPr>
+                </a:tc>
+                <a:tc>
+                  <a:txBody>
+                    <a:bodyPr/>
+                    <a:lstStyle/>
+                    <a:p>
+                      <a:endParaRPr lang="en-HK" dirty="0"/>
+                    </a:p>
+                  </a:txBody>
+                  <a:tcPr>
+                    <a:lnT w="38100" cap="flat" cmpd="sng" algn="ctr">
+                      <a:solidFill>
+                        <a:schemeClr val="tx1"/>
                       </a:solidFill>
                       <a:prstDash val="solid"/>
                       <a:round/>
                       <a:headEnd type="none" w="med" len="med"/>
                       <a:tailEnd type="none" w="med" len="med"/>
                     </a:lnT>
-                    <a:lnB w="12700" cap="flat" cmpd="sng" algn="ctr">
-                      <a:solidFill>
-                        <a:srgbClr val="FF0000"/>
+                    <a:lnB w="38100" cap="flat" cmpd="sng" algn="ctr">
+                      <a:solidFill>
+                        <a:schemeClr val="tx1"/>
                       </a:solidFill>
                       <a:prstDash val="solid"/>
                       <a:round/>
@@ -26199,43 +27806,40 @@
                       <a:tailEnd type="none" w="med" len="med"/>
                     </a:lnB>
                     <a:solidFill>
-                      <a:schemeClr val="accent2">
-                        <a:lumMod val="40000"/>
-                        <a:lumOff val="60000"/>
-                      </a:schemeClr>
-                    </a:solidFill>
-                  </a:tcPr>
-                </a:tc>
-                <a:tc>
-                  <a:txBody>
-                    <a:bodyPr/>
-                    <a:lstStyle/>
-                    <a:p>
-                      <a:endParaRPr lang="en-HK" dirty="0"/>
-                    </a:p>
-                  </a:txBody>
-                  <a:tcPr>
-                    <a:lnR w="12700" cap="flat" cmpd="sng" algn="ctr">
-                      <a:solidFill>
-                        <a:srgbClr val="FF0000"/>
+                      <a:schemeClr val="accent3"/>
+                    </a:solidFill>
+                  </a:tcPr>
+                </a:tc>
+                <a:tc>
+                  <a:txBody>
+                    <a:bodyPr/>
+                    <a:lstStyle/>
+                    <a:p>
+                      <a:endParaRPr lang="en-HK" dirty="0"/>
+                    </a:p>
+                  </a:txBody>
+                  <a:tcPr>
+                    <a:lnR w="38100" cap="flat" cmpd="sng" algn="ctr">
+                      <a:solidFill>
+                        <a:schemeClr val="tx1"/>
                       </a:solidFill>
                       <a:prstDash val="solid"/>
                       <a:round/>
                       <a:headEnd type="none" w="med" len="med"/>
                       <a:tailEnd type="none" w="med" len="med"/>
                     </a:lnR>
-                    <a:lnT w="12700" cap="flat" cmpd="sng" algn="ctr">
-                      <a:solidFill>
-                        <a:srgbClr val="FF0000"/>
+                    <a:lnT w="38100" cap="flat" cmpd="sng" algn="ctr">
+                      <a:solidFill>
+                        <a:schemeClr val="tx1"/>
                       </a:solidFill>
                       <a:prstDash val="solid"/>
                       <a:round/>
                       <a:headEnd type="none" w="med" len="med"/>
                       <a:tailEnd type="none" w="med" len="med"/>
                     </a:lnT>
-                    <a:lnB w="12700" cap="flat" cmpd="sng" algn="ctr">
-                      <a:solidFill>
-                        <a:srgbClr val="FF0000"/>
+                    <a:lnB w="38100" cap="flat" cmpd="sng" algn="ctr">
+                      <a:solidFill>
+                        <a:schemeClr val="tx1"/>
                       </a:solidFill>
                       <a:prstDash val="solid"/>
                       <a:round/>
@@ -26243,43 +27847,40 @@
                       <a:tailEnd type="none" w="med" len="med"/>
                     </a:lnB>
                     <a:solidFill>
-                      <a:schemeClr val="accent1">
-                        <a:lumMod val="40000"/>
-                        <a:lumOff val="60000"/>
-                      </a:schemeClr>
-                    </a:solidFill>
-                  </a:tcPr>
-                </a:tc>
-                <a:tc>
-                  <a:txBody>
-                    <a:bodyPr/>
-                    <a:lstStyle/>
-                    <a:p>
-                      <a:endParaRPr lang="en-HK" dirty="0"/>
-                    </a:p>
-                  </a:txBody>
-                  <a:tcPr>
-                    <a:lnL w="12700" cap="flat" cmpd="sng" algn="ctr">
-                      <a:solidFill>
-                        <a:srgbClr val="FF0000"/>
+                      <a:schemeClr val="bg1"/>
+                    </a:solidFill>
+                  </a:tcPr>
+                </a:tc>
+                <a:tc>
+                  <a:txBody>
+                    <a:bodyPr/>
+                    <a:lstStyle/>
+                    <a:p>
+                      <a:endParaRPr lang="en-HK" dirty="0"/>
+                    </a:p>
+                  </a:txBody>
+                  <a:tcPr>
+                    <a:lnL w="38100" cap="flat" cmpd="sng" algn="ctr">
+                      <a:solidFill>
+                        <a:schemeClr val="tx1"/>
                       </a:solidFill>
                       <a:prstDash val="solid"/>
                       <a:round/>
                       <a:headEnd type="none" w="med" len="med"/>
                       <a:tailEnd type="none" w="med" len="med"/>
                     </a:lnL>
-                    <a:lnT w="12700" cap="flat" cmpd="sng" algn="ctr">
-                      <a:solidFill>
-                        <a:srgbClr val="FF0000"/>
+                    <a:lnT w="38100" cap="flat" cmpd="sng" algn="ctr">
+                      <a:solidFill>
+                        <a:schemeClr val="tx1"/>
                       </a:solidFill>
                       <a:prstDash val="solid"/>
                       <a:round/>
                       <a:headEnd type="none" w="med" len="med"/>
                       <a:tailEnd type="none" w="med" len="med"/>
                     </a:lnT>
-                    <a:lnB w="12700" cap="flat" cmpd="sng" algn="ctr">
-                      <a:solidFill>
-                        <a:srgbClr val="FF0000"/>
+                    <a:lnB w="38100" cap="flat" cmpd="sng" algn="ctr">
+                      <a:solidFill>
+                        <a:schemeClr val="tx1"/>
                       </a:solidFill>
                       <a:prstDash val="solid"/>
                       <a:round/>
@@ -26287,34 +27888,31 @@
                       <a:tailEnd type="none" w="med" len="med"/>
                     </a:lnB>
                     <a:solidFill>
-                      <a:schemeClr val="accent2">
-                        <a:lumMod val="40000"/>
-                        <a:lumOff val="60000"/>
-                      </a:schemeClr>
-                    </a:solidFill>
-                  </a:tcPr>
-                </a:tc>
-                <a:tc>
-                  <a:txBody>
-                    <a:bodyPr/>
-                    <a:lstStyle/>
-                    <a:p>
-                      <a:endParaRPr lang="en-HK" dirty="0"/>
-                    </a:p>
-                  </a:txBody>
-                  <a:tcPr>
-                    <a:lnT w="12700" cap="flat" cmpd="sng" algn="ctr">
-                      <a:solidFill>
-                        <a:srgbClr val="FF0000"/>
+                      <a:schemeClr val="accent3"/>
+                    </a:solidFill>
+                  </a:tcPr>
+                </a:tc>
+                <a:tc>
+                  <a:txBody>
+                    <a:bodyPr/>
+                    <a:lstStyle/>
+                    <a:p>
+                      <a:endParaRPr lang="en-HK" dirty="0"/>
+                    </a:p>
+                  </a:txBody>
+                  <a:tcPr>
+                    <a:lnT w="38100" cap="flat" cmpd="sng" algn="ctr">
+                      <a:solidFill>
+                        <a:schemeClr val="tx1"/>
                       </a:solidFill>
                       <a:prstDash val="solid"/>
                       <a:round/>
                       <a:headEnd type="none" w="med" len="med"/>
                       <a:tailEnd type="none" w="med" len="med"/>
                     </a:lnT>
-                    <a:lnB w="12700" cap="flat" cmpd="sng" algn="ctr">
-                      <a:solidFill>
-                        <a:srgbClr val="FF0000"/>
+                    <a:lnB w="38100" cap="flat" cmpd="sng" algn="ctr">
+                      <a:solidFill>
+                        <a:schemeClr val="tx1"/>
                       </a:solidFill>
                       <a:prstDash val="solid"/>
                       <a:round/>
@@ -26322,43 +27920,40 @@
                       <a:tailEnd type="none" w="med" len="med"/>
                     </a:lnB>
                     <a:solidFill>
-                      <a:schemeClr val="accent2">
-                        <a:lumMod val="40000"/>
-                        <a:lumOff val="60000"/>
-                      </a:schemeClr>
-                    </a:solidFill>
-                  </a:tcPr>
-                </a:tc>
-                <a:tc>
-                  <a:txBody>
-                    <a:bodyPr/>
-                    <a:lstStyle/>
-                    <a:p>
-                      <a:endParaRPr lang="en-HK" dirty="0"/>
-                    </a:p>
-                  </a:txBody>
-                  <a:tcPr>
-                    <a:lnR w="12700" cap="flat" cmpd="sng" algn="ctr">
-                      <a:solidFill>
-                        <a:srgbClr val="FF0000"/>
+                      <a:schemeClr val="accent3"/>
+                    </a:solidFill>
+                  </a:tcPr>
+                </a:tc>
+                <a:tc>
+                  <a:txBody>
+                    <a:bodyPr/>
+                    <a:lstStyle/>
+                    <a:p>
+                      <a:endParaRPr lang="en-HK" dirty="0"/>
+                    </a:p>
+                  </a:txBody>
+                  <a:tcPr>
+                    <a:lnR w="38100" cap="flat" cmpd="sng" algn="ctr">
+                      <a:solidFill>
+                        <a:schemeClr val="tx1"/>
                       </a:solidFill>
                       <a:prstDash val="solid"/>
                       <a:round/>
                       <a:headEnd type="none" w="med" len="med"/>
                       <a:tailEnd type="none" w="med" len="med"/>
                     </a:lnR>
-                    <a:lnT w="12700" cap="flat" cmpd="sng" algn="ctr">
-                      <a:solidFill>
-                        <a:srgbClr val="FF0000"/>
+                    <a:lnT w="38100" cap="flat" cmpd="sng" algn="ctr">
+                      <a:solidFill>
+                        <a:schemeClr val="tx1"/>
                       </a:solidFill>
                       <a:prstDash val="solid"/>
                       <a:round/>
                       <a:headEnd type="none" w="med" len="med"/>
                       <a:tailEnd type="none" w="med" len="med"/>
                     </a:lnT>
-                    <a:lnB w="12700" cap="flat" cmpd="sng" algn="ctr">
-                      <a:solidFill>
-                        <a:srgbClr val="FF0000"/>
+                    <a:lnB w="38100" cap="flat" cmpd="sng" algn="ctr">
+                      <a:solidFill>
+                        <a:schemeClr val="tx1"/>
                       </a:solidFill>
                       <a:prstDash val="solid"/>
                       <a:round/>
@@ -26366,43 +27961,40 @@
                       <a:tailEnd type="none" w="med" len="med"/>
                     </a:lnB>
                     <a:solidFill>
-                      <a:schemeClr val="accent1">
-                        <a:lumMod val="40000"/>
-                        <a:lumOff val="60000"/>
-                      </a:schemeClr>
-                    </a:solidFill>
-                  </a:tcPr>
-                </a:tc>
-                <a:tc>
-                  <a:txBody>
-                    <a:bodyPr/>
-                    <a:lstStyle/>
-                    <a:p>
-                      <a:endParaRPr lang="en-HK" dirty="0"/>
-                    </a:p>
-                  </a:txBody>
-                  <a:tcPr>
-                    <a:lnL w="12700" cap="flat" cmpd="sng" algn="ctr">
-                      <a:solidFill>
-                        <a:srgbClr val="FF0000"/>
+                      <a:schemeClr val="bg1"/>
+                    </a:solidFill>
+                  </a:tcPr>
+                </a:tc>
+                <a:tc>
+                  <a:txBody>
+                    <a:bodyPr/>
+                    <a:lstStyle/>
+                    <a:p>
+                      <a:endParaRPr lang="en-HK" dirty="0"/>
+                    </a:p>
+                  </a:txBody>
+                  <a:tcPr>
+                    <a:lnL w="38100" cap="flat" cmpd="sng" algn="ctr">
+                      <a:solidFill>
+                        <a:schemeClr val="tx1"/>
                       </a:solidFill>
                       <a:prstDash val="solid"/>
                       <a:round/>
                       <a:headEnd type="none" w="med" len="med"/>
                       <a:tailEnd type="none" w="med" len="med"/>
                     </a:lnL>
-                    <a:lnT w="12700" cap="flat" cmpd="sng" algn="ctr">
-                      <a:solidFill>
-                        <a:srgbClr val="FF0000"/>
+                    <a:lnT w="38100" cap="flat" cmpd="sng" algn="ctr">
+                      <a:solidFill>
+                        <a:schemeClr val="tx1"/>
                       </a:solidFill>
                       <a:prstDash val="solid"/>
                       <a:round/>
                       <a:headEnd type="none" w="med" len="med"/>
                       <a:tailEnd type="none" w="med" len="med"/>
                     </a:lnT>
-                    <a:lnB w="12700" cap="flat" cmpd="sng" algn="ctr">
-                      <a:solidFill>
-                        <a:srgbClr val="FF0000"/>
+                    <a:lnB w="38100" cap="flat" cmpd="sng" algn="ctr">
+                      <a:solidFill>
+                        <a:schemeClr val="tx1"/>
                       </a:solidFill>
                       <a:prstDash val="solid"/>
                       <a:round/>
@@ -26410,43 +28002,40 @@
                       <a:tailEnd type="none" w="med" len="med"/>
                     </a:lnB>
                     <a:solidFill>
-                      <a:schemeClr val="accent2">
-                        <a:lumMod val="40000"/>
-                        <a:lumOff val="60000"/>
-                      </a:schemeClr>
-                    </a:solidFill>
-                  </a:tcPr>
-                </a:tc>
-                <a:tc>
-                  <a:txBody>
-                    <a:bodyPr/>
-                    <a:lstStyle/>
-                    <a:p>
-                      <a:endParaRPr lang="en-HK" dirty="0"/>
-                    </a:p>
-                  </a:txBody>
-                  <a:tcPr>
-                    <a:lnR w="12700" cap="flat" cmpd="sng" algn="ctr">
-                      <a:solidFill>
-                        <a:srgbClr val="FF0000"/>
+                      <a:schemeClr val="accent3"/>
+                    </a:solidFill>
+                  </a:tcPr>
+                </a:tc>
+                <a:tc>
+                  <a:txBody>
+                    <a:bodyPr/>
+                    <a:lstStyle/>
+                    <a:p>
+                      <a:endParaRPr lang="en-HK" dirty="0"/>
+                    </a:p>
+                  </a:txBody>
+                  <a:tcPr>
+                    <a:lnR w="38100" cap="flat" cmpd="sng" algn="ctr">
+                      <a:solidFill>
+                        <a:schemeClr val="tx1"/>
                       </a:solidFill>
                       <a:prstDash val="solid"/>
                       <a:round/>
                       <a:headEnd type="none" w="med" len="med"/>
                       <a:tailEnd type="none" w="med" len="med"/>
                     </a:lnR>
-                    <a:lnT w="12700" cap="flat" cmpd="sng" algn="ctr">
-                      <a:solidFill>
-                        <a:srgbClr val="FF0000"/>
+                    <a:lnT w="38100" cap="flat" cmpd="sng" algn="ctr">
+                      <a:solidFill>
+                        <a:schemeClr val="tx1"/>
                       </a:solidFill>
                       <a:prstDash val="solid"/>
                       <a:round/>
                       <a:headEnd type="none" w="med" len="med"/>
                       <a:tailEnd type="none" w="med" len="med"/>
                     </a:lnT>
-                    <a:lnB w="12700" cap="flat" cmpd="sng" algn="ctr">
-                      <a:solidFill>
-                        <a:srgbClr val="FF0000"/>
+                    <a:lnB w="38100" cap="flat" cmpd="sng" algn="ctr">
+                      <a:solidFill>
+                        <a:schemeClr val="tx1"/>
                       </a:solidFill>
                       <a:prstDash val="solid"/>
                       <a:round/>
@@ -26454,10 +28043,7 @@
                       <a:tailEnd type="none" w="med" len="med"/>
                     </a:lnB>
                     <a:solidFill>
-                      <a:schemeClr val="accent1">
-                        <a:lumMod val="40000"/>
-                        <a:lumOff val="60000"/>
-                      </a:schemeClr>
+                      <a:schemeClr val="bg1"/>
                     </a:solidFill>
                   </a:tcPr>
                 </a:tc>
@@ -26485,7 +28071,7 @@
         </p:nvSpPr>
         <p:spPr>
           <a:xfrm>
-            <a:off x="523333" y="1854281"/>
+            <a:off x="523333" y="1595497"/>
             <a:ext cx="1605439" cy="369332"/>
           </a:xfrm>
           <a:prstGeom prst="rect">
@@ -26543,6 +28129,126 @@
           </a:p>
         </p:txBody>
       </p:sp>
+      <p:sp>
+        <p:nvSpPr>
+          <p:cNvPr id="8" name="TextBox 7">
+            <a:extLst>
+              <a:ext uri="{FF2B5EF4-FFF2-40B4-BE49-F238E27FC236}">
+                <a16:creationId xmlns:a16="http://schemas.microsoft.com/office/drawing/2014/main" id="{350D7B6B-DBAB-A0C3-6341-7FB6EA5EC9F2}"/>
+              </a:ext>
+            </a:extLst>
+          </p:cNvPr>
+          <p:cNvSpPr txBox="1"/>
+          <p:nvPr/>
+        </p:nvSpPr>
+        <p:spPr>
+          <a:xfrm>
+            <a:off x="4669282" y="1994496"/>
+            <a:ext cx="1125629" cy="369332"/>
+          </a:xfrm>
+          <a:prstGeom prst="rect">
+            <a:avLst/>
+          </a:prstGeom>
+          <a:noFill/>
+        </p:spPr>
+        <p:txBody>
+          <a:bodyPr wrap="none" rtlCol="0">
+            <a:spAutoFit/>
+          </a:bodyPr>
+          <a:lstStyle/>
+          <a:p>
+            <a:r>
+              <a:rPr lang="en-HK" dirty="0"/>
+              <a:t>(0,</a:t>
+            </a:r>
+            <a:r>
+              <a:rPr lang="zh-CN" altLang="en-US" dirty="0"/>
+              <a:t> </a:t>
+            </a:r>
+            <a:r>
+              <a:rPr lang="en-HK" altLang="zh-CN" dirty="0"/>
+              <a:t>0,</a:t>
+            </a:r>
+            <a:r>
+              <a:rPr lang="zh-CN" altLang="en-US" dirty="0"/>
+              <a:t> </a:t>
+            </a:r>
+            <a:r>
+              <a:rPr lang="en-HK" altLang="zh-CN" dirty="0"/>
+              <a:t>0,</a:t>
+            </a:r>
+            <a:r>
+              <a:rPr lang="zh-CN" altLang="en-US" dirty="0"/>
+              <a:t> </a:t>
+            </a:r>
+            <a:r>
+              <a:rPr lang="en-HK" altLang="zh-CN" dirty="0"/>
+              <a:t>4)</a:t>
+            </a:r>
+            <a:endParaRPr lang="en-HK" dirty="0"/>
+          </a:p>
+        </p:txBody>
+      </p:sp>
+      <p:sp>
+        <p:nvSpPr>
+          <p:cNvPr id="9" name="TextBox 8">
+            <a:extLst>
+              <a:ext uri="{FF2B5EF4-FFF2-40B4-BE49-F238E27FC236}">
+                <a16:creationId xmlns:a16="http://schemas.microsoft.com/office/drawing/2014/main" id="{17E298AE-3F23-19A2-1EFD-78865A102AA5}"/>
+              </a:ext>
+            </a:extLst>
+          </p:cNvPr>
+          <p:cNvSpPr txBox="1"/>
+          <p:nvPr/>
+        </p:nvSpPr>
+        <p:spPr>
+          <a:xfrm>
+            <a:off x="4669281" y="2877359"/>
+            <a:ext cx="1125629" cy="369332"/>
+          </a:xfrm>
+          <a:prstGeom prst="rect">
+            <a:avLst/>
+          </a:prstGeom>
+          <a:noFill/>
+        </p:spPr>
+        <p:txBody>
+          <a:bodyPr wrap="none" rtlCol="0">
+            <a:spAutoFit/>
+          </a:bodyPr>
+          <a:lstStyle/>
+          <a:p>
+            <a:r>
+              <a:rPr lang="en-HK" dirty="0"/>
+              <a:t>(1,</a:t>
+            </a:r>
+            <a:r>
+              <a:rPr lang="zh-CN" altLang="en-US" dirty="0"/>
+              <a:t> </a:t>
+            </a:r>
+            <a:r>
+              <a:rPr lang="en-HK" altLang="zh-CN" dirty="0"/>
+              <a:t>1,</a:t>
+            </a:r>
+            <a:r>
+              <a:rPr lang="zh-CN" altLang="en-US" dirty="0"/>
+              <a:t> </a:t>
+            </a:r>
+            <a:r>
+              <a:rPr lang="en-HK" altLang="zh-CN" dirty="0"/>
+              <a:t>4,</a:t>
+            </a:r>
+            <a:r>
+              <a:rPr lang="zh-CN" altLang="en-US" dirty="0"/>
+              <a:t> </a:t>
+            </a:r>
+            <a:r>
+              <a:rPr lang="en-HK" altLang="zh-CN" dirty="0"/>
+              <a:t>0)</a:t>
+            </a:r>
+            <a:endParaRPr lang="en-HK" dirty="0"/>
+          </a:p>
+        </p:txBody>
+      </p:sp>
     </p:spTree>
     <p:extLst>
       <p:ext uri="{BB962C8B-B14F-4D97-AF65-F5344CB8AC3E}">
@@ -26556,7 +28262,7 @@
 </p:sld>
 </file>
 
-<file path=ppt/slides/slide17.xml><?xml version="1.0" encoding="utf-8"?>
+<file path=ppt/slides/slide18.xml><?xml version="1.0" encoding="utf-8"?>
 <p:sld xmlns:a="http://schemas.openxmlformats.org/drawingml/2006/main" xmlns:r="http://schemas.openxmlformats.org/officeDocument/2006/relationships" xmlns:p="http://schemas.openxmlformats.org/presentationml/2006/main">
   <p:cSld>
     <p:spTree>
@@ -27508,7 +29214,7 @@
 </p:sld>
 </file>
 
-<file path=ppt/slides/slide18.xml><?xml version="1.0" encoding="utf-8"?>
+<file path=ppt/slides/slide19.xml><?xml version="1.0" encoding="utf-8"?>
 <p:sld xmlns:a="http://schemas.openxmlformats.org/drawingml/2006/main" xmlns:r="http://schemas.openxmlformats.org/officeDocument/2006/relationships" xmlns:p="http://schemas.openxmlformats.org/presentationml/2006/main">
   <p:cSld>
     <p:spTree>
@@ -28728,7 +30434,291 @@
 </p:sld>
 </file>
 
-<file path=ppt/slides/slide19.xml><?xml version="1.0" encoding="utf-8"?>
+<file path=ppt/slides/slide2.xml><?xml version="1.0" encoding="utf-8"?>
+<p:sld xmlns:a="http://schemas.openxmlformats.org/drawingml/2006/main" xmlns:r="http://schemas.openxmlformats.org/officeDocument/2006/relationships" xmlns:p="http://schemas.openxmlformats.org/presentationml/2006/main">
+  <p:cSld>
+    <p:bg>
+      <p:bgPr>
+        <a:solidFill>
+          <a:schemeClr val="bg1"/>
+        </a:solidFill>
+        <a:effectLst/>
+      </p:bgPr>
+    </p:bg>
+    <p:spTree>
+      <p:nvGrpSpPr>
+        <p:cNvPr id="1" name=""/>
+        <p:cNvGrpSpPr/>
+        <p:nvPr/>
+      </p:nvGrpSpPr>
+      <p:grpSpPr>
+        <a:xfrm>
+          <a:off x="0" y="0"/>
+          <a:ext cx="0" cy="0"/>
+          <a:chOff x="0" y="0"/>
+          <a:chExt cx="0" cy="0"/>
+        </a:xfrm>
+      </p:grpSpPr>
+      <p:sp>
+        <p:nvSpPr>
+          <p:cNvPr id="2" name="Title 1">
+            <a:extLst>
+              <a:ext uri="{FF2B5EF4-FFF2-40B4-BE49-F238E27FC236}">
+                <a16:creationId xmlns:a16="http://schemas.microsoft.com/office/drawing/2014/main" id="{641C12DE-44C6-FA3C-6E0B-3E8B89D22D74}"/>
+              </a:ext>
+            </a:extLst>
+          </p:cNvPr>
+          <p:cNvSpPr>
+            <a:spLocks noGrp="1"/>
+          </p:cNvSpPr>
+          <p:nvPr>
+            <p:ph type="ctrTitle"/>
+          </p:nvPr>
+        </p:nvSpPr>
+        <p:spPr>
+          <a:xfrm>
+            <a:off x="195559" y="105459"/>
+            <a:ext cx="6811731" cy="762421"/>
+          </a:xfrm>
+        </p:spPr>
+        <p:txBody>
+          <a:bodyPr anchor="b">
+            <a:normAutofit/>
+          </a:bodyPr>
+          <a:lstStyle/>
+          <a:p>
+            <a:r>
+              <a:rPr lang="en-HK" sz="3200" dirty="0"/>
+              <a:t>Social Distancing under Pandemic</a:t>
+            </a:r>
+          </a:p>
+        </p:txBody>
+      </p:sp>
+      <p:pic>
+        <p:nvPicPr>
+          <p:cNvPr id="5" name="Picture 4" descr="A table with a clear plastic shield&#10;&#10;Description automatically generated with medium confidence">
+            <a:extLst>
+              <a:ext uri="{FF2B5EF4-FFF2-40B4-BE49-F238E27FC236}">
+                <a16:creationId xmlns:a16="http://schemas.microsoft.com/office/drawing/2014/main" id="{D8ACECD1-D14C-7709-8BCD-2551B54745A6}"/>
+              </a:ext>
+            </a:extLst>
+          </p:cNvPr>
+          <p:cNvPicPr>
+            <a:picLocks noChangeAspect="1"/>
+          </p:cNvPicPr>
+          <p:nvPr/>
+        </p:nvPicPr>
+        <p:blipFill rotWithShape="1">
+          <a:blip r:embed="rId3">
+            <a:extLst>
+              <a:ext uri="{28A0092B-C50C-407E-A947-70E740481C1C}">
+                <a14:useLocalDpi xmlns:a14="http://schemas.microsoft.com/office/drawing/2010/main" val="0"/>
+              </a:ext>
+            </a:extLst>
+          </a:blip>
+          <a:srcRect t="16470" r="-2" b="19853"/>
+          <a:stretch/>
+        </p:blipFill>
+        <p:spPr>
+          <a:xfrm>
+            <a:off x="7958082" y="541311"/>
+            <a:ext cx="4020093" cy="2517245"/>
+          </a:xfrm>
+          <a:prstGeom prst="rect">
+            <a:avLst/>
+          </a:prstGeom>
+        </p:spPr>
+      </p:pic>
+      <p:pic>
+        <p:nvPicPr>
+          <p:cNvPr id="7" name="Picture 6" descr="A group of stuffed toys in a movie theater&#10;&#10;Description automatically generated">
+            <a:extLst>
+              <a:ext uri="{FF2B5EF4-FFF2-40B4-BE49-F238E27FC236}">
+                <a16:creationId xmlns:a16="http://schemas.microsoft.com/office/drawing/2014/main" id="{ED56307B-4005-5D03-9A28-D5F637487833}"/>
+              </a:ext>
+            </a:extLst>
+          </p:cNvPr>
+          <p:cNvPicPr>
+            <a:picLocks noChangeAspect="1"/>
+          </p:cNvPicPr>
+          <p:nvPr/>
+        </p:nvPicPr>
+        <p:blipFill rotWithShape="1">
+          <a:blip r:embed="rId4">
+            <a:extLst>
+              <a:ext uri="{28A0092B-C50C-407E-A947-70E740481C1C}">
+                <a14:useLocalDpi xmlns:a14="http://schemas.microsoft.com/office/drawing/2010/main" val="0"/>
+              </a:ext>
+            </a:extLst>
+          </a:blip>
+          <a:srcRect r="-2" b="5838"/>
+          <a:stretch/>
+        </p:blipFill>
+        <p:spPr>
+          <a:xfrm>
+            <a:off x="7948749" y="3418877"/>
+            <a:ext cx="4020093" cy="2517245"/>
+          </a:xfrm>
+          <a:prstGeom prst="rect">
+            <a:avLst/>
+          </a:prstGeom>
+        </p:spPr>
+      </p:pic>
+      <p:sp>
+        <p:nvSpPr>
+          <p:cNvPr id="10" name="TextBox 9">
+            <a:extLst>
+              <a:ext uri="{FF2B5EF4-FFF2-40B4-BE49-F238E27FC236}">
+                <a16:creationId xmlns:a16="http://schemas.microsoft.com/office/drawing/2014/main" id="{8A902155-6ACB-B5D9-8D97-EDDF2B4A481B}"/>
+              </a:ext>
+            </a:extLst>
+          </p:cNvPr>
+          <p:cNvSpPr txBox="1"/>
+          <p:nvPr/>
+        </p:nvSpPr>
+        <p:spPr>
+          <a:xfrm>
+            <a:off x="428722" y="1219244"/>
+            <a:ext cx="6633713" cy="3139321"/>
+          </a:xfrm>
+          <a:prstGeom prst="rect">
+            <a:avLst/>
+          </a:prstGeom>
+          <a:noFill/>
+        </p:spPr>
+        <p:txBody>
+          <a:bodyPr wrap="square" rtlCol="0">
+            <a:spAutoFit/>
+          </a:bodyPr>
+          <a:lstStyle/>
+          <a:p>
+            <a:r>
+              <a:rPr lang="en-US" sz="1800" dirty="0"/>
+              <a:t>Governments issued the policy about social distancing constraint.</a:t>
+            </a:r>
+          </a:p>
+          <a:p>
+            <a:endParaRPr lang="en-US" sz="1800" dirty="0"/>
+          </a:p>
+          <a:p>
+            <a:endParaRPr lang="en-US" sz="1800" dirty="0"/>
+          </a:p>
+          <a:p>
+            <a:endParaRPr lang="en-US" sz="1800" dirty="0"/>
+          </a:p>
+          <a:p>
+            <a:endParaRPr lang="en-US" dirty="0"/>
+          </a:p>
+          <a:p>
+            <a:endParaRPr lang="en-US" sz="1800" dirty="0"/>
+          </a:p>
+          <a:p>
+            <a:endParaRPr lang="en-US" dirty="0"/>
+          </a:p>
+          <a:p>
+            <a:endParaRPr lang="en-US" sz="1800" dirty="0"/>
+          </a:p>
+          <a:p>
+            <a:endParaRPr lang="en-US" sz="1800" dirty="0"/>
+          </a:p>
+          <a:p>
+            <a:r>
+              <a:rPr lang="en-US" sz="1800" dirty="0"/>
+              <a:t>Theater tickets booking: assign to seat.</a:t>
+            </a:r>
+            <a:endParaRPr lang="en-HK" sz="1800" dirty="0"/>
+          </a:p>
+          <a:p>
+            <a:endParaRPr lang="en-HK" dirty="0"/>
+          </a:p>
+        </p:txBody>
+      </p:sp>
+      <p:pic>
+        <p:nvPicPr>
+          <p:cNvPr id="60" name="Picture 59" descr="A text on a white background&#10;&#10;Description automatically generated">
+            <a:extLst>
+              <a:ext uri="{FF2B5EF4-FFF2-40B4-BE49-F238E27FC236}">
+                <a16:creationId xmlns:a16="http://schemas.microsoft.com/office/drawing/2014/main" id="{722991C7-E828-473C-49DE-7BC37837C41B}"/>
+              </a:ext>
+            </a:extLst>
+          </p:cNvPr>
+          <p:cNvPicPr>
+            <a:picLocks noChangeAspect="1"/>
+          </p:cNvPicPr>
+          <p:nvPr/>
+        </p:nvPicPr>
+        <p:blipFill>
+          <a:blip r:embed="rId5">
+            <a:extLst>
+              <a:ext uri="{28A0092B-C50C-407E-A947-70E740481C1C}">
+                <a14:useLocalDpi xmlns:a14="http://schemas.microsoft.com/office/drawing/2010/main" val="0"/>
+              </a:ext>
+            </a:extLst>
+          </a:blip>
+          <a:stretch>
+            <a:fillRect/>
+          </a:stretch>
+        </p:blipFill>
+        <p:spPr>
+          <a:xfrm>
+            <a:off x="121297" y="4200899"/>
+            <a:ext cx="7827452" cy="1609950"/>
+          </a:xfrm>
+          <a:prstGeom prst="rect">
+            <a:avLst/>
+          </a:prstGeom>
+        </p:spPr>
+      </p:pic>
+      <p:pic>
+        <p:nvPicPr>
+          <p:cNvPr id="67" name="Picture 66" descr="A close up of text&#10;&#10;Description automatically generated">
+            <a:extLst>
+              <a:ext uri="{FF2B5EF4-FFF2-40B4-BE49-F238E27FC236}">
+                <a16:creationId xmlns:a16="http://schemas.microsoft.com/office/drawing/2014/main" id="{22C814A0-00D2-A41E-45AD-376C4B49706A}"/>
+              </a:ext>
+            </a:extLst>
+          </p:cNvPr>
+          <p:cNvPicPr>
+            <a:picLocks noChangeAspect="1"/>
+          </p:cNvPicPr>
+          <p:nvPr/>
+        </p:nvPicPr>
+        <p:blipFill>
+          <a:blip r:embed="rId6">
+            <a:extLst>
+              <a:ext uri="{28A0092B-C50C-407E-A947-70E740481C1C}">
+                <a14:useLocalDpi xmlns:a14="http://schemas.microsoft.com/office/drawing/2010/main" val="0"/>
+              </a:ext>
+            </a:extLst>
+          </a:blip>
+          <a:stretch>
+            <a:fillRect/>
+          </a:stretch>
+        </p:blipFill>
+        <p:spPr>
+          <a:xfrm>
+            <a:off x="425652" y="1649902"/>
+            <a:ext cx="6639852" cy="1867161"/>
+          </a:xfrm>
+          <a:prstGeom prst="rect">
+            <a:avLst/>
+          </a:prstGeom>
+        </p:spPr>
+      </p:pic>
+    </p:spTree>
+    <p:extLst>
+      <p:ext uri="{BB962C8B-B14F-4D97-AF65-F5344CB8AC3E}">
+        <p14:creationId xmlns:p14="http://schemas.microsoft.com/office/powerpoint/2010/main" val="3986393388"/>
+      </p:ext>
+    </p:extLst>
+  </p:cSld>
+  <p:clrMapOvr>
+    <a:masterClrMapping/>
+  </p:clrMapOvr>
+</p:sld>
+</file>
+
+<file path=ppt/slides/slide20.xml><?xml version="1.0" encoding="utf-8"?>
 <p:sld xmlns:a="http://schemas.openxmlformats.org/drawingml/2006/main" xmlns:r="http://schemas.openxmlformats.org/officeDocument/2006/relationships" xmlns:p="http://schemas.openxmlformats.org/presentationml/2006/main">
   <p:cSld>
     <p:spTree>
@@ -29219,290 +31209,6 @@
     <p:extLst>
       <p:ext uri="{BB962C8B-B14F-4D97-AF65-F5344CB8AC3E}">
         <p14:creationId xmlns:p14="http://schemas.microsoft.com/office/powerpoint/2010/main" val="2411662217"/>
-      </p:ext>
-    </p:extLst>
-  </p:cSld>
-  <p:clrMapOvr>
-    <a:masterClrMapping/>
-  </p:clrMapOvr>
-</p:sld>
-</file>
-
-<file path=ppt/slides/slide2.xml><?xml version="1.0" encoding="utf-8"?>
-<p:sld xmlns:a="http://schemas.openxmlformats.org/drawingml/2006/main" xmlns:r="http://schemas.openxmlformats.org/officeDocument/2006/relationships" xmlns:p="http://schemas.openxmlformats.org/presentationml/2006/main">
-  <p:cSld>
-    <p:bg>
-      <p:bgPr>
-        <a:solidFill>
-          <a:schemeClr val="bg1"/>
-        </a:solidFill>
-        <a:effectLst/>
-      </p:bgPr>
-    </p:bg>
-    <p:spTree>
-      <p:nvGrpSpPr>
-        <p:cNvPr id="1" name=""/>
-        <p:cNvGrpSpPr/>
-        <p:nvPr/>
-      </p:nvGrpSpPr>
-      <p:grpSpPr>
-        <a:xfrm>
-          <a:off x="0" y="0"/>
-          <a:ext cx="0" cy="0"/>
-          <a:chOff x="0" y="0"/>
-          <a:chExt cx="0" cy="0"/>
-        </a:xfrm>
-      </p:grpSpPr>
-      <p:sp>
-        <p:nvSpPr>
-          <p:cNvPr id="2" name="Title 1">
-            <a:extLst>
-              <a:ext uri="{FF2B5EF4-FFF2-40B4-BE49-F238E27FC236}">
-                <a16:creationId xmlns:a16="http://schemas.microsoft.com/office/drawing/2014/main" id="{641C12DE-44C6-FA3C-6E0B-3E8B89D22D74}"/>
-              </a:ext>
-            </a:extLst>
-          </p:cNvPr>
-          <p:cNvSpPr>
-            <a:spLocks noGrp="1"/>
-          </p:cNvSpPr>
-          <p:nvPr>
-            <p:ph type="ctrTitle"/>
-          </p:nvPr>
-        </p:nvSpPr>
-        <p:spPr>
-          <a:xfrm>
-            <a:off x="195559" y="105459"/>
-            <a:ext cx="6811731" cy="762421"/>
-          </a:xfrm>
-        </p:spPr>
-        <p:txBody>
-          <a:bodyPr anchor="b">
-            <a:normAutofit/>
-          </a:bodyPr>
-          <a:lstStyle/>
-          <a:p>
-            <a:r>
-              <a:rPr lang="en-HK" sz="3200" dirty="0"/>
-              <a:t>Social Distancing under Pandemic</a:t>
-            </a:r>
-          </a:p>
-        </p:txBody>
-      </p:sp>
-      <p:pic>
-        <p:nvPicPr>
-          <p:cNvPr id="5" name="Picture 4" descr="A table with a clear plastic shield&#10;&#10;Description automatically generated with medium confidence">
-            <a:extLst>
-              <a:ext uri="{FF2B5EF4-FFF2-40B4-BE49-F238E27FC236}">
-                <a16:creationId xmlns:a16="http://schemas.microsoft.com/office/drawing/2014/main" id="{D8ACECD1-D14C-7709-8BCD-2551B54745A6}"/>
-              </a:ext>
-            </a:extLst>
-          </p:cNvPr>
-          <p:cNvPicPr>
-            <a:picLocks noChangeAspect="1"/>
-          </p:cNvPicPr>
-          <p:nvPr/>
-        </p:nvPicPr>
-        <p:blipFill rotWithShape="1">
-          <a:blip r:embed="rId3">
-            <a:extLst>
-              <a:ext uri="{28A0092B-C50C-407E-A947-70E740481C1C}">
-                <a14:useLocalDpi xmlns:a14="http://schemas.microsoft.com/office/drawing/2010/main" val="0"/>
-              </a:ext>
-            </a:extLst>
-          </a:blip>
-          <a:srcRect t="16470" r="-2" b="19853"/>
-          <a:stretch/>
-        </p:blipFill>
-        <p:spPr>
-          <a:xfrm>
-            <a:off x="7958082" y="541311"/>
-            <a:ext cx="4020093" cy="2517245"/>
-          </a:xfrm>
-          <a:prstGeom prst="rect">
-            <a:avLst/>
-          </a:prstGeom>
-        </p:spPr>
-      </p:pic>
-      <p:pic>
-        <p:nvPicPr>
-          <p:cNvPr id="7" name="Picture 6" descr="A group of stuffed toys in a movie theater&#10;&#10;Description automatically generated">
-            <a:extLst>
-              <a:ext uri="{FF2B5EF4-FFF2-40B4-BE49-F238E27FC236}">
-                <a16:creationId xmlns:a16="http://schemas.microsoft.com/office/drawing/2014/main" id="{ED56307B-4005-5D03-9A28-D5F637487833}"/>
-              </a:ext>
-            </a:extLst>
-          </p:cNvPr>
-          <p:cNvPicPr>
-            <a:picLocks noChangeAspect="1"/>
-          </p:cNvPicPr>
-          <p:nvPr/>
-        </p:nvPicPr>
-        <p:blipFill rotWithShape="1">
-          <a:blip r:embed="rId4">
-            <a:extLst>
-              <a:ext uri="{28A0092B-C50C-407E-A947-70E740481C1C}">
-                <a14:useLocalDpi xmlns:a14="http://schemas.microsoft.com/office/drawing/2010/main" val="0"/>
-              </a:ext>
-            </a:extLst>
-          </a:blip>
-          <a:srcRect r="-2" b="5838"/>
-          <a:stretch/>
-        </p:blipFill>
-        <p:spPr>
-          <a:xfrm>
-            <a:off x="7948749" y="3418877"/>
-            <a:ext cx="4020093" cy="2517245"/>
-          </a:xfrm>
-          <a:prstGeom prst="rect">
-            <a:avLst/>
-          </a:prstGeom>
-        </p:spPr>
-      </p:pic>
-      <p:sp>
-        <p:nvSpPr>
-          <p:cNvPr id="10" name="TextBox 9">
-            <a:extLst>
-              <a:ext uri="{FF2B5EF4-FFF2-40B4-BE49-F238E27FC236}">
-                <a16:creationId xmlns:a16="http://schemas.microsoft.com/office/drawing/2014/main" id="{8A902155-6ACB-B5D9-8D97-EDDF2B4A481B}"/>
-              </a:ext>
-            </a:extLst>
-          </p:cNvPr>
-          <p:cNvSpPr txBox="1"/>
-          <p:nvPr/>
-        </p:nvSpPr>
-        <p:spPr>
-          <a:xfrm>
-            <a:off x="428722" y="1219244"/>
-            <a:ext cx="6633713" cy="3139321"/>
-          </a:xfrm>
-          <a:prstGeom prst="rect">
-            <a:avLst/>
-          </a:prstGeom>
-          <a:noFill/>
-        </p:spPr>
-        <p:txBody>
-          <a:bodyPr wrap="square" rtlCol="0">
-            <a:spAutoFit/>
-          </a:bodyPr>
-          <a:lstStyle/>
-          <a:p>
-            <a:r>
-              <a:rPr lang="en-US" sz="1800" dirty="0"/>
-              <a:t>Governments issued the policy about social distancing constraint.</a:t>
-            </a:r>
-          </a:p>
-          <a:p>
-            <a:endParaRPr lang="en-US" sz="1800" dirty="0"/>
-          </a:p>
-          <a:p>
-            <a:endParaRPr lang="en-US" sz="1800" dirty="0"/>
-          </a:p>
-          <a:p>
-            <a:endParaRPr lang="en-US" sz="1800" dirty="0"/>
-          </a:p>
-          <a:p>
-            <a:endParaRPr lang="en-US" dirty="0"/>
-          </a:p>
-          <a:p>
-            <a:endParaRPr lang="en-US" sz="1800" dirty="0"/>
-          </a:p>
-          <a:p>
-            <a:endParaRPr lang="en-US" dirty="0"/>
-          </a:p>
-          <a:p>
-            <a:endParaRPr lang="en-US" sz="1800" dirty="0"/>
-          </a:p>
-          <a:p>
-            <a:endParaRPr lang="en-US" sz="1800" dirty="0"/>
-          </a:p>
-          <a:p>
-            <a:r>
-              <a:rPr lang="en-US" sz="1800" dirty="0"/>
-              <a:t>Theater tickets booking: assign to seat.</a:t>
-            </a:r>
-            <a:endParaRPr lang="en-HK" sz="1800" dirty="0"/>
-          </a:p>
-          <a:p>
-            <a:endParaRPr lang="en-HK" dirty="0"/>
-          </a:p>
-        </p:txBody>
-      </p:sp>
-      <p:pic>
-        <p:nvPicPr>
-          <p:cNvPr id="60" name="Picture 59" descr="A text on a white background&#10;&#10;Description automatically generated">
-            <a:extLst>
-              <a:ext uri="{FF2B5EF4-FFF2-40B4-BE49-F238E27FC236}">
-                <a16:creationId xmlns:a16="http://schemas.microsoft.com/office/drawing/2014/main" id="{722991C7-E828-473C-49DE-7BC37837C41B}"/>
-              </a:ext>
-            </a:extLst>
-          </p:cNvPr>
-          <p:cNvPicPr>
-            <a:picLocks noChangeAspect="1"/>
-          </p:cNvPicPr>
-          <p:nvPr/>
-        </p:nvPicPr>
-        <p:blipFill>
-          <a:blip r:embed="rId5">
-            <a:extLst>
-              <a:ext uri="{28A0092B-C50C-407E-A947-70E740481C1C}">
-                <a14:useLocalDpi xmlns:a14="http://schemas.microsoft.com/office/drawing/2010/main" val="0"/>
-              </a:ext>
-            </a:extLst>
-          </a:blip>
-          <a:stretch>
-            <a:fillRect/>
-          </a:stretch>
-        </p:blipFill>
-        <p:spPr>
-          <a:xfrm>
-            <a:off x="121297" y="4200899"/>
-            <a:ext cx="7827452" cy="1609950"/>
-          </a:xfrm>
-          <a:prstGeom prst="rect">
-            <a:avLst/>
-          </a:prstGeom>
-        </p:spPr>
-      </p:pic>
-      <p:pic>
-        <p:nvPicPr>
-          <p:cNvPr id="67" name="Picture 66" descr="A close up of text&#10;&#10;Description automatically generated">
-            <a:extLst>
-              <a:ext uri="{FF2B5EF4-FFF2-40B4-BE49-F238E27FC236}">
-                <a16:creationId xmlns:a16="http://schemas.microsoft.com/office/drawing/2014/main" id="{22C814A0-00D2-A41E-45AD-376C4B49706A}"/>
-              </a:ext>
-            </a:extLst>
-          </p:cNvPr>
-          <p:cNvPicPr>
-            <a:picLocks noChangeAspect="1"/>
-          </p:cNvPicPr>
-          <p:nvPr/>
-        </p:nvPicPr>
-        <p:blipFill>
-          <a:blip r:embed="rId6">
-            <a:extLst>
-              <a:ext uri="{28A0092B-C50C-407E-A947-70E740481C1C}">
-                <a14:useLocalDpi xmlns:a14="http://schemas.microsoft.com/office/drawing/2010/main" val="0"/>
-              </a:ext>
-            </a:extLst>
-          </a:blip>
-          <a:stretch>
-            <a:fillRect/>
-          </a:stretch>
-        </p:blipFill>
-        <p:spPr>
-          <a:xfrm>
-            <a:off x="425652" y="1649902"/>
-            <a:ext cx="6639852" cy="1867161"/>
-          </a:xfrm>
-          <a:prstGeom prst="rect">
-            <a:avLst/>
-          </a:prstGeom>
-        </p:spPr>
-      </p:pic>
-    </p:spTree>
-    <p:extLst>
-      <p:ext uri="{BB962C8B-B14F-4D97-AF65-F5344CB8AC3E}">
-        <p14:creationId xmlns:p14="http://schemas.microsoft.com/office/powerpoint/2010/main" val="3986393388"/>
       </p:ext>
     </p:extLst>
   </p:cSld>

--- a/test.pptx
+++ b/test.pptx
@@ -5,7 +5,7 @@
     <p:sldMasterId id="2147483648" r:id="rId1"/>
   </p:sldMasterIdLst>
   <p:notesMasterIdLst>
-    <p:notesMasterId r:id="rId22"/>
+    <p:notesMasterId r:id="rId23"/>
   </p:notesMasterIdLst>
   <p:sldIdLst>
     <p:sldId id="256" r:id="rId2"/>
@@ -28,6 +28,7 @@
     <p:sldId id="261" r:id="rId19"/>
     <p:sldId id="273" r:id="rId20"/>
     <p:sldId id="263" r:id="rId21"/>
+    <p:sldId id="276" r:id="rId22"/>
   </p:sldIdLst>
   <p:sldSz cx="12192000" cy="6858000"/>
   <p:notesSz cx="6858000" cy="9144000"/>
@@ -216,7 +217,7 @@
           <a:p>
             <a:fld id="{9E12240E-F1A6-4A91-967F-8E68706835E0}" type="datetimeFigureOut">
               <a:rPr lang="en-HK" smtClean="0"/>
-              <a:t>14/3/2025</a:t>
+              <a:t>24/3/2025</a:t>
             </a:fld>
             <a:endParaRPr lang="en-HK"/>
           </a:p>
@@ -720,7 +721,7 @@
           <a:p>
             <a:fld id="{A662AB9F-F8D6-4D84-8C93-94B520C5C2D5}" type="datetimeFigureOut">
               <a:rPr lang="en-HK" smtClean="0"/>
-              <a:t>14/3/2025</a:t>
+              <a:t>24/3/2025</a:t>
             </a:fld>
             <a:endParaRPr lang="en-HK"/>
           </a:p>
@@ -920,7 +921,7 @@
           <a:p>
             <a:fld id="{A662AB9F-F8D6-4D84-8C93-94B520C5C2D5}" type="datetimeFigureOut">
               <a:rPr lang="en-HK" smtClean="0"/>
-              <a:t>14/3/2025</a:t>
+              <a:t>24/3/2025</a:t>
             </a:fld>
             <a:endParaRPr lang="en-HK"/>
           </a:p>
@@ -1130,7 +1131,7 @@
           <a:p>
             <a:fld id="{A662AB9F-F8D6-4D84-8C93-94B520C5C2D5}" type="datetimeFigureOut">
               <a:rPr lang="en-HK" smtClean="0"/>
-              <a:t>14/3/2025</a:t>
+              <a:t>24/3/2025</a:t>
             </a:fld>
             <a:endParaRPr lang="en-HK"/>
           </a:p>
@@ -1330,7 +1331,7 @@
           <a:p>
             <a:fld id="{A662AB9F-F8D6-4D84-8C93-94B520C5C2D5}" type="datetimeFigureOut">
               <a:rPr lang="en-HK" smtClean="0"/>
-              <a:t>14/3/2025</a:t>
+              <a:t>24/3/2025</a:t>
             </a:fld>
             <a:endParaRPr lang="en-HK"/>
           </a:p>
@@ -1606,7 +1607,7 @@
           <a:p>
             <a:fld id="{A662AB9F-F8D6-4D84-8C93-94B520C5C2D5}" type="datetimeFigureOut">
               <a:rPr lang="en-HK" smtClean="0"/>
-              <a:t>14/3/2025</a:t>
+              <a:t>24/3/2025</a:t>
             </a:fld>
             <a:endParaRPr lang="en-HK"/>
           </a:p>
@@ -1874,7 +1875,7 @@
           <a:p>
             <a:fld id="{A662AB9F-F8D6-4D84-8C93-94B520C5C2D5}" type="datetimeFigureOut">
               <a:rPr lang="en-HK" smtClean="0"/>
-              <a:t>14/3/2025</a:t>
+              <a:t>24/3/2025</a:t>
             </a:fld>
             <a:endParaRPr lang="en-HK"/>
           </a:p>
@@ -2289,7 +2290,7 @@
           <a:p>
             <a:fld id="{A662AB9F-F8D6-4D84-8C93-94B520C5C2D5}" type="datetimeFigureOut">
               <a:rPr lang="en-HK" smtClean="0"/>
-              <a:t>14/3/2025</a:t>
+              <a:t>24/3/2025</a:t>
             </a:fld>
             <a:endParaRPr lang="en-HK"/>
           </a:p>
@@ -2431,7 +2432,7 @@
           <a:p>
             <a:fld id="{A662AB9F-F8D6-4D84-8C93-94B520C5C2D5}" type="datetimeFigureOut">
               <a:rPr lang="en-HK" smtClean="0"/>
-              <a:t>14/3/2025</a:t>
+              <a:t>24/3/2025</a:t>
             </a:fld>
             <a:endParaRPr lang="en-HK"/>
           </a:p>
@@ -2544,7 +2545,7 @@
           <a:p>
             <a:fld id="{A662AB9F-F8D6-4D84-8C93-94B520C5C2D5}" type="datetimeFigureOut">
               <a:rPr lang="en-HK" smtClean="0"/>
-              <a:t>14/3/2025</a:t>
+              <a:t>24/3/2025</a:t>
             </a:fld>
             <a:endParaRPr lang="en-HK"/>
           </a:p>
@@ -2857,7 +2858,7 @@
           <a:p>
             <a:fld id="{A662AB9F-F8D6-4D84-8C93-94B520C5C2D5}" type="datetimeFigureOut">
               <a:rPr lang="en-HK" smtClean="0"/>
-              <a:t>14/3/2025</a:t>
+              <a:t>24/3/2025</a:t>
             </a:fld>
             <a:endParaRPr lang="en-HK"/>
           </a:p>
@@ -3146,7 +3147,7 @@
           <a:p>
             <a:fld id="{A662AB9F-F8D6-4D84-8C93-94B520C5C2D5}" type="datetimeFigureOut">
               <a:rPr lang="en-HK" smtClean="0"/>
-              <a:t>14/3/2025</a:t>
+              <a:t>24/3/2025</a:t>
             </a:fld>
             <a:endParaRPr lang="en-HK"/>
           </a:p>
@@ -3389,7 +3390,7 @@
           <a:p>
             <a:fld id="{A662AB9F-F8D6-4D84-8C93-94B520C5C2D5}" type="datetimeFigureOut">
               <a:rPr lang="en-HK" smtClean="0"/>
-              <a:t>14/3/2025</a:t>
+              <a:t>24/3/2025</a:t>
             </a:fld>
             <a:endParaRPr lang="en-HK"/>
           </a:p>
@@ -31218,6 +31219,8110 @@
 </p:sld>
 </file>
 
+<file path=ppt/slides/slide21.xml><?xml version="1.0" encoding="utf-8"?>
+<p:sld xmlns:a="http://schemas.openxmlformats.org/drawingml/2006/main" xmlns:r="http://schemas.openxmlformats.org/officeDocument/2006/relationships" xmlns:p="http://schemas.openxmlformats.org/presentationml/2006/main">
+  <p:cSld>
+    <p:spTree>
+      <p:nvGrpSpPr>
+        <p:cNvPr id="1" name=""/>
+        <p:cNvGrpSpPr/>
+        <p:nvPr/>
+      </p:nvGrpSpPr>
+      <p:grpSpPr>
+        <a:xfrm>
+          <a:off x="0" y="0"/>
+          <a:ext cx="0" cy="0"/>
+          <a:chOff x="0" y="0"/>
+          <a:chExt cx="0" cy="0"/>
+        </a:xfrm>
+      </p:grpSpPr>
+      <p:graphicFrame>
+        <p:nvGraphicFramePr>
+          <p:cNvPr id="5" name="Table 4">
+            <a:extLst>
+              <a:ext uri="{FF2B5EF4-FFF2-40B4-BE49-F238E27FC236}">
+                <a16:creationId xmlns:a16="http://schemas.microsoft.com/office/drawing/2014/main" id="{33C9E19D-6CF4-ACC5-82DF-8504EF59EBA0}"/>
+              </a:ext>
+            </a:extLst>
+          </p:cNvPr>
+          <p:cNvGraphicFramePr>
+            <a:graphicFrameLocks noGrp="1"/>
+          </p:cNvGraphicFramePr>
+          <p:nvPr>
+            <p:extLst>
+              <p:ext uri="{D42A27DB-BD31-4B8C-83A1-F6EECF244321}">
+                <p14:modId xmlns:p14="http://schemas.microsoft.com/office/powerpoint/2010/main" val="1317437699"/>
+              </p:ext>
+            </p:extLst>
+          </p:nvPr>
+        </p:nvGraphicFramePr>
+        <p:xfrm>
+          <a:off x="1604510" y="448575"/>
+          <a:ext cx="2139355" cy="431320"/>
+        </p:xfrm>
+        <a:graphic>
+          <a:graphicData uri="http://schemas.openxmlformats.org/drawingml/2006/table">
+            <a:tbl>
+              <a:tblPr/>
+              <a:tblGrid>
+                <a:gridCol w="427871">
+                  <a:extLst>
+                    <a:ext uri="{9D8B030D-6E8A-4147-A177-3AD203B41FA5}">
+                      <a16:colId xmlns:a16="http://schemas.microsoft.com/office/drawing/2014/main" val="1637210570"/>
+                    </a:ext>
+                  </a:extLst>
+                </a:gridCol>
+                <a:gridCol w="427871">
+                  <a:extLst>
+                    <a:ext uri="{9D8B030D-6E8A-4147-A177-3AD203B41FA5}">
+                      <a16:colId xmlns:a16="http://schemas.microsoft.com/office/drawing/2014/main" val="1599477165"/>
+                    </a:ext>
+                  </a:extLst>
+                </a:gridCol>
+                <a:gridCol w="427871">
+                  <a:extLst>
+                    <a:ext uri="{9D8B030D-6E8A-4147-A177-3AD203B41FA5}">
+                      <a16:colId xmlns:a16="http://schemas.microsoft.com/office/drawing/2014/main" val="71321777"/>
+                    </a:ext>
+                  </a:extLst>
+                </a:gridCol>
+                <a:gridCol w="427871">
+                  <a:extLst>
+                    <a:ext uri="{9D8B030D-6E8A-4147-A177-3AD203B41FA5}">
+                      <a16:colId xmlns:a16="http://schemas.microsoft.com/office/drawing/2014/main" val="1847954137"/>
+                    </a:ext>
+                  </a:extLst>
+                </a:gridCol>
+                <a:gridCol w="427871">
+                  <a:extLst>
+                    <a:ext uri="{9D8B030D-6E8A-4147-A177-3AD203B41FA5}">
+                      <a16:colId xmlns:a16="http://schemas.microsoft.com/office/drawing/2014/main" val="2735609134"/>
+                    </a:ext>
+                  </a:extLst>
+                </a:gridCol>
+              </a:tblGrid>
+              <a:tr h="431320">
+                <a:tc>
+                  <a:txBody>
+                    <a:bodyPr/>
+                    <a:lstStyle/>
+                    <a:p>
+                      <a:pPr algn="ctr"/>
+                      <a:r>
+                        <a:rPr lang="en-HK" dirty="0"/>
+                        <a:t>1</a:t>
+                      </a:r>
+                    </a:p>
+                  </a:txBody>
+                  <a:tcPr>
+                    <a:lnL w="12700" cap="flat" cmpd="sng" algn="ctr">
+                      <a:solidFill>
+                        <a:schemeClr val="tx1"/>
+                      </a:solidFill>
+                      <a:prstDash val="solid"/>
+                      <a:round/>
+                      <a:headEnd type="none" w="med" len="med"/>
+                      <a:tailEnd type="none" w="med" len="med"/>
+                    </a:lnL>
+                    <a:lnR w="12700" cap="flat" cmpd="sng" algn="ctr">
+                      <a:solidFill>
+                        <a:schemeClr val="tx1"/>
+                      </a:solidFill>
+                      <a:prstDash val="solid"/>
+                      <a:round/>
+                      <a:headEnd type="none" w="med" len="med"/>
+                      <a:tailEnd type="none" w="med" len="med"/>
+                    </a:lnR>
+                    <a:lnT w="12700" cap="flat" cmpd="sng" algn="ctr">
+                      <a:solidFill>
+                        <a:schemeClr val="tx1"/>
+                      </a:solidFill>
+                      <a:prstDash val="solid"/>
+                      <a:round/>
+                      <a:headEnd type="none" w="med" len="med"/>
+                      <a:tailEnd type="none" w="med" len="med"/>
+                    </a:lnT>
+                    <a:lnB w="12700" cap="flat" cmpd="sng" algn="ctr">
+                      <a:solidFill>
+                        <a:schemeClr val="tx1"/>
+                      </a:solidFill>
+                      <a:prstDash val="solid"/>
+                      <a:round/>
+                      <a:headEnd type="none" w="med" len="med"/>
+                      <a:tailEnd type="none" w="med" len="med"/>
+                    </a:lnB>
+                  </a:tcPr>
+                </a:tc>
+                <a:tc>
+                  <a:txBody>
+                    <a:bodyPr/>
+                    <a:lstStyle/>
+                    <a:p>
+                      <a:pPr algn="ctr"/>
+                      <a:r>
+                        <a:rPr lang="en-HK" dirty="0"/>
+                        <a:t>2</a:t>
+                      </a:r>
+                    </a:p>
+                  </a:txBody>
+                  <a:tcPr>
+                    <a:lnL w="12700" cap="flat" cmpd="sng" algn="ctr">
+                      <a:solidFill>
+                        <a:schemeClr val="tx1"/>
+                      </a:solidFill>
+                      <a:prstDash val="solid"/>
+                      <a:round/>
+                      <a:headEnd type="none" w="med" len="med"/>
+                      <a:tailEnd type="none" w="med" len="med"/>
+                    </a:lnL>
+                    <a:lnR w="12700" cap="flat" cmpd="sng" algn="ctr">
+                      <a:solidFill>
+                        <a:schemeClr val="tx1"/>
+                      </a:solidFill>
+                      <a:prstDash val="solid"/>
+                      <a:round/>
+                      <a:headEnd type="none" w="med" len="med"/>
+                      <a:tailEnd type="none" w="med" len="med"/>
+                    </a:lnR>
+                    <a:lnT w="12700" cap="flat" cmpd="sng" algn="ctr">
+                      <a:solidFill>
+                        <a:schemeClr val="tx1"/>
+                      </a:solidFill>
+                      <a:prstDash val="solid"/>
+                      <a:round/>
+                      <a:headEnd type="none" w="med" len="med"/>
+                      <a:tailEnd type="none" w="med" len="med"/>
+                    </a:lnT>
+                    <a:lnB w="12700" cap="flat" cmpd="sng" algn="ctr">
+                      <a:solidFill>
+                        <a:schemeClr val="tx1"/>
+                      </a:solidFill>
+                      <a:prstDash val="solid"/>
+                      <a:round/>
+                      <a:headEnd type="none" w="med" len="med"/>
+                      <a:tailEnd type="none" w="med" len="med"/>
+                    </a:lnB>
+                  </a:tcPr>
+                </a:tc>
+                <a:tc>
+                  <a:txBody>
+                    <a:bodyPr/>
+                    <a:lstStyle/>
+                    <a:p>
+                      <a:pPr algn="ctr"/>
+                      <a:r>
+                        <a:rPr lang="en-HK" dirty="0"/>
+                        <a:t>3</a:t>
+                      </a:r>
+                    </a:p>
+                  </a:txBody>
+                  <a:tcPr>
+                    <a:lnL w="12700" cap="flat" cmpd="sng" algn="ctr">
+                      <a:solidFill>
+                        <a:schemeClr val="tx1"/>
+                      </a:solidFill>
+                      <a:prstDash val="solid"/>
+                      <a:round/>
+                      <a:headEnd type="none" w="med" len="med"/>
+                      <a:tailEnd type="none" w="med" len="med"/>
+                    </a:lnL>
+                    <a:lnR w="12700" cap="flat" cmpd="sng" algn="ctr">
+                      <a:solidFill>
+                        <a:schemeClr val="tx1"/>
+                      </a:solidFill>
+                      <a:prstDash val="solid"/>
+                      <a:round/>
+                      <a:headEnd type="none" w="med" len="med"/>
+                      <a:tailEnd type="none" w="med" len="med"/>
+                    </a:lnR>
+                    <a:lnT w="12700" cap="flat" cmpd="sng" algn="ctr">
+                      <a:solidFill>
+                        <a:schemeClr val="tx1"/>
+                      </a:solidFill>
+                      <a:prstDash val="solid"/>
+                      <a:round/>
+                      <a:headEnd type="none" w="med" len="med"/>
+                      <a:tailEnd type="none" w="med" len="med"/>
+                    </a:lnT>
+                    <a:lnB w="12700" cap="flat" cmpd="sng" algn="ctr">
+                      <a:solidFill>
+                        <a:schemeClr val="tx1"/>
+                      </a:solidFill>
+                      <a:prstDash val="solid"/>
+                      <a:round/>
+                      <a:headEnd type="none" w="med" len="med"/>
+                      <a:tailEnd type="none" w="med" len="med"/>
+                    </a:lnB>
+                  </a:tcPr>
+                </a:tc>
+                <a:tc>
+                  <a:txBody>
+                    <a:bodyPr/>
+                    <a:lstStyle/>
+                    <a:p>
+                      <a:pPr algn="ctr"/>
+                      <a:r>
+                        <a:rPr lang="en-HK" dirty="0"/>
+                        <a:t>4</a:t>
+                      </a:r>
+                    </a:p>
+                  </a:txBody>
+                  <a:tcPr>
+                    <a:lnL w="12700" cap="flat" cmpd="sng" algn="ctr">
+                      <a:solidFill>
+                        <a:schemeClr val="tx1"/>
+                      </a:solidFill>
+                      <a:prstDash val="solid"/>
+                      <a:round/>
+                      <a:headEnd type="none" w="med" len="med"/>
+                      <a:tailEnd type="none" w="med" len="med"/>
+                    </a:lnL>
+                    <a:lnR w="12700" cap="flat" cmpd="sng" algn="ctr">
+                      <a:solidFill>
+                        <a:schemeClr val="tx1"/>
+                      </a:solidFill>
+                      <a:prstDash val="solid"/>
+                      <a:round/>
+                      <a:headEnd type="none" w="med" len="med"/>
+                      <a:tailEnd type="none" w="med" len="med"/>
+                    </a:lnR>
+                    <a:lnT w="12700" cap="flat" cmpd="sng" algn="ctr">
+                      <a:solidFill>
+                        <a:schemeClr val="tx1"/>
+                      </a:solidFill>
+                      <a:prstDash val="solid"/>
+                      <a:round/>
+                      <a:headEnd type="none" w="med" len="med"/>
+                      <a:tailEnd type="none" w="med" len="med"/>
+                    </a:lnT>
+                    <a:lnB w="12700" cap="flat" cmpd="sng" algn="ctr">
+                      <a:solidFill>
+                        <a:schemeClr val="tx1"/>
+                      </a:solidFill>
+                      <a:prstDash val="solid"/>
+                      <a:round/>
+                      <a:headEnd type="none" w="med" len="med"/>
+                      <a:tailEnd type="none" w="med" len="med"/>
+                    </a:lnB>
+                  </a:tcPr>
+                </a:tc>
+                <a:tc>
+                  <a:txBody>
+                    <a:bodyPr/>
+                    <a:lstStyle/>
+                    <a:p>
+                      <a:pPr algn="ctr"/>
+                      <a:r>
+                        <a:rPr lang="en-HK" dirty="0"/>
+                        <a:t>5</a:t>
+                      </a:r>
+                    </a:p>
+                  </a:txBody>
+                  <a:tcPr>
+                    <a:lnL w="12700" cap="flat" cmpd="sng" algn="ctr">
+                      <a:solidFill>
+                        <a:schemeClr val="tx1"/>
+                      </a:solidFill>
+                      <a:prstDash val="solid"/>
+                      <a:round/>
+                      <a:headEnd type="none" w="med" len="med"/>
+                      <a:tailEnd type="none" w="med" len="med"/>
+                    </a:lnL>
+                    <a:lnR w="12700" cap="flat" cmpd="sng" algn="ctr">
+                      <a:solidFill>
+                        <a:schemeClr val="tx1"/>
+                      </a:solidFill>
+                      <a:prstDash val="solid"/>
+                      <a:round/>
+                      <a:headEnd type="none" w="med" len="med"/>
+                      <a:tailEnd type="none" w="med" len="med"/>
+                    </a:lnR>
+                    <a:lnT w="12700" cap="flat" cmpd="sng" algn="ctr">
+                      <a:solidFill>
+                        <a:schemeClr val="tx1"/>
+                      </a:solidFill>
+                      <a:prstDash val="solid"/>
+                      <a:round/>
+                      <a:headEnd type="none" w="med" len="med"/>
+                      <a:tailEnd type="none" w="med" len="med"/>
+                    </a:lnT>
+                    <a:lnB w="12700" cap="flat" cmpd="sng" algn="ctr">
+                      <a:solidFill>
+                        <a:schemeClr val="tx1"/>
+                      </a:solidFill>
+                      <a:prstDash val="solid"/>
+                      <a:round/>
+                      <a:headEnd type="none" w="med" len="med"/>
+                      <a:tailEnd type="none" w="med" len="med"/>
+                    </a:lnB>
+                  </a:tcPr>
+                </a:tc>
+                <a:extLst>
+                  <a:ext uri="{0D108BD9-81ED-4DB2-BD59-A6C34878D82A}">
+                    <a16:rowId xmlns:a16="http://schemas.microsoft.com/office/drawing/2014/main" val="3239512182"/>
+                  </a:ext>
+                </a:extLst>
+              </a:tr>
+            </a:tbl>
+          </a:graphicData>
+        </a:graphic>
+      </p:graphicFrame>
+      <p:graphicFrame>
+        <p:nvGraphicFramePr>
+          <p:cNvPr id="6" name="Table 5">
+            <a:extLst>
+              <a:ext uri="{FF2B5EF4-FFF2-40B4-BE49-F238E27FC236}">
+                <a16:creationId xmlns:a16="http://schemas.microsoft.com/office/drawing/2014/main" id="{81C8A61C-4F43-E0C6-2FA9-382DE87CA31F}"/>
+              </a:ext>
+            </a:extLst>
+          </p:cNvPr>
+          <p:cNvGraphicFramePr>
+            <a:graphicFrameLocks noGrp="1"/>
+          </p:cNvGraphicFramePr>
+          <p:nvPr>
+            <p:extLst>
+              <p:ext uri="{D42A27DB-BD31-4B8C-83A1-F6EECF244321}">
+                <p14:modId xmlns:p14="http://schemas.microsoft.com/office/powerpoint/2010/main" val="2299183772"/>
+              </p:ext>
+            </p:extLst>
+          </p:nvPr>
+        </p:nvGraphicFramePr>
+        <p:xfrm>
+          <a:off x="1604507" y="992039"/>
+          <a:ext cx="2139355" cy="431320"/>
+        </p:xfrm>
+        <a:graphic>
+          <a:graphicData uri="http://schemas.openxmlformats.org/drawingml/2006/table">
+            <a:tbl>
+              <a:tblPr/>
+              <a:tblGrid>
+                <a:gridCol w="427871">
+                  <a:extLst>
+                    <a:ext uri="{9D8B030D-6E8A-4147-A177-3AD203B41FA5}">
+                      <a16:colId xmlns:a16="http://schemas.microsoft.com/office/drawing/2014/main" val="4237174852"/>
+                    </a:ext>
+                  </a:extLst>
+                </a:gridCol>
+                <a:gridCol w="427871">
+                  <a:extLst>
+                    <a:ext uri="{9D8B030D-6E8A-4147-A177-3AD203B41FA5}">
+                      <a16:colId xmlns:a16="http://schemas.microsoft.com/office/drawing/2014/main" val="1953945196"/>
+                    </a:ext>
+                  </a:extLst>
+                </a:gridCol>
+                <a:gridCol w="427871">
+                  <a:extLst>
+                    <a:ext uri="{9D8B030D-6E8A-4147-A177-3AD203B41FA5}">
+                      <a16:colId xmlns:a16="http://schemas.microsoft.com/office/drawing/2014/main" val="3534266745"/>
+                    </a:ext>
+                  </a:extLst>
+                </a:gridCol>
+                <a:gridCol w="427871">
+                  <a:extLst>
+                    <a:ext uri="{9D8B030D-6E8A-4147-A177-3AD203B41FA5}">
+                      <a16:colId xmlns:a16="http://schemas.microsoft.com/office/drawing/2014/main" val="2715971765"/>
+                    </a:ext>
+                  </a:extLst>
+                </a:gridCol>
+                <a:gridCol w="427871">
+                  <a:extLst>
+                    <a:ext uri="{9D8B030D-6E8A-4147-A177-3AD203B41FA5}">
+                      <a16:colId xmlns:a16="http://schemas.microsoft.com/office/drawing/2014/main" val="2910653707"/>
+                    </a:ext>
+                  </a:extLst>
+                </a:gridCol>
+              </a:tblGrid>
+              <a:tr h="431320">
+                <a:tc>
+                  <a:txBody>
+                    <a:bodyPr/>
+                    <a:lstStyle/>
+                    <a:p>
+                      <a:pPr algn="ctr"/>
+                      <a:r>
+                        <a:rPr lang="en-HK" dirty="0"/>
+                        <a:t>1</a:t>
+                      </a:r>
+                    </a:p>
+                  </a:txBody>
+                  <a:tcPr>
+                    <a:lnL w="12700" cap="flat" cmpd="sng" algn="ctr">
+                      <a:solidFill>
+                        <a:schemeClr val="tx1"/>
+                      </a:solidFill>
+                      <a:prstDash val="solid"/>
+                      <a:round/>
+                      <a:headEnd type="none" w="med" len="med"/>
+                      <a:tailEnd type="none" w="med" len="med"/>
+                    </a:lnL>
+                    <a:lnR w="12700" cap="flat" cmpd="sng" algn="ctr">
+                      <a:solidFill>
+                        <a:schemeClr val="tx1"/>
+                      </a:solidFill>
+                      <a:prstDash val="solid"/>
+                      <a:round/>
+                      <a:headEnd type="none" w="med" len="med"/>
+                      <a:tailEnd type="none" w="med" len="med"/>
+                    </a:lnR>
+                    <a:lnT w="12700" cap="flat" cmpd="sng" algn="ctr">
+                      <a:solidFill>
+                        <a:schemeClr val="tx1"/>
+                      </a:solidFill>
+                      <a:prstDash val="solid"/>
+                      <a:round/>
+                      <a:headEnd type="none" w="med" len="med"/>
+                      <a:tailEnd type="none" w="med" len="med"/>
+                    </a:lnT>
+                    <a:lnB w="12700" cap="flat" cmpd="sng" algn="ctr">
+                      <a:solidFill>
+                        <a:schemeClr val="tx1"/>
+                      </a:solidFill>
+                      <a:prstDash val="solid"/>
+                      <a:round/>
+                      <a:headEnd type="none" w="med" len="med"/>
+                      <a:tailEnd type="none" w="med" len="med"/>
+                    </a:lnB>
+                  </a:tcPr>
+                </a:tc>
+                <a:tc>
+                  <a:txBody>
+                    <a:bodyPr/>
+                    <a:lstStyle/>
+                    <a:p>
+                      <a:pPr algn="ctr"/>
+                      <a:r>
+                        <a:rPr lang="en-HK" dirty="0"/>
+                        <a:t>2</a:t>
+                      </a:r>
+                    </a:p>
+                  </a:txBody>
+                  <a:tcPr>
+                    <a:lnL w="12700" cap="flat" cmpd="sng" algn="ctr">
+                      <a:solidFill>
+                        <a:schemeClr val="tx1"/>
+                      </a:solidFill>
+                      <a:prstDash val="solid"/>
+                      <a:round/>
+                      <a:headEnd type="none" w="med" len="med"/>
+                      <a:tailEnd type="none" w="med" len="med"/>
+                    </a:lnL>
+                    <a:lnR w="12700" cap="flat" cmpd="sng" algn="ctr">
+                      <a:solidFill>
+                        <a:schemeClr val="tx1"/>
+                      </a:solidFill>
+                      <a:prstDash val="solid"/>
+                      <a:round/>
+                      <a:headEnd type="none" w="med" len="med"/>
+                      <a:tailEnd type="none" w="med" len="med"/>
+                    </a:lnR>
+                    <a:lnT w="12700" cap="flat" cmpd="sng" algn="ctr">
+                      <a:solidFill>
+                        <a:schemeClr val="tx1"/>
+                      </a:solidFill>
+                      <a:prstDash val="solid"/>
+                      <a:round/>
+                      <a:headEnd type="none" w="med" len="med"/>
+                      <a:tailEnd type="none" w="med" len="med"/>
+                    </a:lnT>
+                    <a:lnB w="12700" cap="flat" cmpd="sng" algn="ctr">
+                      <a:solidFill>
+                        <a:schemeClr val="tx1"/>
+                      </a:solidFill>
+                      <a:prstDash val="solid"/>
+                      <a:round/>
+                      <a:headEnd type="none" w="med" len="med"/>
+                      <a:tailEnd type="none" w="med" len="med"/>
+                    </a:lnB>
+                  </a:tcPr>
+                </a:tc>
+                <a:tc>
+                  <a:txBody>
+                    <a:bodyPr/>
+                    <a:lstStyle/>
+                    <a:p>
+                      <a:pPr algn="ctr"/>
+                      <a:r>
+                        <a:rPr lang="en-HK" dirty="0"/>
+                        <a:t>3</a:t>
+                      </a:r>
+                    </a:p>
+                  </a:txBody>
+                  <a:tcPr>
+                    <a:lnL w="12700" cap="flat" cmpd="sng" algn="ctr">
+                      <a:solidFill>
+                        <a:schemeClr val="tx1"/>
+                      </a:solidFill>
+                      <a:prstDash val="solid"/>
+                      <a:round/>
+                      <a:headEnd type="none" w="med" len="med"/>
+                      <a:tailEnd type="none" w="med" len="med"/>
+                    </a:lnL>
+                    <a:lnR w="12700" cap="flat" cmpd="sng" algn="ctr">
+                      <a:solidFill>
+                        <a:schemeClr val="tx1"/>
+                      </a:solidFill>
+                      <a:prstDash val="solid"/>
+                      <a:round/>
+                      <a:headEnd type="none" w="med" len="med"/>
+                      <a:tailEnd type="none" w="med" len="med"/>
+                    </a:lnR>
+                    <a:lnT w="12700" cap="flat" cmpd="sng" algn="ctr">
+                      <a:solidFill>
+                        <a:schemeClr val="tx1"/>
+                      </a:solidFill>
+                      <a:prstDash val="solid"/>
+                      <a:round/>
+                      <a:headEnd type="none" w="med" len="med"/>
+                      <a:tailEnd type="none" w="med" len="med"/>
+                    </a:lnT>
+                    <a:lnB w="12700" cap="flat" cmpd="sng" algn="ctr">
+                      <a:solidFill>
+                        <a:schemeClr val="tx1"/>
+                      </a:solidFill>
+                      <a:prstDash val="solid"/>
+                      <a:round/>
+                      <a:headEnd type="none" w="med" len="med"/>
+                      <a:tailEnd type="none" w="med" len="med"/>
+                    </a:lnB>
+                  </a:tcPr>
+                </a:tc>
+                <a:tc>
+                  <a:txBody>
+                    <a:bodyPr/>
+                    <a:lstStyle/>
+                    <a:p>
+                      <a:pPr algn="ctr"/>
+                      <a:r>
+                        <a:rPr lang="en-HK" dirty="0"/>
+                        <a:t>4</a:t>
+                      </a:r>
+                    </a:p>
+                  </a:txBody>
+                  <a:tcPr>
+                    <a:lnL w="12700" cap="flat" cmpd="sng" algn="ctr">
+                      <a:solidFill>
+                        <a:schemeClr val="tx1"/>
+                      </a:solidFill>
+                      <a:prstDash val="solid"/>
+                      <a:round/>
+                      <a:headEnd type="none" w="med" len="med"/>
+                      <a:tailEnd type="none" w="med" len="med"/>
+                    </a:lnL>
+                    <a:lnR w="12700" cap="flat" cmpd="sng" algn="ctr">
+                      <a:solidFill>
+                        <a:schemeClr val="tx1"/>
+                      </a:solidFill>
+                      <a:prstDash val="solid"/>
+                      <a:round/>
+                      <a:headEnd type="none" w="med" len="med"/>
+                      <a:tailEnd type="none" w="med" len="med"/>
+                    </a:lnR>
+                    <a:lnT w="12700" cap="flat" cmpd="sng" algn="ctr">
+                      <a:solidFill>
+                        <a:schemeClr val="tx1"/>
+                      </a:solidFill>
+                      <a:prstDash val="solid"/>
+                      <a:round/>
+                      <a:headEnd type="none" w="med" len="med"/>
+                      <a:tailEnd type="none" w="med" len="med"/>
+                    </a:lnT>
+                    <a:lnB w="12700" cap="flat" cmpd="sng" algn="ctr">
+                      <a:solidFill>
+                        <a:schemeClr val="tx1"/>
+                      </a:solidFill>
+                      <a:prstDash val="solid"/>
+                      <a:round/>
+                      <a:headEnd type="none" w="med" len="med"/>
+                      <a:tailEnd type="none" w="med" len="med"/>
+                    </a:lnB>
+                  </a:tcPr>
+                </a:tc>
+                <a:tc>
+                  <a:txBody>
+                    <a:bodyPr/>
+                    <a:lstStyle/>
+                    <a:p>
+                      <a:pPr algn="ctr"/>
+                      <a:r>
+                        <a:rPr lang="en-HK" dirty="0"/>
+                        <a:t>5</a:t>
+                      </a:r>
+                    </a:p>
+                  </a:txBody>
+                  <a:tcPr>
+                    <a:lnL w="12700" cap="flat" cmpd="sng" algn="ctr">
+                      <a:solidFill>
+                        <a:schemeClr val="tx1"/>
+                      </a:solidFill>
+                      <a:prstDash val="solid"/>
+                      <a:round/>
+                      <a:headEnd type="none" w="med" len="med"/>
+                      <a:tailEnd type="none" w="med" len="med"/>
+                    </a:lnL>
+                    <a:lnR w="12700" cap="flat" cmpd="sng" algn="ctr">
+                      <a:solidFill>
+                        <a:schemeClr val="tx1"/>
+                      </a:solidFill>
+                      <a:prstDash val="solid"/>
+                      <a:round/>
+                      <a:headEnd type="none" w="med" len="med"/>
+                      <a:tailEnd type="none" w="med" len="med"/>
+                    </a:lnR>
+                    <a:lnT w="12700" cap="flat" cmpd="sng" algn="ctr">
+                      <a:solidFill>
+                        <a:schemeClr val="tx1"/>
+                      </a:solidFill>
+                      <a:prstDash val="solid"/>
+                      <a:round/>
+                      <a:headEnd type="none" w="med" len="med"/>
+                      <a:tailEnd type="none" w="med" len="med"/>
+                    </a:lnT>
+                    <a:lnB w="12700" cap="flat" cmpd="sng" algn="ctr">
+                      <a:solidFill>
+                        <a:schemeClr val="tx1"/>
+                      </a:solidFill>
+                      <a:prstDash val="solid"/>
+                      <a:round/>
+                      <a:headEnd type="none" w="med" len="med"/>
+                      <a:tailEnd type="none" w="med" len="med"/>
+                    </a:lnB>
+                  </a:tcPr>
+                </a:tc>
+                <a:extLst>
+                  <a:ext uri="{0D108BD9-81ED-4DB2-BD59-A6C34878D82A}">
+                    <a16:rowId xmlns:a16="http://schemas.microsoft.com/office/drawing/2014/main" val="2303845402"/>
+                  </a:ext>
+                </a:extLst>
+              </a:tr>
+            </a:tbl>
+          </a:graphicData>
+        </a:graphic>
+      </p:graphicFrame>
+      <p:graphicFrame>
+        <p:nvGraphicFramePr>
+          <p:cNvPr id="7" name="Table 6">
+            <a:extLst>
+              <a:ext uri="{FF2B5EF4-FFF2-40B4-BE49-F238E27FC236}">
+                <a16:creationId xmlns:a16="http://schemas.microsoft.com/office/drawing/2014/main" id="{B1407500-44D5-F63A-2A4E-0A8928A4A686}"/>
+              </a:ext>
+            </a:extLst>
+          </p:cNvPr>
+          <p:cNvGraphicFramePr>
+            <a:graphicFrameLocks noGrp="1"/>
+          </p:cNvGraphicFramePr>
+          <p:nvPr>
+            <p:extLst>
+              <p:ext uri="{D42A27DB-BD31-4B8C-83A1-F6EECF244321}">
+                <p14:modId xmlns:p14="http://schemas.microsoft.com/office/powerpoint/2010/main" val="967485372"/>
+              </p:ext>
+            </p:extLst>
+          </p:nvPr>
+        </p:nvGraphicFramePr>
+        <p:xfrm>
+          <a:off x="1604506" y="1535503"/>
+          <a:ext cx="2139355" cy="431320"/>
+        </p:xfrm>
+        <a:graphic>
+          <a:graphicData uri="http://schemas.openxmlformats.org/drawingml/2006/table">
+            <a:tbl>
+              <a:tblPr/>
+              <a:tblGrid>
+                <a:gridCol w="427871">
+                  <a:extLst>
+                    <a:ext uri="{9D8B030D-6E8A-4147-A177-3AD203B41FA5}">
+                      <a16:colId xmlns:a16="http://schemas.microsoft.com/office/drawing/2014/main" val="4237174852"/>
+                    </a:ext>
+                  </a:extLst>
+                </a:gridCol>
+                <a:gridCol w="427871">
+                  <a:extLst>
+                    <a:ext uri="{9D8B030D-6E8A-4147-A177-3AD203B41FA5}">
+                      <a16:colId xmlns:a16="http://schemas.microsoft.com/office/drawing/2014/main" val="1953945196"/>
+                    </a:ext>
+                  </a:extLst>
+                </a:gridCol>
+                <a:gridCol w="427871">
+                  <a:extLst>
+                    <a:ext uri="{9D8B030D-6E8A-4147-A177-3AD203B41FA5}">
+                      <a16:colId xmlns:a16="http://schemas.microsoft.com/office/drawing/2014/main" val="3534266745"/>
+                    </a:ext>
+                  </a:extLst>
+                </a:gridCol>
+                <a:gridCol w="427871">
+                  <a:extLst>
+                    <a:ext uri="{9D8B030D-6E8A-4147-A177-3AD203B41FA5}">
+                      <a16:colId xmlns:a16="http://schemas.microsoft.com/office/drawing/2014/main" val="2715971765"/>
+                    </a:ext>
+                  </a:extLst>
+                </a:gridCol>
+                <a:gridCol w="427871">
+                  <a:extLst>
+                    <a:ext uri="{9D8B030D-6E8A-4147-A177-3AD203B41FA5}">
+                      <a16:colId xmlns:a16="http://schemas.microsoft.com/office/drawing/2014/main" val="2910653707"/>
+                    </a:ext>
+                  </a:extLst>
+                </a:gridCol>
+              </a:tblGrid>
+              <a:tr h="431320">
+                <a:tc>
+                  <a:txBody>
+                    <a:bodyPr/>
+                    <a:lstStyle/>
+                    <a:p>
+                      <a:pPr algn="ctr"/>
+                      <a:r>
+                        <a:rPr lang="en-HK" dirty="0"/>
+                        <a:t>1</a:t>
+                      </a:r>
+                    </a:p>
+                  </a:txBody>
+                  <a:tcPr>
+                    <a:lnL w="12700" cap="flat" cmpd="sng" algn="ctr">
+                      <a:solidFill>
+                        <a:schemeClr val="tx1"/>
+                      </a:solidFill>
+                      <a:prstDash val="solid"/>
+                      <a:round/>
+                      <a:headEnd type="none" w="med" len="med"/>
+                      <a:tailEnd type="none" w="med" len="med"/>
+                    </a:lnL>
+                    <a:lnR w="12700" cap="flat" cmpd="sng" algn="ctr">
+                      <a:solidFill>
+                        <a:schemeClr val="tx1"/>
+                      </a:solidFill>
+                      <a:prstDash val="solid"/>
+                      <a:round/>
+                      <a:headEnd type="none" w="med" len="med"/>
+                      <a:tailEnd type="none" w="med" len="med"/>
+                    </a:lnR>
+                    <a:lnT w="12700" cap="flat" cmpd="sng" algn="ctr">
+                      <a:solidFill>
+                        <a:schemeClr val="tx1"/>
+                      </a:solidFill>
+                      <a:prstDash val="solid"/>
+                      <a:round/>
+                      <a:headEnd type="none" w="med" len="med"/>
+                      <a:tailEnd type="none" w="med" len="med"/>
+                    </a:lnT>
+                    <a:lnB w="12700" cap="flat" cmpd="sng" algn="ctr">
+                      <a:solidFill>
+                        <a:schemeClr val="tx1"/>
+                      </a:solidFill>
+                      <a:prstDash val="solid"/>
+                      <a:round/>
+                      <a:headEnd type="none" w="med" len="med"/>
+                      <a:tailEnd type="none" w="med" len="med"/>
+                    </a:lnB>
+                  </a:tcPr>
+                </a:tc>
+                <a:tc>
+                  <a:txBody>
+                    <a:bodyPr/>
+                    <a:lstStyle/>
+                    <a:p>
+                      <a:pPr algn="ctr"/>
+                      <a:r>
+                        <a:rPr lang="en-HK" dirty="0"/>
+                        <a:t>2</a:t>
+                      </a:r>
+                    </a:p>
+                  </a:txBody>
+                  <a:tcPr>
+                    <a:lnL w="12700" cap="flat" cmpd="sng" algn="ctr">
+                      <a:solidFill>
+                        <a:schemeClr val="tx1"/>
+                      </a:solidFill>
+                      <a:prstDash val="solid"/>
+                      <a:round/>
+                      <a:headEnd type="none" w="med" len="med"/>
+                      <a:tailEnd type="none" w="med" len="med"/>
+                    </a:lnL>
+                    <a:lnR w="12700" cap="flat" cmpd="sng" algn="ctr">
+                      <a:solidFill>
+                        <a:schemeClr val="tx1"/>
+                      </a:solidFill>
+                      <a:prstDash val="solid"/>
+                      <a:round/>
+                      <a:headEnd type="none" w="med" len="med"/>
+                      <a:tailEnd type="none" w="med" len="med"/>
+                    </a:lnR>
+                    <a:lnT w="12700" cap="flat" cmpd="sng" algn="ctr">
+                      <a:solidFill>
+                        <a:schemeClr val="tx1"/>
+                      </a:solidFill>
+                      <a:prstDash val="solid"/>
+                      <a:round/>
+                      <a:headEnd type="none" w="med" len="med"/>
+                      <a:tailEnd type="none" w="med" len="med"/>
+                    </a:lnT>
+                    <a:lnB w="12700" cap="flat" cmpd="sng" algn="ctr">
+                      <a:solidFill>
+                        <a:schemeClr val="tx1"/>
+                      </a:solidFill>
+                      <a:prstDash val="solid"/>
+                      <a:round/>
+                      <a:headEnd type="none" w="med" len="med"/>
+                      <a:tailEnd type="none" w="med" len="med"/>
+                    </a:lnB>
+                  </a:tcPr>
+                </a:tc>
+                <a:tc>
+                  <a:txBody>
+                    <a:bodyPr/>
+                    <a:lstStyle/>
+                    <a:p>
+                      <a:pPr algn="ctr"/>
+                      <a:r>
+                        <a:rPr lang="en-HK" dirty="0"/>
+                        <a:t>3</a:t>
+                      </a:r>
+                    </a:p>
+                  </a:txBody>
+                  <a:tcPr>
+                    <a:lnL w="12700" cap="flat" cmpd="sng" algn="ctr">
+                      <a:solidFill>
+                        <a:schemeClr val="tx1"/>
+                      </a:solidFill>
+                      <a:prstDash val="solid"/>
+                      <a:round/>
+                      <a:headEnd type="none" w="med" len="med"/>
+                      <a:tailEnd type="none" w="med" len="med"/>
+                    </a:lnL>
+                    <a:lnR w="12700" cap="flat" cmpd="sng" algn="ctr">
+                      <a:solidFill>
+                        <a:schemeClr val="tx1"/>
+                      </a:solidFill>
+                      <a:prstDash val="solid"/>
+                      <a:round/>
+                      <a:headEnd type="none" w="med" len="med"/>
+                      <a:tailEnd type="none" w="med" len="med"/>
+                    </a:lnR>
+                    <a:lnT w="12700" cap="flat" cmpd="sng" algn="ctr">
+                      <a:solidFill>
+                        <a:schemeClr val="tx1"/>
+                      </a:solidFill>
+                      <a:prstDash val="solid"/>
+                      <a:round/>
+                      <a:headEnd type="none" w="med" len="med"/>
+                      <a:tailEnd type="none" w="med" len="med"/>
+                    </a:lnT>
+                    <a:lnB w="12700" cap="flat" cmpd="sng" algn="ctr">
+                      <a:solidFill>
+                        <a:schemeClr val="tx1"/>
+                      </a:solidFill>
+                      <a:prstDash val="solid"/>
+                      <a:round/>
+                      <a:headEnd type="none" w="med" len="med"/>
+                      <a:tailEnd type="none" w="med" len="med"/>
+                    </a:lnB>
+                  </a:tcPr>
+                </a:tc>
+                <a:tc>
+                  <a:txBody>
+                    <a:bodyPr/>
+                    <a:lstStyle/>
+                    <a:p>
+                      <a:pPr algn="ctr"/>
+                      <a:r>
+                        <a:rPr lang="en-HK" dirty="0"/>
+                        <a:t>4</a:t>
+                      </a:r>
+                    </a:p>
+                  </a:txBody>
+                  <a:tcPr>
+                    <a:lnL w="12700" cap="flat" cmpd="sng" algn="ctr">
+                      <a:solidFill>
+                        <a:schemeClr val="tx1"/>
+                      </a:solidFill>
+                      <a:prstDash val="solid"/>
+                      <a:round/>
+                      <a:headEnd type="none" w="med" len="med"/>
+                      <a:tailEnd type="none" w="med" len="med"/>
+                    </a:lnL>
+                    <a:lnR w="12700" cap="flat" cmpd="sng" algn="ctr">
+                      <a:solidFill>
+                        <a:schemeClr val="tx1"/>
+                      </a:solidFill>
+                      <a:prstDash val="solid"/>
+                      <a:round/>
+                      <a:headEnd type="none" w="med" len="med"/>
+                      <a:tailEnd type="none" w="med" len="med"/>
+                    </a:lnR>
+                    <a:lnT w="12700" cap="flat" cmpd="sng" algn="ctr">
+                      <a:solidFill>
+                        <a:schemeClr val="tx1"/>
+                      </a:solidFill>
+                      <a:prstDash val="solid"/>
+                      <a:round/>
+                      <a:headEnd type="none" w="med" len="med"/>
+                      <a:tailEnd type="none" w="med" len="med"/>
+                    </a:lnT>
+                    <a:lnB w="12700" cap="flat" cmpd="sng" algn="ctr">
+                      <a:solidFill>
+                        <a:schemeClr val="tx1"/>
+                      </a:solidFill>
+                      <a:prstDash val="solid"/>
+                      <a:round/>
+                      <a:headEnd type="none" w="med" len="med"/>
+                      <a:tailEnd type="none" w="med" len="med"/>
+                    </a:lnB>
+                  </a:tcPr>
+                </a:tc>
+                <a:tc>
+                  <a:txBody>
+                    <a:bodyPr/>
+                    <a:lstStyle/>
+                    <a:p>
+                      <a:pPr algn="ctr"/>
+                      <a:r>
+                        <a:rPr lang="en-HK" dirty="0"/>
+                        <a:t>5</a:t>
+                      </a:r>
+                    </a:p>
+                  </a:txBody>
+                  <a:tcPr>
+                    <a:lnL w="12700" cap="flat" cmpd="sng" algn="ctr">
+                      <a:solidFill>
+                        <a:schemeClr val="tx1"/>
+                      </a:solidFill>
+                      <a:prstDash val="solid"/>
+                      <a:round/>
+                      <a:headEnd type="none" w="med" len="med"/>
+                      <a:tailEnd type="none" w="med" len="med"/>
+                    </a:lnL>
+                    <a:lnR w="12700" cap="flat" cmpd="sng" algn="ctr">
+                      <a:solidFill>
+                        <a:schemeClr val="tx1"/>
+                      </a:solidFill>
+                      <a:prstDash val="solid"/>
+                      <a:round/>
+                      <a:headEnd type="none" w="med" len="med"/>
+                      <a:tailEnd type="none" w="med" len="med"/>
+                    </a:lnR>
+                    <a:lnT w="12700" cap="flat" cmpd="sng" algn="ctr">
+                      <a:solidFill>
+                        <a:schemeClr val="tx1"/>
+                      </a:solidFill>
+                      <a:prstDash val="solid"/>
+                      <a:round/>
+                      <a:headEnd type="none" w="med" len="med"/>
+                      <a:tailEnd type="none" w="med" len="med"/>
+                    </a:lnT>
+                    <a:lnB w="12700" cap="flat" cmpd="sng" algn="ctr">
+                      <a:solidFill>
+                        <a:schemeClr val="tx1"/>
+                      </a:solidFill>
+                      <a:prstDash val="solid"/>
+                      <a:round/>
+                      <a:headEnd type="none" w="med" len="med"/>
+                      <a:tailEnd type="none" w="med" len="med"/>
+                    </a:lnB>
+                  </a:tcPr>
+                </a:tc>
+                <a:extLst>
+                  <a:ext uri="{0D108BD9-81ED-4DB2-BD59-A6C34878D82A}">
+                    <a16:rowId xmlns:a16="http://schemas.microsoft.com/office/drawing/2014/main" val="2303845402"/>
+                  </a:ext>
+                </a:extLst>
+              </a:tr>
+            </a:tbl>
+          </a:graphicData>
+        </a:graphic>
+      </p:graphicFrame>
+      <p:graphicFrame>
+        <p:nvGraphicFramePr>
+          <p:cNvPr id="8" name="Table 7">
+            <a:extLst>
+              <a:ext uri="{FF2B5EF4-FFF2-40B4-BE49-F238E27FC236}">
+                <a16:creationId xmlns:a16="http://schemas.microsoft.com/office/drawing/2014/main" id="{7F3A92A1-2206-5C7E-0874-F3CE6EAC2B72}"/>
+              </a:ext>
+            </a:extLst>
+          </p:cNvPr>
+          <p:cNvGraphicFramePr>
+            <a:graphicFrameLocks noGrp="1"/>
+          </p:cNvGraphicFramePr>
+          <p:nvPr>
+            <p:extLst>
+              <p:ext uri="{D42A27DB-BD31-4B8C-83A1-F6EECF244321}">
+                <p14:modId xmlns:p14="http://schemas.microsoft.com/office/powerpoint/2010/main" val="3550104118"/>
+              </p:ext>
+            </p:extLst>
+          </p:nvPr>
+        </p:nvGraphicFramePr>
+        <p:xfrm>
+          <a:off x="1604506" y="2078967"/>
+          <a:ext cx="2139355" cy="431320"/>
+        </p:xfrm>
+        <a:graphic>
+          <a:graphicData uri="http://schemas.openxmlformats.org/drawingml/2006/table">
+            <a:tbl>
+              <a:tblPr/>
+              <a:tblGrid>
+                <a:gridCol w="427871">
+                  <a:extLst>
+                    <a:ext uri="{9D8B030D-6E8A-4147-A177-3AD203B41FA5}">
+                      <a16:colId xmlns:a16="http://schemas.microsoft.com/office/drawing/2014/main" val="4237174852"/>
+                    </a:ext>
+                  </a:extLst>
+                </a:gridCol>
+                <a:gridCol w="427871">
+                  <a:extLst>
+                    <a:ext uri="{9D8B030D-6E8A-4147-A177-3AD203B41FA5}">
+                      <a16:colId xmlns:a16="http://schemas.microsoft.com/office/drawing/2014/main" val="1953945196"/>
+                    </a:ext>
+                  </a:extLst>
+                </a:gridCol>
+                <a:gridCol w="427871">
+                  <a:extLst>
+                    <a:ext uri="{9D8B030D-6E8A-4147-A177-3AD203B41FA5}">
+                      <a16:colId xmlns:a16="http://schemas.microsoft.com/office/drawing/2014/main" val="3534266745"/>
+                    </a:ext>
+                  </a:extLst>
+                </a:gridCol>
+                <a:gridCol w="427871">
+                  <a:extLst>
+                    <a:ext uri="{9D8B030D-6E8A-4147-A177-3AD203B41FA5}">
+                      <a16:colId xmlns:a16="http://schemas.microsoft.com/office/drawing/2014/main" val="2715971765"/>
+                    </a:ext>
+                  </a:extLst>
+                </a:gridCol>
+                <a:gridCol w="427871">
+                  <a:extLst>
+                    <a:ext uri="{9D8B030D-6E8A-4147-A177-3AD203B41FA5}">
+                      <a16:colId xmlns:a16="http://schemas.microsoft.com/office/drawing/2014/main" val="2910653707"/>
+                    </a:ext>
+                  </a:extLst>
+                </a:gridCol>
+              </a:tblGrid>
+              <a:tr h="431320">
+                <a:tc>
+                  <a:txBody>
+                    <a:bodyPr/>
+                    <a:lstStyle/>
+                    <a:p>
+                      <a:pPr algn="ctr"/>
+                      <a:r>
+                        <a:rPr lang="en-HK" dirty="0"/>
+                        <a:t>1</a:t>
+                      </a:r>
+                    </a:p>
+                  </a:txBody>
+                  <a:tcPr>
+                    <a:lnL w="12700" cap="flat" cmpd="sng" algn="ctr">
+                      <a:solidFill>
+                        <a:schemeClr val="tx1"/>
+                      </a:solidFill>
+                      <a:prstDash val="solid"/>
+                      <a:round/>
+                      <a:headEnd type="none" w="med" len="med"/>
+                      <a:tailEnd type="none" w="med" len="med"/>
+                    </a:lnL>
+                    <a:lnR w="12700" cap="flat" cmpd="sng" algn="ctr">
+                      <a:solidFill>
+                        <a:schemeClr val="tx1"/>
+                      </a:solidFill>
+                      <a:prstDash val="solid"/>
+                      <a:round/>
+                      <a:headEnd type="none" w="med" len="med"/>
+                      <a:tailEnd type="none" w="med" len="med"/>
+                    </a:lnR>
+                    <a:lnT w="12700" cap="flat" cmpd="sng" algn="ctr">
+                      <a:solidFill>
+                        <a:schemeClr val="tx1"/>
+                      </a:solidFill>
+                      <a:prstDash val="solid"/>
+                      <a:round/>
+                      <a:headEnd type="none" w="med" len="med"/>
+                      <a:tailEnd type="none" w="med" len="med"/>
+                    </a:lnT>
+                    <a:lnB w="12700" cap="flat" cmpd="sng" algn="ctr">
+                      <a:solidFill>
+                        <a:schemeClr val="tx1"/>
+                      </a:solidFill>
+                      <a:prstDash val="solid"/>
+                      <a:round/>
+                      <a:headEnd type="none" w="med" len="med"/>
+                      <a:tailEnd type="none" w="med" len="med"/>
+                    </a:lnB>
+                  </a:tcPr>
+                </a:tc>
+                <a:tc>
+                  <a:txBody>
+                    <a:bodyPr/>
+                    <a:lstStyle/>
+                    <a:p>
+                      <a:pPr algn="ctr"/>
+                      <a:r>
+                        <a:rPr lang="en-HK" dirty="0"/>
+                        <a:t>2</a:t>
+                      </a:r>
+                    </a:p>
+                  </a:txBody>
+                  <a:tcPr>
+                    <a:lnL w="12700" cap="flat" cmpd="sng" algn="ctr">
+                      <a:solidFill>
+                        <a:schemeClr val="tx1"/>
+                      </a:solidFill>
+                      <a:prstDash val="solid"/>
+                      <a:round/>
+                      <a:headEnd type="none" w="med" len="med"/>
+                      <a:tailEnd type="none" w="med" len="med"/>
+                    </a:lnL>
+                    <a:lnR w="12700" cap="flat" cmpd="sng" algn="ctr">
+                      <a:solidFill>
+                        <a:schemeClr val="tx1"/>
+                      </a:solidFill>
+                      <a:prstDash val="solid"/>
+                      <a:round/>
+                      <a:headEnd type="none" w="med" len="med"/>
+                      <a:tailEnd type="none" w="med" len="med"/>
+                    </a:lnR>
+                    <a:lnT w="12700" cap="flat" cmpd="sng" algn="ctr">
+                      <a:solidFill>
+                        <a:schemeClr val="tx1"/>
+                      </a:solidFill>
+                      <a:prstDash val="solid"/>
+                      <a:round/>
+                      <a:headEnd type="none" w="med" len="med"/>
+                      <a:tailEnd type="none" w="med" len="med"/>
+                    </a:lnT>
+                    <a:lnB w="12700" cap="flat" cmpd="sng" algn="ctr">
+                      <a:solidFill>
+                        <a:schemeClr val="tx1"/>
+                      </a:solidFill>
+                      <a:prstDash val="solid"/>
+                      <a:round/>
+                      <a:headEnd type="none" w="med" len="med"/>
+                      <a:tailEnd type="none" w="med" len="med"/>
+                    </a:lnB>
+                  </a:tcPr>
+                </a:tc>
+                <a:tc>
+                  <a:txBody>
+                    <a:bodyPr/>
+                    <a:lstStyle/>
+                    <a:p>
+                      <a:pPr algn="ctr"/>
+                      <a:r>
+                        <a:rPr lang="en-HK" dirty="0"/>
+                        <a:t>3</a:t>
+                      </a:r>
+                    </a:p>
+                  </a:txBody>
+                  <a:tcPr>
+                    <a:lnL w="12700" cap="flat" cmpd="sng" algn="ctr">
+                      <a:solidFill>
+                        <a:schemeClr val="tx1"/>
+                      </a:solidFill>
+                      <a:prstDash val="solid"/>
+                      <a:round/>
+                      <a:headEnd type="none" w="med" len="med"/>
+                      <a:tailEnd type="none" w="med" len="med"/>
+                    </a:lnL>
+                    <a:lnR w="12700" cap="flat" cmpd="sng" algn="ctr">
+                      <a:solidFill>
+                        <a:schemeClr val="tx1"/>
+                      </a:solidFill>
+                      <a:prstDash val="solid"/>
+                      <a:round/>
+                      <a:headEnd type="none" w="med" len="med"/>
+                      <a:tailEnd type="none" w="med" len="med"/>
+                    </a:lnR>
+                    <a:lnT w="12700" cap="flat" cmpd="sng" algn="ctr">
+                      <a:solidFill>
+                        <a:schemeClr val="tx1"/>
+                      </a:solidFill>
+                      <a:prstDash val="solid"/>
+                      <a:round/>
+                      <a:headEnd type="none" w="med" len="med"/>
+                      <a:tailEnd type="none" w="med" len="med"/>
+                    </a:lnT>
+                    <a:lnB w="12700" cap="flat" cmpd="sng" algn="ctr">
+                      <a:solidFill>
+                        <a:schemeClr val="tx1"/>
+                      </a:solidFill>
+                      <a:prstDash val="solid"/>
+                      <a:round/>
+                      <a:headEnd type="none" w="med" len="med"/>
+                      <a:tailEnd type="none" w="med" len="med"/>
+                    </a:lnB>
+                  </a:tcPr>
+                </a:tc>
+                <a:tc>
+                  <a:txBody>
+                    <a:bodyPr/>
+                    <a:lstStyle/>
+                    <a:p>
+                      <a:pPr algn="ctr"/>
+                      <a:r>
+                        <a:rPr lang="en-HK" dirty="0"/>
+                        <a:t>4</a:t>
+                      </a:r>
+                    </a:p>
+                  </a:txBody>
+                  <a:tcPr>
+                    <a:lnL w="12700" cap="flat" cmpd="sng" algn="ctr">
+                      <a:solidFill>
+                        <a:schemeClr val="tx1"/>
+                      </a:solidFill>
+                      <a:prstDash val="solid"/>
+                      <a:round/>
+                      <a:headEnd type="none" w="med" len="med"/>
+                      <a:tailEnd type="none" w="med" len="med"/>
+                    </a:lnL>
+                    <a:lnR w="12700" cap="flat" cmpd="sng" algn="ctr">
+                      <a:solidFill>
+                        <a:schemeClr val="tx1"/>
+                      </a:solidFill>
+                      <a:prstDash val="solid"/>
+                      <a:round/>
+                      <a:headEnd type="none" w="med" len="med"/>
+                      <a:tailEnd type="none" w="med" len="med"/>
+                    </a:lnR>
+                    <a:lnT w="12700" cap="flat" cmpd="sng" algn="ctr">
+                      <a:solidFill>
+                        <a:schemeClr val="tx1"/>
+                      </a:solidFill>
+                      <a:prstDash val="solid"/>
+                      <a:round/>
+                      <a:headEnd type="none" w="med" len="med"/>
+                      <a:tailEnd type="none" w="med" len="med"/>
+                    </a:lnT>
+                    <a:lnB w="12700" cap="flat" cmpd="sng" algn="ctr">
+                      <a:solidFill>
+                        <a:schemeClr val="tx1"/>
+                      </a:solidFill>
+                      <a:prstDash val="solid"/>
+                      <a:round/>
+                      <a:headEnd type="none" w="med" len="med"/>
+                      <a:tailEnd type="none" w="med" len="med"/>
+                    </a:lnB>
+                  </a:tcPr>
+                </a:tc>
+                <a:tc>
+                  <a:txBody>
+                    <a:bodyPr/>
+                    <a:lstStyle/>
+                    <a:p>
+                      <a:pPr algn="ctr"/>
+                      <a:r>
+                        <a:rPr lang="en-HK" dirty="0"/>
+                        <a:t>5</a:t>
+                      </a:r>
+                    </a:p>
+                  </a:txBody>
+                  <a:tcPr>
+                    <a:lnL w="12700" cap="flat" cmpd="sng" algn="ctr">
+                      <a:solidFill>
+                        <a:schemeClr val="tx1"/>
+                      </a:solidFill>
+                      <a:prstDash val="solid"/>
+                      <a:round/>
+                      <a:headEnd type="none" w="med" len="med"/>
+                      <a:tailEnd type="none" w="med" len="med"/>
+                    </a:lnL>
+                    <a:lnR w="12700" cap="flat" cmpd="sng" algn="ctr">
+                      <a:solidFill>
+                        <a:schemeClr val="tx1"/>
+                      </a:solidFill>
+                      <a:prstDash val="solid"/>
+                      <a:round/>
+                      <a:headEnd type="none" w="med" len="med"/>
+                      <a:tailEnd type="none" w="med" len="med"/>
+                    </a:lnR>
+                    <a:lnT w="12700" cap="flat" cmpd="sng" algn="ctr">
+                      <a:solidFill>
+                        <a:schemeClr val="tx1"/>
+                      </a:solidFill>
+                      <a:prstDash val="solid"/>
+                      <a:round/>
+                      <a:headEnd type="none" w="med" len="med"/>
+                      <a:tailEnd type="none" w="med" len="med"/>
+                    </a:lnT>
+                    <a:lnB w="12700" cap="flat" cmpd="sng" algn="ctr">
+                      <a:solidFill>
+                        <a:schemeClr val="tx1"/>
+                      </a:solidFill>
+                      <a:prstDash val="solid"/>
+                      <a:round/>
+                      <a:headEnd type="none" w="med" len="med"/>
+                      <a:tailEnd type="none" w="med" len="med"/>
+                    </a:lnB>
+                  </a:tcPr>
+                </a:tc>
+                <a:extLst>
+                  <a:ext uri="{0D108BD9-81ED-4DB2-BD59-A6C34878D82A}">
+                    <a16:rowId xmlns:a16="http://schemas.microsoft.com/office/drawing/2014/main" val="2303845402"/>
+                  </a:ext>
+                </a:extLst>
+              </a:tr>
+            </a:tbl>
+          </a:graphicData>
+        </a:graphic>
+      </p:graphicFrame>
+      <p:graphicFrame>
+        <p:nvGraphicFramePr>
+          <p:cNvPr id="9" name="Table 8">
+            <a:extLst>
+              <a:ext uri="{FF2B5EF4-FFF2-40B4-BE49-F238E27FC236}">
+                <a16:creationId xmlns:a16="http://schemas.microsoft.com/office/drawing/2014/main" id="{289F55D1-D35B-7521-96E3-BEDFB1472F66}"/>
+              </a:ext>
+            </a:extLst>
+          </p:cNvPr>
+          <p:cNvGraphicFramePr>
+            <a:graphicFrameLocks noGrp="1"/>
+          </p:cNvGraphicFramePr>
+          <p:nvPr>
+            <p:extLst>
+              <p:ext uri="{D42A27DB-BD31-4B8C-83A1-F6EECF244321}">
+                <p14:modId xmlns:p14="http://schemas.microsoft.com/office/powerpoint/2010/main" val="960507336"/>
+              </p:ext>
+            </p:extLst>
+          </p:nvPr>
+        </p:nvGraphicFramePr>
+        <p:xfrm>
+          <a:off x="1604506" y="2622431"/>
+          <a:ext cx="2139355" cy="431320"/>
+        </p:xfrm>
+        <a:graphic>
+          <a:graphicData uri="http://schemas.openxmlformats.org/drawingml/2006/table">
+            <a:tbl>
+              <a:tblPr/>
+              <a:tblGrid>
+                <a:gridCol w="427871">
+                  <a:extLst>
+                    <a:ext uri="{9D8B030D-6E8A-4147-A177-3AD203B41FA5}">
+                      <a16:colId xmlns:a16="http://schemas.microsoft.com/office/drawing/2014/main" val="4237174852"/>
+                    </a:ext>
+                  </a:extLst>
+                </a:gridCol>
+                <a:gridCol w="427871">
+                  <a:extLst>
+                    <a:ext uri="{9D8B030D-6E8A-4147-A177-3AD203B41FA5}">
+                      <a16:colId xmlns:a16="http://schemas.microsoft.com/office/drawing/2014/main" val="1953945196"/>
+                    </a:ext>
+                  </a:extLst>
+                </a:gridCol>
+                <a:gridCol w="427871">
+                  <a:extLst>
+                    <a:ext uri="{9D8B030D-6E8A-4147-A177-3AD203B41FA5}">
+                      <a16:colId xmlns:a16="http://schemas.microsoft.com/office/drawing/2014/main" val="3534266745"/>
+                    </a:ext>
+                  </a:extLst>
+                </a:gridCol>
+                <a:gridCol w="427871">
+                  <a:extLst>
+                    <a:ext uri="{9D8B030D-6E8A-4147-A177-3AD203B41FA5}">
+                      <a16:colId xmlns:a16="http://schemas.microsoft.com/office/drawing/2014/main" val="2715971765"/>
+                    </a:ext>
+                  </a:extLst>
+                </a:gridCol>
+                <a:gridCol w="427871">
+                  <a:extLst>
+                    <a:ext uri="{9D8B030D-6E8A-4147-A177-3AD203B41FA5}">
+                      <a16:colId xmlns:a16="http://schemas.microsoft.com/office/drawing/2014/main" val="2910653707"/>
+                    </a:ext>
+                  </a:extLst>
+                </a:gridCol>
+              </a:tblGrid>
+              <a:tr h="431320">
+                <a:tc>
+                  <a:txBody>
+                    <a:bodyPr/>
+                    <a:lstStyle/>
+                    <a:p>
+                      <a:pPr algn="ctr"/>
+                      <a:r>
+                        <a:rPr lang="en-HK" dirty="0"/>
+                        <a:t>1</a:t>
+                      </a:r>
+                    </a:p>
+                  </a:txBody>
+                  <a:tcPr>
+                    <a:lnL w="12700" cap="flat" cmpd="sng" algn="ctr">
+                      <a:solidFill>
+                        <a:schemeClr val="tx1"/>
+                      </a:solidFill>
+                      <a:prstDash val="solid"/>
+                      <a:round/>
+                      <a:headEnd type="none" w="med" len="med"/>
+                      <a:tailEnd type="none" w="med" len="med"/>
+                    </a:lnL>
+                    <a:lnR w="12700" cap="flat" cmpd="sng" algn="ctr">
+                      <a:solidFill>
+                        <a:schemeClr val="tx1"/>
+                      </a:solidFill>
+                      <a:prstDash val="solid"/>
+                      <a:round/>
+                      <a:headEnd type="none" w="med" len="med"/>
+                      <a:tailEnd type="none" w="med" len="med"/>
+                    </a:lnR>
+                    <a:lnT w="12700" cap="flat" cmpd="sng" algn="ctr">
+                      <a:solidFill>
+                        <a:schemeClr val="tx1"/>
+                      </a:solidFill>
+                      <a:prstDash val="solid"/>
+                      <a:round/>
+                      <a:headEnd type="none" w="med" len="med"/>
+                      <a:tailEnd type="none" w="med" len="med"/>
+                    </a:lnT>
+                    <a:lnB w="12700" cap="flat" cmpd="sng" algn="ctr">
+                      <a:solidFill>
+                        <a:schemeClr val="tx1"/>
+                      </a:solidFill>
+                      <a:prstDash val="solid"/>
+                      <a:round/>
+                      <a:headEnd type="none" w="med" len="med"/>
+                      <a:tailEnd type="none" w="med" len="med"/>
+                    </a:lnB>
+                  </a:tcPr>
+                </a:tc>
+                <a:tc>
+                  <a:txBody>
+                    <a:bodyPr/>
+                    <a:lstStyle/>
+                    <a:p>
+                      <a:pPr algn="ctr"/>
+                      <a:r>
+                        <a:rPr lang="en-HK" dirty="0"/>
+                        <a:t>2</a:t>
+                      </a:r>
+                    </a:p>
+                  </a:txBody>
+                  <a:tcPr>
+                    <a:lnL w="12700" cap="flat" cmpd="sng" algn="ctr">
+                      <a:solidFill>
+                        <a:schemeClr val="tx1"/>
+                      </a:solidFill>
+                      <a:prstDash val="solid"/>
+                      <a:round/>
+                      <a:headEnd type="none" w="med" len="med"/>
+                      <a:tailEnd type="none" w="med" len="med"/>
+                    </a:lnL>
+                    <a:lnR w="12700" cap="flat" cmpd="sng" algn="ctr">
+                      <a:solidFill>
+                        <a:schemeClr val="tx1"/>
+                      </a:solidFill>
+                      <a:prstDash val="solid"/>
+                      <a:round/>
+                      <a:headEnd type="none" w="med" len="med"/>
+                      <a:tailEnd type="none" w="med" len="med"/>
+                    </a:lnR>
+                    <a:lnT w="12700" cap="flat" cmpd="sng" algn="ctr">
+                      <a:solidFill>
+                        <a:schemeClr val="tx1"/>
+                      </a:solidFill>
+                      <a:prstDash val="solid"/>
+                      <a:round/>
+                      <a:headEnd type="none" w="med" len="med"/>
+                      <a:tailEnd type="none" w="med" len="med"/>
+                    </a:lnT>
+                    <a:lnB w="12700" cap="flat" cmpd="sng" algn="ctr">
+                      <a:solidFill>
+                        <a:schemeClr val="tx1"/>
+                      </a:solidFill>
+                      <a:prstDash val="solid"/>
+                      <a:round/>
+                      <a:headEnd type="none" w="med" len="med"/>
+                      <a:tailEnd type="none" w="med" len="med"/>
+                    </a:lnB>
+                  </a:tcPr>
+                </a:tc>
+                <a:tc>
+                  <a:txBody>
+                    <a:bodyPr/>
+                    <a:lstStyle/>
+                    <a:p>
+                      <a:pPr algn="ctr"/>
+                      <a:r>
+                        <a:rPr lang="en-HK" dirty="0"/>
+                        <a:t>3</a:t>
+                      </a:r>
+                    </a:p>
+                  </a:txBody>
+                  <a:tcPr>
+                    <a:lnL w="12700" cap="flat" cmpd="sng" algn="ctr">
+                      <a:solidFill>
+                        <a:schemeClr val="tx1"/>
+                      </a:solidFill>
+                      <a:prstDash val="solid"/>
+                      <a:round/>
+                      <a:headEnd type="none" w="med" len="med"/>
+                      <a:tailEnd type="none" w="med" len="med"/>
+                    </a:lnL>
+                    <a:lnR w="12700" cap="flat" cmpd="sng" algn="ctr">
+                      <a:solidFill>
+                        <a:schemeClr val="tx1"/>
+                      </a:solidFill>
+                      <a:prstDash val="solid"/>
+                      <a:round/>
+                      <a:headEnd type="none" w="med" len="med"/>
+                      <a:tailEnd type="none" w="med" len="med"/>
+                    </a:lnR>
+                    <a:lnT w="12700" cap="flat" cmpd="sng" algn="ctr">
+                      <a:solidFill>
+                        <a:schemeClr val="tx1"/>
+                      </a:solidFill>
+                      <a:prstDash val="solid"/>
+                      <a:round/>
+                      <a:headEnd type="none" w="med" len="med"/>
+                      <a:tailEnd type="none" w="med" len="med"/>
+                    </a:lnT>
+                    <a:lnB w="12700" cap="flat" cmpd="sng" algn="ctr">
+                      <a:solidFill>
+                        <a:schemeClr val="tx1"/>
+                      </a:solidFill>
+                      <a:prstDash val="solid"/>
+                      <a:round/>
+                      <a:headEnd type="none" w="med" len="med"/>
+                      <a:tailEnd type="none" w="med" len="med"/>
+                    </a:lnB>
+                  </a:tcPr>
+                </a:tc>
+                <a:tc>
+                  <a:txBody>
+                    <a:bodyPr/>
+                    <a:lstStyle/>
+                    <a:p>
+                      <a:pPr algn="ctr"/>
+                      <a:r>
+                        <a:rPr lang="en-HK" dirty="0"/>
+                        <a:t>4</a:t>
+                      </a:r>
+                    </a:p>
+                  </a:txBody>
+                  <a:tcPr>
+                    <a:lnL w="12700" cap="flat" cmpd="sng" algn="ctr">
+                      <a:solidFill>
+                        <a:schemeClr val="tx1"/>
+                      </a:solidFill>
+                      <a:prstDash val="solid"/>
+                      <a:round/>
+                      <a:headEnd type="none" w="med" len="med"/>
+                      <a:tailEnd type="none" w="med" len="med"/>
+                    </a:lnL>
+                    <a:lnR w="12700" cap="flat" cmpd="sng" algn="ctr">
+                      <a:solidFill>
+                        <a:schemeClr val="tx1"/>
+                      </a:solidFill>
+                      <a:prstDash val="solid"/>
+                      <a:round/>
+                      <a:headEnd type="none" w="med" len="med"/>
+                      <a:tailEnd type="none" w="med" len="med"/>
+                    </a:lnR>
+                    <a:lnT w="12700" cap="flat" cmpd="sng" algn="ctr">
+                      <a:solidFill>
+                        <a:schemeClr val="tx1"/>
+                      </a:solidFill>
+                      <a:prstDash val="solid"/>
+                      <a:round/>
+                      <a:headEnd type="none" w="med" len="med"/>
+                      <a:tailEnd type="none" w="med" len="med"/>
+                    </a:lnT>
+                    <a:lnB w="12700" cap="flat" cmpd="sng" algn="ctr">
+                      <a:solidFill>
+                        <a:schemeClr val="tx1"/>
+                      </a:solidFill>
+                      <a:prstDash val="solid"/>
+                      <a:round/>
+                      <a:headEnd type="none" w="med" len="med"/>
+                      <a:tailEnd type="none" w="med" len="med"/>
+                    </a:lnB>
+                  </a:tcPr>
+                </a:tc>
+                <a:tc>
+                  <a:txBody>
+                    <a:bodyPr/>
+                    <a:lstStyle/>
+                    <a:p>
+                      <a:pPr algn="ctr"/>
+                      <a:r>
+                        <a:rPr lang="en-HK" dirty="0"/>
+                        <a:t>5</a:t>
+                      </a:r>
+                    </a:p>
+                  </a:txBody>
+                  <a:tcPr>
+                    <a:lnL w="12700" cap="flat" cmpd="sng" algn="ctr">
+                      <a:solidFill>
+                        <a:schemeClr val="tx1"/>
+                      </a:solidFill>
+                      <a:prstDash val="solid"/>
+                      <a:round/>
+                      <a:headEnd type="none" w="med" len="med"/>
+                      <a:tailEnd type="none" w="med" len="med"/>
+                    </a:lnL>
+                    <a:lnR w="12700" cap="flat" cmpd="sng" algn="ctr">
+                      <a:solidFill>
+                        <a:schemeClr val="tx1"/>
+                      </a:solidFill>
+                      <a:prstDash val="solid"/>
+                      <a:round/>
+                      <a:headEnd type="none" w="med" len="med"/>
+                      <a:tailEnd type="none" w="med" len="med"/>
+                    </a:lnR>
+                    <a:lnT w="12700" cap="flat" cmpd="sng" algn="ctr">
+                      <a:solidFill>
+                        <a:schemeClr val="tx1"/>
+                      </a:solidFill>
+                      <a:prstDash val="solid"/>
+                      <a:round/>
+                      <a:headEnd type="none" w="med" len="med"/>
+                      <a:tailEnd type="none" w="med" len="med"/>
+                    </a:lnT>
+                    <a:lnB w="12700" cap="flat" cmpd="sng" algn="ctr">
+                      <a:solidFill>
+                        <a:schemeClr val="tx1"/>
+                      </a:solidFill>
+                      <a:prstDash val="solid"/>
+                      <a:round/>
+                      <a:headEnd type="none" w="med" len="med"/>
+                      <a:tailEnd type="none" w="med" len="med"/>
+                    </a:lnB>
+                  </a:tcPr>
+                </a:tc>
+                <a:extLst>
+                  <a:ext uri="{0D108BD9-81ED-4DB2-BD59-A6C34878D82A}">
+                    <a16:rowId xmlns:a16="http://schemas.microsoft.com/office/drawing/2014/main" val="2303845402"/>
+                  </a:ext>
+                </a:extLst>
+              </a:tr>
+            </a:tbl>
+          </a:graphicData>
+        </a:graphic>
+      </p:graphicFrame>
+      <p:graphicFrame>
+        <p:nvGraphicFramePr>
+          <p:cNvPr id="10" name="Table 9">
+            <a:extLst>
+              <a:ext uri="{FF2B5EF4-FFF2-40B4-BE49-F238E27FC236}">
+                <a16:creationId xmlns:a16="http://schemas.microsoft.com/office/drawing/2014/main" id="{4B73078A-0893-0B1E-D260-BAB55ABEABCD}"/>
+              </a:ext>
+            </a:extLst>
+          </p:cNvPr>
+          <p:cNvGraphicFramePr>
+            <a:graphicFrameLocks noGrp="1"/>
+          </p:cNvGraphicFramePr>
+          <p:nvPr>
+            <p:extLst>
+              <p:ext uri="{D42A27DB-BD31-4B8C-83A1-F6EECF244321}">
+                <p14:modId xmlns:p14="http://schemas.microsoft.com/office/powerpoint/2010/main" val="373684459"/>
+              </p:ext>
+            </p:extLst>
+          </p:nvPr>
+        </p:nvGraphicFramePr>
+        <p:xfrm>
+          <a:off x="1604506" y="3165895"/>
+          <a:ext cx="2139355" cy="431320"/>
+        </p:xfrm>
+        <a:graphic>
+          <a:graphicData uri="http://schemas.openxmlformats.org/drawingml/2006/table">
+            <a:tbl>
+              <a:tblPr/>
+              <a:tblGrid>
+                <a:gridCol w="427871">
+                  <a:extLst>
+                    <a:ext uri="{9D8B030D-6E8A-4147-A177-3AD203B41FA5}">
+                      <a16:colId xmlns:a16="http://schemas.microsoft.com/office/drawing/2014/main" val="4237174852"/>
+                    </a:ext>
+                  </a:extLst>
+                </a:gridCol>
+                <a:gridCol w="427871">
+                  <a:extLst>
+                    <a:ext uri="{9D8B030D-6E8A-4147-A177-3AD203B41FA5}">
+                      <a16:colId xmlns:a16="http://schemas.microsoft.com/office/drawing/2014/main" val="1953945196"/>
+                    </a:ext>
+                  </a:extLst>
+                </a:gridCol>
+                <a:gridCol w="427871">
+                  <a:extLst>
+                    <a:ext uri="{9D8B030D-6E8A-4147-A177-3AD203B41FA5}">
+                      <a16:colId xmlns:a16="http://schemas.microsoft.com/office/drawing/2014/main" val="3534266745"/>
+                    </a:ext>
+                  </a:extLst>
+                </a:gridCol>
+                <a:gridCol w="427871">
+                  <a:extLst>
+                    <a:ext uri="{9D8B030D-6E8A-4147-A177-3AD203B41FA5}">
+                      <a16:colId xmlns:a16="http://schemas.microsoft.com/office/drawing/2014/main" val="2715971765"/>
+                    </a:ext>
+                  </a:extLst>
+                </a:gridCol>
+                <a:gridCol w="427871">
+                  <a:extLst>
+                    <a:ext uri="{9D8B030D-6E8A-4147-A177-3AD203B41FA5}">
+                      <a16:colId xmlns:a16="http://schemas.microsoft.com/office/drawing/2014/main" val="2910653707"/>
+                    </a:ext>
+                  </a:extLst>
+                </a:gridCol>
+              </a:tblGrid>
+              <a:tr h="431320">
+                <a:tc>
+                  <a:txBody>
+                    <a:bodyPr/>
+                    <a:lstStyle/>
+                    <a:p>
+                      <a:pPr algn="ctr"/>
+                      <a:r>
+                        <a:rPr lang="en-HK" dirty="0"/>
+                        <a:t>1</a:t>
+                      </a:r>
+                    </a:p>
+                  </a:txBody>
+                  <a:tcPr>
+                    <a:lnL w="12700" cap="flat" cmpd="sng" algn="ctr">
+                      <a:solidFill>
+                        <a:schemeClr val="tx1"/>
+                      </a:solidFill>
+                      <a:prstDash val="solid"/>
+                      <a:round/>
+                      <a:headEnd type="none" w="med" len="med"/>
+                      <a:tailEnd type="none" w="med" len="med"/>
+                    </a:lnL>
+                    <a:lnR w="12700" cap="flat" cmpd="sng" algn="ctr">
+                      <a:solidFill>
+                        <a:schemeClr val="tx1"/>
+                      </a:solidFill>
+                      <a:prstDash val="solid"/>
+                      <a:round/>
+                      <a:headEnd type="none" w="med" len="med"/>
+                      <a:tailEnd type="none" w="med" len="med"/>
+                    </a:lnR>
+                    <a:lnT w="12700" cap="flat" cmpd="sng" algn="ctr">
+                      <a:solidFill>
+                        <a:schemeClr val="tx1"/>
+                      </a:solidFill>
+                      <a:prstDash val="solid"/>
+                      <a:round/>
+                      <a:headEnd type="none" w="med" len="med"/>
+                      <a:tailEnd type="none" w="med" len="med"/>
+                    </a:lnT>
+                    <a:lnB w="12700" cap="flat" cmpd="sng" algn="ctr">
+                      <a:solidFill>
+                        <a:schemeClr val="tx1"/>
+                      </a:solidFill>
+                      <a:prstDash val="solid"/>
+                      <a:round/>
+                      <a:headEnd type="none" w="med" len="med"/>
+                      <a:tailEnd type="none" w="med" len="med"/>
+                    </a:lnB>
+                  </a:tcPr>
+                </a:tc>
+                <a:tc>
+                  <a:txBody>
+                    <a:bodyPr/>
+                    <a:lstStyle/>
+                    <a:p>
+                      <a:pPr algn="ctr"/>
+                      <a:r>
+                        <a:rPr lang="en-HK" dirty="0"/>
+                        <a:t>2</a:t>
+                      </a:r>
+                    </a:p>
+                  </a:txBody>
+                  <a:tcPr>
+                    <a:lnL w="12700" cap="flat" cmpd="sng" algn="ctr">
+                      <a:solidFill>
+                        <a:schemeClr val="tx1"/>
+                      </a:solidFill>
+                      <a:prstDash val="solid"/>
+                      <a:round/>
+                      <a:headEnd type="none" w="med" len="med"/>
+                      <a:tailEnd type="none" w="med" len="med"/>
+                    </a:lnL>
+                    <a:lnR w="12700" cap="flat" cmpd="sng" algn="ctr">
+                      <a:solidFill>
+                        <a:schemeClr val="tx1"/>
+                      </a:solidFill>
+                      <a:prstDash val="solid"/>
+                      <a:round/>
+                      <a:headEnd type="none" w="med" len="med"/>
+                      <a:tailEnd type="none" w="med" len="med"/>
+                    </a:lnR>
+                    <a:lnT w="12700" cap="flat" cmpd="sng" algn="ctr">
+                      <a:solidFill>
+                        <a:schemeClr val="tx1"/>
+                      </a:solidFill>
+                      <a:prstDash val="solid"/>
+                      <a:round/>
+                      <a:headEnd type="none" w="med" len="med"/>
+                      <a:tailEnd type="none" w="med" len="med"/>
+                    </a:lnT>
+                    <a:lnB w="12700" cap="flat" cmpd="sng" algn="ctr">
+                      <a:solidFill>
+                        <a:schemeClr val="tx1"/>
+                      </a:solidFill>
+                      <a:prstDash val="solid"/>
+                      <a:round/>
+                      <a:headEnd type="none" w="med" len="med"/>
+                      <a:tailEnd type="none" w="med" len="med"/>
+                    </a:lnB>
+                  </a:tcPr>
+                </a:tc>
+                <a:tc>
+                  <a:txBody>
+                    <a:bodyPr/>
+                    <a:lstStyle/>
+                    <a:p>
+                      <a:pPr algn="ctr"/>
+                      <a:r>
+                        <a:rPr lang="en-HK" dirty="0"/>
+                        <a:t>3</a:t>
+                      </a:r>
+                    </a:p>
+                  </a:txBody>
+                  <a:tcPr>
+                    <a:lnL w="12700" cap="flat" cmpd="sng" algn="ctr">
+                      <a:solidFill>
+                        <a:schemeClr val="tx1"/>
+                      </a:solidFill>
+                      <a:prstDash val="solid"/>
+                      <a:round/>
+                      <a:headEnd type="none" w="med" len="med"/>
+                      <a:tailEnd type="none" w="med" len="med"/>
+                    </a:lnL>
+                    <a:lnR w="12700" cap="flat" cmpd="sng" algn="ctr">
+                      <a:solidFill>
+                        <a:schemeClr val="tx1"/>
+                      </a:solidFill>
+                      <a:prstDash val="solid"/>
+                      <a:round/>
+                      <a:headEnd type="none" w="med" len="med"/>
+                      <a:tailEnd type="none" w="med" len="med"/>
+                    </a:lnR>
+                    <a:lnT w="12700" cap="flat" cmpd="sng" algn="ctr">
+                      <a:solidFill>
+                        <a:schemeClr val="tx1"/>
+                      </a:solidFill>
+                      <a:prstDash val="solid"/>
+                      <a:round/>
+                      <a:headEnd type="none" w="med" len="med"/>
+                      <a:tailEnd type="none" w="med" len="med"/>
+                    </a:lnT>
+                    <a:lnB w="12700" cap="flat" cmpd="sng" algn="ctr">
+                      <a:solidFill>
+                        <a:schemeClr val="tx1"/>
+                      </a:solidFill>
+                      <a:prstDash val="solid"/>
+                      <a:round/>
+                      <a:headEnd type="none" w="med" len="med"/>
+                      <a:tailEnd type="none" w="med" len="med"/>
+                    </a:lnB>
+                  </a:tcPr>
+                </a:tc>
+                <a:tc>
+                  <a:txBody>
+                    <a:bodyPr/>
+                    <a:lstStyle/>
+                    <a:p>
+                      <a:pPr algn="ctr"/>
+                      <a:r>
+                        <a:rPr lang="en-HK" dirty="0"/>
+                        <a:t>4</a:t>
+                      </a:r>
+                    </a:p>
+                  </a:txBody>
+                  <a:tcPr>
+                    <a:lnL w="12700" cap="flat" cmpd="sng" algn="ctr">
+                      <a:solidFill>
+                        <a:schemeClr val="tx1"/>
+                      </a:solidFill>
+                      <a:prstDash val="solid"/>
+                      <a:round/>
+                      <a:headEnd type="none" w="med" len="med"/>
+                      <a:tailEnd type="none" w="med" len="med"/>
+                    </a:lnL>
+                    <a:lnR w="12700" cap="flat" cmpd="sng" algn="ctr">
+                      <a:solidFill>
+                        <a:schemeClr val="tx1"/>
+                      </a:solidFill>
+                      <a:prstDash val="solid"/>
+                      <a:round/>
+                      <a:headEnd type="none" w="med" len="med"/>
+                      <a:tailEnd type="none" w="med" len="med"/>
+                    </a:lnR>
+                    <a:lnT w="12700" cap="flat" cmpd="sng" algn="ctr">
+                      <a:solidFill>
+                        <a:schemeClr val="tx1"/>
+                      </a:solidFill>
+                      <a:prstDash val="solid"/>
+                      <a:round/>
+                      <a:headEnd type="none" w="med" len="med"/>
+                      <a:tailEnd type="none" w="med" len="med"/>
+                    </a:lnT>
+                    <a:lnB w="12700" cap="flat" cmpd="sng" algn="ctr">
+                      <a:solidFill>
+                        <a:schemeClr val="tx1"/>
+                      </a:solidFill>
+                      <a:prstDash val="solid"/>
+                      <a:round/>
+                      <a:headEnd type="none" w="med" len="med"/>
+                      <a:tailEnd type="none" w="med" len="med"/>
+                    </a:lnB>
+                  </a:tcPr>
+                </a:tc>
+                <a:tc>
+                  <a:txBody>
+                    <a:bodyPr/>
+                    <a:lstStyle/>
+                    <a:p>
+                      <a:pPr algn="ctr"/>
+                      <a:r>
+                        <a:rPr lang="en-HK" dirty="0"/>
+                        <a:t>5</a:t>
+                      </a:r>
+                    </a:p>
+                  </a:txBody>
+                  <a:tcPr>
+                    <a:lnL w="12700" cap="flat" cmpd="sng" algn="ctr">
+                      <a:solidFill>
+                        <a:schemeClr val="tx1"/>
+                      </a:solidFill>
+                      <a:prstDash val="solid"/>
+                      <a:round/>
+                      <a:headEnd type="none" w="med" len="med"/>
+                      <a:tailEnd type="none" w="med" len="med"/>
+                    </a:lnL>
+                    <a:lnR w="12700" cap="flat" cmpd="sng" algn="ctr">
+                      <a:solidFill>
+                        <a:schemeClr val="tx1"/>
+                      </a:solidFill>
+                      <a:prstDash val="solid"/>
+                      <a:round/>
+                      <a:headEnd type="none" w="med" len="med"/>
+                      <a:tailEnd type="none" w="med" len="med"/>
+                    </a:lnR>
+                    <a:lnT w="12700" cap="flat" cmpd="sng" algn="ctr">
+                      <a:solidFill>
+                        <a:schemeClr val="tx1"/>
+                      </a:solidFill>
+                      <a:prstDash val="solid"/>
+                      <a:round/>
+                      <a:headEnd type="none" w="med" len="med"/>
+                      <a:tailEnd type="none" w="med" len="med"/>
+                    </a:lnT>
+                    <a:lnB w="12700" cap="flat" cmpd="sng" algn="ctr">
+                      <a:solidFill>
+                        <a:schemeClr val="tx1"/>
+                      </a:solidFill>
+                      <a:prstDash val="solid"/>
+                      <a:round/>
+                      <a:headEnd type="none" w="med" len="med"/>
+                      <a:tailEnd type="none" w="med" len="med"/>
+                    </a:lnB>
+                  </a:tcPr>
+                </a:tc>
+                <a:extLst>
+                  <a:ext uri="{0D108BD9-81ED-4DB2-BD59-A6C34878D82A}">
+                    <a16:rowId xmlns:a16="http://schemas.microsoft.com/office/drawing/2014/main" val="2303845402"/>
+                  </a:ext>
+                </a:extLst>
+              </a:tr>
+            </a:tbl>
+          </a:graphicData>
+        </a:graphic>
+      </p:graphicFrame>
+      <p:graphicFrame>
+        <p:nvGraphicFramePr>
+          <p:cNvPr id="11" name="Table 10">
+            <a:extLst>
+              <a:ext uri="{FF2B5EF4-FFF2-40B4-BE49-F238E27FC236}">
+                <a16:creationId xmlns:a16="http://schemas.microsoft.com/office/drawing/2014/main" id="{7AB41A9E-EDF8-CD26-F8BA-6D9A3812C4B8}"/>
+              </a:ext>
+            </a:extLst>
+          </p:cNvPr>
+          <p:cNvGraphicFramePr>
+            <a:graphicFrameLocks noGrp="1"/>
+          </p:cNvGraphicFramePr>
+          <p:nvPr>
+            <p:extLst>
+              <p:ext uri="{D42A27DB-BD31-4B8C-83A1-F6EECF244321}">
+                <p14:modId xmlns:p14="http://schemas.microsoft.com/office/powerpoint/2010/main" val="257817985"/>
+              </p:ext>
+            </p:extLst>
+          </p:nvPr>
+        </p:nvGraphicFramePr>
+        <p:xfrm>
+          <a:off x="1604505" y="3709361"/>
+          <a:ext cx="2139355" cy="431320"/>
+        </p:xfrm>
+        <a:graphic>
+          <a:graphicData uri="http://schemas.openxmlformats.org/drawingml/2006/table">
+            <a:tbl>
+              <a:tblPr/>
+              <a:tblGrid>
+                <a:gridCol w="427871">
+                  <a:extLst>
+                    <a:ext uri="{9D8B030D-6E8A-4147-A177-3AD203B41FA5}">
+                      <a16:colId xmlns:a16="http://schemas.microsoft.com/office/drawing/2014/main" val="4237174852"/>
+                    </a:ext>
+                  </a:extLst>
+                </a:gridCol>
+                <a:gridCol w="427871">
+                  <a:extLst>
+                    <a:ext uri="{9D8B030D-6E8A-4147-A177-3AD203B41FA5}">
+                      <a16:colId xmlns:a16="http://schemas.microsoft.com/office/drawing/2014/main" val="1953945196"/>
+                    </a:ext>
+                  </a:extLst>
+                </a:gridCol>
+                <a:gridCol w="427871">
+                  <a:extLst>
+                    <a:ext uri="{9D8B030D-6E8A-4147-A177-3AD203B41FA5}">
+                      <a16:colId xmlns:a16="http://schemas.microsoft.com/office/drawing/2014/main" val="3534266745"/>
+                    </a:ext>
+                  </a:extLst>
+                </a:gridCol>
+                <a:gridCol w="427871">
+                  <a:extLst>
+                    <a:ext uri="{9D8B030D-6E8A-4147-A177-3AD203B41FA5}">
+                      <a16:colId xmlns:a16="http://schemas.microsoft.com/office/drawing/2014/main" val="2715971765"/>
+                    </a:ext>
+                  </a:extLst>
+                </a:gridCol>
+                <a:gridCol w="427871">
+                  <a:extLst>
+                    <a:ext uri="{9D8B030D-6E8A-4147-A177-3AD203B41FA5}">
+                      <a16:colId xmlns:a16="http://schemas.microsoft.com/office/drawing/2014/main" val="2910653707"/>
+                    </a:ext>
+                  </a:extLst>
+                </a:gridCol>
+              </a:tblGrid>
+              <a:tr h="431320">
+                <a:tc>
+                  <a:txBody>
+                    <a:bodyPr/>
+                    <a:lstStyle/>
+                    <a:p>
+                      <a:pPr algn="ctr"/>
+                      <a:r>
+                        <a:rPr lang="en-HK" dirty="0"/>
+                        <a:t>1</a:t>
+                      </a:r>
+                    </a:p>
+                  </a:txBody>
+                  <a:tcPr>
+                    <a:lnL w="12700" cap="flat" cmpd="sng" algn="ctr">
+                      <a:solidFill>
+                        <a:schemeClr val="tx1"/>
+                      </a:solidFill>
+                      <a:prstDash val="solid"/>
+                      <a:round/>
+                      <a:headEnd type="none" w="med" len="med"/>
+                      <a:tailEnd type="none" w="med" len="med"/>
+                    </a:lnL>
+                    <a:lnR w="12700" cap="flat" cmpd="sng" algn="ctr">
+                      <a:solidFill>
+                        <a:schemeClr val="tx1"/>
+                      </a:solidFill>
+                      <a:prstDash val="solid"/>
+                      <a:round/>
+                      <a:headEnd type="none" w="med" len="med"/>
+                      <a:tailEnd type="none" w="med" len="med"/>
+                    </a:lnR>
+                    <a:lnT w="12700" cap="flat" cmpd="sng" algn="ctr">
+                      <a:solidFill>
+                        <a:schemeClr val="tx1"/>
+                      </a:solidFill>
+                      <a:prstDash val="solid"/>
+                      <a:round/>
+                      <a:headEnd type="none" w="med" len="med"/>
+                      <a:tailEnd type="none" w="med" len="med"/>
+                    </a:lnT>
+                    <a:lnB w="12700" cap="flat" cmpd="sng" algn="ctr">
+                      <a:solidFill>
+                        <a:schemeClr val="tx1"/>
+                      </a:solidFill>
+                      <a:prstDash val="solid"/>
+                      <a:round/>
+                      <a:headEnd type="none" w="med" len="med"/>
+                      <a:tailEnd type="none" w="med" len="med"/>
+                    </a:lnB>
+                  </a:tcPr>
+                </a:tc>
+                <a:tc>
+                  <a:txBody>
+                    <a:bodyPr/>
+                    <a:lstStyle/>
+                    <a:p>
+                      <a:pPr algn="ctr"/>
+                      <a:r>
+                        <a:rPr lang="en-HK" dirty="0"/>
+                        <a:t>2</a:t>
+                      </a:r>
+                    </a:p>
+                  </a:txBody>
+                  <a:tcPr>
+                    <a:lnL w="12700" cap="flat" cmpd="sng" algn="ctr">
+                      <a:solidFill>
+                        <a:schemeClr val="tx1"/>
+                      </a:solidFill>
+                      <a:prstDash val="solid"/>
+                      <a:round/>
+                      <a:headEnd type="none" w="med" len="med"/>
+                      <a:tailEnd type="none" w="med" len="med"/>
+                    </a:lnL>
+                    <a:lnR w="12700" cap="flat" cmpd="sng" algn="ctr">
+                      <a:solidFill>
+                        <a:schemeClr val="tx1"/>
+                      </a:solidFill>
+                      <a:prstDash val="solid"/>
+                      <a:round/>
+                      <a:headEnd type="none" w="med" len="med"/>
+                      <a:tailEnd type="none" w="med" len="med"/>
+                    </a:lnR>
+                    <a:lnT w="12700" cap="flat" cmpd="sng" algn="ctr">
+                      <a:solidFill>
+                        <a:schemeClr val="tx1"/>
+                      </a:solidFill>
+                      <a:prstDash val="solid"/>
+                      <a:round/>
+                      <a:headEnd type="none" w="med" len="med"/>
+                      <a:tailEnd type="none" w="med" len="med"/>
+                    </a:lnT>
+                    <a:lnB w="12700" cap="flat" cmpd="sng" algn="ctr">
+                      <a:solidFill>
+                        <a:schemeClr val="tx1"/>
+                      </a:solidFill>
+                      <a:prstDash val="solid"/>
+                      <a:round/>
+                      <a:headEnd type="none" w="med" len="med"/>
+                      <a:tailEnd type="none" w="med" len="med"/>
+                    </a:lnB>
+                  </a:tcPr>
+                </a:tc>
+                <a:tc>
+                  <a:txBody>
+                    <a:bodyPr/>
+                    <a:lstStyle/>
+                    <a:p>
+                      <a:pPr algn="ctr"/>
+                      <a:r>
+                        <a:rPr lang="en-HK" dirty="0"/>
+                        <a:t>3</a:t>
+                      </a:r>
+                    </a:p>
+                  </a:txBody>
+                  <a:tcPr>
+                    <a:lnL w="12700" cap="flat" cmpd="sng" algn="ctr">
+                      <a:solidFill>
+                        <a:schemeClr val="tx1"/>
+                      </a:solidFill>
+                      <a:prstDash val="solid"/>
+                      <a:round/>
+                      <a:headEnd type="none" w="med" len="med"/>
+                      <a:tailEnd type="none" w="med" len="med"/>
+                    </a:lnL>
+                    <a:lnR w="12700" cap="flat" cmpd="sng" algn="ctr">
+                      <a:solidFill>
+                        <a:schemeClr val="tx1"/>
+                      </a:solidFill>
+                      <a:prstDash val="solid"/>
+                      <a:round/>
+                      <a:headEnd type="none" w="med" len="med"/>
+                      <a:tailEnd type="none" w="med" len="med"/>
+                    </a:lnR>
+                    <a:lnT w="12700" cap="flat" cmpd="sng" algn="ctr">
+                      <a:solidFill>
+                        <a:schemeClr val="tx1"/>
+                      </a:solidFill>
+                      <a:prstDash val="solid"/>
+                      <a:round/>
+                      <a:headEnd type="none" w="med" len="med"/>
+                      <a:tailEnd type="none" w="med" len="med"/>
+                    </a:lnT>
+                    <a:lnB w="12700" cap="flat" cmpd="sng" algn="ctr">
+                      <a:solidFill>
+                        <a:schemeClr val="tx1"/>
+                      </a:solidFill>
+                      <a:prstDash val="solid"/>
+                      <a:round/>
+                      <a:headEnd type="none" w="med" len="med"/>
+                      <a:tailEnd type="none" w="med" len="med"/>
+                    </a:lnB>
+                  </a:tcPr>
+                </a:tc>
+                <a:tc>
+                  <a:txBody>
+                    <a:bodyPr/>
+                    <a:lstStyle/>
+                    <a:p>
+                      <a:pPr algn="ctr"/>
+                      <a:r>
+                        <a:rPr lang="en-HK" dirty="0"/>
+                        <a:t>4</a:t>
+                      </a:r>
+                    </a:p>
+                  </a:txBody>
+                  <a:tcPr>
+                    <a:lnL w="12700" cap="flat" cmpd="sng" algn="ctr">
+                      <a:solidFill>
+                        <a:schemeClr val="tx1"/>
+                      </a:solidFill>
+                      <a:prstDash val="solid"/>
+                      <a:round/>
+                      <a:headEnd type="none" w="med" len="med"/>
+                      <a:tailEnd type="none" w="med" len="med"/>
+                    </a:lnL>
+                    <a:lnR w="12700" cap="flat" cmpd="sng" algn="ctr">
+                      <a:solidFill>
+                        <a:schemeClr val="tx1"/>
+                      </a:solidFill>
+                      <a:prstDash val="solid"/>
+                      <a:round/>
+                      <a:headEnd type="none" w="med" len="med"/>
+                      <a:tailEnd type="none" w="med" len="med"/>
+                    </a:lnR>
+                    <a:lnT w="12700" cap="flat" cmpd="sng" algn="ctr">
+                      <a:solidFill>
+                        <a:schemeClr val="tx1"/>
+                      </a:solidFill>
+                      <a:prstDash val="solid"/>
+                      <a:round/>
+                      <a:headEnd type="none" w="med" len="med"/>
+                      <a:tailEnd type="none" w="med" len="med"/>
+                    </a:lnT>
+                    <a:lnB w="12700" cap="flat" cmpd="sng" algn="ctr">
+                      <a:solidFill>
+                        <a:schemeClr val="tx1"/>
+                      </a:solidFill>
+                      <a:prstDash val="solid"/>
+                      <a:round/>
+                      <a:headEnd type="none" w="med" len="med"/>
+                      <a:tailEnd type="none" w="med" len="med"/>
+                    </a:lnB>
+                  </a:tcPr>
+                </a:tc>
+                <a:tc>
+                  <a:txBody>
+                    <a:bodyPr/>
+                    <a:lstStyle/>
+                    <a:p>
+                      <a:pPr algn="ctr"/>
+                      <a:r>
+                        <a:rPr lang="en-HK" dirty="0"/>
+                        <a:t>5</a:t>
+                      </a:r>
+                    </a:p>
+                  </a:txBody>
+                  <a:tcPr>
+                    <a:lnL w="12700" cap="flat" cmpd="sng" algn="ctr">
+                      <a:solidFill>
+                        <a:schemeClr val="tx1"/>
+                      </a:solidFill>
+                      <a:prstDash val="solid"/>
+                      <a:round/>
+                      <a:headEnd type="none" w="med" len="med"/>
+                      <a:tailEnd type="none" w="med" len="med"/>
+                    </a:lnL>
+                    <a:lnR w="12700" cap="flat" cmpd="sng" algn="ctr">
+                      <a:solidFill>
+                        <a:schemeClr val="tx1"/>
+                      </a:solidFill>
+                      <a:prstDash val="solid"/>
+                      <a:round/>
+                      <a:headEnd type="none" w="med" len="med"/>
+                      <a:tailEnd type="none" w="med" len="med"/>
+                    </a:lnR>
+                    <a:lnT w="12700" cap="flat" cmpd="sng" algn="ctr">
+                      <a:solidFill>
+                        <a:schemeClr val="tx1"/>
+                      </a:solidFill>
+                      <a:prstDash val="solid"/>
+                      <a:round/>
+                      <a:headEnd type="none" w="med" len="med"/>
+                      <a:tailEnd type="none" w="med" len="med"/>
+                    </a:lnT>
+                    <a:lnB w="12700" cap="flat" cmpd="sng" algn="ctr">
+                      <a:solidFill>
+                        <a:schemeClr val="tx1"/>
+                      </a:solidFill>
+                      <a:prstDash val="solid"/>
+                      <a:round/>
+                      <a:headEnd type="none" w="med" len="med"/>
+                      <a:tailEnd type="none" w="med" len="med"/>
+                    </a:lnB>
+                  </a:tcPr>
+                </a:tc>
+                <a:extLst>
+                  <a:ext uri="{0D108BD9-81ED-4DB2-BD59-A6C34878D82A}">
+                    <a16:rowId xmlns:a16="http://schemas.microsoft.com/office/drawing/2014/main" val="2303845402"/>
+                  </a:ext>
+                </a:extLst>
+              </a:tr>
+            </a:tbl>
+          </a:graphicData>
+        </a:graphic>
+      </p:graphicFrame>
+      <p:graphicFrame>
+        <p:nvGraphicFramePr>
+          <p:cNvPr id="12" name="Table 11">
+            <a:extLst>
+              <a:ext uri="{FF2B5EF4-FFF2-40B4-BE49-F238E27FC236}">
+                <a16:creationId xmlns:a16="http://schemas.microsoft.com/office/drawing/2014/main" id="{7CE3B7AB-0504-3884-3B65-C9618CA027A3}"/>
+              </a:ext>
+            </a:extLst>
+          </p:cNvPr>
+          <p:cNvGraphicFramePr>
+            <a:graphicFrameLocks noGrp="1"/>
+          </p:cNvGraphicFramePr>
+          <p:nvPr>
+            <p:extLst>
+              <p:ext uri="{D42A27DB-BD31-4B8C-83A1-F6EECF244321}">
+                <p14:modId xmlns:p14="http://schemas.microsoft.com/office/powerpoint/2010/main" val="2938909797"/>
+              </p:ext>
+            </p:extLst>
+          </p:nvPr>
+        </p:nvGraphicFramePr>
+        <p:xfrm>
+          <a:off x="1604504" y="4252825"/>
+          <a:ext cx="2139355" cy="431320"/>
+        </p:xfrm>
+        <a:graphic>
+          <a:graphicData uri="http://schemas.openxmlformats.org/drawingml/2006/table">
+            <a:tbl>
+              <a:tblPr/>
+              <a:tblGrid>
+                <a:gridCol w="427871">
+                  <a:extLst>
+                    <a:ext uri="{9D8B030D-6E8A-4147-A177-3AD203B41FA5}">
+                      <a16:colId xmlns:a16="http://schemas.microsoft.com/office/drawing/2014/main" val="4237174852"/>
+                    </a:ext>
+                  </a:extLst>
+                </a:gridCol>
+                <a:gridCol w="427871">
+                  <a:extLst>
+                    <a:ext uri="{9D8B030D-6E8A-4147-A177-3AD203B41FA5}">
+                      <a16:colId xmlns:a16="http://schemas.microsoft.com/office/drawing/2014/main" val="1953945196"/>
+                    </a:ext>
+                  </a:extLst>
+                </a:gridCol>
+                <a:gridCol w="427871">
+                  <a:extLst>
+                    <a:ext uri="{9D8B030D-6E8A-4147-A177-3AD203B41FA5}">
+                      <a16:colId xmlns:a16="http://schemas.microsoft.com/office/drawing/2014/main" val="3534266745"/>
+                    </a:ext>
+                  </a:extLst>
+                </a:gridCol>
+                <a:gridCol w="427871">
+                  <a:extLst>
+                    <a:ext uri="{9D8B030D-6E8A-4147-A177-3AD203B41FA5}">
+                      <a16:colId xmlns:a16="http://schemas.microsoft.com/office/drawing/2014/main" val="2715971765"/>
+                    </a:ext>
+                  </a:extLst>
+                </a:gridCol>
+                <a:gridCol w="427871">
+                  <a:extLst>
+                    <a:ext uri="{9D8B030D-6E8A-4147-A177-3AD203B41FA5}">
+                      <a16:colId xmlns:a16="http://schemas.microsoft.com/office/drawing/2014/main" val="2910653707"/>
+                    </a:ext>
+                  </a:extLst>
+                </a:gridCol>
+              </a:tblGrid>
+              <a:tr h="431320">
+                <a:tc>
+                  <a:txBody>
+                    <a:bodyPr/>
+                    <a:lstStyle/>
+                    <a:p>
+                      <a:pPr algn="ctr"/>
+                      <a:r>
+                        <a:rPr lang="en-HK" dirty="0"/>
+                        <a:t>1</a:t>
+                      </a:r>
+                    </a:p>
+                  </a:txBody>
+                  <a:tcPr>
+                    <a:lnL w="12700" cap="flat" cmpd="sng" algn="ctr">
+                      <a:solidFill>
+                        <a:schemeClr val="tx1"/>
+                      </a:solidFill>
+                      <a:prstDash val="solid"/>
+                      <a:round/>
+                      <a:headEnd type="none" w="med" len="med"/>
+                      <a:tailEnd type="none" w="med" len="med"/>
+                    </a:lnL>
+                    <a:lnR w="12700" cap="flat" cmpd="sng" algn="ctr">
+                      <a:solidFill>
+                        <a:schemeClr val="tx1"/>
+                      </a:solidFill>
+                      <a:prstDash val="solid"/>
+                      <a:round/>
+                      <a:headEnd type="none" w="med" len="med"/>
+                      <a:tailEnd type="none" w="med" len="med"/>
+                    </a:lnR>
+                    <a:lnT w="12700" cap="flat" cmpd="sng" algn="ctr">
+                      <a:solidFill>
+                        <a:schemeClr val="tx1"/>
+                      </a:solidFill>
+                      <a:prstDash val="solid"/>
+                      <a:round/>
+                      <a:headEnd type="none" w="med" len="med"/>
+                      <a:tailEnd type="none" w="med" len="med"/>
+                    </a:lnT>
+                    <a:lnB w="12700" cap="flat" cmpd="sng" algn="ctr">
+                      <a:solidFill>
+                        <a:schemeClr val="tx1"/>
+                      </a:solidFill>
+                      <a:prstDash val="solid"/>
+                      <a:round/>
+                      <a:headEnd type="none" w="med" len="med"/>
+                      <a:tailEnd type="none" w="med" len="med"/>
+                    </a:lnB>
+                  </a:tcPr>
+                </a:tc>
+                <a:tc>
+                  <a:txBody>
+                    <a:bodyPr/>
+                    <a:lstStyle/>
+                    <a:p>
+                      <a:pPr algn="ctr"/>
+                      <a:r>
+                        <a:rPr lang="en-HK" dirty="0"/>
+                        <a:t>2</a:t>
+                      </a:r>
+                    </a:p>
+                  </a:txBody>
+                  <a:tcPr>
+                    <a:lnL w="12700" cap="flat" cmpd="sng" algn="ctr">
+                      <a:solidFill>
+                        <a:schemeClr val="tx1"/>
+                      </a:solidFill>
+                      <a:prstDash val="solid"/>
+                      <a:round/>
+                      <a:headEnd type="none" w="med" len="med"/>
+                      <a:tailEnd type="none" w="med" len="med"/>
+                    </a:lnL>
+                    <a:lnR w="12700" cap="flat" cmpd="sng" algn="ctr">
+                      <a:solidFill>
+                        <a:schemeClr val="tx1"/>
+                      </a:solidFill>
+                      <a:prstDash val="solid"/>
+                      <a:round/>
+                      <a:headEnd type="none" w="med" len="med"/>
+                      <a:tailEnd type="none" w="med" len="med"/>
+                    </a:lnR>
+                    <a:lnT w="12700" cap="flat" cmpd="sng" algn="ctr">
+                      <a:solidFill>
+                        <a:schemeClr val="tx1"/>
+                      </a:solidFill>
+                      <a:prstDash val="solid"/>
+                      <a:round/>
+                      <a:headEnd type="none" w="med" len="med"/>
+                      <a:tailEnd type="none" w="med" len="med"/>
+                    </a:lnT>
+                    <a:lnB w="12700" cap="flat" cmpd="sng" algn="ctr">
+                      <a:solidFill>
+                        <a:schemeClr val="tx1"/>
+                      </a:solidFill>
+                      <a:prstDash val="solid"/>
+                      <a:round/>
+                      <a:headEnd type="none" w="med" len="med"/>
+                      <a:tailEnd type="none" w="med" len="med"/>
+                    </a:lnB>
+                  </a:tcPr>
+                </a:tc>
+                <a:tc>
+                  <a:txBody>
+                    <a:bodyPr/>
+                    <a:lstStyle/>
+                    <a:p>
+                      <a:pPr algn="ctr"/>
+                      <a:r>
+                        <a:rPr lang="en-HK" dirty="0"/>
+                        <a:t>3</a:t>
+                      </a:r>
+                    </a:p>
+                  </a:txBody>
+                  <a:tcPr>
+                    <a:lnL w="12700" cap="flat" cmpd="sng" algn="ctr">
+                      <a:solidFill>
+                        <a:schemeClr val="tx1"/>
+                      </a:solidFill>
+                      <a:prstDash val="solid"/>
+                      <a:round/>
+                      <a:headEnd type="none" w="med" len="med"/>
+                      <a:tailEnd type="none" w="med" len="med"/>
+                    </a:lnL>
+                    <a:lnR w="12700" cap="flat" cmpd="sng" algn="ctr">
+                      <a:solidFill>
+                        <a:schemeClr val="tx1"/>
+                      </a:solidFill>
+                      <a:prstDash val="solid"/>
+                      <a:round/>
+                      <a:headEnd type="none" w="med" len="med"/>
+                      <a:tailEnd type="none" w="med" len="med"/>
+                    </a:lnR>
+                    <a:lnT w="12700" cap="flat" cmpd="sng" algn="ctr">
+                      <a:solidFill>
+                        <a:schemeClr val="tx1"/>
+                      </a:solidFill>
+                      <a:prstDash val="solid"/>
+                      <a:round/>
+                      <a:headEnd type="none" w="med" len="med"/>
+                      <a:tailEnd type="none" w="med" len="med"/>
+                    </a:lnT>
+                    <a:lnB w="12700" cap="flat" cmpd="sng" algn="ctr">
+                      <a:solidFill>
+                        <a:schemeClr val="tx1"/>
+                      </a:solidFill>
+                      <a:prstDash val="solid"/>
+                      <a:round/>
+                      <a:headEnd type="none" w="med" len="med"/>
+                      <a:tailEnd type="none" w="med" len="med"/>
+                    </a:lnB>
+                  </a:tcPr>
+                </a:tc>
+                <a:tc>
+                  <a:txBody>
+                    <a:bodyPr/>
+                    <a:lstStyle/>
+                    <a:p>
+                      <a:pPr algn="ctr"/>
+                      <a:r>
+                        <a:rPr lang="en-HK" dirty="0"/>
+                        <a:t>4</a:t>
+                      </a:r>
+                    </a:p>
+                  </a:txBody>
+                  <a:tcPr>
+                    <a:lnL w="12700" cap="flat" cmpd="sng" algn="ctr">
+                      <a:solidFill>
+                        <a:schemeClr val="tx1"/>
+                      </a:solidFill>
+                      <a:prstDash val="solid"/>
+                      <a:round/>
+                      <a:headEnd type="none" w="med" len="med"/>
+                      <a:tailEnd type="none" w="med" len="med"/>
+                    </a:lnL>
+                    <a:lnR w="12700" cap="flat" cmpd="sng" algn="ctr">
+                      <a:solidFill>
+                        <a:schemeClr val="tx1"/>
+                      </a:solidFill>
+                      <a:prstDash val="solid"/>
+                      <a:round/>
+                      <a:headEnd type="none" w="med" len="med"/>
+                      <a:tailEnd type="none" w="med" len="med"/>
+                    </a:lnR>
+                    <a:lnT w="12700" cap="flat" cmpd="sng" algn="ctr">
+                      <a:solidFill>
+                        <a:schemeClr val="tx1"/>
+                      </a:solidFill>
+                      <a:prstDash val="solid"/>
+                      <a:round/>
+                      <a:headEnd type="none" w="med" len="med"/>
+                      <a:tailEnd type="none" w="med" len="med"/>
+                    </a:lnT>
+                    <a:lnB w="12700" cap="flat" cmpd="sng" algn="ctr">
+                      <a:solidFill>
+                        <a:schemeClr val="tx1"/>
+                      </a:solidFill>
+                      <a:prstDash val="solid"/>
+                      <a:round/>
+                      <a:headEnd type="none" w="med" len="med"/>
+                      <a:tailEnd type="none" w="med" len="med"/>
+                    </a:lnB>
+                  </a:tcPr>
+                </a:tc>
+                <a:tc>
+                  <a:txBody>
+                    <a:bodyPr/>
+                    <a:lstStyle/>
+                    <a:p>
+                      <a:pPr algn="ctr"/>
+                      <a:r>
+                        <a:rPr lang="en-HK" dirty="0"/>
+                        <a:t>5</a:t>
+                      </a:r>
+                    </a:p>
+                  </a:txBody>
+                  <a:tcPr>
+                    <a:lnL w="12700" cap="flat" cmpd="sng" algn="ctr">
+                      <a:solidFill>
+                        <a:schemeClr val="tx1"/>
+                      </a:solidFill>
+                      <a:prstDash val="solid"/>
+                      <a:round/>
+                      <a:headEnd type="none" w="med" len="med"/>
+                      <a:tailEnd type="none" w="med" len="med"/>
+                    </a:lnL>
+                    <a:lnR w="12700" cap="flat" cmpd="sng" algn="ctr">
+                      <a:solidFill>
+                        <a:schemeClr val="tx1"/>
+                      </a:solidFill>
+                      <a:prstDash val="solid"/>
+                      <a:round/>
+                      <a:headEnd type="none" w="med" len="med"/>
+                      <a:tailEnd type="none" w="med" len="med"/>
+                    </a:lnR>
+                    <a:lnT w="12700" cap="flat" cmpd="sng" algn="ctr">
+                      <a:solidFill>
+                        <a:schemeClr val="tx1"/>
+                      </a:solidFill>
+                      <a:prstDash val="solid"/>
+                      <a:round/>
+                      <a:headEnd type="none" w="med" len="med"/>
+                      <a:tailEnd type="none" w="med" len="med"/>
+                    </a:lnT>
+                    <a:lnB w="12700" cap="flat" cmpd="sng" algn="ctr">
+                      <a:solidFill>
+                        <a:schemeClr val="tx1"/>
+                      </a:solidFill>
+                      <a:prstDash val="solid"/>
+                      <a:round/>
+                      <a:headEnd type="none" w="med" len="med"/>
+                      <a:tailEnd type="none" w="med" len="med"/>
+                    </a:lnB>
+                  </a:tcPr>
+                </a:tc>
+                <a:extLst>
+                  <a:ext uri="{0D108BD9-81ED-4DB2-BD59-A6C34878D82A}">
+                    <a16:rowId xmlns:a16="http://schemas.microsoft.com/office/drawing/2014/main" val="2303845402"/>
+                  </a:ext>
+                </a:extLst>
+              </a:tr>
+            </a:tbl>
+          </a:graphicData>
+        </a:graphic>
+      </p:graphicFrame>
+      <p:graphicFrame>
+        <p:nvGraphicFramePr>
+          <p:cNvPr id="13" name="Table 12">
+            <a:extLst>
+              <a:ext uri="{FF2B5EF4-FFF2-40B4-BE49-F238E27FC236}">
+                <a16:creationId xmlns:a16="http://schemas.microsoft.com/office/drawing/2014/main" id="{99F6F243-D508-9A93-3BD7-50AC0E891780}"/>
+              </a:ext>
+            </a:extLst>
+          </p:cNvPr>
+          <p:cNvGraphicFramePr>
+            <a:graphicFrameLocks noGrp="1"/>
+          </p:cNvGraphicFramePr>
+          <p:nvPr>
+            <p:extLst>
+              <p:ext uri="{D42A27DB-BD31-4B8C-83A1-F6EECF244321}">
+                <p14:modId xmlns:p14="http://schemas.microsoft.com/office/powerpoint/2010/main" val="1831475643"/>
+              </p:ext>
+            </p:extLst>
+          </p:nvPr>
+        </p:nvGraphicFramePr>
+        <p:xfrm>
+          <a:off x="1604503" y="4796289"/>
+          <a:ext cx="2139355" cy="431320"/>
+        </p:xfrm>
+        <a:graphic>
+          <a:graphicData uri="http://schemas.openxmlformats.org/drawingml/2006/table">
+            <a:tbl>
+              <a:tblPr/>
+              <a:tblGrid>
+                <a:gridCol w="427871">
+                  <a:extLst>
+                    <a:ext uri="{9D8B030D-6E8A-4147-A177-3AD203B41FA5}">
+                      <a16:colId xmlns:a16="http://schemas.microsoft.com/office/drawing/2014/main" val="4237174852"/>
+                    </a:ext>
+                  </a:extLst>
+                </a:gridCol>
+                <a:gridCol w="427871">
+                  <a:extLst>
+                    <a:ext uri="{9D8B030D-6E8A-4147-A177-3AD203B41FA5}">
+                      <a16:colId xmlns:a16="http://schemas.microsoft.com/office/drawing/2014/main" val="1953945196"/>
+                    </a:ext>
+                  </a:extLst>
+                </a:gridCol>
+                <a:gridCol w="427871">
+                  <a:extLst>
+                    <a:ext uri="{9D8B030D-6E8A-4147-A177-3AD203B41FA5}">
+                      <a16:colId xmlns:a16="http://schemas.microsoft.com/office/drawing/2014/main" val="3534266745"/>
+                    </a:ext>
+                  </a:extLst>
+                </a:gridCol>
+                <a:gridCol w="427871">
+                  <a:extLst>
+                    <a:ext uri="{9D8B030D-6E8A-4147-A177-3AD203B41FA5}">
+                      <a16:colId xmlns:a16="http://schemas.microsoft.com/office/drawing/2014/main" val="2715971765"/>
+                    </a:ext>
+                  </a:extLst>
+                </a:gridCol>
+                <a:gridCol w="427871">
+                  <a:extLst>
+                    <a:ext uri="{9D8B030D-6E8A-4147-A177-3AD203B41FA5}">
+                      <a16:colId xmlns:a16="http://schemas.microsoft.com/office/drawing/2014/main" val="2910653707"/>
+                    </a:ext>
+                  </a:extLst>
+                </a:gridCol>
+              </a:tblGrid>
+              <a:tr h="431320">
+                <a:tc>
+                  <a:txBody>
+                    <a:bodyPr/>
+                    <a:lstStyle/>
+                    <a:p>
+                      <a:pPr algn="ctr"/>
+                      <a:r>
+                        <a:rPr lang="en-HK" dirty="0"/>
+                        <a:t>1</a:t>
+                      </a:r>
+                    </a:p>
+                  </a:txBody>
+                  <a:tcPr>
+                    <a:lnL w="12700" cap="flat" cmpd="sng" algn="ctr">
+                      <a:solidFill>
+                        <a:schemeClr val="tx1"/>
+                      </a:solidFill>
+                      <a:prstDash val="solid"/>
+                      <a:round/>
+                      <a:headEnd type="none" w="med" len="med"/>
+                      <a:tailEnd type="none" w="med" len="med"/>
+                    </a:lnL>
+                    <a:lnR w="12700" cap="flat" cmpd="sng" algn="ctr">
+                      <a:solidFill>
+                        <a:schemeClr val="tx1"/>
+                      </a:solidFill>
+                      <a:prstDash val="solid"/>
+                      <a:round/>
+                      <a:headEnd type="none" w="med" len="med"/>
+                      <a:tailEnd type="none" w="med" len="med"/>
+                    </a:lnR>
+                    <a:lnT w="12700" cap="flat" cmpd="sng" algn="ctr">
+                      <a:solidFill>
+                        <a:schemeClr val="tx1"/>
+                      </a:solidFill>
+                      <a:prstDash val="solid"/>
+                      <a:round/>
+                      <a:headEnd type="none" w="med" len="med"/>
+                      <a:tailEnd type="none" w="med" len="med"/>
+                    </a:lnT>
+                    <a:lnB w="12700" cap="flat" cmpd="sng" algn="ctr">
+                      <a:solidFill>
+                        <a:schemeClr val="tx1"/>
+                      </a:solidFill>
+                      <a:prstDash val="solid"/>
+                      <a:round/>
+                      <a:headEnd type="none" w="med" len="med"/>
+                      <a:tailEnd type="none" w="med" len="med"/>
+                    </a:lnB>
+                  </a:tcPr>
+                </a:tc>
+                <a:tc>
+                  <a:txBody>
+                    <a:bodyPr/>
+                    <a:lstStyle/>
+                    <a:p>
+                      <a:pPr algn="ctr"/>
+                      <a:r>
+                        <a:rPr lang="en-HK" dirty="0"/>
+                        <a:t>2</a:t>
+                      </a:r>
+                    </a:p>
+                  </a:txBody>
+                  <a:tcPr>
+                    <a:lnL w="12700" cap="flat" cmpd="sng" algn="ctr">
+                      <a:solidFill>
+                        <a:schemeClr val="tx1"/>
+                      </a:solidFill>
+                      <a:prstDash val="solid"/>
+                      <a:round/>
+                      <a:headEnd type="none" w="med" len="med"/>
+                      <a:tailEnd type="none" w="med" len="med"/>
+                    </a:lnL>
+                    <a:lnR w="12700" cap="flat" cmpd="sng" algn="ctr">
+                      <a:solidFill>
+                        <a:schemeClr val="tx1"/>
+                      </a:solidFill>
+                      <a:prstDash val="solid"/>
+                      <a:round/>
+                      <a:headEnd type="none" w="med" len="med"/>
+                      <a:tailEnd type="none" w="med" len="med"/>
+                    </a:lnR>
+                    <a:lnT w="12700" cap="flat" cmpd="sng" algn="ctr">
+                      <a:solidFill>
+                        <a:schemeClr val="tx1"/>
+                      </a:solidFill>
+                      <a:prstDash val="solid"/>
+                      <a:round/>
+                      <a:headEnd type="none" w="med" len="med"/>
+                      <a:tailEnd type="none" w="med" len="med"/>
+                    </a:lnT>
+                    <a:lnB w="12700" cap="flat" cmpd="sng" algn="ctr">
+                      <a:solidFill>
+                        <a:schemeClr val="tx1"/>
+                      </a:solidFill>
+                      <a:prstDash val="solid"/>
+                      <a:round/>
+                      <a:headEnd type="none" w="med" len="med"/>
+                      <a:tailEnd type="none" w="med" len="med"/>
+                    </a:lnB>
+                  </a:tcPr>
+                </a:tc>
+                <a:tc>
+                  <a:txBody>
+                    <a:bodyPr/>
+                    <a:lstStyle/>
+                    <a:p>
+                      <a:pPr algn="ctr"/>
+                      <a:r>
+                        <a:rPr lang="en-HK" dirty="0"/>
+                        <a:t>3</a:t>
+                      </a:r>
+                    </a:p>
+                  </a:txBody>
+                  <a:tcPr>
+                    <a:lnL w="12700" cap="flat" cmpd="sng" algn="ctr">
+                      <a:solidFill>
+                        <a:schemeClr val="tx1"/>
+                      </a:solidFill>
+                      <a:prstDash val="solid"/>
+                      <a:round/>
+                      <a:headEnd type="none" w="med" len="med"/>
+                      <a:tailEnd type="none" w="med" len="med"/>
+                    </a:lnL>
+                    <a:lnR w="12700" cap="flat" cmpd="sng" algn="ctr">
+                      <a:solidFill>
+                        <a:schemeClr val="tx1"/>
+                      </a:solidFill>
+                      <a:prstDash val="solid"/>
+                      <a:round/>
+                      <a:headEnd type="none" w="med" len="med"/>
+                      <a:tailEnd type="none" w="med" len="med"/>
+                    </a:lnR>
+                    <a:lnT w="12700" cap="flat" cmpd="sng" algn="ctr">
+                      <a:solidFill>
+                        <a:schemeClr val="tx1"/>
+                      </a:solidFill>
+                      <a:prstDash val="solid"/>
+                      <a:round/>
+                      <a:headEnd type="none" w="med" len="med"/>
+                      <a:tailEnd type="none" w="med" len="med"/>
+                    </a:lnT>
+                    <a:lnB w="12700" cap="flat" cmpd="sng" algn="ctr">
+                      <a:solidFill>
+                        <a:schemeClr val="tx1"/>
+                      </a:solidFill>
+                      <a:prstDash val="solid"/>
+                      <a:round/>
+                      <a:headEnd type="none" w="med" len="med"/>
+                      <a:tailEnd type="none" w="med" len="med"/>
+                    </a:lnB>
+                  </a:tcPr>
+                </a:tc>
+                <a:tc>
+                  <a:txBody>
+                    <a:bodyPr/>
+                    <a:lstStyle/>
+                    <a:p>
+                      <a:pPr algn="ctr"/>
+                      <a:r>
+                        <a:rPr lang="en-HK" dirty="0"/>
+                        <a:t>4</a:t>
+                      </a:r>
+                    </a:p>
+                  </a:txBody>
+                  <a:tcPr>
+                    <a:lnL w="12700" cap="flat" cmpd="sng" algn="ctr">
+                      <a:solidFill>
+                        <a:schemeClr val="tx1"/>
+                      </a:solidFill>
+                      <a:prstDash val="solid"/>
+                      <a:round/>
+                      <a:headEnd type="none" w="med" len="med"/>
+                      <a:tailEnd type="none" w="med" len="med"/>
+                    </a:lnL>
+                    <a:lnR w="12700" cap="flat" cmpd="sng" algn="ctr">
+                      <a:solidFill>
+                        <a:schemeClr val="tx1"/>
+                      </a:solidFill>
+                      <a:prstDash val="solid"/>
+                      <a:round/>
+                      <a:headEnd type="none" w="med" len="med"/>
+                      <a:tailEnd type="none" w="med" len="med"/>
+                    </a:lnR>
+                    <a:lnT w="12700" cap="flat" cmpd="sng" algn="ctr">
+                      <a:solidFill>
+                        <a:schemeClr val="tx1"/>
+                      </a:solidFill>
+                      <a:prstDash val="solid"/>
+                      <a:round/>
+                      <a:headEnd type="none" w="med" len="med"/>
+                      <a:tailEnd type="none" w="med" len="med"/>
+                    </a:lnT>
+                    <a:lnB w="12700" cap="flat" cmpd="sng" algn="ctr">
+                      <a:solidFill>
+                        <a:schemeClr val="tx1"/>
+                      </a:solidFill>
+                      <a:prstDash val="solid"/>
+                      <a:round/>
+                      <a:headEnd type="none" w="med" len="med"/>
+                      <a:tailEnd type="none" w="med" len="med"/>
+                    </a:lnB>
+                  </a:tcPr>
+                </a:tc>
+                <a:tc>
+                  <a:txBody>
+                    <a:bodyPr/>
+                    <a:lstStyle/>
+                    <a:p>
+                      <a:pPr algn="ctr"/>
+                      <a:r>
+                        <a:rPr lang="en-HK" dirty="0"/>
+                        <a:t>5</a:t>
+                      </a:r>
+                    </a:p>
+                  </a:txBody>
+                  <a:tcPr>
+                    <a:lnL w="12700" cap="flat" cmpd="sng" algn="ctr">
+                      <a:solidFill>
+                        <a:schemeClr val="tx1"/>
+                      </a:solidFill>
+                      <a:prstDash val="solid"/>
+                      <a:round/>
+                      <a:headEnd type="none" w="med" len="med"/>
+                      <a:tailEnd type="none" w="med" len="med"/>
+                    </a:lnL>
+                    <a:lnR w="12700" cap="flat" cmpd="sng" algn="ctr">
+                      <a:solidFill>
+                        <a:schemeClr val="tx1"/>
+                      </a:solidFill>
+                      <a:prstDash val="solid"/>
+                      <a:round/>
+                      <a:headEnd type="none" w="med" len="med"/>
+                      <a:tailEnd type="none" w="med" len="med"/>
+                    </a:lnR>
+                    <a:lnT w="12700" cap="flat" cmpd="sng" algn="ctr">
+                      <a:solidFill>
+                        <a:schemeClr val="tx1"/>
+                      </a:solidFill>
+                      <a:prstDash val="solid"/>
+                      <a:round/>
+                      <a:headEnd type="none" w="med" len="med"/>
+                      <a:tailEnd type="none" w="med" len="med"/>
+                    </a:lnT>
+                    <a:lnB w="12700" cap="flat" cmpd="sng" algn="ctr">
+                      <a:solidFill>
+                        <a:schemeClr val="tx1"/>
+                      </a:solidFill>
+                      <a:prstDash val="solid"/>
+                      <a:round/>
+                      <a:headEnd type="none" w="med" len="med"/>
+                      <a:tailEnd type="none" w="med" len="med"/>
+                    </a:lnB>
+                  </a:tcPr>
+                </a:tc>
+                <a:extLst>
+                  <a:ext uri="{0D108BD9-81ED-4DB2-BD59-A6C34878D82A}">
+                    <a16:rowId xmlns:a16="http://schemas.microsoft.com/office/drawing/2014/main" val="2303845402"/>
+                  </a:ext>
+                </a:extLst>
+              </a:tr>
+            </a:tbl>
+          </a:graphicData>
+        </a:graphic>
+      </p:graphicFrame>
+      <p:graphicFrame>
+        <p:nvGraphicFramePr>
+          <p:cNvPr id="14" name="Table 13">
+            <a:extLst>
+              <a:ext uri="{FF2B5EF4-FFF2-40B4-BE49-F238E27FC236}">
+                <a16:creationId xmlns:a16="http://schemas.microsoft.com/office/drawing/2014/main" id="{AF2FAE4B-FC11-30D1-12D0-AC8F95BC1225}"/>
+              </a:ext>
+            </a:extLst>
+          </p:cNvPr>
+          <p:cNvGraphicFramePr>
+            <a:graphicFrameLocks noGrp="1"/>
+          </p:cNvGraphicFramePr>
+          <p:nvPr>
+            <p:extLst>
+              <p:ext uri="{D42A27DB-BD31-4B8C-83A1-F6EECF244321}">
+                <p14:modId xmlns:p14="http://schemas.microsoft.com/office/powerpoint/2010/main" val="103899519"/>
+              </p:ext>
+            </p:extLst>
+          </p:nvPr>
+        </p:nvGraphicFramePr>
+        <p:xfrm>
+          <a:off x="1604503" y="5339753"/>
+          <a:ext cx="2139355" cy="431320"/>
+        </p:xfrm>
+        <a:graphic>
+          <a:graphicData uri="http://schemas.openxmlformats.org/drawingml/2006/table">
+            <a:tbl>
+              <a:tblPr/>
+              <a:tblGrid>
+                <a:gridCol w="427871">
+                  <a:extLst>
+                    <a:ext uri="{9D8B030D-6E8A-4147-A177-3AD203B41FA5}">
+                      <a16:colId xmlns:a16="http://schemas.microsoft.com/office/drawing/2014/main" val="4237174852"/>
+                    </a:ext>
+                  </a:extLst>
+                </a:gridCol>
+                <a:gridCol w="427871">
+                  <a:extLst>
+                    <a:ext uri="{9D8B030D-6E8A-4147-A177-3AD203B41FA5}">
+                      <a16:colId xmlns:a16="http://schemas.microsoft.com/office/drawing/2014/main" val="1953945196"/>
+                    </a:ext>
+                  </a:extLst>
+                </a:gridCol>
+                <a:gridCol w="427871">
+                  <a:extLst>
+                    <a:ext uri="{9D8B030D-6E8A-4147-A177-3AD203B41FA5}">
+                      <a16:colId xmlns:a16="http://schemas.microsoft.com/office/drawing/2014/main" val="3534266745"/>
+                    </a:ext>
+                  </a:extLst>
+                </a:gridCol>
+                <a:gridCol w="427871">
+                  <a:extLst>
+                    <a:ext uri="{9D8B030D-6E8A-4147-A177-3AD203B41FA5}">
+                      <a16:colId xmlns:a16="http://schemas.microsoft.com/office/drawing/2014/main" val="2715971765"/>
+                    </a:ext>
+                  </a:extLst>
+                </a:gridCol>
+                <a:gridCol w="427871">
+                  <a:extLst>
+                    <a:ext uri="{9D8B030D-6E8A-4147-A177-3AD203B41FA5}">
+                      <a16:colId xmlns:a16="http://schemas.microsoft.com/office/drawing/2014/main" val="2910653707"/>
+                    </a:ext>
+                  </a:extLst>
+                </a:gridCol>
+              </a:tblGrid>
+              <a:tr h="431320">
+                <a:tc>
+                  <a:txBody>
+                    <a:bodyPr/>
+                    <a:lstStyle/>
+                    <a:p>
+                      <a:pPr algn="ctr"/>
+                      <a:r>
+                        <a:rPr lang="en-HK" dirty="0"/>
+                        <a:t>1</a:t>
+                      </a:r>
+                    </a:p>
+                  </a:txBody>
+                  <a:tcPr>
+                    <a:lnL w="12700" cap="flat" cmpd="sng" algn="ctr">
+                      <a:solidFill>
+                        <a:schemeClr val="tx1"/>
+                      </a:solidFill>
+                      <a:prstDash val="solid"/>
+                      <a:round/>
+                      <a:headEnd type="none" w="med" len="med"/>
+                      <a:tailEnd type="none" w="med" len="med"/>
+                    </a:lnL>
+                    <a:lnR w="12700" cap="flat" cmpd="sng" algn="ctr">
+                      <a:solidFill>
+                        <a:schemeClr val="tx1"/>
+                      </a:solidFill>
+                      <a:prstDash val="solid"/>
+                      <a:round/>
+                      <a:headEnd type="none" w="med" len="med"/>
+                      <a:tailEnd type="none" w="med" len="med"/>
+                    </a:lnR>
+                    <a:lnT w="12700" cap="flat" cmpd="sng" algn="ctr">
+                      <a:solidFill>
+                        <a:schemeClr val="tx1"/>
+                      </a:solidFill>
+                      <a:prstDash val="solid"/>
+                      <a:round/>
+                      <a:headEnd type="none" w="med" len="med"/>
+                      <a:tailEnd type="none" w="med" len="med"/>
+                    </a:lnT>
+                    <a:lnB w="12700" cap="flat" cmpd="sng" algn="ctr">
+                      <a:solidFill>
+                        <a:schemeClr val="tx1"/>
+                      </a:solidFill>
+                      <a:prstDash val="solid"/>
+                      <a:round/>
+                      <a:headEnd type="none" w="med" len="med"/>
+                      <a:tailEnd type="none" w="med" len="med"/>
+                    </a:lnB>
+                  </a:tcPr>
+                </a:tc>
+                <a:tc>
+                  <a:txBody>
+                    <a:bodyPr/>
+                    <a:lstStyle/>
+                    <a:p>
+                      <a:pPr algn="ctr"/>
+                      <a:r>
+                        <a:rPr lang="en-HK" dirty="0"/>
+                        <a:t>2</a:t>
+                      </a:r>
+                    </a:p>
+                  </a:txBody>
+                  <a:tcPr>
+                    <a:lnL w="12700" cap="flat" cmpd="sng" algn="ctr">
+                      <a:solidFill>
+                        <a:schemeClr val="tx1"/>
+                      </a:solidFill>
+                      <a:prstDash val="solid"/>
+                      <a:round/>
+                      <a:headEnd type="none" w="med" len="med"/>
+                      <a:tailEnd type="none" w="med" len="med"/>
+                    </a:lnL>
+                    <a:lnR w="12700" cap="flat" cmpd="sng" algn="ctr">
+                      <a:solidFill>
+                        <a:schemeClr val="tx1"/>
+                      </a:solidFill>
+                      <a:prstDash val="solid"/>
+                      <a:round/>
+                      <a:headEnd type="none" w="med" len="med"/>
+                      <a:tailEnd type="none" w="med" len="med"/>
+                    </a:lnR>
+                    <a:lnT w="12700" cap="flat" cmpd="sng" algn="ctr">
+                      <a:solidFill>
+                        <a:schemeClr val="tx1"/>
+                      </a:solidFill>
+                      <a:prstDash val="solid"/>
+                      <a:round/>
+                      <a:headEnd type="none" w="med" len="med"/>
+                      <a:tailEnd type="none" w="med" len="med"/>
+                    </a:lnT>
+                    <a:lnB w="12700" cap="flat" cmpd="sng" algn="ctr">
+                      <a:solidFill>
+                        <a:schemeClr val="tx1"/>
+                      </a:solidFill>
+                      <a:prstDash val="solid"/>
+                      <a:round/>
+                      <a:headEnd type="none" w="med" len="med"/>
+                      <a:tailEnd type="none" w="med" len="med"/>
+                    </a:lnB>
+                  </a:tcPr>
+                </a:tc>
+                <a:tc>
+                  <a:txBody>
+                    <a:bodyPr/>
+                    <a:lstStyle/>
+                    <a:p>
+                      <a:pPr algn="ctr"/>
+                      <a:r>
+                        <a:rPr lang="en-HK" dirty="0"/>
+                        <a:t>3</a:t>
+                      </a:r>
+                    </a:p>
+                  </a:txBody>
+                  <a:tcPr>
+                    <a:lnL w="12700" cap="flat" cmpd="sng" algn="ctr">
+                      <a:solidFill>
+                        <a:schemeClr val="tx1"/>
+                      </a:solidFill>
+                      <a:prstDash val="solid"/>
+                      <a:round/>
+                      <a:headEnd type="none" w="med" len="med"/>
+                      <a:tailEnd type="none" w="med" len="med"/>
+                    </a:lnL>
+                    <a:lnR w="12700" cap="flat" cmpd="sng" algn="ctr">
+                      <a:solidFill>
+                        <a:schemeClr val="tx1"/>
+                      </a:solidFill>
+                      <a:prstDash val="solid"/>
+                      <a:round/>
+                      <a:headEnd type="none" w="med" len="med"/>
+                      <a:tailEnd type="none" w="med" len="med"/>
+                    </a:lnR>
+                    <a:lnT w="12700" cap="flat" cmpd="sng" algn="ctr">
+                      <a:solidFill>
+                        <a:schemeClr val="tx1"/>
+                      </a:solidFill>
+                      <a:prstDash val="solid"/>
+                      <a:round/>
+                      <a:headEnd type="none" w="med" len="med"/>
+                      <a:tailEnd type="none" w="med" len="med"/>
+                    </a:lnT>
+                    <a:lnB w="12700" cap="flat" cmpd="sng" algn="ctr">
+                      <a:solidFill>
+                        <a:schemeClr val="tx1"/>
+                      </a:solidFill>
+                      <a:prstDash val="solid"/>
+                      <a:round/>
+                      <a:headEnd type="none" w="med" len="med"/>
+                      <a:tailEnd type="none" w="med" len="med"/>
+                    </a:lnB>
+                  </a:tcPr>
+                </a:tc>
+                <a:tc>
+                  <a:txBody>
+                    <a:bodyPr/>
+                    <a:lstStyle/>
+                    <a:p>
+                      <a:pPr algn="ctr"/>
+                      <a:r>
+                        <a:rPr lang="en-HK" dirty="0"/>
+                        <a:t>4</a:t>
+                      </a:r>
+                    </a:p>
+                  </a:txBody>
+                  <a:tcPr>
+                    <a:lnL w="12700" cap="flat" cmpd="sng" algn="ctr">
+                      <a:solidFill>
+                        <a:schemeClr val="tx1"/>
+                      </a:solidFill>
+                      <a:prstDash val="solid"/>
+                      <a:round/>
+                      <a:headEnd type="none" w="med" len="med"/>
+                      <a:tailEnd type="none" w="med" len="med"/>
+                    </a:lnL>
+                    <a:lnR w="12700" cap="flat" cmpd="sng" algn="ctr">
+                      <a:solidFill>
+                        <a:schemeClr val="tx1"/>
+                      </a:solidFill>
+                      <a:prstDash val="solid"/>
+                      <a:round/>
+                      <a:headEnd type="none" w="med" len="med"/>
+                      <a:tailEnd type="none" w="med" len="med"/>
+                    </a:lnR>
+                    <a:lnT w="12700" cap="flat" cmpd="sng" algn="ctr">
+                      <a:solidFill>
+                        <a:schemeClr val="tx1"/>
+                      </a:solidFill>
+                      <a:prstDash val="solid"/>
+                      <a:round/>
+                      <a:headEnd type="none" w="med" len="med"/>
+                      <a:tailEnd type="none" w="med" len="med"/>
+                    </a:lnT>
+                    <a:lnB w="12700" cap="flat" cmpd="sng" algn="ctr">
+                      <a:solidFill>
+                        <a:schemeClr val="tx1"/>
+                      </a:solidFill>
+                      <a:prstDash val="solid"/>
+                      <a:round/>
+                      <a:headEnd type="none" w="med" len="med"/>
+                      <a:tailEnd type="none" w="med" len="med"/>
+                    </a:lnB>
+                  </a:tcPr>
+                </a:tc>
+                <a:tc>
+                  <a:txBody>
+                    <a:bodyPr/>
+                    <a:lstStyle/>
+                    <a:p>
+                      <a:pPr algn="ctr"/>
+                      <a:r>
+                        <a:rPr lang="en-HK" dirty="0"/>
+                        <a:t>5</a:t>
+                      </a:r>
+                    </a:p>
+                  </a:txBody>
+                  <a:tcPr>
+                    <a:lnL w="12700" cap="flat" cmpd="sng" algn="ctr">
+                      <a:solidFill>
+                        <a:schemeClr val="tx1"/>
+                      </a:solidFill>
+                      <a:prstDash val="solid"/>
+                      <a:round/>
+                      <a:headEnd type="none" w="med" len="med"/>
+                      <a:tailEnd type="none" w="med" len="med"/>
+                    </a:lnL>
+                    <a:lnR w="12700" cap="flat" cmpd="sng" algn="ctr">
+                      <a:solidFill>
+                        <a:schemeClr val="tx1"/>
+                      </a:solidFill>
+                      <a:prstDash val="solid"/>
+                      <a:round/>
+                      <a:headEnd type="none" w="med" len="med"/>
+                      <a:tailEnd type="none" w="med" len="med"/>
+                    </a:lnR>
+                    <a:lnT w="12700" cap="flat" cmpd="sng" algn="ctr">
+                      <a:solidFill>
+                        <a:schemeClr val="tx1"/>
+                      </a:solidFill>
+                      <a:prstDash val="solid"/>
+                      <a:round/>
+                      <a:headEnd type="none" w="med" len="med"/>
+                      <a:tailEnd type="none" w="med" len="med"/>
+                    </a:lnT>
+                    <a:lnB w="12700" cap="flat" cmpd="sng" algn="ctr">
+                      <a:solidFill>
+                        <a:schemeClr val="tx1"/>
+                      </a:solidFill>
+                      <a:prstDash val="solid"/>
+                      <a:round/>
+                      <a:headEnd type="none" w="med" len="med"/>
+                      <a:tailEnd type="none" w="med" len="med"/>
+                    </a:lnB>
+                  </a:tcPr>
+                </a:tc>
+                <a:extLst>
+                  <a:ext uri="{0D108BD9-81ED-4DB2-BD59-A6C34878D82A}">
+                    <a16:rowId xmlns:a16="http://schemas.microsoft.com/office/drawing/2014/main" val="2303845402"/>
+                  </a:ext>
+                </a:extLst>
+              </a:tr>
+            </a:tbl>
+          </a:graphicData>
+        </a:graphic>
+      </p:graphicFrame>
+      <p:graphicFrame>
+        <p:nvGraphicFramePr>
+          <p:cNvPr id="15" name="Table 14">
+            <a:extLst>
+              <a:ext uri="{FF2B5EF4-FFF2-40B4-BE49-F238E27FC236}">
+                <a16:creationId xmlns:a16="http://schemas.microsoft.com/office/drawing/2014/main" id="{F47569B3-39F0-07BF-D679-87C7B1B55163}"/>
+              </a:ext>
+            </a:extLst>
+          </p:cNvPr>
+          <p:cNvGraphicFramePr>
+            <a:graphicFrameLocks noGrp="1"/>
+          </p:cNvGraphicFramePr>
+          <p:nvPr>
+            <p:extLst>
+              <p:ext uri="{D42A27DB-BD31-4B8C-83A1-F6EECF244321}">
+                <p14:modId xmlns:p14="http://schemas.microsoft.com/office/powerpoint/2010/main" val="1671083476"/>
+              </p:ext>
+            </p:extLst>
+          </p:nvPr>
+        </p:nvGraphicFramePr>
+        <p:xfrm>
+          <a:off x="1604502" y="5883217"/>
+          <a:ext cx="2139355" cy="431320"/>
+        </p:xfrm>
+        <a:graphic>
+          <a:graphicData uri="http://schemas.openxmlformats.org/drawingml/2006/table">
+            <a:tbl>
+              <a:tblPr/>
+              <a:tblGrid>
+                <a:gridCol w="427871">
+                  <a:extLst>
+                    <a:ext uri="{9D8B030D-6E8A-4147-A177-3AD203B41FA5}">
+                      <a16:colId xmlns:a16="http://schemas.microsoft.com/office/drawing/2014/main" val="4237174852"/>
+                    </a:ext>
+                  </a:extLst>
+                </a:gridCol>
+                <a:gridCol w="427871">
+                  <a:extLst>
+                    <a:ext uri="{9D8B030D-6E8A-4147-A177-3AD203B41FA5}">
+                      <a16:colId xmlns:a16="http://schemas.microsoft.com/office/drawing/2014/main" val="1953945196"/>
+                    </a:ext>
+                  </a:extLst>
+                </a:gridCol>
+                <a:gridCol w="427871">
+                  <a:extLst>
+                    <a:ext uri="{9D8B030D-6E8A-4147-A177-3AD203B41FA5}">
+                      <a16:colId xmlns:a16="http://schemas.microsoft.com/office/drawing/2014/main" val="3534266745"/>
+                    </a:ext>
+                  </a:extLst>
+                </a:gridCol>
+                <a:gridCol w="427871">
+                  <a:extLst>
+                    <a:ext uri="{9D8B030D-6E8A-4147-A177-3AD203B41FA5}">
+                      <a16:colId xmlns:a16="http://schemas.microsoft.com/office/drawing/2014/main" val="2715971765"/>
+                    </a:ext>
+                  </a:extLst>
+                </a:gridCol>
+                <a:gridCol w="427871">
+                  <a:extLst>
+                    <a:ext uri="{9D8B030D-6E8A-4147-A177-3AD203B41FA5}">
+                      <a16:colId xmlns:a16="http://schemas.microsoft.com/office/drawing/2014/main" val="2910653707"/>
+                    </a:ext>
+                  </a:extLst>
+                </a:gridCol>
+              </a:tblGrid>
+              <a:tr h="431320">
+                <a:tc>
+                  <a:txBody>
+                    <a:bodyPr/>
+                    <a:lstStyle/>
+                    <a:p>
+                      <a:pPr algn="ctr"/>
+                      <a:r>
+                        <a:rPr lang="en-HK" dirty="0"/>
+                        <a:t>1</a:t>
+                      </a:r>
+                    </a:p>
+                  </a:txBody>
+                  <a:tcPr>
+                    <a:lnL w="12700" cap="flat" cmpd="sng" algn="ctr">
+                      <a:solidFill>
+                        <a:schemeClr val="tx1"/>
+                      </a:solidFill>
+                      <a:prstDash val="solid"/>
+                      <a:round/>
+                      <a:headEnd type="none" w="med" len="med"/>
+                      <a:tailEnd type="none" w="med" len="med"/>
+                    </a:lnL>
+                    <a:lnR w="12700" cap="flat" cmpd="sng" algn="ctr">
+                      <a:solidFill>
+                        <a:schemeClr val="tx1"/>
+                      </a:solidFill>
+                      <a:prstDash val="solid"/>
+                      <a:round/>
+                      <a:headEnd type="none" w="med" len="med"/>
+                      <a:tailEnd type="none" w="med" len="med"/>
+                    </a:lnR>
+                    <a:lnT w="12700" cap="flat" cmpd="sng" algn="ctr">
+                      <a:solidFill>
+                        <a:schemeClr val="tx1"/>
+                      </a:solidFill>
+                      <a:prstDash val="solid"/>
+                      <a:round/>
+                      <a:headEnd type="none" w="med" len="med"/>
+                      <a:tailEnd type="none" w="med" len="med"/>
+                    </a:lnT>
+                    <a:lnB w="12700" cap="flat" cmpd="sng" algn="ctr">
+                      <a:solidFill>
+                        <a:schemeClr val="tx1"/>
+                      </a:solidFill>
+                      <a:prstDash val="solid"/>
+                      <a:round/>
+                      <a:headEnd type="none" w="med" len="med"/>
+                      <a:tailEnd type="none" w="med" len="med"/>
+                    </a:lnB>
+                  </a:tcPr>
+                </a:tc>
+                <a:tc>
+                  <a:txBody>
+                    <a:bodyPr/>
+                    <a:lstStyle/>
+                    <a:p>
+                      <a:pPr algn="ctr"/>
+                      <a:r>
+                        <a:rPr lang="en-HK" dirty="0"/>
+                        <a:t>2</a:t>
+                      </a:r>
+                    </a:p>
+                  </a:txBody>
+                  <a:tcPr>
+                    <a:lnL w="12700" cap="flat" cmpd="sng" algn="ctr">
+                      <a:solidFill>
+                        <a:schemeClr val="tx1"/>
+                      </a:solidFill>
+                      <a:prstDash val="solid"/>
+                      <a:round/>
+                      <a:headEnd type="none" w="med" len="med"/>
+                      <a:tailEnd type="none" w="med" len="med"/>
+                    </a:lnL>
+                    <a:lnR w="12700" cap="flat" cmpd="sng" algn="ctr">
+                      <a:solidFill>
+                        <a:schemeClr val="tx1"/>
+                      </a:solidFill>
+                      <a:prstDash val="solid"/>
+                      <a:round/>
+                      <a:headEnd type="none" w="med" len="med"/>
+                      <a:tailEnd type="none" w="med" len="med"/>
+                    </a:lnR>
+                    <a:lnT w="12700" cap="flat" cmpd="sng" algn="ctr">
+                      <a:solidFill>
+                        <a:schemeClr val="tx1"/>
+                      </a:solidFill>
+                      <a:prstDash val="solid"/>
+                      <a:round/>
+                      <a:headEnd type="none" w="med" len="med"/>
+                      <a:tailEnd type="none" w="med" len="med"/>
+                    </a:lnT>
+                    <a:lnB w="12700" cap="flat" cmpd="sng" algn="ctr">
+                      <a:solidFill>
+                        <a:schemeClr val="tx1"/>
+                      </a:solidFill>
+                      <a:prstDash val="solid"/>
+                      <a:round/>
+                      <a:headEnd type="none" w="med" len="med"/>
+                      <a:tailEnd type="none" w="med" len="med"/>
+                    </a:lnB>
+                  </a:tcPr>
+                </a:tc>
+                <a:tc>
+                  <a:txBody>
+                    <a:bodyPr/>
+                    <a:lstStyle/>
+                    <a:p>
+                      <a:pPr algn="ctr"/>
+                      <a:r>
+                        <a:rPr lang="en-HK" dirty="0"/>
+                        <a:t>3</a:t>
+                      </a:r>
+                    </a:p>
+                  </a:txBody>
+                  <a:tcPr>
+                    <a:lnL w="12700" cap="flat" cmpd="sng" algn="ctr">
+                      <a:solidFill>
+                        <a:schemeClr val="tx1"/>
+                      </a:solidFill>
+                      <a:prstDash val="solid"/>
+                      <a:round/>
+                      <a:headEnd type="none" w="med" len="med"/>
+                      <a:tailEnd type="none" w="med" len="med"/>
+                    </a:lnL>
+                    <a:lnR w="12700" cap="flat" cmpd="sng" algn="ctr">
+                      <a:solidFill>
+                        <a:schemeClr val="tx1"/>
+                      </a:solidFill>
+                      <a:prstDash val="solid"/>
+                      <a:round/>
+                      <a:headEnd type="none" w="med" len="med"/>
+                      <a:tailEnd type="none" w="med" len="med"/>
+                    </a:lnR>
+                    <a:lnT w="12700" cap="flat" cmpd="sng" algn="ctr">
+                      <a:solidFill>
+                        <a:schemeClr val="tx1"/>
+                      </a:solidFill>
+                      <a:prstDash val="solid"/>
+                      <a:round/>
+                      <a:headEnd type="none" w="med" len="med"/>
+                      <a:tailEnd type="none" w="med" len="med"/>
+                    </a:lnT>
+                    <a:lnB w="12700" cap="flat" cmpd="sng" algn="ctr">
+                      <a:solidFill>
+                        <a:schemeClr val="tx1"/>
+                      </a:solidFill>
+                      <a:prstDash val="solid"/>
+                      <a:round/>
+                      <a:headEnd type="none" w="med" len="med"/>
+                      <a:tailEnd type="none" w="med" len="med"/>
+                    </a:lnB>
+                  </a:tcPr>
+                </a:tc>
+                <a:tc>
+                  <a:txBody>
+                    <a:bodyPr/>
+                    <a:lstStyle/>
+                    <a:p>
+                      <a:pPr algn="ctr"/>
+                      <a:r>
+                        <a:rPr lang="en-HK" dirty="0"/>
+                        <a:t>4</a:t>
+                      </a:r>
+                    </a:p>
+                  </a:txBody>
+                  <a:tcPr>
+                    <a:lnL w="12700" cap="flat" cmpd="sng" algn="ctr">
+                      <a:solidFill>
+                        <a:schemeClr val="tx1"/>
+                      </a:solidFill>
+                      <a:prstDash val="solid"/>
+                      <a:round/>
+                      <a:headEnd type="none" w="med" len="med"/>
+                      <a:tailEnd type="none" w="med" len="med"/>
+                    </a:lnL>
+                    <a:lnR w="12700" cap="flat" cmpd="sng" algn="ctr">
+                      <a:solidFill>
+                        <a:schemeClr val="tx1"/>
+                      </a:solidFill>
+                      <a:prstDash val="solid"/>
+                      <a:round/>
+                      <a:headEnd type="none" w="med" len="med"/>
+                      <a:tailEnd type="none" w="med" len="med"/>
+                    </a:lnR>
+                    <a:lnT w="12700" cap="flat" cmpd="sng" algn="ctr">
+                      <a:solidFill>
+                        <a:schemeClr val="tx1"/>
+                      </a:solidFill>
+                      <a:prstDash val="solid"/>
+                      <a:round/>
+                      <a:headEnd type="none" w="med" len="med"/>
+                      <a:tailEnd type="none" w="med" len="med"/>
+                    </a:lnT>
+                    <a:lnB w="12700" cap="flat" cmpd="sng" algn="ctr">
+                      <a:solidFill>
+                        <a:schemeClr val="tx1"/>
+                      </a:solidFill>
+                      <a:prstDash val="solid"/>
+                      <a:round/>
+                      <a:headEnd type="none" w="med" len="med"/>
+                      <a:tailEnd type="none" w="med" len="med"/>
+                    </a:lnB>
+                  </a:tcPr>
+                </a:tc>
+                <a:tc>
+                  <a:txBody>
+                    <a:bodyPr/>
+                    <a:lstStyle/>
+                    <a:p>
+                      <a:pPr algn="ctr"/>
+                      <a:r>
+                        <a:rPr lang="en-HK" dirty="0"/>
+                        <a:t>5</a:t>
+                      </a:r>
+                    </a:p>
+                  </a:txBody>
+                  <a:tcPr>
+                    <a:lnL w="12700" cap="flat" cmpd="sng" algn="ctr">
+                      <a:solidFill>
+                        <a:schemeClr val="tx1"/>
+                      </a:solidFill>
+                      <a:prstDash val="solid"/>
+                      <a:round/>
+                      <a:headEnd type="none" w="med" len="med"/>
+                      <a:tailEnd type="none" w="med" len="med"/>
+                    </a:lnL>
+                    <a:lnR w="12700" cap="flat" cmpd="sng" algn="ctr">
+                      <a:solidFill>
+                        <a:schemeClr val="tx1"/>
+                      </a:solidFill>
+                      <a:prstDash val="solid"/>
+                      <a:round/>
+                      <a:headEnd type="none" w="med" len="med"/>
+                      <a:tailEnd type="none" w="med" len="med"/>
+                    </a:lnR>
+                    <a:lnT w="12700" cap="flat" cmpd="sng" algn="ctr">
+                      <a:solidFill>
+                        <a:schemeClr val="tx1"/>
+                      </a:solidFill>
+                      <a:prstDash val="solid"/>
+                      <a:round/>
+                      <a:headEnd type="none" w="med" len="med"/>
+                      <a:tailEnd type="none" w="med" len="med"/>
+                    </a:lnT>
+                    <a:lnB w="12700" cap="flat" cmpd="sng" algn="ctr">
+                      <a:solidFill>
+                        <a:schemeClr val="tx1"/>
+                      </a:solidFill>
+                      <a:prstDash val="solid"/>
+                      <a:round/>
+                      <a:headEnd type="none" w="med" len="med"/>
+                      <a:tailEnd type="none" w="med" len="med"/>
+                    </a:lnB>
+                  </a:tcPr>
+                </a:tc>
+                <a:extLst>
+                  <a:ext uri="{0D108BD9-81ED-4DB2-BD59-A6C34878D82A}">
+                    <a16:rowId xmlns:a16="http://schemas.microsoft.com/office/drawing/2014/main" val="2303845402"/>
+                  </a:ext>
+                </a:extLst>
+              </a:tr>
+            </a:tbl>
+          </a:graphicData>
+        </a:graphic>
+      </p:graphicFrame>
+      <p:graphicFrame>
+        <p:nvGraphicFramePr>
+          <p:cNvPr id="16" name="Table 15">
+            <a:extLst>
+              <a:ext uri="{FF2B5EF4-FFF2-40B4-BE49-F238E27FC236}">
+                <a16:creationId xmlns:a16="http://schemas.microsoft.com/office/drawing/2014/main" id="{009237F8-CF43-87BA-95A2-FD67EB6CA090}"/>
+              </a:ext>
+            </a:extLst>
+          </p:cNvPr>
+          <p:cNvGraphicFramePr>
+            <a:graphicFrameLocks noGrp="1"/>
+          </p:cNvGraphicFramePr>
+          <p:nvPr>
+            <p:extLst>
+              <p:ext uri="{D42A27DB-BD31-4B8C-83A1-F6EECF244321}">
+                <p14:modId xmlns:p14="http://schemas.microsoft.com/office/powerpoint/2010/main" val="2064874337"/>
+              </p:ext>
+            </p:extLst>
+          </p:nvPr>
+        </p:nvGraphicFramePr>
+        <p:xfrm>
+          <a:off x="5552533" y="448575"/>
+          <a:ext cx="2139355" cy="431320"/>
+        </p:xfrm>
+        <a:graphic>
+          <a:graphicData uri="http://schemas.openxmlformats.org/drawingml/2006/table">
+            <a:tbl>
+              <a:tblPr/>
+              <a:tblGrid>
+                <a:gridCol w="427871">
+                  <a:extLst>
+                    <a:ext uri="{9D8B030D-6E8A-4147-A177-3AD203B41FA5}">
+                      <a16:colId xmlns:a16="http://schemas.microsoft.com/office/drawing/2014/main" val="1637210570"/>
+                    </a:ext>
+                  </a:extLst>
+                </a:gridCol>
+                <a:gridCol w="427871">
+                  <a:extLst>
+                    <a:ext uri="{9D8B030D-6E8A-4147-A177-3AD203B41FA5}">
+                      <a16:colId xmlns:a16="http://schemas.microsoft.com/office/drawing/2014/main" val="1599477165"/>
+                    </a:ext>
+                  </a:extLst>
+                </a:gridCol>
+                <a:gridCol w="427871">
+                  <a:extLst>
+                    <a:ext uri="{9D8B030D-6E8A-4147-A177-3AD203B41FA5}">
+                      <a16:colId xmlns:a16="http://schemas.microsoft.com/office/drawing/2014/main" val="71321777"/>
+                    </a:ext>
+                  </a:extLst>
+                </a:gridCol>
+                <a:gridCol w="427871">
+                  <a:extLst>
+                    <a:ext uri="{9D8B030D-6E8A-4147-A177-3AD203B41FA5}">
+                      <a16:colId xmlns:a16="http://schemas.microsoft.com/office/drawing/2014/main" val="1847954137"/>
+                    </a:ext>
+                  </a:extLst>
+                </a:gridCol>
+                <a:gridCol w="427871">
+                  <a:extLst>
+                    <a:ext uri="{9D8B030D-6E8A-4147-A177-3AD203B41FA5}">
+                      <a16:colId xmlns:a16="http://schemas.microsoft.com/office/drawing/2014/main" val="2735609134"/>
+                    </a:ext>
+                  </a:extLst>
+                </a:gridCol>
+              </a:tblGrid>
+              <a:tr h="431320">
+                <a:tc>
+                  <a:txBody>
+                    <a:bodyPr/>
+                    <a:lstStyle/>
+                    <a:p>
+                      <a:pPr algn="ctr"/>
+                      <a:r>
+                        <a:rPr lang="en-HK" dirty="0"/>
+                        <a:t>6</a:t>
+                      </a:r>
+                    </a:p>
+                  </a:txBody>
+                  <a:tcPr>
+                    <a:lnL w="12700" cap="flat" cmpd="sng" algn="ctr">
+                      <a:solidFill>
+                        <a:schemeClr val="tx1"/>
+                      </a:solidFill>
+                      <a:prstDash val="solid"/>
+                      <a:round/>
+                      <a:headEnd type="none" w="med" len="med"/>
+                      <a:tailEnd type="none" w="med" len="med"/>
+                    </a:lnL>
+                    <a:lnR w="12700" cap="flat" cmpd="sng" algn="ctr">
+                      <a:solidFill>
+                        <a:schemeClr val="tx1"/>
+                      </a:solidFill>
+                      <a:prstDash val="solid"/>
+                      <a:round/>
+                      <a:headEnd type="none" w="med" len="med"/>
+                      <a:tailEnd type="none" w="med" len="med"/>
+                    </a:lnR>
+                    <a:lnT w="12700" cap="flat" cmpd="sng" algn="ctr">
+                      <a:solidFill>
+                        <a:schemeClr val="tx1"/>
+                      </a:solidFill>
+                      <a:prstDash val="solid"/>
+                      <a:round/>
+                      <a:headEnd type="none" w="med" len="med"/>
+                      <a:tailEnd type="none" w="med" len="med"/>
+                    </a:lnT>
+                    <a:lnB w="12700" cap="flat" cmpd="sng" algn="ctr">
+                      <a:solidFill>
+                        <a:schemeClr val="tx1"/>
+                      </a:solidFill>
+                      <a:prstDash val="solid"/>
+                      <a:round/>
+                      <a:headEnd type="none" w="med" len="med"/>
+                      <a:tailEnd type="none" w="med" len="med"/>
+                    </a:lnB>
+                  </a:tcPr>
+                </a:tc>
+                <a:tc>
+                  <a:txBody>
+                    <a:bodyPr/>
+                    <a:lstStyle/>
+                    <a:p>
+                      <a:pPr algn="ctr"/>
+                      <a:r>
+                        <a:rPr lang="en-HK" dirty="0"/>
+                        <a:t>7</a:t>
+                      </a:r>
+                    </a:p>
+                  </a:txBody>
+                  <a:tcPr>
+                    <a:lnL w="12700" cap="flat" cmpd="sng" algn="ctr">
+                      <a:solidFill>
+                        <a:schemeClr val="tx1"/>
+                      </a:solidFill>
+                      <a:prstDash val="solid"/>
+                      <a:round/>
+                      <a:headEnd type="none" w="med" len="med"/>
+                      <a:tailEnd type="none" w="med" len="med"/>
+                    </a:lnL>
+                    <a:lnR w="12700" cap="flat" cmpd="sng" algn="ctr">
+                      <a:solidFill>
+                        <a:schemeClr val="tx1"/>
+                      </a:solidFill>
+                      <a:prstDash val="solid"/>
+                      <a:round/>
+                      <a:headEnd type="none" w="med" len="med"/>
+                      <a:tailEnd type="none" w="med" len="med"/>
+                    </a:lnR>
+                    <a:lnT w="12700" cap="flat" cmpd="sng" algn="ctr">
+                      <a:solidFill>
+                        <a:schemeClr val="tx1"/>
+                      </a:solidFill>
+                      <a:prstDash val="solid"/>
+                      <a:round/>
+                      <a:headEnd type="none" w="med" len="med"/>
+                      <a:tailEnd type="none" w="med" len="med"/>
+                    </a:lnT>
+                    <a:lnB w="12700" cap="flat" cmpd="sng" algn="ctr">
+                      <a:solidFill>
+                        <a:schemeClr val="tx1"/>
+                      </a:solidFill>
+                      <a:prstDash val="solid"/>
+                      <a:round/>
+                      <a:headEnd type="none" w="med" len="med"/>
+                      <a:tailEnd type="none" w="med" len="med"/>
+                    </a:lnB>
+                  </a:tcPr>
+                </a:tc>
+                <a:tc>
+                  <a:txBody>
+                    <a:bodyPr/>
+                    <a:lstStyle/>
+                    <a:p>
+                      <a:pPr algn="ctr"/>
+                      <a:r>
+                        <a:rPr lang="en-HK" dirty="0"/>
+                        <a:t>8</a:t>
+                      </a:r>
+                    </a:p>
+                  </a:txBody>
+                  <a:tcPr>
+                    <a:lnL w="12700" cap="flat" cmpd="sng" algn="ctr">
+                      <a:solidFill>
+                        <a:schemeClr val="tx1"/>
+                      </a:solidFill>
+                      <a:prstDash val="solid"/>
+                      <a:round/>
+                      <a:headEnd type="none" w="med" len="med"/>
+                      <a:tailEnd type="none" w="med" len="med"/>
+                    </a:lnL>
+                    <a:lnR w="12700" cap="flat" cmpd="sng" algn="ctr">
+                      <a:solidFill>
+                        <a:schemeClr val="tx1"/>
+                      </a:solidFill>
+                      <a:prstDash val="solid"/>
+                      <a:round/>
+                      <a:headEnd type="none" w="med" len="med"/>
+                      <a:tailEnd type="none" w="med" len="med"/>
+                    </a:lnR>
+                    <a:lnT w="12700" cap="flat" cmpd="sng" algn="ctr">
+                      <a:solidFill>
+                        <a:schemeClr val="tx1"/>
+                      </a:solidFill>
+                      <a:prstDash val="solid"/>
+                      <a:round/>
+                      <a:headEnd type="none" w="med" len="med"/>
+                      <a:tailEnd type="none" w="med" len="med"/>
+                    </a:lnT>
+                    <a:lnB w="12700" cap="flat" cmpd="sng" algn="ctr">
+                      <a:solidFill>
+                        <a:schemeClr val="tx1"/>
+                      </a:solidFill>
+                      <a:prstDash val="solid"/>
+                      <a:round/>
+                      <a:headEnd type="none" w="med" len="med"/>
+                      <a:tailEnd type="none" w="med" len="med"/>
+                    </a:lnB>
+                  </a:tcPr>
+                </a:tc>
+                <a:tc>
+                  <a:txBody>
+                    <a:bodyPr/>
+                    <a:lstStyle/>
+                    <a:p>
+                      <a:pPr algn="ctr"/>
+                      <a:r>
+                        <a:rPr lang="en-HK" dirty="0"/>
+                        <a:t>9</a:t>
+                      </a:r>
+                    </a:p>
+                  </a:txBody>
+                  <a:tcPr>
+                    <a:lnL w="12700" cap="flat" cmpd="sng" algn="ctr">
+                      <a:solidFill>
+                        <a:schemeClr val="tx1"/>
+                      </a:solidFill>
+                      <a:prstDash val="solid"/>
+                      <a:round/>
+                      <a:headEnd type="none" w="med" len="med"/>
+                      <a:tailEnd type="none" w="med" len="med"/>
+                    </a:lnL>
+                    <a:lnR w="12700" cap="flat" cmpd="sng" algn="ctr">
+                      <a:solidFill>
+                        <a:schemeClr val="tx1"/>
+                      </a:solidFill>
+                      <a:prstDash val="solid"/>
+                      <a:round/>
+                      <a:headEnd type="none" w="med" len="med"/>
+                      <a:tailEnd type="none" w="med" len="med"/>
+                    </a:lnR>
+                    <a:lnT w="12700" cap="flat" cmpd="sng" algn="ctr">
+                      <a:solidFill>
+                        <a:schemeClr val="tx1"/>
+                      </a:solidFill>
+                      <a:prstDash val="solid"/>
+                      <a:round/>
+                      <a:headEnd type="none" w="med" len="med"/>
+                      <a:tailEnd type="none" w="med" len="med"/>
+                    </a:lnT>
+                    <a:lnB w="12700" cap="flat" cmpd="sng" algn="ctr">
+                      <a:solidFill>
+                        <a:schemeClr val="tx1"/>
+                      </a:solidFill>
+                      <a:prstDash val="solid"/>
+                      <a:round/>
+                      <a:headEnd type="none" w="med" len="med"/>
+                      <a:tailEnd type="none" w="med" len="med"/>
+                    </a:lnB>
+                  </a:tcPr>
+                </a:tc>
+                <a:tc>
+                  <a:txBody>
+                    <a:bodyPr/>
+                    <a:lstStyle/>
+                    <a:p>
+                      <a:pPr algn="ctr"/>
+                      <a:r>
+                        <a:rPr lang="en-HK" dirty="0"/>
+                        <a:t>10</a:t>
+                      </a:r>
+                    </a:p>
+                  </a:txBody>
+                  <a:tcPr>
+                    <a:lnL w="12700" cap="flat" cmpd="sng" algn="ctr">
+                      <a:solidFill>
+                        <a:schemeClr val="tx1"/>
+                      </a:solidFill>
+                      <a:prstDash val="solid"/>
+                      <a:round/>
+                      <a:headEnd type="none" w="med" len="med"/>
+                      <a:tailEnd type="none" w="med" len="med"/>
+                    </a:lnL>
+                    <a:lnR w="12700" cap="flat" cmpd="sng" algn="ctr">
+                      <a:solidFill>
+                        <a:schemeClr val="tx1"/>
+                      </a:solidFill>
+                      <a:prstDash val="solid"/>
+                      <a:round/>
+                      <a:headEnd type="none" w="med" len="med"/>
+                      <a:tailEnd type="none" w="med" len="med"/>
+                    </a:lnR>
+                    <a:lnT w="12700" cap="flat" cmpd="sng" algn="ctr">
+                      <a:solidFill>
+                        <a:schemeClr val="tx1"/>
+                      </a:solidFill>
+                      <a:prstDash val="solid"/>
+                      <a:round/>
+                      <a:headEnd type="none" w="med" len="med"/>
+                      <a:tailEnd type="none" w="med" len="med"/>
+                    </a:lnT>
+                    <a:lnB w="12700" cap="flat" cmpd="sng" algn="ctr">
+                      <a:solidFill>
+                        <a:schemeClr val="tx1"/>
+                      </a:solidFill>
+                      <a:prstDash val="solid"/>
+                      <a:round/>
+                      <a:headEnd type="none" w="med" len="med"/>
+                      <a:tailEnd type="none" w="med" len="med"/>
+                    </a:lnB>
+                  </a:tcPr>
+                </a:tc>
+                <a:extLst>
+                  <a:ext uri="{0D108BD9-81ED-4DB2-BD59-A6C34878D82A}">
+                    <a16:rowId xmlns:a16="http://schemas.microsoft.com/office/drawing/2014/main" val="3239512182"/>
+                  </a:ext>
+                </a:extLst>
+              </a:tr>
+            </a:tbl>
+          </a:graphicData>
+        </a:graphic>
+      </p:graphicFrame>
+      <p:graphicFrame>
+        <p:nvGraphicFramePr>
+          <p:cNvPr id="17" name="Table 16">
+            <a:extLst>
+              <a:ext uri="{FF2B5EF4-FFF2-40B4-BE49-F238E27FC236}">
+                <a16:creationId xmlns:a16="http://schemas.microsoft.com/office/drawing/2014/main" id="{1EA3E875-A57C-6440-0AD9-62DA16E5F122}"/>
+              </a:ext>
+            </a:extLst>
+          </p:cNvPr>
+          <p:cNvGraphicFramePr>
+            <a:graphicFrameLocks noGrp="1"/>
+          </p:cNvGraphicFramePr>
+          <p:nvPr>
+            <p:extLst>
+              <p:ext uri="{D42A27DB-BD31-4B8C-83A1-F6EECF244321}">
+                <p14:modId xmlns:p14="http://schemas.microsoft.com/office/powerpoint/2010/main" val="3393306871"/>
+              </p:ext>
+            </p:extLst>
+          </p:nvPr>
+        </p:nvGraphicFramePr>
+        <p:xfrm>
+          <a:off x="5552530" y="992039"/>
+          <a:ext cx="2139355" cy="431320"/>
+        </p:xfrm>
+        <a:graphic>
+          <a:graphicData uri="http://schemas.openxmlformats.org/drawingml/2006/table">
+            <a:tbl>
+              <a:tblPr/>
+              <a:tblGrid>
+                <a:gridCol w="427871">
+                  <a:extLst>
+                    <a:ext uri="{9D8B030D-6E8A-4147-A177-3AD203B41FA5}">
+                      <a16:colId xmlns:a16="http://schemas.microsoft.com/office/drawing/2014/main" val="4237174852"/>
+                    </a:ext>
+                  </a:extLst>
+                </a:gridCol>
+                <a:gridCol w="427871">
+                  <a:extLst>
+                    <a:ext uri="{9D8B030D-6E8A-4147-A177-3AD203B41FA5}">
+                      <a16:colId xmlns:a16="http://schemas.microsoft.com/office/drawing/2014/main" val="1953945196"/>
+                    </a:ext>
+                  </a:extLst>
+                </a:gridCol>
+                <a:gridCol w="427871">
+                  <a:extLst>
+                    <a:ext uri="{9D8B030D-6E8A-4147-A177-3AD203B41FA5}">
+                      <a16:colId xmlns:a16="http://schemas.microsoft.com/office/drawing/2014/main" val="3534266745"/>
+                    </a:ext>
+                  </a:extLst>
+                </a:gridCol>
+                <a:gridCol w="427871">
+                  <a:extLst>
+                    <a:ext uri="{9D8B030D-6E8A-4147-A177-3AD203B41FA5}">
+                      <a16:colId xmlns:a16="http://schemas.microsoft.com/office/drawing/2014/main" val="2715971765"/>
+                    </a:ext>
+                  </a:extLst>
+                </a:gridCol>
+                <a:gridCol w="427871">
+                  <a:extLst>
+                    <a:ext uri="{9D8B030D-6E8A-4147-A177-3AD203B41FA5}">
+                      <a16:colId xmlns:a16="http://schemas.microsoft.com/office/drawing/2014/main" val="2910653707"/>
+                    </a:ext>
+                  </a:extLst>
+                </a:gridCol>
+              </a:tblGrid>
+              <a:tr h="431320">
+                <a:tc>
+                  <a:txBody>
+                    <a:bodyPr/>
+                    <a:lstStyle/>
+                    <a:p>
+                      <a:pPr algn="ctr"/>
+                      <a:r>
+                        <a:rPr lang="en-HK" dirty="0"/>
+                        <a:t>6</a:t>
+                      </a:r>
+                    </a:p>
+                  </a:txBody>
+                  <a:tcPr>
+                    <a:lnL w="12700" cap="flat" cmpd="sng" algn="ctr">
+                      <a:solidFill>
+                        <a:schemeClr val="tx1"/>
+                      </a:solidFill>
+                      <a:prstDash val="solid"/>
+                      <a:round/>
+                      <a:headEnd type="none" w="med" len="med"/>
+                      <a:tailEnd type="none" w="med" len="med"/>
+                    </a:lnL>
+                    <a:lnR w="12700" cap="flat" cmpd="sng" algn="ctr">
+                      <a:solidFill>
+                        <a:schemeClr val="tx1"/>
+                      </a:solidFill>
+                      <a:prstDash val="solid"/>
+                      <a:round/>
+                      <a:headEnd type="none" w="med" len="med"/>
+                      <a:tailEnd type="none" w="med" len="med"/>
+                    </a:lnR>
+                    <a:lnT w="12700" cap="flat" cmpd="sng" algn="ctr">
+                      <a:solidFill>
+                        <a:schemeClr val="tx1"/>
+                      </a:solidFill>
+                      <a:prstDash val="solid"/>
+                      <a:round/>
+                      <a:headEnd type="none" w="med" len="med"/>
+                      <a:tailEnd type="none" w="med" len="med"/>
+                    </a:lnT>
+                    <a:lnB w="12700" cap="flat" cmpd="sng" algn="ctr">
+                      <a:solidFill>
+                        <a:schemeClr val="tx1"/>
+                      </a:solidFill>
+                      <a:prstDash val="solid"/>
+                      <a:round/>
+                      <a:headEnd type="none" w="med" len="med"/>
+                      <a:tailEnd type="none" w="med" len="med"/>
+                    </a:lnB>
+                  </a:tcPr>
+                </a:tc>
+                <a:tc>
+                  <a:txBody>
+                    <a:bodyPr/>
+                    <a:lstStyle/>
+                    <a:p>
+                      <a:pPr algn="ctr"/>
+                      <a:r>
+                        <a:rPr lang="en-HK" dirty="0"/>
+                        <a:t>7</a:t>
+                      </a:r>
+                    </a:p>
+                  </a:txBody>
+                  <a:tcPr>
+                    <a:lnL w="12700" cap="flat" cmpd="sng" algn="ctr">
+                      <a:solidFill>
+                        <a:schemeClr val="tx1"/>
+                      </a:solidFill>
+                      <a:prstDash val="solid"/>
+                      <a:round/>
+                      <a:headEnd type="none" w="med" len="med"/>
+                      <a:tailEnd type="none" w="med" len="med"/>
+                    </a:lnL>
+                    <a:lnR w="12700" cap="flat" cmpd="sng" algn="ctr">
+                      <a:solidFill>
+                        <a:schemeClr val="tx1"/>
+                      </a:solidFill>
+                      <a:prstDash val="solid"/>
+                      <a:round/>
+                      <a:headEnd type="none" w="med" len="med"/>
+                      <a:tailEnd type="none" w="med" len="med"/>
+                    </a:lnR>
+                    <a:lnT w="12700" cap="flat" cmpd="sng" algn="ctr">
+                      <a:solidFill>
+                        <a:schemeClr val="tx1"/>
+                      </a:solidFill>
+                      <a:prstDash val="solid"/>
+                      <a:round/>
+                      <a:headEnd type="none" w="med" len="med"/>
+                      <a:tailEnd type="none" w="med" len="med"/>
+                    </a:lnT>
+                    <a:lnB w="12700" cap="flat" cmpd="sng" algn="ctr">
+                      <a:solidFill>
+                        <a:schemeClr val="tx1"/>
+                      </a:solidFill>
+                      <a:prstDash val="solid"/>
+                      <a:round/>
+                      <a:headEnd type="none" w="med" len="med"/>
+                      <a:tailEnd type="none" w="med" len="med"/>
+                    </a:lnB>
+                  </a:tcPr>
+                </a:tc>
+                <a:tc>
+                  <a:txBody>
+                    <a:bodyPr/>
+                    <a:lstStyle/>
+                    <a:p>
+                      <a:pPr algn="ctr"/>
+                      <a:r>
+                        <a:rPr lang="en-HK" dirty="0"/>
+                        <a:t>8</a:t>
+                      </a:r>
+                    </a:p>
+                  </a:txBody>
+                  <a:tcPr>
+                    <a:lnL w="12700" cap="flat" cmpd="sng" algn="ctr">
+                      <a:solidFill>
+                        <a:schemeClr val="tx1"/>
+                      </a:solidFill>
+                      <a:prstDash val="solid"/>
+                      <a:round/>
+                      <a:headEnd type="none" w="med" len="med"/>
+                      <a:tailEnd type="none" w="med" len="med"/>
+                    </a:lnL>
+                    <a:lnR w="12700" cap="flat" cmpd="sng" algn="ctr">
+                      <a:solidFill>
+                        <a:schemeClr val="tx1"/>
+                      </a:solidFill>
+                      <a:prstDash val="solid"/>
+                      <a:round/>
+                      <a:headEnd type="none" w="med" len="med"/>
+                      <a:tailEnd type="none" w="med" len="med"/>
+                    </a:lnR>
+                    <a:lnT w="12700" cap="flat" cmpd="sng" algn="ctr">
+                      <a:solidFill>
+                        <a:schemeClr val="tx1"/>
+                      </a:solidFill>
+                      <a:prstDash val="solid"/>
+                      <a:round/>
+                      <a:headEnd type="none" w="med" len="med"/>
+                      <a:tailEnd type="none" w="med" len="med"/>
+                    </a:lnT>
+                    <a:lnB w="12700" cap="flat" cmpd="sng" algn="ctr">
+                      <a:solidFill>
+                        <a:schemeClr val="tx1"/>
+                      </a:solidFill>
+                      <a:prstDash val="solid"/>
+                      <a:round/>
+                      <a:headEnd type="none" w="med" len="med"/>
+                      <a:tailEnd type="none" w="med" len="med"/>
+                    </a:lnB>
+                  </a:tcPr>
+                </a:tc>
+                <a:tc>
+                  <a:txBody>
+                    <a:bodyPr/>
+                    <a:lstStyle/>
+                    <a:p>
+                      <a:pPr algn="ctr"/>
+                      <a:r>
+                        <a:rPr lang="en-HK" dirty="0"/>
+                        <a:t>9</a:t>
+                      </a:r>
+                    </a:p>
+                  </a:txBody>
+                  <a:tcPr>
+                    <a:lnL w="12700" cap="flat" cmpd="sng" algn="ctr">
+                      <a:solidFill>
+                        <a:schemeClr val="tx1"/>
+                      </a:solidFill>
+                      <a:prstDash val="solid"/>
+                      <a:round/>
+                      <a:headEnd type="none" w="med" len="med"/>
+                      <a:tailEnd type="none" w="med" len="med"/>
+                    </a:lnL>
+                    <a:lnR w="12700" cap="flat" cmpd="sng" algn="ctr">
+                      <a:solidFill>
+                        <a:schemeClr val="tx1"/>
+                      </a:solidFill>
+                      <a:prstDash val="solid"/>
+                      <a:round/>
+                      <a:headEnd type="none" w="med" len="med"/>
+                      <a:tailEnd type="none" w="med" len="med"/>
+                    </a:lnR>
+                    <a:lnT w="12700" cap="flat" cmpd="sng" algn="ctr">
+                      <a:solidFill>
+                        <a:schemeClr val="tx1"/>
+                      </a:solidFill>
+                      <a:prstDash val="solid"/>
+                      <a:round/>
+                      <a:headEnd type="none" w="med" len="med"/>
+                      <a:tailEnd type="none" w="med" len="med"/>
+                    </a:lnT>
+                    <a:lnB w="12700" cap="flat" cmpd="sng" algn="ctr">
+                      <a:solidFill>
+                        <a:schemeClr val="tx1"/>
+                      </a:solidFill>
+                      <a:prstDash val="solid"/>
+                      <a:round/>
+                      <a:headEnd type="none" w="med" len="med"/>
+                      <a:tailEnd type="none" w="med" len="med"/>
+                    </a:lnB>
+                  </a:tcPr>
+                </a:tc>
+                <a:tc>
+                  <a:txBody>
+                    <a:bodyPr/>
+                    <a:lstStyle/>
+                    <a:p>
+                      <a:pPr algn="ctr"/>
+                      <a:r>
+                        <a:rPr lang="en-HK" dirty="0"/>
+                        <a:t>10</a:t>
+                      </a:r>
+                    </a:p>
+                  </a:txBody>
+                  <a:tcPr>
+                    <a:lnL w="12700" cap="flat" cmpd="sng" algn="ctr">
+                      <a:solidFill>
+                        <a:schemeClr val="tx1"/>
+                      </a:solidFill>
+                      <a:prstDash val="solid"/>
+                      <a:round/>
+                      <a:headEnd type="none" w="med" len="med"/>
+                      <a:tailEnd type="none" w="med" len="med"/>
+                    </a:lnL>
+                    <a:lnR w="12700" cap="flat" cmpd="sng" algn="ctr">
+                      <a:solidFill>
+                        <a:schemeClr val="tx1"/>
+                      </a:solidFill>
+                      <a:prstDash val="solid"/>
+                      <a:round/>
+                      <a:headEnd type="none" w="med" len="med"/>
+                      <a:tailEnd type="none" w="med" len="med"/>
+                    </a:lnR>
+                    <a:lnT w="12700" cap="flat" cmpd="sng" algn="ctr">
+                      <a:solidFill>
+                        <a:schemeClr val="tx1"/>
+                      </a:solidFill>
+                      <a:prstDash val="solid"/>
+                      <a:round/>
+                      <a:headEnd type="none" w="med" len="med"/>
+                      <a:tailEnd type="none" w="med" len="med"/>
+                    </a:lnT>
+                    <a:lnB w="12700" cap="flat" cmpd="sng" algn="ctr">
+                      <a:solidFill>
+                        <a:schemeClr val="tx1"/>
+                      </a:solidFill>
+                      <a:prstDash val="solid"/>
+                      <a:round/>
+                      <a:headEnd type="none" w="med" len="med"/>
+                      <a:tailEnd type="none" w="med" len="med"/>
+                    </a:lnB>
+                  </a:tcPr>
+                </a:tc>
+                <a:extLst>
+                  <a:ext uri="{0D108BD9-81ED-4DB2-BD59-A6C34878D82A}">
+                    <a16:rowId xmlns:a16="http://schemas.microsoft.com/office/drawing/2014/main" val="2303845402"/>
+                  </a:ext>
+                </a:extLst>
+              </a:tr>
+            </a:tbl>
+          </a:graphicData>
+        </a:graphic>
+      </p:graphicFrame>
+      <p:graphicFrame>
+        <p:nvGraphicFramePr>
+          <p:cNvPr id="18" name="Table 17">
+            <a:extLst>
+              <a:ext uri="{FF2B5EF4-FFF2-40B4-BE49-F238E27FC236}">
+                <a16:creationId xmlns:a16="http://schemas.microsoft.com/office/drawing/2014/main" id="{A6B5648B-F8B7-A6DA-1CD2-5CC41871789B}"/>
+              </a:ext>
+            </a:extLst>
+          </p:cNvPr>
+          <p:cNvGraphicFramePr>
+            <a:graphicFrameLocks noGrp="1"/>
+          </p:cNvGraphicFramePr>
+          <p:nvPr>
+            <p:extLst>
+              <p:ext uri="{D42A27DB-BD31-4B8C-83A1-F6EECF244321}">
+                <p14:modId xmlns:p14="http://schemas.microsoft.com/office/powerpoint/2010/main" val="421438683"/>
+              </p:ext>
+            </p:extLst>
+          </p:nvPr>
+        </p:nvGraphicFramePr>
+        <p:xfrm>
+          <a:off x="5552529" y="1535503"/>
+          <a:ext cx="2139355" cy="431320"/>
+        </p:xfrm>
+        <a:graphic>
+          <a:graphicData uri="http://schemas.openxmlformats.org/drawingml/2006/table">
+            <a:tbl>
+              <a:tblPr/>
+              <a:tblGrid>
+                <a:gridCol w="427871">
+                  <a:extLst>
+                    <a:ext uri="{9D8B030D-6E8A-4147-A177-3AD203B41FA5}">
+                      <a16:colId xmlns:a16="http://schemas.microsoft.com/office/drawing/2014/main" val="4237174852"/>
+                    </a:ext>
+                  </a:extLst>
+                </a:gridCol>
+                <a:gridCol w="427871">
+                  <a:extLst>
+                    <a:ext uri="{9D8B030D-6E8A-4147-A177-3AD203B41FA5}">
+                      <a16:colId xmlns:a16="http://schemas.microsoft.com/office/drawing/2014/main" val="1953945196"/>
+                    </a:ext>
+                  </a:extLst>
+                </a:gridCol>
+                <a:gridCol w="427871">
+                  <a:extLst>
+                    <a:ext uri="{9D8B030D-6E8A-4147-A177-3AD203B41FA5}">
+                      <a16:colId xmlns:a16="http://schemas.microsoft.com/office/drawing/2014/main" val="3534266745"/>
+                    </a:ext>
+                  </a:extLst>
+                </a:gridCol>
+                <a:gridCol w="427871">
+                  <a:extLst>
+                    <a:ext uri="{9D8B030D-6E8A-4147-A177-3AD203B41FA5}">
+                      <a16:colId xmlns:a16="http://schemas.microsoft.com/office/drawing/2014/main" val="2715971765"/>
+                    </a:ext>
+                  </a:extLst>
+                </a:gridCol>
+                <a:gridCol w="427871">
+                  <a:extLst>
+                    <a:ext uri="{9D8B030D-6E8A-4147-A177-3AD203B41FA5}">
+                      <a16:colId xmlns:a16="http://schemas.microsoft.com/office/drawing/2014/main" val="2910653707"/>
+                    </a:ext>
+                  </a:extLst>
+                </a:gridCol>
+              </a:tblGrid>
+              <a:tr h="431320">
+                <a:tc>
+                  <a:txBody>
+                    <a:bodyPr/>
+                    <a:lstStyle/>
+                    <a:p>
+                      <a:pPr algn="ctr"/>
+                      <a:r>
+                        <a:rPr lang="en-HK" dirty="0"/>
+                        <a:t>6</a:t>
+                      </a:r>
+                    </a:p>
+                  </a:txBody>
+                  <a:tcPr>
+                    <a:lnL w="12700" cap="flat" cmpd="sng" algn="ctr">
+                      <a:solidFill>
+                        <a:schemeClr val="tx1"/>
+                      </a:solidFill>
+                      <a:prstDash val="solid"/>
+                      <a:round/>
+                      <a:headEnd type="none" w="med" len="med"/>
+                      <a:tailEnd type="none" w="med" len="med"/>
+                    </a:lnL>
+                    <a:lnR w="12700" cap="flat" cmpd="sng" algn="ctr">
+                      <a:solidFill>
+                        <a:schemeClr val="tx1"/>
+                      </a:solidFill>
+                      <a:prstDash val="solid"/>
+                      <a:round/>
+                      <a:headEnd type="none" w="med" len="med"/>
+                      <a:tailEnd type="none" w="med" len="med"/>
+                    </a:lnR>
+                    <a:lnT w="12700" cap="flat" cmpd="sng" algn="ctr">
+                      <a:solidFill>
+                        <a:schemeClr val="tx1"/>
+                      </a:solidFill>
+                      <a:prstDash val="solid"/>
+                      <a:round/>
+                      <a:headEnd type="none" w="med" len="med"/>
+                      <a:tailEnd type="none" w="med" len="med"/>
+                    </a:lnT>
+                    <a:lnB w="12700" cap="flat" cmpd="sng" algn="ctr">
+                      <a:solidFill>
+                        <a:schemeClr val="tx1"/>
+                      </a:solidFill>
+                      <a:prstDash val="solid"/>
+                      <a:round/>
+                      <a:headEnd type="none" w="med" len="med"/>
+                      <a:tailEnd type="none" w="med" len="med"/>
+                    </a:lnB>
+                  </a:tcPr>
+                </a:tc>
+                <a:tc>
+                  <a:txBody>
+                    <a:bodyPr/>
+                    <a:lstStyle/>
+                    <a:p>
+                      <a:pPr algn="ctr"/>
+                      <a:r>
+                        <a:rPr lang="en-HK" dirty="0"/>
+                        <a:t>7</a:t>
+                      </a:r>
+                    </a:p>
+                  </a:txBody>
+                  <a:tcPr>
+                    <a:lnL w="12700" cap="flat" cmpd="sng" algn="ctr">
+                      <a:solidFill>
+                        <a:schemeClr val="tx1"/>
+                      </a:solidFill>
+                      <a:prstDash val="solid"/>
+                      <a:round/>
+                      <a:headEnd type="none" w="med" len="med"/>
+                      <a:tailEnd type="none" w="med" len="med"/>
+                    </a:lnL>
+                    <a:lnR w="12700" cap="flat" cmpd="sng" algn="ctr">
+                      <a:solidFill>
+                        <a:schemeClr val="tx1"/>
+                      </a:solidFill>
+                      <a:prstDash val="solid"/>
+                      <a:round/>
+                      <a:headEnd type="none" w="med" len="med"/>
+                      <a:tailEnd type="none" w="med" len="med"/>
+                    </a:lnR>
+                    <a:lnT w="12700" cap="flat" cmpd="sng" algn="ctr">
+                      <a:solidFill>
+                        <a:schemeClr val="tx1"/>
+                      </a:solidFill>
+                      <a:prstDash val="solid"/>
+                      <a:round/>
+                      <a:headEnd type="none" w="med" len="med"/>
+                      <a:tailEnd type="none" w="med" len="med"/>
+                    </a:lnT>
+                    <a:lnB w="12700" cap="flat" cmpd="sng" algn="ctr">
+                      <a:solidFill>
+                        <a:schemeClr val="tx1"/>
+                      </a:solidFill>
+                      <a:prstDash val="solid"/>
+                      <a:round/>
+                      <a:headEnd type="none" w="med" len="med"/>
+                      <a:tailEnd type="none" w="med" len="med"/>
+                    </a:lnB>
+                  </a:tcPr>
+                </a:tc>
+                <a:tc>
+                  <a:txBody>
+                    <a:bodyPr/>
+                    <a:lstStyle/>
+                    <a:p>
+                      <a:pPr algn="ctr"/>
+                      <a:r>
+                        <a:rPr lang="en-HK" dirty="0"/>
+                        <a:t>8</a:t>
+                      </a:r>
+                    </a:p>
+                  </a:txBody>
+                  <a:tcPr>
+                    <a:lnL w="12700" cap="flat" cmpd="sng" algn="ctr">
+                      <a:solidFill>
+                        <a:schemeClr val="tx1"/>
+                      </a:solidFill>
+                      <a:prstDash val="solid"/>
+                      <a:round/>
+                      <a:headEnd type="none" w="med" len="med"/>
+                      <a:tailEnd type="none" w="med" len="med"/>
+                    </a:lnL>
+                    <a:lnR w="12700" cap="flat" cmpd="sng" algn="ctr">
+                      <a:solidFill>
+                        <a:schemeClr val="tx1"/>
+                      </a:solidFill>
+                      <a:prstDash val="solid"/>
+                      <a:round/>
+                      <a:headEnd type="none" w="med" len="med"/>
+                      <a:tailEnd type="none" w="med" len="med"/>
+                    </a:lnR>
+                    <a:lnT w="12700" cap="flat" cmpd="sng" algn="ctr">
+                      <a:solidFill>
+                        <a:schemeClr val="tx1"/>
+                      </a:solidFill>
+                      <a:prstDash val="solid"/>
+                      <a:round/>
+                      <a:headEnd type="none" w="med" len="med"/>
+                      <a:tailEnd type="none" w="med" len="med"/>
+                    </a:lnT>
+                    <a:lnB w="12700" cap="flat" cmpd="sng" algn="ctr">
+                      <a:solidFill>
+                        <a:schemeClr val="tx1"/>
+                      </a:solidFill>
+                      <a:prstDash val="solid"/>
+                      <a:round/>
+                      <a:headEnd type="none" w="med" len="med"/>
+                      <a:tailEnd type="none" w="med" len="med"/>
+                    </a:lnB>
+                  </a:tcPr>
+                </a:tc>
+                <a:tc>
+                  <a:txBody>
+                    <a:bodyPr/>
+                    <a:lstStyle/>
+                    <a:p>
+                      <a:pPr algn="ctr"/>
+                      <a:r>
+                        <a:rPr lang="en-HK" dirty="0"/>
+                        <a:t>9</a:t>
+                      </a:r>
+                    </a:p>
+                  </a:txBody>
+                  <a:tcPr>
+                    <a:lnL w="12700" cap="flat" cmpd="sng" algn="ctr">
+                      <a:solidFill>
+                        <a:schemeClr val="tx1"/>
+                      </a:solidFill>
+                      <a:prstDash val="solid"/>
+                      <a:round/>
+                      <a:headEnd type="none" w="med" len="med"/>
+                      <a:tailEnd type="none" w="med" len="med"/>
+                    </a:lnL>
+                    <a:lnR w="12700" cap="flat" cmpd="sng" algn="ctr">
+                      <a:solidFill>
+                        <a:schemeClr val="tx1"/>
+                      </a:solidFill>
+                      <a:prstDash val="solid"/>
+                      <a:round/>
+                      <a:headEnd type="none" w="med" len="med"/>
+                      <a:tailEnd type="none" w="med" len="med"/>
+                    </a:lnR>
+                    <a:lnT w="12700" cap="flat" cmpd="sng" algn="ctr">
+                      <a:solidFill>
+                        <a:schemeClr val="tx1"/>
+                      </a:solidFill>
+                      <a:prstDash val="solid"/>
+                      <a:round/>
+                      <a:headEnd type="none" w="med" len="med"/>
+                      <a:tailEnd type="none" w="med" len="med"/>
+                    </a:lnT>
+                    <a:lnB w="12700" cap="flat" cmpd="sng" algn="ctr">
+                      <a:solidFill>
+                        <a:schemeClr val="tx1"/>
+                      </a:solidFill>
+                      <a:prstDash val="solid"/>
+                      <a:round/>
+                      <a:headEnd type="none" w="med" len="med"/>
+                      <a:tailEnd type="none" w="med" len="med"/>
+                    </a:lnB>
+                  </a:tcPr>
+                </a:tc>
+                <a:tc>
+                  <a:txBody>
+                    <a:bodyPr/>
+                    <a:lstStyle/>
+                    <a:p>
+                      <a:pPr algn="ctr"/>
+                      <a:r>
+                        <a:rPr lang="en-HK" dirty="0"/>
+                        <a:t>10</a:t>
+                      </a:r>
+                    </a:p>
+                  </a:txBody>
+                  <a:tcPr>
+                    <a:lnL w="12700" cap="flat" cmpd="sng" algn="ctr">
+                      <a:solidFill>
+                        <a:schemeClr val="tx1"/>
+                      </a:solidFill>
+                      <a:prstDash val="solid"/>
+                      <a:round/>
+                      <a:headEnd type="none" w="med" len="med"/>
+                      <a:tailEnd type="none" w="med" len="med"/>
+                    </a:lnL>
+                    <a:lnR w="12700" cap="flat" cmpd="sng" algn="ctr">
+                      <a:solidFill>
+                        <a:schemeClr val="tx1"/>
+                      </a:solidFill>
+                      <a:prstDash val="solid"/>
+                      <a:round/>
+                      <a:headEnd type="none" w="med" len="med"/>
+                      <a:tailEnd type="none" w="med" len="med"/>
+                    </a:lnR>
+                    <a:lnT w="12700" cap="flat" cmpd="sng" algn="ctr">
+                      <a:solidFill>
+                        <a:schemeClr val="tx1"/>
+                      </a:solidFill>
+                      <a:prstDash val="solid"/>
+                      <a:round/>
+                      <a:headEnd type="none" w="med" len="med"/>
+                      <a:tailEnd type="none" w="med" len="med"/>
+                    </a:lnT>
+                    <a:lnB w="12700" cap="flat" cmpd="sng" algn="ctr">
+                      <a:solidFill>
+                        <a:schemeClr val="tx1"/>
+                      </a:solidFill>
+                      <a:prstDash val="solid"/>
+                      <a:round/>
+                      <a:headEnd type="none" w="med" len="med"/>
+                      <a:tailEnd type="none" w="med" len="med"/>
+                    </a:lnB>
+                  </a:tcPr>
+                </a:tc>
+                <a:extLst>
+                  <a:ext uri="{0D108BD9-81ED-4DB2-BD59-A6C34878D82A}">
+                    <a16:rowId xmlns:a16="http://schemas.microsoft.com/office/drawing/2014/main" val="2303845402"/>
+                  </a:ext>
+                </a:extLst>
+              </a:tr>
+            </a:tbl>
+          </a:graphicData>
+        </a:graphic>
+      </p:graphicFrame>
+      <p:graphicFrame>
+        <p:nvGraphicFramePr>
+          <p:cNvPr id="19" name="Table 18">
+            <a:extLst>
+              <a:ext uri="{FF2B5EF4-FFF2-40B4-BE49-F238E27FC236}">
+                <a16:creationId xmlns:a16="http://schemas.microsoft.com/office/drawing/2014/main" id="{49E5AE15-05F6-66EE-6D18-CC9CE8782E3F}"/>
+              </a:ext>
+            </a:extLst>
+          </p:cNvPr>
+          <p:cNvGraphicFramePr>
+            <a:graphicFrameLocks noGrp="1"/>
+          </p:cNvGraphicFramePr>
+          <p:nvPr>
+            <p:extLst>
+              <p:ext uri="{D42A27DB-BD31-4B8C-83A1-F6EECF244321}">
+                <p14:modId xmlns:p14="http://schemas.microsoft.com/office/powerpoint/2010/main" val="3065157115"/>
+              </p:ext>
+            </p:extLst>
+          </p:nvPr>
+        </p:nvGraphicFramePr>
+        <p:xfrm>
+          <a:off x="5552529" y="2078967"/>
+          <a:ext cx="2139355" cy="431320"/>
+        </p:xfrm>
+        <a:graphic>
+          <a:graphicData uri="http://schemas.openxmlformats.org/drawingml/2006/table">
+            <a:tbl>
+              <a:tblPr/>
+              <a:tblGrid>
+                <a:gridCol w="427871">
+                  <a:extLst>
+                    <a:ext uri="{9D8B030D-6E8A-4147-A177-3AD203B41FA5}">
+                      <a16:colId xmlns:a16="http://schemas.microsoft.com/office/drawing/2014/main" val="4237174852"/>
+                    </a:ext>
+                  </a:extLst>
+                </a:gridCol>
+                <a:gridCol w="427871">
+                  <a:extLst>
+                    <a:ext uri="{9D8B030D-6E8A-4147-A177-3AD203B41FA5}">
+                      <a16:colId xmlns:a16="http://schemas.microsoft.com/office/drawing/2014/main" val="1953945196"/>
+                    </a:ext>
+                  </a:extLst>
+                </a:gridCol>
+                <a:gridCol w="427871">
+                  <a:extLst>
+                    <a:ext uri="{9D8B030D-6E8A-4147-A177-3AD203B41FA5}">
+                      <a16:colId xmlns:a16="http://schemas.microsoft.com/office/drawing/2014/main" val="3534266745"/>
+                    </a:ext>
+                  </a:extLst>
+                </a:gridCol>
+                <a:gridCol w="427871">
+                  <a:extLst>
+                    <a:ext uri="{9D8B030D-6E8A-4147-A177-3AD203B41FA5}">
+                      <a16:colId xmlns:a16="http://schemas.microsoft.com/office/drawing/2014/main" val="2715971765"/>
+                    </a:ext>
+                  </a:extLst>
+                </a:gridCol>
+                <a:gridCol w="427871">
+                  <a:extLst>
+                    <a:ext uri="{9D8B030D-6E8A-4147-A177-3AD203B41FA5}">
+                      <a16:colId xmlns:a16="http://schemas.microsoft.com/office/drawing/2014/main" val="2910653707"/>
+                    </a:ext>
+                  </a:extLst>
+                </a:gridCol>
+              </a:tblGrid>
+              <a:tr h="431320">
+                <a:tc>
+                  <a:txBody>
+                    <a:bodyPr/>
+                    <a:lstStyle/>
+                    <a:p>
+                      <a:pPr algn="ctr"/>
+                      <a:r>
+                        <a:rPr lang="en-HK" dirty="0"/>
+                        <a:t>6</a:t>
+                      </a:r>
+                    </a:p>
+                  </a:txBody>
+                  <a:tcPr>
+                    <a:lnL w="12700" cap="flat" cmpd="sng" algn="ctr">
+                      <a:solidFill>
+                        <a:schemeClr val="tx1"/>
+                      </a:solidFill>
+                      <a:prstDash val="solid"/>
+                      <a:round/>
+                      <a:headEnd type="none" w="med" len="med"/>
+                      <a:tailEnd type="none" w="med" len="med"/>
+                    </a:lnL>
+                    <a:lnR w="12700" cap="flat" cmpd="sng" algn="ctr">
+                      <a:solidFill>
+                        <a:schemeClr val="tx1"/>
+                      </a:solidFill>
+                      <a:prstDash val="solid"/>
+                      <a:round/>
+                      <a:headEnd type="none" w="med" len="med"/>
+                      <a:tailEnd type="none" w="med" len="med"/>
+                    </a:lnR>
+                    <a:lnT w="12700" cap="flat" cmpd="sng" algn="ctr">
+                      <a:solidFill>
+                        <a:schemeClr val="tx1"/>
+                      </a:solidFill>
+                      <a:prstDash val="solid"/>
+                      <a:round/>
+                      <a:headEnd type="none" w="med" len="med"/>
+                      <a:tailEnd type="none" w="med" len="med"/>
+                    </a:lnT>
+                    <a:lnB w="12700" cap="flat" cmpd="sng" algn="ctr">
+                      <a:solidFill>
+                        <a:schemeClr val="tx1"/>
+                      </a:solidFill>
+                      <a:prstDash val="solid"/>
+                      <a:round/>
+                      <a:headEnd type="none" w="med" len="med"/>
+                      <a:tailEnd type="none" w="med" len="med"/>
+                    </a:lnB>
+                  </a:tcPr>
+                </a:tc>
+                <a:tc>
+                  <a:txBody>
+                    <a:bodyPr/>
+                    <a:lstStyle/>
+                    <a:p>
+                      <a:pPr algn="ctr"/>
+                      <a:r>
+                        <a:rPr lang="en-HK" dirty="0"/>
+                        <a:t>7</a:t>
+                      </a:r>
+                    </a:p>
+                  </a:txBody>
+                  <a:tcPr>
+                    <a:lnL w="12700" cap="flat" cmpd="sng" algn="ctr">
+                      <a:solidFill>
+                        <a:schemeClr val="tx1"/>
+                      </a:solidFill>
+                      <a:prstDash val="solid"/>
+                      <a:round/>
+                      <a:headEnd type="none" w="med" len="med"/>
+                      <a:tailEnd type="none" w="med" len="med"/>
+                    </a:lnL>
+                    <a:lnR w="12700" cap="flat" cmpd="sng" algn="ctr">
+                      <a:solidFill>
+                        <a:schemeClr val="tx1"/>
+                      </a:solidFill>
+                      <a:prstDash val="solid"/>
+                      <a:round/>
+                      <a:headEnd type="none" w="med" len="med"/>
+                      <a:tailEnd type="none" w="med" len="med"/>
+                    </a:lnR>
+                    <a:lnT w="12700" cap="flat" cmpd="sng" algn="ctr">
+                      <a:solidFill>
+                        <a:schemeClr val="tx1"/>
+                      </a:solidFill>
+                      <a:prstDash val="solid"/>
+                      <a:round/>
+                      <a:headEnd type="none" w="med" len="med"/>
+                      <a:tailEnd type="none" w="med" len="med"/>
+                    </a:lnT>
+                    <a:lnB w="12700" cap="flat" cmpd="sng" algn="ctr">
+                      <a:solidFill>
+                        <a:schemeClr val="tx1"/>
+                      </a:solidFill>
+                      <a:prstDash val="solid"/>
+                      <a:round/>
+                      <a:headEnd type="none" w="med" len="med"/>
+                      <a:tailEnd type="none" w="med" len="med"/>
+                    </a:lnB>
+                  </a:tcPr>
+                </a:tc>
+                <a:tc>
+                  <a:txBody>
+                    <a:bodyPr/>
+                    <a:lstStyle/>
+                    <a:p>
+                      <a:pPr algn="ctr"/>
+                      <a:r>
+                        <a:rPr lang="en-HK" dirty="0"/>
+                        <a:t>8</a:t>
+                      </a:r>
+                    </a:p>
+                  </a:txBody>
+                  <a:tcPr>
+                    <a:lnL w="12700" cap="flat" cmpd="sng" algn="ctr">
+                      <a:solidFill>
+                        <a:schemeClr val="tx1"/>
+                      </a:solidFill>
+                      <a:prstDash val="solid"/>
+                      <a:round/>
+                      <a:headEnd type="none" w="med" len="med"/>
+                      <a:tailEnd type="none" w="med" len="med"/>
+                    </a:lnL>
+                    <a:lnR w="12700" cap="flat" cmpd="sng" algn="ctr">
+                      <a:solidFill>
+                        <a:schemeClr val="tx1"/>
+                      </a:solidFill>
+                      <a:prstDash val="solid"/>
+                      <a:round/>
+                      <a:headEnd type="none" w="med" len="med"/>
+                      <a:tailEnd type="none" w="med" len="med"/>
+                    </a:lnR>
+                    <a:lnT w="12700" cap="flat" cmpd="sng" algn="ctr">
+                      <a:solidFill>
+                        <a:schemeClr val="tx1"/>
+                      </a:solidFill>
+                      <a:prstDash val="solid"/>
+                      <a:round/>
+                      <a:headEnd type="none" w="med" len="med"/>
+                      <a:tailEnd type="none" w="med" len="med"/>
+                    </a:lnT>
+                    <a:lnB w="12700" cap="flat" cmpd="sng" algn="ctr">
+                      <a:solidFill>
+                        <a:schemeClr val="tx1"/>
+                      </a:solidFill>
+                      <a:prstDash val="solid"/>
+                      <a:round/>
+                      <a:headEnd type="none" w="med" len="med"/>
+                      <a:tailEnd type="none" w="med" len="med"/>
+                    </a:lnB>
+                  </a:tcPr>
+                </a:tc>
+                <a:tc>
+                  <a:txBody>
+                    <a:bodyPr/>
+                    <a:lstStyle/>
+                    <a:p>
+                      <a:pPr algn="ctr"/>
+                      <a:r>
+                        <a:rPr lang="en-HK" dirty="0"/>
+                        <a:t>9</a:t>
+                      </a:r>
+                    </a:p>
+                  </a:txBody>
+                  <a:tcPr>
+                    <a:lnL w="12700" cap="flat" cmpd="sng" algn="ctr">
+                      <a:solidFill>
+                        <a:schemeClr val="tx1"/>
+                      </a:solidFill>
+                      <a:prstDash val="solid"/>
+                      <a:round/>
+                      <a:headEnd type="none" w="med" len="med"/>
+                      <a:tailEnd type="none" w="med" len="med"/>
+                    </a:lnL>
+                    <a:lnR w="12700" cap="flat" cmpd="sng" algn="ctr">
+                      <a:solidFill>
+                        <a:schemeClr val="tx1"/>
+                      </a:solidFill>
+                      <a:prstDash val="solid"/>
+                      <a:round/>
+                      <a:headEnd type="none" w="med" len="med"/>
+                      <a:tailEnd type="none" w="med" len="med"/>
+                    </a:lnR>
+                    <a:lnT w="12700" cap="flat" cmpd="sng" algn="ctr">
+                      <a:solidFill>
+                        <a:schemeClr val="tx1"/>
+                      </a:solidFill>
+                      <a:prstDash val="solid"/>
+                      <a:round/>
+                      <a:headEnd type="none" w="med" len="med"/>
+                      <a:tailEnd type="none" w="med" len="med"/>
+                    </a:lnT>
+                    <a:lnB w="12700" cap="flat" cmpd="sng" algn="ctr">
+                      <a:solidFill>
+                        <a:schemeClr val="tx1"/>
+                      </a:solidFill>
+                      <a:prstDash val="solid"/>
+                      <a:round/>
+                      <a:headEnd type="none" w="med" len="med"/>
+                      <a:tailEnd type="none" w="med" len="med"/>
+                    </a:lnB>
+                  </a:tcPr>
+                </a:tc>
+                <a:tc>
+                  <a:txBody>
+                    <a:bodyPr/>
+                    <a:lstStyle/>
+                    <a:p>
+                      <a:pPr algn="ctr"/>
+                      <a:r>
+                        <a:rPr lang="en-HK" dirty="0"/>
+                        <a:t>10</a:t>
+                      </a:r>
+                    </a:p>
+                  </a:txBody>
+                  <a:tcPr>
+                    <a:lnL w="12700" cap="flat" cmpd="sng" algn="ctr">
+                      <a:solidFill>
+                        <a:schemeClr val="tx1"/>
+                      </a:solidFill>
+                      <a:prstDash val="solid"/>
+                      <a:round/>
+                      <a:headEnd type="none" w="med" len="med"/>
+                      <a:tailEnd type="none" w="med" len="med"/>
+                    </a:lnL>
+                    <a:lnR w="12700" cap="flat" cmpd="sng" algn="ctr">
+                      <a:solidFill>
+                        <a:schemeClr val="tx1"/>
+                      </a:solidFill>
+                      <a:prstDash val="solid"/>
+                      <a:round/>
+                      <a:headEnd type="none" w="med" len="med"/>
+                      <a:tailEnd type="none" w="med" len="med"/>
+                    </a:lnR>
+                    <a:lnT w="12700" cap="flat" cmpd="sng" algn="ctr">
+                      <a:solidFill>
+                        <a:schemeClr val="tx1"/>
+                      </a:solidFill>
+                      <a:prstDash val="solid"/>
+                      <a:round/>
+                      <a:headEnd type="none" w="med" len="med"/>
+                      <a:tailEnd type="none" w="med" len="med"/>
+                    </a:lnT>
+                    <a:lnB w="12700" cap="flat" cmpd="sng" algn="ctr">
+                      <a:solidFill>
+                        <a:schemeClr val="tx1"/>
+                      </a:solidFill>
+                      <a:prstDash val="solid"/>
+                      <a:round/>
+                      <a:headEnd type="none" w="med" len="med"/>
+                      <a:tailEnd type="none" w="med" len="med"/>
+                    </a:lnB>
+                  </a:tcPr>
+                </a:tc>
+                <a:extLst>
+                  <a:ext uri="{0D108BD9-81ED-4DB2-BD59-A6C34878D82A}">
+                    <a16:rowId xmlns:a16="http://schemas.microsoft.com/office/drawing/2014/main" val="2303845402"/>
+                  </a:ext>
+                </a:extLst>
+              </a:tr>
+            </a:tbl>
+          </a:graphicData>
+        </a:graphic>
+      </p:graphicFrame>
+      <p:graphicFrame>
+        <p:nvGraphicFramePr>
+          <p:cNvPr id="20" name="Table 19">
+            <a:extLst>
+              <a:ext uri="{FF2B5EF4-FFF2-40B4-BE49-F238E27FC236}">
+                <a16:creationId xmlns:a16="http://schemas.microsoft.com/office/drawing/2014/main" id="{AB5C1550-A12A-9F5F-9D22-72847AEA66E6}"/>
+              </a:ext>
+            </a:extLst>
+          </p:cNvPr>
+          <p:cNvGraphicFramePr>
+            <a:graphicFrameLocks noGrp="1"/>
+          </p:cNvGraphicFramePr>
+          <p:nvPr>
+            <p:extLst>
+              <p:ext uri="{D42A27DB-BD31-4B8C-83A1-F6EECF244321}">
+                <p14:modId xmlns:p14="http://schemas.microsoft.com/office/powerpoint/2010/main" val="824819842"/>
+              </p:ext>
+            </p:extLst>
+          </p:nvPr>
+        </p:nvGraphicFramePr>
+        <p:xfrm>
+          <a:off x="5552529" y="2622431"/>
+          <a:ext cx="2139355" cy="431320"/>
+        </p:xfrm>
+        <a:graphic>
+          <a:graphicData uri="http://schemas.openxmlformats.org/drawingml/2006/table">
+            <a:tbl>
+              <a:tblPr/>
+              <a:tblGrid>
+                <a:gridCol w="427871">
+                  <a:extLst>
+                    <a:ext uri="{9D8B030D-6E8A-4147-A177-3AD203B41FA5}">
+                      <a16:colId xmlns:a16="http://schemas.microsoft.com/office/drawing/2014/main" val="4237174852"/>
+                    </a:ext>
+                  </a:extLst>
+                </a:gridCol>
+                <a:gridCol w="427871">
+                  <a:extLst>
+                    <a:ext uri="{9D8B030D-6E8A-4147-A177-3AD203B41FA5}">
+                      <a16:colId xmlns:a16="http://schemas.microsoft.com/office/drawing/2014/main" val="1953945196"/>
+                    </a:ext>
+                  </a:extLst>
+                </a:gridCol>
+                <a:gridCol w="427871">
+                  <a:extLst>
+                    <a:ext uri="{9D8B030D-6E8A-4147-A177-3AD203B41FA5}">
+                      <a16:colId xmlns:a16="http://schemas.microsoft.com/office/drawing/2014/main" val="3534266745"/>
+                    </a:ext>
+                  </a:extLst>
+                </a:gridCol>
+                <a:gridCol w="427871">
+                  <a:extLst>
+                    <a:ext uri="{9D8B030D-6E8A-4147-A177-3AD203B41FA5}">
+                      <a16:colId xmlns:a16="http://schemas.microsoft.com/office/drawing/2014/main" val="2715971765"/>
+                    </a:ext>
+                  </a:extLst>
+                </a:gridCol>
+                <a:gridCol w="427871">
+                  <a:extLst>
+                    <a:ext uri="{9D8B030D-6E8A-4147-A177-3AD203B41FA5}">
+                      <a16:colId xmlns:a16="http://schemas.microsoft.com/office/drawing/2014/main" val="2910653707"/>
+                    </a:ext>
+                  </a:extLst>
+                </a:gridCol>
+              </a:tblGrid>
+              <a:tr h="431320">
+                <a:tc>
+                  <a:txBody>
+                    <a:bodyPr/>
+                    <a:lstStyle/>
+                    <a:p>
+                      <a:pPr algn="ctr"/>
+                      <a:r>
+                        <a:rPr lang="en-HK" dirty="0"/>
+                        <a:t>6</a:t>
+                      </a:r>
+                    </a:p>
+                  </a:txBody>
+                  <a:tcPr>
+                    <a:lnL w="12700" cap="flat" cmpd="sng" algn="ctr">
+                      <a:solidFill>
+                        <a:schemeClr val="tx1"/>
+                      </a:solidFill>
+                      <a:prstDash val="solid"/>
+                      <a:round/>
+                      <a:headEnd type="none" w="med" len="med"/>
+                      <a:tailEnd type="none" w="med" len="med"/>
+                    </a:lnL>
+                    <a:lnR w="12700" cap="flat" cmpd="sng" algn="ctr">
+                      <a:solidFill>
+                        <a:schemeClr val="tx1"/>
+                      </a:solidFill>
+                      <a:prstDash val="solid"/>
+                      <a:round/>
+                      <a:headEnd type="none" w="med" len="med"/>
+                      <a:tailEnd type="none" w="med" len="med"/>
+                    </a:lnR>
+                    <a:lnT w="12700" cap="flat" cmpd="sng" algn="ctr">
+                      <a:solidFill>
+                        <a:schemeClr val="tx1"/>
+                      </a:solidFill>
+                      <a:prstDash val="solid"/>
+                      <a:round/>
+                      <a:headEnd type="none" w="med" len="med"/>
+                      <a:tailEnd type="none" w="med" len="med"/>
+                    </a:lnT>
+                    <a:lnB w="12700" cap="flat" cmpd="sng" algn="ctr">
+                      <a:solidFill>
+                        <a:schemeClr val="tx1"/>
+                      </a:solidFill>
+                      <a:prstDash val="solid"/>
+                      <a:round/>
+                      <a:headEnd type="none" w="med" len="med"/>
+                      <a:tailEnd type="none" w="med" len="med"/>
+                    </a:lnB>
+                  </a:tcPr>
+                </a:tc>
+                <a:tc>
+                  <a:txBody>
+                    <a:bodyPr/>
+                    <a:lstStyle/>
+                    <a:p>
+                      <a:pPr algn="ctr"/>
+                      <a:r>
+                        <a:rPr lang="en-HK" dirty="0"/>
+                        <a:t>7</a:t>
+                      </a:r>
+                    </a:p>
+                  </a:txBody>
+                  <a:tcPr>
+                    <a:lnL w="12700" cap="flat" cmpd="sng" algn="ctr">
+                      <a:solidFill>
+                        <a:schemeClr val="tx1"/>
+                      </a:solidFill>
+                      <a:prstDash val="solid"/>
+                      <a:round/>
+                      <a:headEnd type="none" w="med" len="med"/>
+                      <a:tailEnd type="none" w="med" len="med"/>
+                    </a:lnL>
+                    <a:lnR w="12700" cap="flat" cmpd="sng" algn="ctr">
+                      <a:solidFill>
+                        <a:schemeClr val="tx1"/>
+                      </a:solidFill>
+                      <a:prstDash val="solid"/>
+                      <a:round/>
+                      <a:headEnd type="none" w="med" len="med"/>
+                      <a:tailEnd type="none" w="med" len="med"/>
+                    </a:lnR>
+                    <a:lnT w="12700" cap="flat" cmpd="sng" algn="ctr">
+                      <a:solidFill>
+                        <a:schemeClr val="tx1"/>
+                      </a:solidFill>
+                      <a:prstDash val="solid"/>
+                      <a:round/>
+                      <a:headEnd type="none" w="med" len="med"/>
+                      <a:tailEnd type="none" w="med" len="med"/>
+                    </a:lnT>
+                    <a:lnB w="12700" cap="flat" cmpd="sng" algn="ctr">
+                      <a:solidFill>
+                        <a:schemeClr val="tx1"/>
+                      </a:solidFill>
+                      <a:prstDash val="solid"/>
+                      <a:round/>
+                      <a:headEnd type="none" w="med" len="med"/>
+                      <a:tailEnd type="none" w="med" len="med"/>
+                    </a:lnB>
+                  </a:tcPr>
+                </a:tc>
+                <a:tc>
+                  <a:txBody>
+                    <a:bodyPr/>
+                    <a:lstStyle/>
+                    <a:p>
+                      <a:pPr algn="ctr"/>
+                      <a:r>
+                        <a:rPr lang="en-HK" dirty="0"/>
+                        <a:t>8</a:t>
+                      </a:r>
+                    </a:p>
+                  </a:txBody>
+                  <a:tcPr>
+                    <a:lnL w="12700" cap="flat" cmpd="sng" algn="ctr">
+                      <a:solidFill>
+                        <a:schemeClr val="tx1"/>
+                      </a:solidFill>
+                      <a:prstDash val="solid"/>
+                      <a:round/>
+                      <a:headEnd type="none" w="med" len="med"/>
+                      <a:tailEnd type="none" w="med" len="med"/>
+                    </a:lnL>
+                    <a:lnR w="12700" cap="flat" cmpd="sng" algn="ctr">
+                      <a:solidFill>
+                        <a:schemeClr val="tx1"/>
+                      </a:solidFill>
+                      <a:prstDash val="solid"/>
+                      <a:round/>
+                      <a:headEnd type="none" w="med" len="med"/>
+                      <a:tailEnd type="none" w="med" len="med"/>
+                    </a:lnR>
+                    <a:lnT w="12700" cap="flat" cmpd="sng" algn="ctr">
+                      <a:solidFill>
+                        <a:schemeClr val="tx1"/>
+                      </a:solidFill>
+                      <a:prstDash val="solid"/>
+                      <a:round/>
+                      <a:headEnd type="none" w="med" len="med"/>
+                      <a:tailEnd type="none" w="med" len="med"/>
+                    </a:lnT>
+                    <a:lnB w="12700" cap="flat" cmpd="sng" algn="ctr">
+                      <a:solidFill>
+                        <a:schemeClr val="tx1"/>
+                      </a:solidFill>
+                      <a:prstDash val="solid"/>
+                      <a:round/>
+                      <a:headEnd type="none" w="med" len="med"/>
+                      <a:tailEnd type="none" w="med" len="med"/>
+                    </a:lnB>
+                  </a:tcPr>
+                </a:tc>
+                <a:tc>
+                  <a:txBody>
+                    <a:bodyPr/>
+                    <a:lstStyle/>
+                    <a:p>
+                      <a:pPr algn="ctr"/>
+                      <a:r>
+                        <a:rPr lang="en-HK" dirty="0"/>
+                        <a:t>9</a:t>
+                      </a:r>
+                    </a:p>
+                  </a:txBody>
+                  <a:tcPr>
+                    <a:lnL w="12700" cap="flat" cmpd="sng" algn="ctr">
+                      <a:solidFill>
+                        <a:schemeClr val="tx1"/>
+                      </a:solidFill>
+                      <a:prstDash val="solid"/>
+                      <a:round/>
+                      <a:headEnd type="none" w="med" len="med"/>
+                      <a:tailEnd type="none" w="med" len="med"/>
+                    </a:lnL>
+                    <a:lnR w="12700" cap="flat" cmpd="sng" algn="ctr">
+                      <a:solidFill>
+                        <a:schemeClr val="tx1"/>
+                      </a:solidFill>
+                      <a:prstDash val="solid"/>
+                      <a:round/>
+                      <a:headEnd type="none" w="med" len="med"/>
+                      <a:tailEnd type="none" w="med" len="med"/>
+                    </a:lnR>
+                    <a:lnT w="12700" cap="flat" cmpd="sng" algn="ctr">
+                      <a:solidFill>
+                        <a:schemeClr val="tx1"/>
+                      </a:solidFill>
+                      <a:prstDash val="solid"/>
+                      <a:round/>
+                      <a:headEnd type="none" w="med" len="med"/>
+                      <a:tailEnd type="none" w="med" len="med"/>
+                    </a:lnT>
+                    <a:lnB w="12700" cap="flat" cmpd="sng" algn="ctr">
+                      <a:solidFill>
+                        <a:schemeClr val="tx1"/>
+                      </a:solidFill>
+                      <a:prstDash val="solid"/>
+                      <a:round/>
+                      <a:headEnd type="none" w="med" len="med"/>
+                      <a:tailEnd type="none" w="med" len="med"/>
+                    </a:lnB>
+                  </a:tcPr>
+                </a:tc>
+                <a:tc>
+                  <a:txBody>
+                    <a:bodyPr/>
+                    <a:lstStyle/>
+                    <a:p>
+                      <a:pPr algn="ctr"/>
+                      <a:r>
+                        <a:rPr lang="en-HK" dirty="0"/>
+                        <a:t>10</a:t>
+                      </a:r>
+                    </a:p>
+                  </a:txBody>
+                  <a:tcPr>
+                    <a:lnL w="12700" cap="flat" cmpd="sng" algn="ctr">
+                      <a:solidFill>
+                        <a:schemeClr val="tx1"/>
+                      </a:solidFill>
+                      <a:prstDash val="solid"/>
+                      <a:round/>
+                      <a:headEnd type="none" w="med" len="med"/>
+                      <a:tailEnd type="none" w="med" len="med"/>
+                    </a:lnL>
+                    <a:lnR w="12700" cap="flat" cmpd="sng" algn="ctr">
+                      <a:solidFill>
+                        <a:schemeClr val="tx1"/>
+                      </a:solidFill>
+                      <a:prstDash val="solid"/>
+                      <a:round/>
+                      <a:headEnd type="none" w="med" len="med"/>
+                      <a:tailEnd type="none" w="med" len="med"/>
+                    </a:lnR>
+                    <a:lnT w="12700" cap="flat" cmpd="sng" algn="ctr">
+                      <a:solidFill>
+                        <a:schemeClr val="tx1"/>
+                      </a:solidFill>
+                      <a:prstDash val="solid"/>
+                      <a:round/>
+                      <a:headEnd type="none" w="med" len="med"/>
+                      <a:tailEnd type="none" w="med" len="med"/>
+                    </a:lnT>
+                    <a:lnB w="12700" cap="flat" cmpd="sng" algn="ctr">
+                      <a:solidFill>
+                        <a:schemeClr val="tx1"/>
+                      </a:solidFill>
+                      <a:prstDash val="solid"/>
+                      <a:round/>
+                      <a:headEnd type="none" w="med" len="med"/>
+                      <a:tailEnd type="none" w="med" len="med"/>
+                    </a:lnB>
+                  </a:tcPr>
+                </a:tc>
+                <a:extLst>
+                  <a:ext uri="{0D108BD9-81ED-4DB2-BD59-A6C34878D82A}">
+                    <a16:rowId xmlns:a16="http://schemas.microsoft.com/office/drawing/2014/main" val="2303845402"/>
+                  </a:ext>
+                </a:extLst>
+              </a:tr>
+            </a:tbl>
+          </a:graphicData>
+        </a:graphic>
+      </p:graphicFrame>
+      <p:graphicFrame>
+        <p:nvGraphicFramePr>
+          <p:cNvPr id="21" name="Table 20">
+            <a:extLst>
+              <a:ext uri="{FF2B5EF4-FFF2-40B4-BE49-F238E27FC236}">
+                <a16:creationId xmlns:a16="http://schemas.microsoft.com/office/drawing/2014/main" id="{367C034E-5897-BE74-ECC5-0E3D0EF2C2D4}"/>
+              </a:ext>
+            </a:extLst>
+          </p:cNvPr>
+          <p:cNvGraphicFramePr>
+            <a:graphicFrameLocks noGrp="1"/>
+          </p:cNvGraphicFramePr>
+          <p:nvPr>
+            <p:extLst>
+              <p:ext uri="{D42A27DB-BD31-4B8C-83A1-F6EECF244321}">
+                <p14:modId xmlns:p14="http://schemas.microsoft.com/office/powerpoint/2010/main" val="3180478967"/>
+              </p:ext>
+            </p:extLst>
+          </p:nvPr>
+        </p:nvGraphicFramePr>
+        <p:xfrm>
+          <a:off x="5552529" y="3165895"/>
+          <a:ext cx="2139355" cy="431320"/>
+        </p:xfrm>
+        <a:graphic>
+          <a:graphicData uri="http://schemas.openxmlformats.org/drawingml/2006/table">
+            <a:tbl>
+              <a:tblPr/>
+              <a:tblGrid>
+                <a:gridCol w="427871">
+                  <a:extLst>
+                    <a:ext uri="{9D8B030D-6E8A-4147-A177-3AD203B41FA5}">
+                      <a16:colId xmlns:a16="http://schemas.microsoft.com/office/drawing/2014/main" val="4237174852"/>
+                    </a:ext>
+                  </a:extLst>
+                </a:gridCol>
+                <a:gridCol w="427871">
+                  <a:extLst>
+                    <a:ext uri="{9D8B030D-6E8A-4147-A177-3AD203B41FA5}">
+                      <a16:colId xmlns:a16="http://schemas.microsoft.com/office/drawing/2014/main" val="1953945196"/>
+                    </a:ext>
+                  </a:extLst>
+                </a:gridCol>
+                <a:gridCol w="427871">
+                  <a:extLst>
+                    <a:ext uri="{9D8B030D-6E8A-4147-A177-3AD203B41FA5}">
+                      <a16:colId xmlns:a16="http://schemas.microsoft.com/office/drawing/2014/main" val="3534266745"/>
+                    </a:ext>
+                  </a:extLst>
+                </a:gridCol>
+                <a:gridCol w="427871">
+                  <a:extLst>
+                    <a:ext uri="{9D8B030D-6E8A-4147-A177-3AD203B41FA5}">
+                      <a16:colId xmlns:a16="http://schemas.microsoft.com/office/drawing/2014/main" val="2715971765"/>
+                    </a:ext>
+                  </a:extLst>
+                </a:gridCol>
+                <a:gridCol w="427871">
+                  <a:extLst>
+                    <a:ext uri="{9D8B030D-6E8A-4147-A177-3AD203B41FA5}">
+                      <a16:colId xmlns:a16="http://schemas.microsoft.com/office/drawing/2014/main" val="2910653707"/>
+                    </a:ext>
+                  </a:extLst>
+                </a:gridCol>
+              </a:tblGrid>
+              <a:tr h="431320">
+                <a:tc>
+                  <a:txBody>
+                    <a:bodyPr/>
+                    <a:lstStyle/>
+                    <a:p>
+                      <a:pPr algn="ctr"/>
+                      <a:r>
+                        <a:rPr lang="en-HK" dirty="0"/>
+                        <a:t>6</a:t>
+                      </a:r>
+                    </a:p>
+                  </a:txBody>
+                  <a:tcPr>
+                    <a:lnL w="12700" cap="flat" cmpd="sng" algn="ctr">
+                      <a:solidFill>
+                        <a:schemeClr val="tx1"/>
+                      </a:solidFill>
+                      <a:prstDash val="solid"/>
+                      <a:round/>
+                      <a:headEnd type="none" w="med" len="med"/>
+                      <a:tailEnd type="none" w="med" len="med"/>
+                    </a:lnL>
+                    <a:lnR w="12700" cap="flat" cmpd="sng" algn="ctr">
+                      <a:solidFill>
+                        <a:schemeClr val="tx1"/>
+                      </a:solidFill>
+                      <a:prstDash val="solid"/>
+                      <a:round/>
+                      <a:headEnd type="none" w="med" len="med"/>
+                      <a:tailEnd type="none" w="med" len="med"/>
+                    </a:lnR>
+                    <a:lnT w="12700" cap="flat" cmpd="sng" algn="ctr">
+                      <a:solidFill>
+                        <a:schemeClr val="tx1"/>
+                      </a:solidFill>
+                      <a:prstDash val="solid"/>
+                      <a:round/>
+                      <a:headEnd type="none" w="med" len="med"/>
+                      <a:tailEnd type="none" w="med" len="med"/>
+                    </a:lnT>
+                    <a:lnB w="12700" cap="flat" cmpd="sng" algn="ctr">
+                      <a:solidFill>
+                        <a:schemeClr val="tx1"/>
+                      </a:solidFill>
+                      <a:prstDash val="solid"/>
+                      <a:round/>
+                      <a:headEnd type="none" w="med" len="med"/>
+                      <a:tailEnd type="none" w="med" len="med"/>
+                    </a:lnB>
+                  </a:tcPr>
+                </a:tc>
+                <a:tc>
+                  <a:txBody>
+                    <a:bodyPr/>
+                    <a:lstStyle/>
+                    <a:p>
+                      <a:pPr algn="ctr"/>
+                      <a:r>
+                        <a:rPr lang="en-HK" dirty="0"/>
+                        <a:t>7</a:t>
+                      </a:r>
+                    </a:p>
+                  </a:txBody>
+                  <a:tcPr>
+                    <a:lnL w="12700" cap="flat" cmpd="sng" algn="ctr">
+                      <a:solidFill>
+                        <a:schemeClr val="tx1"/>
+                      </a:solidFill>
+                      <a:prstDash val="solid"/>
+                      <a:round/>
+                      <a:headEnd type="none" w="med" len="med"/>
+                      <a:tailEnd type="none" w="med" len="med"/>
+                    </a:lnL>
+                    <a:lnR w="12700" cap="flat" cmpd="sng" algn="ctr">
+                      <a:solidFill>
+                        <a:schemeClr val="tx1"/>
+                      </a:solidFill>
+                      <a:prstDash val="solid"/>
+                      <a:round/>
+                      <a:headEnd type="none" w="med" len="med"/>
+                      <a:tailEnd type="none" w="med" len="med"/>
+                    </a:lnR>
+                    <a:lnT w="12700" cap="flat" cmpd="sng" algn="ctr">
+                      <a:solidFill>
+                        <a:schemeClr val="tx1"/>
+                      </a:solidFill>
+                      <a:prstDash val="solid"/>
+                      <a:round/>
+                      <a:headEnd type="none" w="med" len="med"/>
+                      <a:tailEnd type="none" w="med" len="med"/>
+                    </a:lnT>
+                    <a:lnB w="12700" cap="flat" cmpd="sng" algn="ctr">
+                      <a:solidFill>
+                        <a:schemeClr val="tx1"/>
+                      </a:solidFill>
+                      <a:prstDash val="solid"/>
+                      <a:round/>
+                      <a:headEnd type="none" w="med" len="med"/>
+                      <a:tailEnd type="none" w="med" len="med"/>
+                    </a:lnB>
+                  </a:tcPr>
+                </a:tc>
+                <a:tc>
+                  <a:txBody>
+                    <a:bodyPr/>
+                    <a:lstStyle/>
+                    <a:p>
+                      <a:pPr algn="ctr"/>
+                      <a:r>
+                        <a:rPr lang="en-HK" dirty="0"/>
+                        <a:t>8</a:t>
+                      </a:r>
+                    </a:p>
+                  </a:txBody>
+                  <a:tcPr>
+                    <a:lnL w="12700" cap="flat" cmpd="sng" algn="ctr">
+                      <a:solidFill>
+                        <a:schemeClr val="tx1"/>
+                      </a:solidFill>
+                      <a:prstDash val="solid"/>
+                      <a:round/>
+                      <a:headEnd type="none" w="med" len="med"/>
+                      <a:tailEnd type="none" w="med" len="med"/>
+                    </a:lnL>
+                    <a:lnR w="12700" cap="flat" cmpd="sng" algn="ctr">
+                      <a:solidFill>
+                        <a:schemeClr val="tx1"/>
+                      </a:solidFill>
+                      <a:prstDash val="solid"/>
+                      <a:round/>
+                      <a:headEnd type="none" w="med" len="med"/>
+                      <a:tailEnd type="none" w="med" len="med"/>
+                    </a:lnR>
+                    <a:lnT w="12700" cap="flat" cmpd="sng" algn="ctr">
+                      <a:solidFill>
+                        <a:schemeClr val="tx1"/>
+                      </a:solidFill>
+                      <a:prstDash val="solid"/>
+                      <a:round/>
+                      <a:headEnd type="none" w="med" len="med"/>
+                      <a:tailEnd type="none" w="med" len="med"/>
+                    </a:lnT>
+                    <a:lnB w="12700" cap="flat" cmpd="sng" algn="ctr">
+                      <a:solidFill>
+                        <a:schemeClr val="tx1"/>
+                      </a:solidFill>
+                      <a:prstDash val="solid"/>
+                      <a:round/>
+                      <a:headEnd type="none" w="med" len="med"/>
+                      <a:tailEnd type="none" w="med" len="med"/>
+                    </a:lnB>
+                  </a:tcPr>
+                </a:tc>
+                <a:tc>
+                  <a:txBody>
+                    <a:bodyPr/>
+                    <a:lstStyle/>
+                    <a:p>
+                      <a:pPr algn="ctr"/>
+                      <a:r>
+                        <a:rPr lang="en-HK" dirty="0"/>
+                        <a:t>9</a:t>
+                      </a:r>
+                    </a:p>
+                  </a:txBody>
+                  <a:tcPr>
+                    <a:lnL w="12700" cap="flat" cmpd="sng" algn="ctr">
+                      <a:solidFill>
+                        <a:schemeClr val="tx1"/>
+                      </a:solidFill>
+                      <a:prstDash val="solid"/>
+                      <a:round/>
+                      <a:headEnd type="none" w="med" len="med"/>
+                      <a:tailEnd type="none" w="med" len="med"/>
+                    </a:lnL>
+                    <a:lnR w="12700" cap="flat" cmpd="sng" algn="ctr">
+                      <a:solidFill>
+                        <a:schemeClr val="tx1"/>
+                      </a:solidFill>
+                      <a:prstDash val="solid"/>
+                      <a:round/>
+                      <a:headEnd type="none" w="med" len="med"/>
+                      <a:tailEnd type="none" w="med" len="med"/>
+                    </a:lnR>
+                    <a:lnT w="12700" cap="flat" cmpd="sng" algn="ctr">
+                      <a:solidFill>
+                        <a:schemeClr val="tx1"/>
+                      </a:solidFill>
+                      <a:prstDash val="solid"/>
+                      <a:round/>
+                      <a:headEnd type="none" w="med" len="med"/>
+                      <a:tailEnd type="none" w="med" len="med"/>
+                    </a:lnT>
+                    <a:lnB w="12700" cap="flat" cmpd="sng" algn="ctr">
+                      <a:solidFill>
+                        <a:schemeClr val="tx1"/>
+                      </a:solidFill>
+                      <a:prstDash val="solid"/>
+                      <a:round/>
+                      <a:headEnd type="none" w="med" len="med"/>
+                      <a:tailEnd type="none" w="med" len="med"/>
+                    </a:lnB>
+                  </a:tcPr>
+                </a:tc>
+                <a:tc>
+                  <a:txBody>
+                    <a:bodyPr/>
+                    <a:lstStyle/>
+                    <a:p>
+                      <a:pPr algn="ctr"/>
+                      <a:r>
+                        <a:rPr lang="en-HK" dirty="0"/>
+                        <a:t>10</a:t>
+                      </a:r>
+                    </a:p>
+                  </a:txBody>
+                  <a:tcPr>
+                    <a:lnL w="12700" cap="flat" cmpd="sng" algn="ctr">
+                      <a:solidFill>
+                        <a:schemeClr val="tx1"/>
+                      </a:solidFill>
+                      <a:prstDash val="solid"/>
+                      <a:round/>
+                      <a:headEnd type="none" w="med" len="med"/>
+                      <a:tailEnd type="none" w="med" len="med"/>
+                    </a:lnL>
+                    <a:lnR w="12700" cap="flat" cmpd="sng" algn="ctr">
+                      <a:solidFill>
+                        <a:schemeClr val="tx1"/>
+                      </a:solidFill>
+                      <a:prstDash val="solid"/>
+                      <a:round/>
+                      <a:headEnd type="none" w="med" len="med"/>
+                      <a:tailEnd type="none" w="med" len="med"/>
+                    </a:lnR>
+                    <a:lnT w="12700" cap="flat" cmpd="sng" algn="ctr">
+                      <a:solidFill>
+                        <a:schemeClr val="tx1"/>
+                      </a:solidFill>
+                      <a:prstDash val="solid"/>
+                      <a:round/>
+                      <a:headEnd type="none" w="med" len="med"/>
+                      <a:tailEnd type="none" w="med" len="med"/>
+                    </a:lnT>
+                    <a:lnB w="12700" cap="flat" cmpd="sng" algn="ctr">
+                      <a:solidFill>
+                        <a:schemeClr val="tx1"/>
+                      </a:solidFill>
+                      <a:prstDash val="solid"/>
+                      <a:round/>
+                      <a:headEnd type="none" w="med" len="med"/>
+                      <a:tailEnd type="none" w="med" len="med"/>
+                    </a:lnB>
+                  </a:tcPr>
+                </a:tc>
+                <a:extLst>
+                  <a:ext uri="{0D108BD9-81ED-4DB2-BD59-A6C34878D82A}">
+                    <a16:rowId xmlns:a16="http://schemas.microsoft.com/office/drawing/2014/main" val="2303845402"/>
+                  </a:ext>
+                </a:extLst>
+              </a:tr>
+            </a:tbl>
+          </a:graphicData>
+        </a:graphic>
+      </p:graphicFrame>
+      <p:graphicFrame>
+        <p:nvGraphicFramePr>
+          <p:cNvPr id="22" name="Table 21">
+            <a:extLst>
+              <a:ext uri="{FF2B5EF4-FFF2-40B4-BE49-F238E27FC236}">
+                <a16:creationId xmlns:a16="http://schemas.microsoft.com/office/drawing/2014/main" id="{8778A8E7-A3EB-5D19-FC8D-06ADFA46F856}"/>
+              </a:ext>
+            </a:extLst>
+          </p:cNvPr>
+          <p:cNvGraphicFramePr>
+            <a:graphicFrameLocks noGrp="1"/>
+          </p:cNvGraphicFramePr>
+          <p:nvPr>
+            <p:extLst>
+              <p:ext uri="{D42A27DB-BD31-4B8C-83A1-F6EECF244321}">
+                <p14:modId xmlns:p14="http://schemas.microsoft.com/office/powerpoint/2010/main" val="466294653"/>
+              </p:ext>
+            </p:extLst>
+          </p:nvPr>
+        </p:nvGraphicFramePr>
+        <p:xfrm>
+          <a:off x="5552528" y="3709361"/>
+          <a:ext cx="2139355" cy="431320"/>
+        </p:xfrm>
+        <a:graphic>
+          <a:graphicData uri="http://schemas.openxmlformats.org/drawingml/2006/table">
+            <a:tbl>
+              <a:tblPr/>
+              <a:tblGrid>
+                <a:gridCol w="427871">
+                  <a:extLst>
+                    <a:ext uri="{9D8B030D-6E8A-4147-A177-3AD203B41FA5}">
+                      <a16:colId xmlns:a16="http://schemas.microsoft.com/office/drawing/2014/main" val="4237174852"/>
+                    </a:ext>
+                  </a:extLst>
+                </a:gridCol>
+                <a:gridCol w="427871">
+                  <a:extLst>
+                    <a:ext uri="{9D8B030D-6E8A-4147-A177-3AD203B41FA5}">
+                      <a16:colId xmlns:a16="http://schemas.microsoft.com/office/drawing/2014/main" val="1953945196"/>
+                    </a:ext>
+                  </a:extLst>
+                </a:gridCol>
+                <a:gridCol w="427871">
+                  <a:extLst>
+                    <a:ext uri="{9D8B030D-6E8A-4147-A177-3AD203B41FA5}">
+                      <a16:colId xmlns:a16="http://schemas.microsoft.com/office/drawing/2014/main" val="3534266745"/>
+                    </a:ext>
+                  </a:extLst>
+                </a:gridCol>
+                <a:gridCol w="427871">
+                  <a:extLst>
+                    <a:ext uri="{9D8B030D-6E8A-4147-A177-3AD203B41FA5}">
+                      <a16:colId xmlns:a16="http://schemas.microsoft.com/office/drawing/2014/main" val="2715971765"/>
+                    </a:ext>
+                  </a:extLst>
+                </a:gridCol>
+                <a:gridCol w="427871">
+                  <a:extLst>
+                    <a:ext uri="{9D8B030D-6E8A-4147-A177-3AD203B41FA5}">
+                      <a16:colId xmlns:a16="http://schemas.microsoft.com/office/drawing/2014/main" val="2910653707"/>
+                    </a:ext>
+                  </a:extLst>
+                </a:gridCol>
+              </a:tblGrid>
+              <a:tr h="431320">
+                <a:tc>
+                  <a:txBody>
+                    <a:bodyPr/>
+                    <a:lstStyle/>
+                    <a:p>
+                      <a:pPr algn="ctr"/>
+                      <a:r>
+                        <a:rPr lang="en-HK" dirty="0"/>
+                        <a:t>6</a:t>
+                      </a:r>
+                    </a:p>
+                  </a:txBody>
+                  <a:tcPr>
+                    <a:lnL w="12700" cap="flat" cmpd="sng" algn="ctr">
+                      <a:solidFill>
+                        <a:schemeClr val="tx1"/>
+                      </a:solidFill>
+                      <a:prstDash val="solid"/>
+                      <a:round/>
+                      <a:headEnd type="none" w="med" len="med"/>
+                      <a:tailEnd type="none" w="med" len="med"/>
+                    </a:lnL>
+                    <a:lnR w="12700" cap="flat" cmpd="sng" algn="ctr">
+                      <a:solidFill>
+                        <a:schemeClr val="tx1"/>
+                      </a:solidFill>
+                      <a:prstDash val="solid"/>
+                      <a:round/>
+                      <a:headEnd type="none" w="med" len="med"/>
+                      <a:tailEnd type="none" w="med" len="med"/>
+                    </a:lnR>
+                    <a:lnT w="12700" cap="flat" cmpd="sng" algn="ctr">
+                      <a:solidFill>
+                        <a:schemeClr val="tx1"/>
+                      </a:solidFill>
+                      <a:prstDash val="solid"/>
+                      <a:round/>
+                      <a:headEnd type="none" w="med" len="med"/>
+                      <a:tailEnd type="none" w="med" len="med"/>
+                    </a:lnT>
+                    <a:lnB w="12700" cap="flat" cmpd="sng" algn="ctr">
+                      <a:solidFill>
+                        <a:schemeClr val="tx1"/>
+                      </a:solidFill>
+                      <a:prstDash val="solid"/>
+                      <a:round/>
+                      <a:headEnd type="none" w="med" len="med"/>
+                      <a:tailEnd type="none" w="med" len="med"/>
+                    </a:lnB>
+                  </a:tcPr>
+                </a:tc>
+                <a:tc>
+                  <a:txBody>
+                    <a:bodyPr/>
+                    <a:lstStyle/>
+                    <a:p>
+                      <a:pPr algn="ctr"/>
+                      <a:r>
+                        <a:rPr lang="en-HK" dirty="0"/>
+                        <a:t>7</a:t>
+                      </a:r>
+                    </a:p>
+                  </a:txBody>
+                  <a:tcPr>
+                    <a:lnL w="12700" cap="flat" cmpd="sng" algn="ctr">
+                      <a:solidFill>
+                        <a:schemeClr val="tx1"/>
+                      </a:solidFill>
+                      <a:prstDash val="solid"/>
+                      <a:round/>
+                      <a:headEnd type="none" w="med" len="med"/>
+                      <a:tailEnd type="none" w="med" len="med"/>
+                    </a:lnL>
+                    <a:lnR w="12700" cap="flat" cmpd="sng" algn="ctr">
+                      <a:solidFill>
+                        <a:schemeClr val="tx1"/>
+                      </a:solidFill>
+                      <a:prstDash val="solid"/>
+                      <a:round/>
+                      <a:headEnd type="none" w="med" len="med"/>
+                      <a:tailEnd type="none" w="med" len="med"/>
+                    </a:lnR>
+                    <a:lnT w="12700" cap="flat" cmpd="sng" algn="ctr">
+                      <a:solidFill>
+                        <a:schemeClr val="tx1"/>
+                      </a:solidFill>
+                      <a:prstDash val="solid"/>
+                      <a:round/>
+                      <a:headEnd type="none" w="med" len="med"/>
+                      <a:tailEnd type="none" w="med" len="med"/>
+                    </a:lnT>
+                    <a:lnB w="12700" cap="flat" cmpd="sng" algn="ctr">
+                      <a:solidFill>
+                        <a:schemeClr val="tx1"/>
+                      </a:solidFill>
+                      <a:prstDash val="solid"/>
+                      <a:round/>
+                      <a:headEnd type="none" w="med" len="med"/>
+                      <a:tailEnd type="none" w="med" len="med"/>
+                    </a:lnB>
+                  </a:tcPr>
+                </a:tc>
+                <a:tc>
+                  <a:txBody>
+                    <a:bodyPr/>
+                    <a:lstStyle/>
+                    <a:p>
+                      <a:pPr algn="ctr"/>
+                      <a:r>
+                        <a:rPr lang="en-HK" dirty="0"/>
+                        <a:t>8</a:t>
+                      </a:r>
+                    </a:p>
+                  </a:txBody>
+                  <a:tcPr>
+                    <a:lnL w="12700" cap="flat" cmpd="sng" algn="ctr">
+                      <a:solidFill>
+                        <a:schemeClr val="tx1"/>
+                      </a:solidFill>
+                      <a:prstDash val="solid"/>
+                      <a:round/>
+                      <a:headEnd type="none" w="med" len="med"/>
+                      <a:tailEnd type="none" w="med" len="med"/>
+                    </a:lnL>
+                    <a:lnR w="12700" cap="flat" cmpd="sng" algn="ctr">
+                      <a:solidFill>
+                        <a:schemeClr val="tx1"/>
+                      </a:solidFill>
+                      <a:prstDash val="solid"/>
+                      <a:round/>
+                      <a:headEnd type="none" w="med" len="med"/>
+                      <a:tailEnd type="none" w="med" len="med"/>
+                    </a:lnR>
+                    <a:lnT w="12700" cap="flat" cmpd="sng" algn="ctr">
+                      <a:solidFill>
+                        <a:schemeClr val="tx1"/>
+                      </a:solidFill>
+                      <a:prstDash val="solid"/>
+                      <a:round/>
+                      <a:headEnd type="none" w="med" len="med"/>
+                      <a:tailEnd type="none" w="med" len="med"/>
+                    </a:lnT>
+                    <a:lnB w="12700" cap="flat" cmpd="sng" algn="ctr">
+                      <a:solidFill>
+                        <a:schemeClr val="tx1"/>
+                      </a:solidFill>
+                      <a:prstDash val="solid"/>
+                      <a:round/>
+                      <a:headEnd type="none" w="med" len="med"/>
+                      <a:tailEnd type="none" w="med" len="med"/>
+                    </a:lnB>
+                  </a:tcPr>
+                </a:tc>
+                <a:tc>
+                  <a:txBody>
+                    <a:bodyPr/>
+                    <a:lstStyle/>
+                    <a:p>
+                      <a:pPr algn="ctr"/>
+                      <a:r>
+                        <a:rPr lang="en-HK" dirty="0"/>
+                        <a:t>9</a:t>
+                      </a:r>
+                    </a:p>
+                  </a:txBody>
+                  <a:tcPr>
+                    <a:lnL w="12700" cap="flat" cmpd="sng" algn="ctr">
+                      <a:solidFill>
+                        <a:schemeClr val="tx1"/>
+                      </a:solidFill>
+                      <a:prstDash val="solid"/>
+                      <a:round/>
+                      <a:headEnd type="none" w="med" len="med"/>
+                      <a:tailEnd type="none" w="med" len="med"/>
+                    </a:lnL>
+                    <a:lnR w="12700" cap="flat" cmpd="sng" algn="ctr">
+                      <a:solidFill>
+                        <a:schemeClr val="tx1"/>
+                      </a:solidFill>
+                      <a:prstDash val="solid"/>
+                      <a:round/>
+                      <a:headEnd type="none" w="med" len="med"/>
+                      <a:tailEnd type="none" w="med" len="med"/>
+                    </a:lnR>
+                    <a:lnT w="12700" cap="flat" cmpd="sng" algn="ctr">
+                      <a:solidFill>
+                        <a:schemeClr val="tx1"/>
+                      </a:solidFill>
+                      <a:prstDash val="solid"/>
+                      <a:round/>
+                      <a:headEnd type="none" w="med" len="med"/>
+                      <a:tailEnd type="none" w="med" len="med"/>
+                    </a:lnT>
+                    <a:lnB w="12700" cap="flat" cmpd="sng" algn="ctr">
+                      <a:solidFill>
+                        <a:schemeClr val="tx1"/>
+                      </a:solidFill>
+                      <a:prstDash val="solid"/>
+                      <a:round/>
+                      <a:headEnd type="none" w="med" len="med"/>
+                      <a:tailEnd type="none" w="med" len="med"/>
+                    </a:lnB>
+                  </a:tcPr>
+                </a:tc>
+                <a:tc>
+                  <a:txBody>
+                    <a:bodyPr/>
+                    <a:lstStyle/>
+                    <a:p>
+                      <a:pPr algn="ctr"/>
+                      <a:r>
+                        <a:rPr lang="en-HK" dirty="0"/>
+                        <a:t>10</a:t>
+                      </a:r>
+                    </a:p>
+                  </a:txBody>
+                  <a:tcPr>
+                    <a:lnL w="12700" cap="flat" cmpd="sng" algn="ctr">
+                      <a:solidFill>
+                        <a:schemeClr val="tx1"/>
+                      </a:solidFill>
+                      <a:prstDash val="solid"/>
+                      <a:round/>
+                      <a:headEnd type="none" w="med" len="med"/>
+                      <a:tailEnd type="none" w="med" len="med"/>
+                    </a:lnL>
+                    <a:lnR w="12700" cap="flat" cmpd="sng" algn="ctr">
+                      <a:solidFill>
+                        <a:schemeClr val="tx1"/>
+                      </a:solidFill>
+                      <a:prstDash val="solid"/>
+                      <a:round/>
+                      <a:headEnd type="none" w="med" len="med"/>
+                      <a:tailEnd type="none" w="med" len="med"/>
+                    </a:lnR>
+                    <a:lnT w="12700" cap="flat" cmpd="sng" algn="ctr">
+                      <a:solidFill>
+                        <a:schemeClr val="tx1"/>
+                      </a:solidFill>
+                      <a:prstDash val="solid"/>
+                      <a:round/>
+                      <a:headEnd type="none" w="med" len="med"/>
+                      <a:tailEnd type="none" w="med" len="med"/>
+                    </a:lnT>
+                    <a:lnB w="12700" cap="flat" cmpd="sng" algn="ctr">
+                      <a:solidFill>
+                        <a:schemeClr val="tx1"/>
+                      </a:solidFill>
+                      <a:prstDash val="solid"/>
+                      <a:round/>
+                      <a:headEnd type="none" w="med" len="med"/>
+                      <a:tailEnd type="none" w="med" len="med"/>
+                    </a:lnB>
+                  </a:tcPr>
+                </a:tc>
+                <a:extLst>
+                  <a:ext uri="{0D108BD9-81ED-4DB2-BD59-A6C34878D82A}">
+                    <a16:rowId xmlns:a16="http://schemas.microsoft.com/office/drawing/2014/main" val="2303845402"/>
+                  </a:ext>
+                </a:extLst>
+              </a:tr>
+            </a:tbl>
+          </a:graphicData>
+        </a:graphic>
+      </p:graphicFrame>
+      <p:graphicFrame>
+        <p:nvGraphicFramePr>
+          <p:cNvPr id="23" name="Table 22">
+            <a:extLst>
+              <a:ext uri="{FF2B5EF4-FFF2-40B4-BE49-F238E27FC236}">
+                <a16:creationId xmlns:a16="http://schemas.microsoft.com/office/drawing/2014/main" id="{89D5CB35-1D15-93F8-76A6-84842CCF53AA}"/>
+              </a:ext>
+            </a:extLst>
+          </p:cNvPr>
+          <p:cNvGraphicFramePr>
+            <a:graphicFrameLocks noGrp="1"/>
+          </p:cNvGraphicFramePr>
+          <p:nvPr>
+            <p:extLst>
+              <p:ext uri="{D42A27DB-BD31-4B8C-83A1-F6EECF244321}">
+                <p14:modId xmlns:p14="http://schemas.microsoft.com/office/powerpoint/2010/main" val="2291489245"/>
+              </p:ext>
+            </p:extLst>
+          </p:nvPr>
+        </p:nvGraphicFramePr>
+        <p:xfrm>
+          <a:off x="5552527" y="4252825"/>
+          <a:ext cx="2139355" cy="431320"/>
+        </p:xfrm>
+        <a:graphic>
+          <a:graphicData uri="http://schemas.openxmlformats.org/drawingml/2006/table">
+            <a:tbl>
+              <a:tblPr/>
+              <a:tblGrid>
+                <a:gridCol w="427871">
+                  <a:extLst>
+                    <a:ext uri="{9D8B030D-6E8A-4147-A177-3AD203B41FA5}">
+                      <a16:colId xmlns:a16="http://schemas.microsoft.com/office/drawing/2014/main" val="4237174852"/>
+                    </a:ext>
+                  </a:extLst>
+                </a:gridCol>
+                <a:gridCol w="427871">
+                  <a:extLst>
+                    <a:ext uri="{9D8B030D-6E8A-4147-A177-3AD203B41FA5}">
+                      <a16:colId xmlns:a16="http://schemas.microsoft.com/office/drawing/2014/main" val="1953945196"/>
+                    </a:ext>
+                  </a:extLst>
+                </a:gridCol>
+                <a:gridCol w="427871">
+                  <a:extLst>
+                    <a:ext uri="{9D8B030D-6E8A-4147-A177-3AD203B41FA5}">
+                      <a16:colId xmlns:a16="http://schemas.microsoft.com/office/drawing/2014/main" val="3534266745"/>
+                    </a:ext>
+                  </a:extLst>
+                </a:gridCol>
+                <a:gridCol w="427871">
+                  <a:extLst>
+                    <a:ext uri="{9D8B030D-6E8A-4147-A177-3AD203B41FA5}">
+                      <a16:colId xmlns:a16="http://schemas.microsoft.com/office/drawing/2014/main" val="2715971765"/>
+                    </a:ext>
+                  </a:extLst>
+                </a:gridCol>
+                <a:gridCol w="427871">
+                  <a:extLst>
+                    <a:ext uri="{9D8B030D-6E8A-4147-A177-3AD203B41FA5}">
+                      <a16:colId xmlns:a16="http://schemas.microsoft.com/office/drawing/2014/main" val="2910653707"/>
+                    </a:ext>
+                  </a:extLst>
+                </a:gridCol>
+              </a:tblGrid>
+              <a:tr h="431320">
+                <a:tc>
+                  <a:txBody>
+                    <a:bodyPr/>
+                    <a:lstStyle/>
+                    <a:p>
+                      <a:pPr algn="ctr"/>
+                      <a:r>
+                        <a:rPr lang="en-HK" dirty="0"/>
+                        <a:t>6</a:t>
+                      </a:r>
+                    </a:p>
+                  </a:txBody>
+                  <a:tcPr>
+                    <a:lnL w="12700" cap="flat" cmpd="sng" algn="ctr">
+                      <a:solidFill>
+                        <a:schemeClr val="tx1"/>
+                      </a:solidFill>
+                      <a:prstDash val="solid"/>
+                      <a:round/>
+                      <a:headEnd type="none" w="med" len="med"/>
+                      <a:tailEnd type="none" w="med" len="med"/>
+                    </a:lnL>
+                    <a:lnR w="12700" cap="flat" cmpd="sng" algn="ctr">
+                      <a:solidFill>
+                        <a:schemeClr val="tx1"/>
+                      </a:solidFill>
+                      <a:prstDash val="solid"/>
+                      <a:round/>
+                      <a:headEnd type="none" w="med" len="med"/>
+                      <a:tailEnd type="none" w="med" len="med"/>
+                    </a:lnR>
+                    <a:lnT w="12700" cap="flat" cmpd="sng" algn="ctr">
+                      <a:solidFill>
+                        <a:schemeClr val="tx1"/>
+                      </a:solidFill>
+                      <a:prstDash val="solid"/>
+                      <a:round/>
+                      <a:headEnd type="none" w="med" len="med"/>
+                      <a:tailEnd type="none" w="med" len="med"/>
+                    </a:lnT>
+                    <a:lnB w="12700" cap="flat" cmpd="sng" algn="ctr">
+                      <a:solidFill>
+                        <a:schemeClr val="tx1"/>
+                      </a:solidFill>
+                      <a:prstDash val="solid"/>
+                      <a:round/>
+                      <a:headEnd type="none" w="med" len="med"/>
+                      <a:tailEnd type="none" w="med" len="med"/>
+                    </a:lnB>
+                  </a:tcPr>
+                </a:tc>
+                <a:tc>
+                  <a:txBody>
+                    <a:bodyPr/>
+                    <a:lstStyle/>
+                    <a:p>
+                      <a:pPr algn="ctr"/>
+                      <a:r>
+                        <a:rPr lang="en-HK" dirty="0"/>
+                        <a:t>7</a:t>
+                      </a:r>
+                    </a:p>
+                  </a:txBody>
+                  <a:tcPr>
+                    <a:lnL w="12700" cap="flat" cmpd="sng" algn="ctr">
+                      <a:solidFill>
+                        <a:schemeClr val="tx1"/>
+                      </a:solidFill>
+                      <a:prstDash val="solid"/>
+                      <a:round/>
+                      <a:headEnd type="none" w="med" len="med"/>
+                      <a:tailEnd type="none" w="med" len="med"/>
+                    </a:lnL>
+                    <a:lnR w="12700" cap="flat" cmpd="sng" algn="ctr">
+                      <a:solidFill>
+                        <a:schemeClr val="tx1"/>
+                      </a:solidFill>
+                      <a:prstDash val="solid"/>
+                      <a:round/>
+                      <a:headEnd type="none" w="med" len="med"/>
+                      <a:tailEnd type="none" w="med" len="med"/>
+                    </a:lnR>
+                    <a:lnT w="12700" cap="flat" cmpd="sng" algn="ctr">
+                      <a:solidFill>
+                        <a:schemeClr val="tx1"/>
+                      </a:solidFill>
+                      <a:prstDash val="solid"/>
+                      <a:round/>
+                      <a:headEnd type="none" w="med" len="med"/>
+                      <a:tailEnd type="none" w="med" len="med"/>
+                    </a:lnT>
+                    <a:lnB w="12700" cap="flat" cmpd="sng" algn="ctr">
+                      <a:solidFill>
+                        <a:schemeClr val="tx1"/>
+                      </a:solidFill>
+                      <a:prstDash val="solid"/>
+                      <a:round/>
+                      <a:headEnd type="none" w="med" len="med"/>
+                      <a:tailEnd type="none" w="med" len="med"/>
+                    </a:lnB>
+                  </a:tcPr>
+                </a:tc>
+                <a:tc>
+                  <a:txBody>
+                    <a:bodyPr/>
+                    <a:lstStyle/>
+                    <a:p>
+                      <a:pPr algn="ctr"/>
+                      <a:r>
+                        <a:rPr lang="en-HK" dirty="0"/>
+                        <a:t>8</a:t>
+                      </a:r>
+                    </a:p>
+                  </a:txBody>
+                  <a:tcPr>
+                    <a:lnL w="12700" cap="flat" cmpd="sng" algn="ctr">
+                      <a:solidFill>
+                        <a:schemeClr val="tx1"/>
+                      </a:solidFill>
+                      <a:prstDash val="solid"/>
+                      <a:round/>
+                      <a:headEnd type="none" w="med" len="med"/>
+                      <a:tailEnd type="none" w="med" len="med"/>
+                    </a:lnL>
+                    <a:lnR w="12700" cap="flat" cmpd="sng" algn="ctr">
+                      <a:solidFill>
+                        <a:schemeClr val="tx1"/>
+                      </a:solidFill>
+                      <a:prstDash val="solid"/>
+                      <a:round/>
+                      <a:headEnd type="none" w="med" len="med"/>
+                      <a:tailEnd type="none" w="med" len="med"/>
+                    </a:lnR>
+                    <a:lnT w="12700" cap="flat" cmpd="sng" algn="ctr">
+                      <a:solidFill>
+                        <a:schemeClr val="tx1"/>
+                      </a:solidFill>
+                      <a:prstDash val="solid"/>
+                      <a:round/>
+                      <a:headEnd type="none" w="med" len="med"/>
+                      <a:tailEnd type="none" w="med" len="med"/>
+                    </a:lnT>
+                    <a:lnB w="12700" cap="flat" cmpd="sng" algn="ctr">
+                      <a:solidFill>
+                        <a:schemeClr val="tx1"/>
+                      </a:solidFill>
+                      <a:prstDash val="solid"/>
+                      <a:round/>
+                      <a:headEnd type="none" w="med" len="med"/>
+                      <a:tailEnd type="none" w="med" len="med"/>
+                    </a:lnB>
+                  </a:tcPr>
+                </a:tc>
+                <a:tc>
+                  <a:txBody>
+                    <a:bodyPr/>
+                    <a:lstStyle/>
+                    <a:p>
+                      <a:pPr algn="ctr"/>
+                      <a:r>
+                        <a:rPr lang="en-HK" dirty="0"/>
+                        <a:t>9</a:t>
+                      </a:r>
+                    </a:p>
+                  </a:txBody>
+                  <a:tcPr>
+                    <a:lnL w="12700" cap="flat" cmpd="sng" algn="ctr">
+                      <a:solidFill>
+                        <a:schemeClr val="tx1"/>
+                      </a:solidFill>
+                      <a:prstDash val="solid"/>
+                      <a:round/>
+                      <a:headEnd type="none" w="med" len="med"/>
+                      <a:tailEnd type="none" w="med" len="med"/>
+                    </a:lnL>
+                    <a:lnR w="12700" cap="flat" cmpd="sng" algn="ctr">
+                      <a:solidFill>
+                        <a:schemeClr val="tx1"/>
+                      </a:solidFill>
+                      <a:prstDash val="solid"/>
+                      <a:round/>
+                      <a:headEnd type="none" w="med" len="med"/>
+                      <a:tailEnd type="none" w="med" len="med"/>
+                    </a:lnR>
+                    <a:lnT w="12700" cap="flat" cmpd="sng" algn="ctr">
+                      <a:solidFill>
+                        <a:schemeClr val="tx1"/>
+                      </a:solidFill>
+                      <a:prstDash val="solid"/>
+                      <a:round/>
+                      <a:headEnd type="none" w="med" len="med"/>
+                      <a:tailEnd type="none" w="med" len="med"/>
+                    </a:lnT>
+                    <a:lnB w="12700" cap="flat" cmpd="sng" algn="ctr">
+                      <a:solidFill>
+                        <a:schemeClr val="tx1"/>
+                      </a:solidFill>
+                      <a:prstDash val="solid"/>
+                      <a:round/>
+                      <a:headEnd type="none" w="med" len="med"/>
+                      <a:tailEnd type="none" w="med" len="med"/>
+                    </a:lnB>
+                  </a:tcPr>
+                </a:tc>
+                <a:tc>
+                  <a:txBody>
+                    <a:bodyPr/>
+                    <a:lstStyle/>
+                    <a:p>
+                      <a:pPr algn="ctr"/>
+                      <a:r>
+                        <a:rPr lang="en-HK" dirty="0"/>
+                        <a:t>10</a:t>
+                      </a:r>
+                    </a:p>
+                  </a:txBody>
+                  <a:tcPr>
+                    <a:lnL w="12700" cap="flat" cmpd="sng" algn="ctr">
+                      <a:solidFill>
+                        <a:schemeClr val="tx1"/>
+                      </a:solidFill>
+                      <a:prstDash val="solid"/>
+                      <a:round/>
+                      <a:headEnd type="none" w="med" len="med"/>
+                      <a:tailEnd type="none" w="med" len="med"/>
+                    </a:lnL>
+                    <a:lnR w="12700" cap="flat" cmpd="sng" algn="ctr">
+                      <a:solidFill>
+                        <a:schemeClr val="tx1"/>
+                      </a:solidFill>
+                      <a:prstDash val="solid"/>
+                      <a:round/>
+                      <a:headEnd type="none" w="med" len="med"/>
+                      <a:tailEnd type="none" w="med" len="med"/>
+                    </a:lnR>
+                    <a:lnT w="12700" cap="flat" cmpd="sng" algn="ctr">
+                      <a:solidFill>
+                        <a:schemeClr val="tx1"/>
+                      </a:solidFill>
+                      <a:prstDash val="solid"/>
+                      <a:round/>
+                      <a:headEnd type="none" w="med" len="med"/>
+                      <a:tailEnd type="none" w="med" len="med"/>
+                    </a:lnT>
+                    <a:lnB w="12700" cap="flat" cmpd="sng" algn="ctr">
+                      <a:solidFill>
+                        <a:schemeClr val="tx1"/>
+                      </a:solidFill>
+                      <a:prstDash val="solid"/>
+                      <a:round/>
+                      <a:headEnd type="none" w="med" len="med"/>
+                      <a:tailEnd type="none" w="med" len="med"/>
+                    </a:lnB>
+                  </a:tcPr>
+                </a:tc>
+                <a:extLst>
+                  <a:ext uri="{0D108BD9-81ED-4DB2-BD59-A6C34878D82A}">
+                    <a16:rowId xmlns:a16="http://schemas.microsoft.com/office/drawing/2014/main" val="2303845402"/>
+                  </a:ext>
+                </a:extLst>
+              </a:tr>
+            </a:tbl>
+          </a:graphicData>
+        </a:graphic>
+      </p:graphicFrame>
+      <p:graphicFrame>
+        <p:nvGraphicFramePr>
+          <p:cNvPr id="24" name="Table 23">
+            <a:extLst>
+              <a:ext uri="{FF2B5EF4-FFF2-40B4-BE49-F238E27FC236}">
+                <a16:creationId xmlns:a16="http://schemas.microsoft.com/office/drawing/2014/main" id="{2CBB08BC-CA28-362D-6207-53D23F46A770}"/>
+              </a:ext>
+            </a:extLst>
+          </p:cNvPr>
+          <p:cNvGraphicFramePr>
+            <a:graphicFrameLocks noGrp="1"/>
+          </p:cNvGraphicFramePr>
+          <p:nvPr>
+            <p:extLst>
+              <p:ext uri="{D42A27DB-BD31-4B8C-83A1-F6EECF244321}">
+                <p14:modId xmlns:p14="http://schemas.microsoft.com/office/powerpoint/2010/main" val="129850760"/>
+              </p:ext>
+            </p:extLst>
+          </p:nvPr>
+        </p:nvGraphicFramePr>
+        <p:xfrm>
+          <a:off x="5552526" y="4796289"/>
+          <a:ext cx="2139355" cy="431320"/>
+        </p:xfrm>
+        <a:graphic>
+          <a:graphicData uri="http://schemas.openxmlformats.org/drawingml/2006/table">
+            <a:tbl>
+              <a:tblPr/>
+              <a:tblGrid>
+                <a:gridCol w="427871">
+                  <a:extLst>
+                    <a:ext uri="{9D8B030D-6E8A-4147-A177-3AD203B41FA5}">
+                      <a16:colId xmlns:a16="http://schemas.microsoft.com/office/drawing/2014/main" val="4237174852"/>
+                    </a:ext>
+                  </a:extLst>
+                </a:gridCol>
+                <a:gridCol w="427871">
+                  <a:extLst>
+                    <a:ext uri="{9D8B030D-6E8A-4147-A177-3AD203B41FA5}">
+                      <a16:colId xmlns:a16="http://schemas.microsoft.com/office/drawing/2014/main" val="1953945196"/>
+                    </a:ext>
+                  </a:extLst>
+                </a:gridCol>
+                <a:gridCol w="427871">
+                  <a:extLst>
+                    <a:ext uri="{9D8B030D-6E8A-4147-A177-3AD203B41FA5}">
+                      <a16:colId xmlns:a16="http://schemas.microsoft.com/office/drawing/2014/main" val="3534266745"/>
+                    </a:ext>
+                  </a:extLst>
+                </a:gridCol>
+                <a:gridCol w="427871">
+                  <a:extLst>
+                    <a:ext uri="{9D8B030D-6E8A-4147-A177-3AD203B41FA5}">
+                      <a16:colId xmlns:a16="http://schemas.microsoft.com/office/drawing/2014/main" val="2715971765"/>
+                    </a:ext>
+                  </a:extLst>
+                </a:gridCol>
+                <a:gridCol w="427871">
+                  <a:extLst>
+                    <a:ext uri="{9D8B030D-6E8A-4147-A177-3AD203B41FA5}">
+                      <a16:colId xmlns:a16="http://schemas.microsoft.com/office/drawing/2014/main" val="2910653707"/>
+                    </a:ext>
+                  </a:extLst>
+                </a:gridCol>
+              </a:tblGrid>
+              <a:tr h="431320">
+                <a:tc>
+                  <a:txBody>
+                    <a:bodyPr/>
+                    <a:lstStyle/>
+                    <a:p>
+                      <a:pPr algn="ctr"/>
+                      <a:r>
+                        <a:rPr lang="en-HK" dirty="0"/>
+                        <a:t>6</a:t>
+                      </a:r>
+                    </a:p>
+                  </a:txBody>
+                  <a:tcPr>
+                    <a:lnL w="12700" cap="flat" cmpd="sng" algn="ctr">
+                      <a:solidFill>
+                        <a:schemeClr val="tx1"/>
+                      </a:solidFill>
+                      <a:prstDash val="solid"/>
+                      <a:round/>
+                      <a:headEnd type="none" w="med" len="med"/>
+                      <a:tailEnd type="none" w="med" len="med"/>
+                    </a:lnL>
+                    <a:lnR w="12700" cap="flat" cmpd="sng" algn="ctr">
+                      <a:solidFill>
+                        <a:schemeClr val="tx1"/>
+                      </a:solidFill>
+                      <a:prstDash val="solid"/>
+                      <a:round/>
+                      <a:headEnd type="none" w="med" len="med"/>
+                      <a:tailEnd type="none" w="med" len="med"/>
+                    </a:lnR>
+                    <a:lnT w="12700" cap="flat" cmpd="sng" algn="ctr">
+                      <a:solidFill>
+                        <a:schemeClr val="tx1"/>
+                      </a:solidFill>
+                      <a:prstDash val="solid"/>
+                      <a:round/>
+                      <a:headEnd type="none" w="med" len="med"/>
+                      <a:tailEnd type="none" w="med" len="med"/>
+                    </a:lnT>
+                    <a:lnB w="12700" cap="flat" cmpd="sng" algn="ctr">
+                      <a:solidFill>
+                        <a:schemeClr val="tx1"/>
+                      </a:solidFill>
+                      <a:prstDash val="solid"/>
+                      <a:round/>
+                      <a:headEnd type="none" w="med" len="med"/>
+                      <a:tailEnd type="none" w="med" len="med"/>
+                    </a:lnB>
+                  </a:tcPr>
+                </a:tc>
+                <a:tc>
+                  <a:txBody>
+                    <a:bodyPr/>
+                    <a:lstStyle/>
+                    <a:p>
+                      <a:pPr algn="ctr"/>
+                      <a:r>
+                        <a:rPr lang="en-HK" dirty="0"/>
+                        <a:t>7</a:t>
+                      </a:r>
+                    </a:p>
+                  </a:txBody>
+                  <a:tcPr>
+                    <a:lnL w="12700" cap="flat" cmpd="sng" algn="ctr">
+                      <a:solidFill>
+                        <a:schemeClr val="tx1"/>
+                      </a:solidFill>
+                      <a:prstDash val="solid"/>
+                      <a:round/>
+                      <a:headEnd type="none" w="med" len="med"/>
+                      <a:tailEnd type="none" w="med" len="med"/>
+                    </a:lnL>
+                    <a:lnR w="12700" cap="flat" cmpd="sng" algn="ctr">
+                      <a:solidFill>
+                        <a:schemeClr val="tx1"/>
+                      </a:solidFill>
+                      <a:prstDash val="solid"/>
+                      <a:round/>
+                      <a:headEnd type="none" w="med" len="med"/>
+                      <a:tailEnd type="none" w="med" len="med"/>
+                    </a:lnR>
+                    <a:lnT w="12700" cap="flat" cmpd="sng" algn="ctr">
+                      <a:solidFill>
+                        <a:schemeClr val="tx1"/>
+                      </a:solidFill>
+                      <a:prstDash val="solid"/>
+                      <a:round/>
+                      <a:headEnd type="none" w="med" len="med"/>
+                      <a:tailEnd type="none" w="med" len="med"/>
+                    </a:lnT>
+                    <a:lnB w="12700" cap="flat" cmpd="sng" algn="ctr">
+                      <a:solidFill>
+                        <a:schemeClr val="tx1"/>
+                      </a:solidFill>
+                      <a:prstDash val="solid"/>
+                      <a:round/>
+                      <a:headEnd type="none" w="med" len="med"/>
+                      <a:tailEnd type="none" w="med" len="med"/>
+                    </a:lnB>
+                  </a:tcPr>
+                </a:tc>
+                <a:tc>
+                  <a:txBody>
+                    <a:bodyPr/>
+                    <a:lstStyle/>
+                    <a:p>
+                      <a:pPr algn="ctr"/>
+                      <a:r>
+                        <a:rPr lang="en-HK" dirty="0"/>
+                        <a:t>8</a:t>
+                      </a:r>
+                    </a:p>
+                  </a:txBody>
+                  <a:tcPr>
+                    <a:lnL w="12700" cap="flat" cmpd="sng" algn="ctr">
+                      <a:solidFill>
+                        <a:schemeClr val="tx1"/>
+                      </a:solidFill>
+                      <a:prstDash val="solid"/>
+                      <a:round/>
+                      <a:headEnd type="none" w="med" len="med"/>
+                      <a:tailEnd type="none" w="med" len="med"/>
+                    </a:lnL>
+                    <a:lnR w="12700" cap="flat" cmpd="sng" algn="ctr">
+                      <a:solidFill>
+                        <a:schemeClr val="tx1"/>
+                      </a:solidFill>
+                      <a:prstDash val="solid"/>
+                      <a:round/>
+                      <a:headEnd type="none" w="med" len="med"/>
+                      <a:tailEnd type="none" w="med" len="med"/>
+                    </a:lnR>
+                    <a:lnT w="12700" cap="flat" cmpd="sng" algn="ctr">
+                      <a:solidFill>
+                        <a:schemeClr val="tx1"/>
+                      </a:solidFill>
+                      <a:prstDash val="solid"/>
+                      <a:round/>
+                      <a:headEnd type="none" w="med" len="med"/>
+                      <a:tailEnd type="none" w="med" len="med"/>
+                    </a:lnT>
+                    <a:lnB w="12700" cap="flat" cmpd="sng" algn="ctr">
+                      <a:solidFill>
+                        <a:schemeClr val="tx1"/>
+                      </a:solidFill>
+                      <a:prstDash val="solid"/>
+                      <a:round/>
+                      <a:headEnd type="none" w="med" len="med"/>
+                      <a:tailEnd type="none" w="med" len="med"/>
+                    </a:lnB>
+                  </a:tcPr>
+                </a:tc>
+                <a:tc>
+                  <a:txBody>
+                    <a:bodyPr/>
+                    <a:lstStyle/>
+                    <a:p>
+                      <a:pPr algn="ctr"/>
+                      <a:r>
+                        <a:rPr lang="en-HK" dirty="0"/>
+                        <a:t>9</a:t>
+                      </a:r>
+                    </a:p>
+                  </a:txBody>
+                  <a:tcPr>
+                    <a:lnL w="12700" cap="flat" cmpd="sng" algn="ctr">
+                      <a:solidFill>
+                        <a:schemeClr val="tx1"/>
+                      </a:solidFill>
+                      <a:prstDash val="solid"/>
+                      <a:round/>
+                      <a:headEnd type="none" w="med" len="med"/>
+                      <a:tailEnd type="none" w="med" len="med"/>
+                    </a:lnL>
+                    <a:lnR w="12700" cap="flat" cmpd="sng" algn="ctr">
+                      <a:solidFill>
+                        <a:schemeClr val="tx1"/>
+                      </a:solidFill>
+                      <a:prstDash val="solid"/>
+                      <a:round/>
+                      <a:headEnd type="none" w="med" len="med"/>
+                      <a:tailEnd type="none" w="med" len="med"/>
+                    </a:lnR>
+                    <a:lnT w="12700" cap="flat" cmpd="sng" algn="ctr">
+                      <a:solidFill>
+                        <a:schemeClr val="tx1"/>
+                      </a:solidFill>
+                      <a:prstDash val="solid"/>
+                      <a:round/>
+                      <a:headEnd type="none" w="med" len="med"/>
+                      <a:tailEnd type="none" w="med" len="med"/>
+                    </a:lnT>
+                    <a:lnB w="12700" cap="flat" cmpd="sng" algn="ctr">
+                      <a:solidFill>
+                        <a:schemeClr val="tx1"/>
+                      </a:solidFill>
+                      <a:prstDash val="solid"/>
+                      <a:round/>
+                      <a:headEnd type="none" w="med" len="med"/>
+                      <a:tailEnd type="none" w="med" len="med"/>
+                    </a:lnB>
+                  </a:tcPr>
+                </a:tc>
+                <a:tc>
+                  <a:txBody>
+                    <a:bodyPr/>
+                    <a:lstStyle/>
+                    <a:p>
+                      <a:pPr algn="ctr"/>
+                      <a:r>
+                        <a:rPr lang="en-HK" dirty="0"/>
+                        <a:t>10</a:t>
+                      </a:r>
+                    </a:p>
+                  </a:txBody>
+                  <a:tcPr>
+                    <a:lnL w="12700" cap="flat" cmpd="sng" algn="ctr">
+                      <a:solidFill>
+                        <a:schemeClr val="tx1"/>
+                      </a:solidFill>
+                      <a:prstDash val="solid"/>
+                      <a:round/>
+                      <a:headEnd type="none" w="med" len="med"/>
+                      <a:tailEnd type="none" w="med" len="med"/>
+                    </a:lnL>
+                    <a:lnR w="12700" cap="flat" cmpd="sng" algn="ctr">
+                      <a:solidFill>
+                        <a:schemeClr val="tx1"/>
+                      </a:solidFill>
+                      <a:prstDash val="solid"/>
+                      <a:round/>
+                      <a:headEnd type="none" w="med" len="med"/>
+                      <a:tailEnd type="none" w="med" len="med"/>
+                    </a:lnR>
+                    <a:lnT w="12700" cap="flat" cmpd="sng" algn="ctr">
+                      <a:solidFill>
+                        <a:schemeClr val="tx1"/>
+                      </a:solidFill>
+                      <a:prstDash val="solid"/>
+                      <a:round/>
+                      <a:headEnd type="none" w="med" len="med"/>
+                      <a:tailEnd type="none" w="med" len="med"/>
+                    </a:lnT>
+                    <a:lnB w="12700" cap="flat" cmpd="sng" algn="ctr">
+                      <a:solidFill>
+                        <a:schemeClr val="tx1"/>
+                      </a:solidFill>
+                      <a:prstDash val="solid"/>
+                      <a:round/>
+                      <a:headEnd type="none" w="med" len="med"/>
+                      <a:tailEnd type="none" w="med" len="med"/>
+                    </a:lnB>
+                  </a:tcPr>
+                </a:tc>
+                <a:extLst>
+                  <a:ext uri="{0D108BD9-81ED-4DB2-BD59-A6C34878D82A}">
+                    <a16:rowId xmlns:a16="http://schemas.microsoft.com/office/drawing/2014/main" val="2303845402"/>
+                  </a:ext>
+                </a:extLst>
+              </a:tr>
+            </a:tbl>
+          </a:graphicData>
+        </a:graphic>
+      </p:graphicFrame>
+      <p:graphicFrame>
+        <p:nvGraphicFramePr>
+          <p:cNvPr id="25" name="Table 24">
+            <a:extLst>
+              <a:ext uri="{FF2B5EF4-FFF2-40B4-BE49-F238E27FC236}">
+                <a16:creationId xmlns:a16="http://schemas.microsoft.com/office/drawing/2014/main" id="{D8A73BE1-B8CA-5342-A0BB-B7ED4EB4CE62}"/>
+              </a:ext>
+            </a:extLst>
+          </p:cNvPr>
+          <p:cNvGraphicFramePr>
+            <a:graphicFrameLocks noGrp="1"/>
+          </p:cNvGraphicFramePr>
+          <p:nvPr>
+            <p:extLst>
+              <p:ext uri="{D42A27DB-BD31-4B8C-83A1-F6EECF244321}">
+                <p14:modId xmlns:p14="http://schemas.microsoft.com/office/powerpoint/2010/main" val="2678130800"/>
+              </p:ext>
+            </p:extLst>
+          </p:nvPr>
+        </p:nvGraphicFramePr>
+        <p:xfrm>
+          <a:off x="5552526" y="5339753"/>
+          <a:ext cx="2139355" cy="431320"/>
+        </p:xfrm>
+        <a:graphic>
+          <a:graphicData uri="http://schemas.openxmlformats.org/drawingml/2006/table">
+            <a:tbl>
+              <a:tblPr/>
+              <a:tblGrid>
+                <a:gridCol w="427871">
+                  <a:extLst>
+                    <a:ext uri="{9D8B030D-6E8A-4147-A177-3AD203B41FA5}">
+                      <a16:colId xmlns:a16="http://schemas.microsoft.com/office/drawing/2014/main" val="4237174852"/>
+                    </a:ext>
+                  </a:extLst>
+                </a:gridCol>
+                <a:gridCol w="427871">
+                  <a:extLst>
+                    <a:ext uri="{9D8B030D-6E8A-4147-A177-3AD203B41FA5}">
+                      <a16:colId xmlns:a16="http://schemas.microsoft.com/office/drawing/2014/main" val="1953945196"/>
+                    </a:ext>
+                  </a:extLst>
+                </a:gridCol>
+                <a:gridCol w="427871">
+                  <a:extLst>
+                    <a:ext uri="{9D8B030D-6E8A-4147-A177-3AD203B41FA5}">
+                      <a16:colId xmlns:a16="http://schemas.microsoft.com/office/drawing/2014/main" val="3534266745"/>
+                    </a:ext>
+                  </a:extLst>
+                </a:gridCol>
+                <a:gridCol w="427871">
+                  <a:extLst>
+                    <a:ext uri="{9D8B030D-6E8A-4147-A177-3AD203B41FA5}">
+                      <a16:colId xmlns:a16="http://schemas.microsoft.com/office/drawing/2014/main" val="2715971765"/>
+                    </a:ext>
+                  </a:extLst>
+                </a:gridCol>
+                <a:gridCol w="427871">
+                  <a:extLst>
+                    <a:ext uri="{9D8B030D-6E8A-4147-A177-3AD203B41FA5}">
+                      <a16:colId xmlns:a16="http://schemas.microsoft.com/office/drawing/2014/main" val="2910653707"/>
+                    </a:ext>
+                  </a:extLst>
+                </a:gridCol>
+              </a:tblGrid>
+              <a:tr h="431320">
+                <a:tc>
+                  <a:txBody>
+                    <a:bodyPr/>
+                    <a:lstStyle/>
+                    <a:p>
+                      <a:pPr algn="ctr"/>
+                      <a:r>
+                        <a:rPr lang="en-HK" dirty="0"/>
+                        <a:t>6</a:t>
+                      </a:r>
+                    </a:p>
+                  </a:txBody>
+                  <a:tcPr>
+                    <a:lnL w="12700" cap="flat" cmpd="sng" algn="ctr">
+                      <a:solidFill>
+                        <a:schemeClr val="tx1"/>
+                      </a:solidFill>
+                      <a:prstDash val="solid"/>
+                      <a:round/>
+                      <a:headEnd type="none" w="med" len="med"/>
+                      <a:tailEnd type="none" w="med" len="med"/>
+                    </a:lnL>
+                    <a:lnR w="12700" cap="flat" cmpd="sng" algn="ctr">
+                      <a:solidFill>
+                        <a:schemeClr val="tx1"/>
+                      </a:solidFill>
+                      <a:prstDash val="solid"/>
+                      <a:round/>
+                      <a:headEnd type="none" w="med" len="med"/>
+                      <a:tailEnd type="none" w="med" len="med"/>
+                    </a:lnR>
+                    <a:lnT w="12700" cap="flat" cmpd="sng" algn="ctr">
+                      <a:solidFill>
+                        <a:schemeClr val="tx1"/>
+                      </a:solidFill>
+                      <a:prstDash val="solid"/>
+                      <a:round/>
+                      <a:headEnd type="none" w="med" len="med"/>
+                      <a:tailEnd type="none" w="med" len="med"/>
+                    </a:lnT>
+                    <a:lnB w="12700" cap="flat" cmpd="sng" algn="ctr">
+                      <a:solidFill>
+                        <a:schemeClr val="tx1"/>
+                      </a:solidFill>
+                      <a:prstDash val="solid"/>
+                      <a:round/>
+                      <a:headEnd type="none" w="med" len="med"/>
+                      <a:tailEnd type="none" w="med" len="med"/>
+                    </a:lnB>
+                  </a:tcPr>
+                </a:tc>
+                <a:tc>
+                  <a:txBody>
+                    <a:bodyPr/>
+                    <a:lstStyle/>
+                    <a:p>
+                      <a:pPr algn="ctr"/>
+                      <a:r>
+                        <a:rPr lang="en-HK" dirty="0"/>
+                        <a:t>7</a:t>
+                      </a:r>
+                    </a:p>
+                  </a:txBody>
+                  <a:tcPr>
+                    <a:lnL w="12700" cap="flat" cmpd="sng" algn="ctr">
+                      <a:solidFill>
+                        <a:schemeClr val="tx1"/>
+                      </a:solidFill>
+                      <a:prstDash val="solid"/>
+                      <a:round/>
+                      <a:headEnd type="none" w="med" len="med"/>
+                      <a:tailEnd type="none" w="med" len="med"/>
+                    </a:lnL>
+                    <a:lnR w="12700" cap="flat" cmpd="sng" algn="ctr">
+                      <a:solidFill>
+                        <a:schemeClr val="tx1"/>
+                      </a:solidFill>
+                      <a:prstDash val="solid"/>
+                      <a:round/>
+                      <a:headEnd type="none" w="med" len="med"/>
+                      <a:tailEnd type="none" w="med" len="med"/>
+                    </a:lnR>
+                    <a:lnT w="12700" cap="flat" cmpd="sng" algn="ctr">
+                      <a:solidFill>
+                        <a:schemeClr val="tx1"/>
+                      </a:solidFill>
+                      <a:prstDash val="solid"/>
+                      <a:round/>
+                      <a:headEnd type="none" w="med" len="med"/>
+                      <a:tailEnd type="none" w="med" len="med"/>
+                    </a:lnT>
+                    <a:lnB w="12700" cap="flat" cmpd="sng" algn="ctr">
+                      <a:solidFill>
+                        <a:schemeClr val="tx1"/>
+                      </a:solidFill>
+                      <a:prstDash val="solid"/>
+                      <a:round/>
+                      <a:headEnd type="none" w="med" len="med"/>
+                      <a:tailEnd type="none" w="med" len="med"/>
+                    </a:lnB>
+                  </a:tcPr>
+                </a:tc>
+                <a:tc>
+                  <a:txBody>
+                    <a:bodyPr/>
+                    <a:lstStyle/>
+                    <a:p>
+                      <a:pPr algn="ctr"/>
+                      <a:r>
+                        <a:rPr lang="en-HK" dirty="0"/>
+                        <a:t>8</a:t>
+                      </a:r>
+                    </a:p>
+                  </a:txBody>
+                  <a:tcPr>
+                    <a:lnL w="12700" cap="flat" cmpd="sng" algn="ctr">
+                      <a:solidFill>
+                        <a:schemeClr val="tx1"/>
+                      </a:solidFill>
+                      <a:prstDash val="solid"/>
+                      <a:round/>
+                      <a:headEnd type="none" w="med" len="med"/>
+                      <a:tailEnd type="none" w="med" len="med"/>
+                    </a:lnL>
+                    <a:lnR w="12700" cap="flat" cmpd="sng" algn="ctr">
+                      <a:solidFill>
+                        <a:schemeClr val="tx1"/>
+                      </a:solidFill>
+                      <a:prstDash val="solid"/>
+                      <a:round/>
+                      <a:headEnd type="none" w="med" len="med"/>
+                      <a:tailEnd type="none" w="med" len="med"/>
+                    </a:lnR>
+                    <a:lnT w="12700" cap="flat" cmpd="sng" algn="ctr">
+                      <a:solidFill>
+                        <a:schemeClr val="tx1"/>
+                      </a:solidFill>
+                      <a:prstDash val="solid"/>
+                      <a:round/>
+                      <a:headEnd type="none" w="med" len="med"/>
+                      <a:tailEnd type="none" w="med" len="med"/>
+                    </a:lnT>
+                    <a:lnB w="12700" cap="flat" cmpd="sng" algn="ctr">
+                      <a:solidFill>
+                        <a:schemeClr val="tx1"/>
+                      </a:solidFill>
+                      <a:prstDash val="solid"/>
+                      <a:round/>
+                      <a:headEnd type="none" w="med" len="med"/>
+                      <a:tailEnd type="none" w="med" len="med"/>
+                    </a:lnB>
+                  </a:tcPr>
+                </a:tc>
+                <a:tc>
+                  <a:txBody>
+                    <a:bodyPr/>
+                    <a:lstStyle/>
+                    <a:p>
+                      <a:pPr algn="ctr"/>
+                      <a:r>
+                        <a:rPr lang="en-HK" dirty="0"/>
+                        <a:t>9</a:t>
+                      </a:r>
+                    </a:p>
+                  </a:txBody>
+                  <a:tcPr>
+                    <a:lnL w="12700" cap="flat" cmpd="sng" algn="ctr">
+                      <a:solidFill>
+                        <a:schemeClr val="tx1"/>
+                      </a:solidFill>
+                      <a:prstDash val="solid"/>
+                      <a:round/>
+                      <a:headEnd type="none" w="med" len="med"/>
+                      <a:tailEnd type="none" w="med" len="med"/>
+                    </a:lnL>
+                    <a:lnR w="12700" cap="flat" cmpd="sng" algn="ctr">
+                      <a:solidFill>
+                        <a:schemeClr val="tx1"/>
+                      </a:solidFill>
+                      <a:prstDash val="solid"/>
+                      <a:round/>
+                      <a:headEnd type="none" w="med" len="med"/>
+                      <a:tailEnd type="none" w="med" len="med"/>
+                    </a:lnR>
+                    <a:lnT w="12700" cap="flat" cmpd="sng" algn="ctr">
+                      <a:solidFill>
+                        <a:schemeClr val="tx1"/>
+                      </a:solidFill>
+                      <a:prstDash val="solid"/>
+                      <a:round/>
+                      <a:headEnd type="none" w="med" len="med"/>
+                      <a:tailEnd type="none" w="med" len="med"/>
+                    </a:lnT>
+                    <a:lnB w="12700" cap="flat" cmpd="sng" algn="ctr">
+                      <a:solidFill>
+                        <a:schemeClr val="tx1"/>
+                      </a:solidFill>
+                      <a:prstDash val="solid"/>
+                      <a:round/>
+                      <a:headEnd type="none" w="med" len="med"/>
+                      <a:tailEnd type="none" w="med" len="med"/>
+                    </a:lnB>
+                  </a:tcPr>
+                </a:tc>
+                <a:tc>
+                  <a:txBody>
+                    <a:bodyPr/>
+                    <a:lstStyle/>
+                    <a:p>
+                      <a:pPr algn="ctr"/>
+                      <a:r>
+                        <a:rPr lang="en-HK" dirty="0"/>
+                        <a:t>10</a:t>
+                      </a:r>
+                    </a:p>
+                  </a:txBody>
+                  <a:tcPr>
+                    <a:lnL w="12700" cap="flat" cmpd="sng" algn="ctr">
+                      <a:solidFill>
+                        <a:schemeClr val="tx1"/>
+                      </a:solidFill>
+                      <a:prstDash val="solid"/>
+                      <a:round/>
+                      <a:headEnd type="none" w="med" len="med"/>
+                      <a:tailEnd type="none" w="med" len="med"/>
+                    </a:lnL>
+                    <a:lnR w="12700" cap="flat" cmpd="sng" algn="ctr">
+                      <a:solidFill>
+                        <a:schemeClr val="tx1"/>
+                      </a:solidFill>
+                      <a:prstDash val="solid"/>
+                      <a:round/>
+                      <a:headEnd type="none" w="med" len="med"/>
+                      <a:tailEnd type="none" w="med" len="med"/>
+                    </a:lnR>
+                    <a:lnT w="12700" cap="flat" cmpd="sng" algn="ctr">
+                      <a:solidFill>
+                        <a:schemeClr val="tx1"/>
+                      </a:solidFill>
+                      <a:prstDash val="solid"/>
+                      <a:round/>
+                      <a:headEnd type="none" w="med" len="med"/>
+                      <a:tailEnd type="none" w="med" len="med"/>
+                    </a:lnT>
+                    <a:lnB w="12700" cap="flat" cmpd="sng" algn="ctr">
+                      <a:solidFill>
+                        <a:schemeClr val="tx1"/>
+                      </a:solidFill>
+                      <a:prstDash val="solid"/>
+                      <a:round/>
+                      <a:headEnd type="none" w="med" len="med"/>
+                      <a:tailEnd type="none" w="med" len="med"/>
+                    </a:lnB>
+                  </a:tcPr>
+                </a:tc>
+                <a:extLst>
+                  <a:ext uri="{0D108BD9-81ED-4DB2-BD59-A6C34878D82A}">
+                    <a16:rowId xmlns:a16="http://schemas.microsoft.com/office/drawing/2014/main" val="2303845402"/>
+                  </a:ext>
+                </a:extLst>
+              </a:tr>
+            </a:tbl>
+          </a:graphicData>
+        </a:graphic>
+      </p:graphicFrame>
+      <p:graphicFrame>
+        <p:nvGraphicFramePr>
+          <p:cNvPr id="26" name="Table 25">
+            <a:extLst>
+              <a:ext uri="{FF2B5EF4-FFF2-40B4-BE49-F238E27FC236}">
+                <a16:creationId xmlns:a16="http://schemas.microsoft.com/office/drawing/2014/main" id="{48723F27-AD1D-C0B5-905E-2F4AD6E50906}"/>
+              </a:ext>
+            </a:extLst>
+          </p:cNvPr>
+          <p:cNvGraphicFramePr>
+            <a:graphicFrameLocks noGrp="1"/>
+          </p:cNvGraphicFramePr>
+          <p:nvPr>
+            <p:extLst>
+              <p:ext uri="{D42A27DB-BD31-4B8C-83A1-F6EECF244321}">
+                <p14:modId xmlns:p14="http://schemas.microsoft.com/office/powerpoint/2010/main" val="664870653"/>
+              </p:ext>
+            </p:extLst>
+          </p:nvPr>
+        </p:nvGraphicFramePr>
+        <p:xfrm>
+          <a:off x="5552525" y="5883217"/>
+          <a:ext cx="2139355" cy="431320"/>
+        </p:xfrm>
+        <a:graphic>
+          <a:graphicData uri="http://schemas.openxmlformats.org/drawingml/2006/table">
+            <a:tbl>
+              <a:tblPr/>
+              <a:tblGrid>
+                <a:gridCol w="427871">
+                  <a:extLst>
+                    <a:ext uri="{9D8B030D-6E8A-4147-A177-3AD203B41FA5}">
+                      <a16:colId xmlns:a16="http://schemas.microsoft.com/office/drawing/2014/main" val="4237174852"/>
+                    </a:ext>
+                  </a:extLst>
+                </a:gridCol>
+                <a:gridCol w="427871">
+                  <a:extLst>
+                    <a:ext uri="{9D8B030D-6E8A-4147-A177-3AD203B41FA5}">
+                      <a16:colId xmlns:a16="http://schemas.microsoft.com/office/drawing/2014/main" val="1953945196"/>
+                    </a:ext>
+                  </a:extLst>
+                </a:gridCol>
+                <a:gridCol w="427871">
+                  <a:extLst>
+                    <a:ext uri="{9D8B030D-6E8A-4147-A177-3AD203B41FA5}">
+                      <a16:colId xmlns:a16="http://schemas.microsoft.com/office/drawing/2014/main" val="3534266745"/>
+                    </a:ext>
+                  </a:extLst>
+                </a:gridCol>
+                <a:gridCol w="427871">
+                  <a:extLst>
+                    <a:ext uri="{9D8B030D-6E8A-4147-A177-3AD203B41FA5}">
+                      <a16:colId xmlns:a16="http://schemas.microsoft.com/office/drawing/2014/main" val="2715971765"/>
+                    </a:ext>
+                  </a:extLst>
+                </a:gridCol>
+                <a:gridCol w="427871">
+                  <a:extLst>
+                    <a:ext uri="{9D8B030D-6E8A-4147-A177-3AD203B41FA5}">
+                      <a16:colId xmlns:a16="http://schemas.microsoft.com/office/drawing/2014/main" val="2910653707"/>
+                    </a:ext>
+                  </a:extLst>
+                </a:gridCol>
+              </a:tblGrid>
+              <a:tr h="431320">
+                <a:tc>
+                  <a:txBody>
+                    <a:bodyPr/>
+                    <a:lstStyle/>
+                    <a:p>
+                      <a:pPr algn="ctr"/>
+                      <a:r>
+                        <a:rPr lang="en-HK" dirty="0"/>
+                        <a:t>6</a:t>
+                      </a:r>
+                    </a:p>
+                  </a:txBody>
+                  <a:tcPr>
+                    <a:lnL w="12700" cap="flat" cmpd="sng" algn="ctr">
+                      <a:solidFill>
+                        <a:schemeClr val="tx1"/>
+                      </a:solidFill>
+                      <a:prstDash val="solid"/>
+                      <a:round/>
+                      <a:headEnd type="none" w="med" len="med"/>
+                      <a:tailEnd type="none" w="med" len="med"/>
+                    </a:lnL>
+                    <a:lnR w="12700" cap="flat" cmpd="sng" algn="ctr">
+                      <a:solidFill>
+                        <a:schemeClr val="tx1"/>
+                      </a:solidFill>
+                      <a:prstDash val="solid"/>
+                      <a:round/>
+                      <a:headEnd type="none" w="med" len="med"/>
+                      <a:tailEnd type="none" w="med" len="med"/>
+                    </a:lnR>
+                    <a:lnT w="12700" cap="flat" cmpd="sng" algn="ctr">
+                      <a:solidFill>
+                        <a:schemeClr val="tx1"/>
+                      </a:solidFill>
+                      <a:prstDash val="solid"/>
+                      <a:round/>
+                      <a:headEnd type="none" w="med" len="med"/>
+                      <a:tailEnd type="none" w="med" len="med"/>
+                    </a:lnT>
+                    <a:lnB w="12700" cap="flat" cmpd="sng" algn="ctr">
+                      <a:solidFill>
+                        <a:schemeClr val="tx1"/>
+                      </a:solidFill>
+                      <a:prstDash val="solid"/>
+                      <a:round/>
+                      <a:headEnd type="none" w="med" len="med"/>
+                      <a:tailEnd type="none" w="med" len="med"/>
+                    </a:lnB>
+                  </a:tcPr>
+                </a:tc>
+                <a:tc>
+                  <a:txBody>
+                    <a:bodyPr/>
+                    <a:lstStyle/>
+                    <a:p>
+                      <a:pPr algn="ctr"/>
+                      <a:r>
+                        <a:rPr lang="en-HK" dirty="0"/>
+                        <a:t>7</a:t>
+                      </a:r>
+                    </a:p>
+                  </a:txBody>
+                  <a:tcPr>
+                    <a:lnL w="12700" cap="flat" cmpd="sng" algn="ctr">
+                      <a:solidFill>
+                        <a:schemeClr val="tx1"/>
+                      </a:solidFill>
+                      <a:prstDash val="solid"/>
+                      <a:round/>
+                      <a:headEnd type="none" w="med" len="med"/>
+                      <a:tailEnd type="none" w="med" len="med"/>
+                    </a:lnL>
+                    <a:lnR w="12700" cap="flat" cmpd="sng" algn="ctr">
+                      <a:solidFill>
+                        <a:schemeClr val="tx1"/>
+                      </a:solidFill>
+                      <a:prstDash val="solid"/>
+                      <a:round/>
+                      <a:headEnd type="none" w="med" len="med"/>
+                      <a:tailEnd type="none" w="med" len="med"/>
+                    </a:lnR>
+                    <a:lnT w="12700" cap="flat" cmpd="sng" algn="ctr">
+                      <a:solidFill>
+                        <a:schemeClr val="tx1"/>
+                      </a:solidFill>
+                      <a:prstDash val="solid"/>
+                      <a:round/>
+                      <a:headEnd type="none" w="med" len="med"/>
+                      <a:tailEnd type="none" w="med" len="med"/>
+                    </a:lnT>
+                    <a:lnB w="12700" cap="flat" cmpd="sng" algn="ctr">
+                      <a:solidFill>
+                        <a:schemeClr val="tx1"/>
+                      </a:solidFill>
+                      <a:prstDash val="solid"/>
+                      <a:round/>
+                      <a:headEnd type="none" w="med" len="med"/>
+                      <a:tailEnd type="none" w="med" len="med"/>
+                    </a:lnB>
+                  </a:tcPr>
+                </a:tc>
+                <a:tc>
+                  <a:txBody>
+                    <a:bodyPr/>
+                    <a:lstStyle/>
+                    <a:p>
+                      <a:pPr algn="ctr"/>
+                      <a:r>
+                        <a:rPr lang="en-HK" dirty="0"/>
+                        <a:t>8</a:t>
+                      </a:r>
+                    </a:p>
+                  </a:txBody>
+                  <a:tcPr>
+                    <a:lnL w="12700" cap="flat" cmpd="sng" algn="ctr">
+                      <a:solidFill>
+                        <a:schemeClr val="tx1"/>
+                      </a:solidFill>
+                      <a:prstDash val="solid"/>
+                      <a:round/>
+                      <a:headEnd type="none" w="med" len="med"/>
+                      <a:tailEnd type="none" w="med" len="med"/>
+                    </a:lnL>
+                    <a:lnR w="12700" cap="flat" cmpd="sng" algn="ctr">
+                      <a:solidFill>
+                        <a:schemeClr val="tx1"/>
+                      </a:solidFill>
+                      <a:prstDash val="solid"/>
+                      <a:round/>
+                      <a:headEnd type="none" w="med" len="med"/>
+                      <a:tailEnd type="none" w="med" len="med"/>
+                    </a:lnR>
+                    <a:lnT w="12700" cap="flat" cmpd="sng" algn="ctr">
+                      <a:solidFill>
+                        <a:schemeClr val="tx1"/>
+                      </a:solidFill>
+                      <a:prstDash val="solid"/>
+                      <a:round/>
+                      <a:headEnd type="none" w="med" len="med"/>
+                      <a:tailEnd type="none" w="med" len="med"/>
+                    </a:lnT>
+                    <a:lnB w="12700" cap="flat" cmpd="sng" algn="ctr">
+                      <a:solidFill>
+                        <a:schemeClr val="tx1"/>
+                      </a:solidFill>
+                      <a:prstDash val="solid"/>
+                      <a:round/>
+                      <a:headEnd type="none" w="med" len="med"/>
+                      <a:tailEnd type="none" w="med" len="med"/>
+                    </a:lnB>
+                  </a:tcPr>
+                </a:tc>
+                <a:tc>
+                  <a:txBody>
+                    <a:bodyPr/>
+                    <a:lstStyle/>
+                    <a:p>
+                      <a:pPr algn="ctr"/>
+                      <a:r>
+                        <a:rPr lang="en-HK" dirty="0"/>
+                        <a:t>9</a:t>
+                      </a:r>
+                    </a:p>
+                  </a:txBody>
+                  <a:tcPr>
+                    <a:lnL w="12700" cap="flat" cmpd="sng" algn="ctr">
+                      <a:solidFill>
+                        <a:schemeClr val="tx1"/>
+                      </a:solidFill>
+                      <a:prstDash val="solid"/>
+                      <a:round/>
+                      <a:headEnd type="none" w="med" len="med"/>
+                      <a:tailEnd type="none" w="med" len="med"/>
+                    </a:lnL>
+                    <a:lnR w="12700" cap="flat" cmpd="sng" algn="ctr">
+                      <a:solidFill>
+                        <a:schemeClr val="tx1"/>
+                      </a:solidFill>
+                      <a:prstDash val="solid"/>
+                      <a:round/>
+                      <a:headEnd type="none" w="med" len="med"/>
+                      <a:tailEnd type="none" w="med" len="med"/>
+                    </a:lnR>
+                    <a:lnT w="12700" cap="flat" cmpd="sng" algn="ctr">
+                      <a:solidFill>
+                        <a:schemeClr val="tx1"/>
+                      </a:solidFill>
+                      <a:prstDash val="solid"/>
+                      <a:round/>
+                      <a:headEnd type="none" w="med" len="med"/>
+                      <a:tailEnd type="none" w="med" len="med"/>
+                    </a:lnT>
+                    <a:lnB w="12700" cap="flat" cmpd="sng" algn="ctr">
+                      <a:solidFill>
+                        <a:schemeClr val="tx1"/>
+                      </a:solidFill>
+                      <a:prstDash val="solid"/>
+                      <a:round/>
+                      <a:headEnd type="none" w="med" len="med"/>
+                      <a:tailEnd type="none" w="med" len="med"/>
+                    </a:lnB>
+                  </a:tcPr>
+                </a:tc>
+                <a:tc>
+                  <a:txBody>
+                    <a:bodyPr/>
+                    <a:lstStyle/>
+                    <a:p>
+                      <a:pPr algn="ctr"/>
+                      <a:r>
+                        <a:rPr lang="en-HK" dirty="0"/>
+                        <a:t>10</a:t>
+                      </a:r>
+                    </a:p>
+                  </a:txBody>
+                  <a:tcPr>
+                    <a:lnL w="12700" cap="flat" cmpd="sng" algn="ctr">
+                      <a:solidFill>
+                        <a:schemeClr val="tx1"/>
+                      </a:solidFill>
+                      <a:prstDash val="solid"/>
+                      <a:round/>
+                      <a:headEnd type="none" w="med" len="med"/>
+                      <a:tailEnd type="none" w="med" len="med"/>
+                    </a:lnL>
+                    <a:lnR w="12700" cap="flat" cmpd="sng" algn="ctr">
+                      <a:solidFill>
+                        <a:schemeClr val="tx1"/>
+                      </a:solidFill>
+                      <a:prstDash val="solid"/>
+                      <a:round/>
+                      <a:headEnd type="none" w="med" len="med"/>
+                      <a:tailEnd type="none" w="med" len="med"/>
+                    </a:lnR>
+                    <a:lnT w="12700" cap="flat" cmpd="sng" algn="ctr">
+                      <a:solidFill>
+                        <a:schemeClr val="tx1"/>
+                      </a:solidFill>
+                      <a:prstDash val="solid"/>
+                      <a:round/>
+                      <a:headEnd type="none" w="med" len="med"/>
+                      <a:tailEnd type="none" w="med" len="med"/>
+                    </a:lnT>
+                    <a:lnB w="12700" cap="flat" cmpd="sng" algn="ctr">
+                      <a:solidFill>
+                        <a:schemeClr val="tx1"/>
+                      </a:solidFill>
+                      <a:prstDash val="solid"/>
+                      <a:round/>
+                      <a:headEnd type="none" w="med" len="med"/>
+                      <a:tailEnd type="none" w="med" len="med"/>
+                    </a:lnB>
+                  </a:tcPr>
+                </a:tc>
+                <a:extLst>
+                  <a:ext uri="{0D108BD9-81ED-4DB2-BD59-A6C34878D82A}">
+                    <a16:rowId xmlns:a16="http://schemas.microsoft.com/office/drawing/2014/main" val="2303845402"/>
+                  </a:ext>
+                </a:extLst>
+              </a:tr>
+            </a:tbl>
+          </a:graphicData>
+        </a:graphic>
+      </p:graphicFrame>
+      <p:sp>
+        <p:nvSpPr>
+          <p:cNvPr id="27" name="TextBox 26">
+            <a:extLst>
+              <a:ext uri="{FF2B5EF4-FFF2-40B4-BE49-F238E27FC236}">
+                <a16:creationId xmlns:a16="http://schemas.microsoft.com/office/drawing/2014/main" id="{A1896164-90B0-649C-D07C-027B828795EF}"/>
+              </a:ext>
+            </a:extLst>
+          </p:cNvPr>
+          <p:cNvSpPr txBox="1"/>
+          <p:nvPr/>
+        </p:nvSpPr>
+        <p:spPr>
+          <a:xfrm>
+            <a:off x="1043796" y="479569"/>
+            <a:ext cx="317716" cy="369332"/>
+          </a:xfrm>
+          <a:prstGeom prst="rect">
+            <a:avLst/>
+          </a:prstGeom>
+          <a:noFill/>
+        </p:spPr>
+        <p:txBody>
+          <a:bodyPr wrap="none" rtlCol="0">
+            <a:spAutoFit/>
+          </a:bodyPr>
+          <a:lstStyle/>
+          <a:p>
+            <a:r>
+              <a:rPr lang="en-US" altLang="zh-CN"/>
+              <a:t>A</a:t>
+            </a:r>
+            <a:endParaRPr lang="en-HK" dirty="0"/>
+          </a:p>
+        </p:txBody>
+      </p:sp>
+      <p:sp>
+        <p:nvSpPr>
+          <p:cNvPr id="28" name="TextBox 27">
+            <a:extLst>
+              <a:ext uri="{FF2B5EF4-FFF2-40B4-BE49-F238E27FC236}">
+                <a16:creationId xmlns:a16="http://schemas.microsoft.com/office/drawing/2014/main" id="{C9E8D6C2-63E4-7E2D-A9B7-47B7B1A160D5}"/>
+              </a:ext>
+            </a:extLst>
+          </p:cNvPr>
+          <p:cNvSpPr txBox="1"/>
+          <p:nvPr/>
+        </p:nvSpPr>
+        <p:spPr>
+          <a:xfrm>
+            <a:off x="1043796" y="1023033"/>
+            <a:ext cx="309700" cy="369332"/>
+          </a:xfrm>
+          <a:prstGeom prst="rect">
+            <a:avLst/>
+          </a:prstGeom>
+          <a:noFill/>
+        </p:spPr>
+        <p:txBody>
+          <a:bodyPr wrap="none" rtlCol="0">
+            <a:spAutoFit/>
+          </a:bodyPr>
+          <a:lstStyle/>
+          <a:p>
+            <a:r>
+              <a:rPr lang="en-US" altLang="zh-CN" dirty="0"/>
+              <a:t>B</a:t>
+            </a:r>
+            <a:endParaRPr lang="en-HK" dirty="0"/>
+          </a:p>
+        </p:txBody>
+      </p:sp>
+      <p:sp>
+        <p:nvSpPr>
+          <p:cNvPr id="29" name="TextBox 28">
+            <a:extLst>
+              <a:ext uri="{FF2B5EF4-FFF2-40B4-BE49-F238E27FC236}">
+                <a16:creationId xmlns:a16="http://schemas.microsoft.com/office/drawing/2014/main" id="{C2A586EC-0271-B524-AF53-284D23863A00}"/>
+              </a:ext>
+            </a:extLst>
+          </p:cNvPr>
+          <p:cNvSpPr txBox="1"/>
+          <p:nvPr/>
+        </p:nvSpPr>
+        <p:spPr>
+          <a:xfrm>
+            <a:off x="1051812" y="1566497"/>
+            <a:ext cx="308098" cy="369332"/>
+          </a:xfrm>
+          <a:prstGeom prst="rect">
+            <a:avLst/>
+          </a:prstGeom>
+          <a:noFill/>
+        </p:spPr>
+        <p:txBody>
+          <a:bodyPr wrap="none" rtlCol="0">
+            <a:spAutoFit/>
+          </a:bodyPr>
+          <a:lstStyle/>
+          <a:p>
+            <a:r>
+              <a:rPr lang="en-US" dirty="0"/>
+              <a:t>C</a:t>
+            </a:r>
+            <a:endParaRPr lang="en-HK" dirty="0"/>
+          </a:p>
+        </p:txBody>
+      </p:sp>
+      <p:sp>
+        <p:nvSpPr>
+          <p:cNvPr id="30" name="TextBox 29">
+            <a:extLst>
+              <a:ext uri="{FF2B5EF4-FFF2-40B4-BE49-F238E27FC236}">
+                <a16:creationId xmlns:a16="http://schemas.microsoft.com/office/drawing/2014/main" id="{E8F01266-C6A9-EE31-08F1-9A3FE6499642}"/>
+              </a:ext>
+            </a:extLst>
+          </p:cNvPr>
+          <p:cNvSpPr txBox="1"/>
+          <p:nvPr/>
+        </p:nvSpPr>
+        <p:spPr>
+          <a:xfrm>
+            <a:off x="1043186" y="2109961"/>
+            <a:ext cx="327334" cy="369332"/>
+          </a:xfrm>
+          <a:prstGeom prst="rect">
+            <a:avLst/>
+          </a:prstGeom>
+          <a:noFill/>
+        </p:spPr>
+        <p:txBody>
+          <a:bodyPr wrap="none" rtlCol="0">
+            <a:spAutoFit/>
+          </a:bodyPr>
+          <a:lstStyle/>
+          <a:p>
+            <a:r>
+              <a:rPr lang="en-US" dirty="0"/>
+              <a:t>D</a:t>
+            </a:r>
+            <a:endParaRPr lang="en-HK" dirty="0"/>
+          </a:p>
+        </p:txBody>
+      </p:sp>
+      <p:sp>
+        <p:nvSpPr>
+          <p:cNvPr id="31" name="TextBox 30">
+            <a:extLst>
+              <a:ext uri="{FF2B5EF4-FFF2-40B4-BE49-F238E27FC236}">
+                <a16:creationId xmlns:a16="http://schemas.microsoft.com/office/drawing/2014/main" id="{9A62AB6E-195B-49A6-A40A-C837C027F31B}"/>
+              </a:ext>
+            </a:extLst>
+          </p:cNvPr>
+          <p:cNvSpPr txBox="1"/>
+          <p:nvPr/>
+        </p:nvSpPr>
+        <p:spPr>
+          <a:xfrm>
+            <a:off x="1050210" y="2653425"/>
+            <a:ext cx="296876" cy="369332"/>
+          </a:xfrm>
+          <a:prstGeom prst="rect">
+            <a:avLst/>
+          </a:prstGeom>
+          <a:noFill/>
+        </p:spPr>
+        <p:txBody>
+          <a:bodyPr wrap="none" rtlCol="0">
+            <a:spAutoFit/>
+          </a:bodyPr>
+          <a:lstStyle/>
+          <a:p>
+            <a:r>
+              <a:rPr lang="en-US" dirty="0"/>
+              <a:t>E</a:t>
+            </a:r>
+            <a:endParaRPr lang="en-HK" dirty="0"/>
+          </a:p>
+        </p:txBody>
+      </p:sp>
+      <p:sp>
+        <p:nvSpPr>
+          <p:cNvPr id="32" name="TextBox 31">
+            <a:extLst>
+              <a:ext uri="{FF2B5EF4-FFF2-40B4-BE49-F238E27FC236}">
+                <a16:creationId xmlns:a16="http://schemas.microsoft.com/office/drawing/2014/main" id="{6FA517F0-ED4C-AE1D-B2AB-3696679916C1}"/>
+              </a:ext>
+            </a:extLst>
+          </p:cNvPr>
+          <p:cNvSpPr txBox="1"/>
+          <p:nvPr/>
+        </p:nvSpPr>
+        <p:spPr>
+          <a:xfrm>
+            <a:off x="1060629" y="3200402"/>
+            <a:ext cx="290464" cy="369332"/>
+          </a:xfrm>
+          <a:prstGeom prst="rect">
+            <a:avLst/>
+          </a:prstGeom>
+          <a:noFill/>
+        </p:spPr>
+        <p:txBody>
+          <a:bodyPr wrap="none" rtlCol="0">
+            <a:spAutoFit/>
+          </a:bodyPr>
+          <a:lstStyle/>
+          <a:p>
+            <a:r>
+              <a:rPr lang="en-US" dirty="0"/>
+              <a:t>F</a:t>
+            </a:r>
+            <a:endParaRPr lang="en-HK" dirty="0"/>
+          </a:p>
+        </p:txBody>
+      </p:sp>
+      <p:sp>
+        <p:nvSpPr>
+          <p:cNvPr id="33" name="TextBox 32">
+            <a:extLst>
+              <a:ext uri="{FF2B5EF4-FFF2-40B4-BE49-F238E27FC236}">
+                <a16:creationId xmlns:a16="http://schemas.microsoft.com/office/drawing/2014/main" id="{52239EE2-426A-795A-C587-6108BBA8236F}"/>
+              </a:ext>
+            </a:extLst>
+          </p:cNvPr>
+          <p:cNvSpPr txBox="1"/>
+          <p:nvPr/>
+        </p:nvSpPr>
+        <p:spPr>
+          <a:xfrm>
+            <a:off x="1043796" y="3740353"/>
+            <a:ext cx="330540" cy="369332"/>
+          </a:xfrm>
+          <a:prstGeom prst="rect">
+            <a:avLst/>
+          </a:prstGeom>
+          <a:noFill/>
+        </p:spPr>
+        <p:txBody>
+          <a:bodyPr wrap="none" rtlCol="0">
+            <a:spAutoFit/>
+          </a:bodyPr>
+          <a:lstStyle/>
+          <a:p>
+            <a:r>
+              <a:rPr lang="en-US" dirty="0"/>
+              <a:t>G</a:t>
+            </a:r>
+            <a:endParaRPr lang="en-HK" dirty="0"/>
+          </a:p>
+        </p:txBody>
+      </p:sp>
+      <p:sp>
+        <p:nvSpPr>
+          <p:cNvPr id="34" name="TextBox 33">
+            <a:extLst>
+              <a:ext uri="{FF2B5EF4-FFF2-40B4-BE49-F238E27FC236}">
+                <a16:creationId xmlns:a16="http://schemas.microsoft.com/office/drawing/2014/main" id="{DECBE08F-1B49-EC04-61DA-3D30E96C2FF8}"/>
+              </a:ext>
+            </a:extLst>
+          </p:cNvPr>
+          <p:cNvSpPr txBox="1"/>
+          <p:nvPr/>
+        </p:nvSpPr>
+        <p:spPr>
+          <a:xfrm>
+            <a:off x="1038758" y="4287330"/>
+            <a:ext cx="328936" cy="369332"/>
+          </a:xfrm>
+          <a:prstGeom prst="rect">
+            <a:avLst/>
+          </a:prstGeom>
+          <a:noFill/>
+        </p:spPr>
+        <p:txBody>
+          <a:bodyPr wrap="none" rtlCol="0">
+            <a:spAutoFit/>
+          </a:bodyPr>
+          <a:lstStyle/>
+          <a:p>
+            <a:r>
+              <a:rPr lang="en-US" dirty="0"/>
+              <a:t>H</a:t>
+            </a:r>
+            <a:endParaRPr lang="en-HK" dirty="0"/>
+          </a:p>
+        </p:txBody>
+      </p:sp>
+      <p:sp>
+        <p:nvSpPr>
+          <p:cNvPr id="35" name="TextBox 34">
+            <a:extLst>
+              <a:ext uri="{FF2B5EF4-FFF2-40B4-BE49-F238E27FC236}">
+                <a16:creationId xmlns:a16="http://schemas.microsoft.com/office/drawing/2014/main" id="{C397B72A-8A9E-8520-D9B2-6DD6588CF3BB}"/>
+              </a:ext>
+            </a:extLst>
+          </p:cNvPr>
+          <p:cNvSpPr txBox="1"/>
+          <p:nvPr/>
+        </p:nvSpPr>
+        <p:spPr>
+          <a:xfrm>
+            <a:off x="1083872" y="4834307"/>
+            <a:ext cx="242374" cy="369332"/>
+          </a:xfrm>
+          <a:prstGeom prst="rect">
+            <a:avLst/>
+          </a:prstGeom>
+          <a:noFill/>
+        </p:spPr>
+        <p:txBody>
+          <a:bodyPr wrap="none" rtlCol="0">
+            <a:spAutoFit/>
+          </a:bodyPr>
+          <a:lstStyle/>
+          <a:p>
+            <a:r>
+              <a:rPr lang="en-US" dirty="0"/>
+              <a:t>I</a:t>
+            </a:r>
+            <a:endParaRPr lang="en-HK" dirty="0"/>
+          </a:p>
+        </p:txBody>
+      </p:sp>
+      <p:sp>
+        <p:nvSpPr>
+          <p:cNvPr id="36" name="TextBox 35">
+            <a:extLst>
+              <a:ext uri="{FF2B5EF4-FFF2-40B4-BE49-F238E27FC236}">
+                <a16:creationId xmlns:a16="http://schemas.microsoft.com/office/drawing/2014/main" id="{9A496807-08FB-3971-C500-D76044BB4B5D}"/>
+              </a:ext>
+            </a:extLst>
+          </p:cNvPr>
+          <p:cNvSpPr txBox="1"/>
+          <p:nvPr/>
+        </p:nvSpPr>
+        <p:spPr>
+          <a:xfrm>
+            <a:off x="1060629" y="5370745"/>
+            <a:ext cx="258404" cy="369332"/>
+          </a:xfrm>
+          <a:prstGeom prst="rect">
+            <a:avLst/>
+          </a:prstGeom>
+          <a:noFill/>
+        </p:spPr>
+        <p:txBody>
+          <a:bodyPr wrap="none" rtlCol="0">
+            <a:spAutoFit/>
+          </a:bodyPr>
+          <a:lstStyle/>
+          <a:p>
+            <a:r>
+              <a:rPr lang="en-US" dirty="0"/>
+              <a:t>J</a:t>
+            </a:r>
+            <a:endParaRPr lang="en-HK" dirty="0"/>
+          </a:p>
+        </p:txBody>
+      </p:sp>
+      <p:sp>
+        <p:nvSpPr>
+          <p:cNvPr id="37" name="TextBox 36">
+            <a:extLst>
+              <a:ext uri="{FF2B5EF4-FFF2-40B4-BE49-F238E27FC236}">
+                <a16:creationId xmlns:a16="http://schemas.microsoft.com/office/drawing/2014/main" id="{9F3361FD-20E7-DA2D-8C6C-EB0F90690BBE}"/>
+              </a:ext>
+            </a:extLst>
+          </p:cNvPr>
+          <p:cNvSpPr txBox="1"/>
+          <p:nvPr/>
+        </p:nvSpPr>
+        <p:spPr>
+          <a:xfrm>
+            <a:off x="1050209" y="5883217"/>
+            <a:ext cx="304892" cy="369332"/>
+          </a:xfrm>
+          <a:prstGeom prst="rect">
+            <a:avLst/>
+          </a:prstGeom>
+          <a:noFill/>
+        </p:spPr>
+        <p:txBody>
+          <a:bodyPr wrap="none" rtlCol="0">
+            <a:spAutoFit/>
+          </a:bodyPr>
+          <a:lstStyle/>
+          <a:p>
+            <a:r>
+              <a:rPr lang="en-US" dirty="0"/>
+              <a:t>K</a:t>
+            </a:r>
+            <a:endParaRPr lang="en-HK" dirty="0"/>
+          </a:p>
+        </p:txBody>
+      </p:sp>
+      <p:sp>
+        <p:nvSpPr>
+          <p:cNvPr id="38" name="TextBox 37">
+            <a:extLst>
+              <a:ext uri="{FF2B5EF4-FFF2-40B4-BE49-F238E27FC236}">
+                <a16:creationId xmlns:a16="http://schemas.microsoft.com/office/drawing/2014/main" id="{2BEE7F50-AD4D-4E1D-6220-207169C2C98E}"/>
+              </a:ext>
+            </a:extLst>
+          </p:cNvPr>
+          <p:cNvSpPr txBox="1"/>
+          <p:nvPr/>
+        </p:nvSpPr>
+        <p:spPr>
+          <a:xfrm>
+            <a:off x="7985185" y="479569"/>
+            <a:ext cx="317716" cy="369332"/>
+          </a:xfrm>
+          <a:prstGeom prst="rect">
+            <a:avLst/>
+          </a:prstGeom>
+          <a:noFill/>
+        </p:spPr>
+        <p:txBody>
+          <a:bodyPr wrap="none" rtlCol="0">
+            <a:spAutoFit/>
+          </a:bodyPr>
+          <a:lstStyle/>
+          <a:p>
+            <a:r>
+              <a:rPr lang="en-US" altLang="zh-CN"/>
+              <a:t>A</a:t>
+            </a:r>
+            <a:endParaRPr lang="en-HK" dirty="0"/>
+          </a:p>
+        </p:txBody>
+      </p:sp>
+      <p:sp>
+        <p:nvSpPr>
+          <p:cNvPr id="39" name="TextBox 38">
+            <a:extLst>
+              <a:ext uri="{FF2B5EF4-FFF2-40B4-BE49-F238E27FC236}">
+                <a16:creationId xmlns:a16="http://schemas.microsoft.com/office/drawing/2014/main" id="{BE9444F4-1229-CB6E-AA56-0F895B079A24}"/>
+              </a:ext>
+            </a:extLst>
+          </p:cNvPr>
+          <p:cNvSpPr txBox="1"/>
+          <p:nvPr/>
+        </p:nvSpPr>
+        <p:spPr>
+          <a:xfrm>
+            <a:off x="7985185" y="1023033"/>
+            <a:ext cx="309700" cy="369332"/>
+          </a:xfrm>
+          <a:prstGeom prst="rect">
+            <a:avLst/>
+          </a:prstGeom>
+          <a:noFill/>
+        </p:spPr>
+        <p:txBody>
+          <a:bodyPr wrap="none" rtlCol="0">
+            <a:spAutoFit/>
+          </a:bodyPr>
+          <a:lstStyle/>
+          <a:p>
+            <a:r>
+              <a:rPr lang="en-US" altLang="zh-CN" dirty="0"/>
+              <a:t>B</a:t>
+            </a:r>
+            <a:endParaRPr lang="en-HK" dirty="0"/>
+          </a:p>
+        </p:txBody>
+      </p:sp>
+      <p:sp>
+        <p:nvSpPr>
+          <p:cNvPr id="40" name="TextBox 39">
+            <a:extLst>
+              <a:ext uri="{FF2B5EF4-FFF2-40B4-BE49-F238E27FC236}">
+                <a16:creationId xmlns:a16="http://schemas.microsoft.com/office/drawing/2014/main" id="{456FCC88-D184-8865-B121-CB6FFAD2C1C0}"/>
+              </a:ext>
+            </a:extLst>
+          </p:cNvPr>
+          <p:cNvSpPr txBox="1"/>
+          <p:nvPr/>
+        </p:nvSpPr>
+        <p:spPr>
+          <a:xfrm>
+            <a:off x="7993201" y="1566497"/>
+            <a:ext cx="308098" cy="369332"/>
+          </a:xfrm>
+          <a:prstGeom prst="rect">
+            <a:avLst/>
+          </a:prstGeom>
+          <a:noFill/>
+        </p:spPr>
+        <p:txBody>
+          <a:bodyPr wrap="none" rtlCol="0">
+            <a:spAutoFit/>
+          </a:bodyPr>
+          <a:lstStyle/>
+          <a:p>
+            <a:r>
+              <a:rPr lang="en-US" dirty="0"/>
+              <a:t>C</a:t>
+            </a:r>
+            <a:endParaRPr lang="en-HK" dirty="0"/>
+          </a:p>
+        </p:txBody>
+      </p:sp>
+      <p:sp>
+        <p:nvSpPr>
+          <p:cNvPr id="41" name="TextBox 40">
+            <a:extLst>
+              <a:ext uri="{FF2B5EF4-FFF2-40B4-BE49-F238E27FC236}">
+                <a16:creationId xmlns:a16="http://schemas.microsoft.com/office/drawing/2014/main" id="{97ED91B4-447A-C394-87D4-6246576D88BC}"/>
+              </a:ext>
+            </a:extLst>
+          </p:cNvPr>
+          <p:cNvSpPr txBox="1"/>
+          <p:nvPr/>
+        </p:nvSpPr>
+        <p:spPr>
+          <a:xfrm>
+            <a:off x="7984575" y="2109961"/>
+            <a:ext cx="327334" cy="369332"/>
+          </a:xfrm>
+          <a:prstGeom prst="rect">
+            <a:avLst/>
+          </a:prstGeom>
+          <a:noFill/>
+        </p:spPr>
+        <p:txBody>
+          <a:bodyPr wrap="none" rtlCol="0">
+            <a:spAutoFit/>
+          </a:bodyPr>
+          <a:lstStyle/>
+          <a:p>
+            <a:r>
+              <a:rPr lang="en-US" dirty="0"/>
+              <a:t>D</a:t>
+            </a:r>
+            <a:endParaRPr lang="en-HK" dirty="0"/>
+          </a:p>
+        </p:txBody>
+      </p:sp>
+      <p:sp>
+        <p:nvSpPr>
+          <p:cNvPr id="42" name="TextBox 41">
+            <a:extLst>
+              <a:ext uri="{FF2B5EF4-FFF2-40B4-BE49-F238E27FC236}">
+                <a16:creationId xmlns:a16="http://schemas.microsoft.com/office/drawing/2014/main" id="{D4B8E71A-6312-E406-6578-EF0E7609A720}"/>
+              </a:ext>
+            </a:extLst>
+          </p:cNvPr>
+          <p:cNvSpPr txBox="1"/>
+          <p:nvPr/>
+        </p:nvSpPr>
+        <p:spPr>
+          <a:xfrm>
+            <a:off x="7991599" y="2653425"/>
+            <a:ext cx="296876" cy="369332"/>
+          </a:xfrm>
+          <a:prstGeom prst="rect">
+            <a:avLst/>
+          </a:prstGeom>
+          <a:noFill/>
+        </p:spPr>
+        <p:txBody>
+          <a:bodyPr wrap="none" rtlCol="0">
+            <a:spAutoFit/>
+          </a:bodyPr>
+          <a:lstStyle/>
+          <a:p>
+            <a:r>
+              <a:rPr lang="en-US" dirty="0"/>
+              <a:t>E</a:t>
+            </a:r>
+            <a:endParaRPr lang="en-HK" dirty="0"/>
+          </a:p>
+        </p:txBody>
+      </p:sp>
+      <p:sp>
+        <p:nvSpPr>
+          <p:cNvPr id="43" name="TextBox 42">
+            <a:extLst>
+              <a:ext uri="{FF2B5EF4-FFF2-40B4-BE49-F238E27FC236}">
+                <a16:creationId xmlns:a16="http://schemas.microsoft.com/office/drawing/2014/main" id="{FDC5B203-F420-502F-1658-8A329BEBF590}"/>
+              </a:ext>
+            </a:extLst>
+          </p:cNvPr>
+          <p:cNvSpPr txBox="1"/>
+          <p:nvPr/>
+        </p:nvSpPr>
+        <p:spPr>
+          <a:xfrm>
+            <a:off x="8002018" y="3200402"/>
+            <a:ext cx="290464" cy="369332"/>
+          </a:xfrm>
+          <a:prstGeom prst="rect">
+            <a:avLst/>
+          </a:prstGeom>
+          <a:noFill/>
+        </p:spPr>
+        <p:txBody>
+          <a:bodyPr wrap="none" rtlCol="0">
+            <a:spAutoFit/>
+          </a:bodyPr>
+          <a:lstStyle/>
+          <a:p>
+            <a:r>
+              <a:rPr lang="en-US" dirty="0"/>
+              <a:t>F</a:t>
+            </a:r>
+            <a:endParaRPr lang="en-HK" dirty="0"/>
+          </a:p>
+        </p:txBody>
+      </p:sp>
+      <p:sp>
+        <p:nvSpPr>
+          <p:cNvPr id="44" name="TextBox 43">
+            <a:extLst>
+              <a:ext uri="{FF2B5EF4-FFF2-40B4-BE49-F238E27FC236}">
+                <a16:creationId xmlns:a16="http://schemas.microsoft.com/office/drawing/2014/main" id="{732BC6F3-0F48-3E7D-4840-5B19229BEB17}"/>
+              </a:ext>
+            </a:extLst>
+          </p:cNvPr>
+          <p:cNvSpPr txBox="1"/>
+          <p:nvPr/>
+        </p:nvSpPr>
+        <p:spPr>
+          <a:xfrm>
+            <a:off x="7985185" y="3740353"/>
+            <a:ext cx="330540" cy="369332"/>
+          </a:xfrm>
+          <a:prstGeom prst="rect">
+            <a:avLst/>
+          </a:prstGeom>
+          <a:noFill/>
+        </p:spPr>
+        <p:txBody>
+          <a:bodyPr wrap="none" rtlCol="0">
+            <a:spAutoFit/>
+          </a:bodyPr>
+          <a:lstStyle/>
+          <a:p>
+            <a:r>
+              <a:rPr lang="en-US" dirty="0"/>
+              <a:t>G</a:t>
+            </a:r>
+            <a:endParaRPr lang="en-HK" dirty="0"/>
+          </a:p>
+        </p:txBody>
+      </p:sp>
+      <p:sp>
+        <p:nvSpPr>
+          <p:cNvPr id="45" name="TextBox 44">
+            <a:extLst>
+              <a:ext uri="{FF2B5EF4-FFF2-40B4-BE49-F238E27FC236}">
+                <a16:creationId xmlns:a16="http://schemas.microsoft.com/office/drawing/2014/main" id="{9E3E9830-263C-6087-54F0-7269C2F18B85}"/>
+              </a:ext>
+            </a:extLst>
+          </p:cNvPr>
+          <p:cNvSpPr txBox="1"/>
+          <p:nvPr/>
+        </p:nvSpPr>
+        <p:spPr>
+          <a:xfrm>
+            <a:off x="7980147" y="4287330"/>
+            <a:ext cx="328936" cy="369332"/>
+          </a:xfrm>
+          <a:prstGeom prst="rect">
+            <a:avLst/>
+          </a:prstGeom>
+          <a:noFill/>
+        </p:spPr>
+        <p:txBody>
+          <a:bodyPr wrap="none" rtlCol="0">
+            <a:spAutoFit/>
+          </a:bodyPr>
+          <a:lstStyle/>
+          <a:p>
+            <a:r>
+              <a:rPr lang="en-US" dirty="0"/>
+              <a:t>H</a:t>
+            </a:r>
+            <a:endParaRPr lang="en-HK" dirty="0"/>
+          </a:p>
+        </p:txBody>
+      </p:sp>
+      <p:sp>
+        <p:nvSpPr>
+          <p:cNvPr id="46" name="TextBox 45">
+            <a:extLst>
+              <a:ext uri="{FF2B5EF4-FFF2-40B4-BE49-F238E27FC236}">
+                <a16:creationId xmlns:a16="http://schemas.microsoft.com/office/drawing/2014/main" id="{8D479743-772F-3FC5-FEED-839F9525FC67}"/>
+              </a:ext>
+            </a:extLst>
+          </p:cNvPr>
+          <p:cNvSpPr txBox="1"/>
+          <p:nvPr/>
+        </p:nvSpPr>
+        <p:spPr>
+          <a:xfrm>
+            <a:off x="8025261" y="4834307"/>
+            <a:ext cx="242374" cy="369332"/>
+          </a:xfrm>
+          <a:prstGeom prst="rect">
+            <a:avLst/>
+          </a:prstGeom>
+          <a:noFill/>
+        </p:spPr>
+        <p:txBody>
+          <a:bodyPr wrap="none" rtlCol="0">
+            <a:spAutoFit/>
+          </a:bodyPr>
+          <a:lstStyle/>
+          <a:p>
+            <a:r>
+              <a:rPr lang="en-US" dirty="0"/>
+              <a:t>I</a:t>
+            </a:r>
+            <a:endParaRPr lang="en-HK" dirty="0"/>
+          </a:p>
+        </p:txBody>
+      </p:sp>
+      <p:sp>
+        <p:nvSpPr>
+          <p:cNvPr id="47" name="TextBox 46">
+            <a:extLst>
+              <a:ext uri="{FF2B5EF4-FFF2-40B4-BE49-F238E27FC236}">
+                <a16:creationId xmlns:a16="http://schemas.microsoft.com/office/drawing/2014/main" id="{CBEB28EE-64BF-7CA3-B34C-DC87789C311E}"/>
+              </a:ext>
+            </a:extLst>
+          </p:cNvPr>
+          <p:cNvSpPr txBox="1"/>
+          <p:nvPr/>
+        </p:nvSpPr>
+        <p:spPr>
+          <a:xfrm>
+            <a:off x="8002018" y="5370745"/>
+            <a:ext cx="258404" cy="369332"/>
+          </a:xfrm>
+          <a:prstGeom prst="rect">
+            <a:avLst/>
+          </a:prstGeom>
+          <a:noFill/>
+        </p:spPr>
+        <p:txBody>
+          <a:bodyPr wrap="none" rtlCol="0">
+            <a:spAutoFit/>
+          </a:bodyPr>
+          <a:lstStyle/>
+          <a:p>
+            <a:r>
+              <a:rPr lang="en-US" dirty="0"/>
+              <a:t>J</a:t>
+            </a:r>
+            <a:endParaRPr lang="en-HK" dirty="0"/>
+          </a:p>
+        </p:txBody>
+      </p:sp>
+      <p:sp>
+        <p:nvSpPr>
+          <p:cNvPr id="48" name="TextBox 47">
+            <a:extLst>
+              <a:ext uri="{FF2B5EF4-FFF2-40B4-BE49-F238E27FC236}">
+                <a16:creationId xmlns:a16="http://schemas.microsoft.com/office/drawing/2014/main" id="{C57BA272-88AE-18C1-5BB1-0C1EE2081853}"/>
+              </a:ext>
+            </a:extLst>
+          </p:cNvPr>
+          <p:cNvSpPr txBox="1"/>
+          <p:nvPr/>
+        </p:nvSpPr>
+        <p:spPr>
+          <a:xfrm>
+            <a:off x="7991598" y="5883217"/>
+            <a:ext cx="304892" cy="369332"/>
+          </a:xfrm>
+          <a:prstGeom prst="rect">
+            <a:avLst/>
+          </a:prstGeom>
+          <a:noFill/>
+        </p:spPr>
+        <p:txBody>
+          <a:bodyPr wrap="none" rtlCol="0">
+            <a:spAutoFit/>
+          </a:bodyPr>
+          <a:lstStyle/>
+          <a:p>
+            <a:r>
+              <a:rPr lang="en-US" dirty="0"/>
+              <a:t>K</a:t>
+            </a:r>
+            <a:endParaRPr lang="en-HK" dirty="0"/>
+          </a:p>
+        </p:txBody>
+      </p:sp>
+    </p:spTree>
+    <p:extLst>
+      <p:ext uri="{BB962C8B-B14F-4D97-AF65-F5344CB8AC3E}">
+        <p14:creationId xmlns:p14="http://schemas.microsoft.com/office/powerpoint/2010/main" val="4108350770"/>
+      </p:ext>
+    </p:extLst>
+  </p:cSld>
+  <p:clrMapOvr>
+    <a:masterClrMapping/>
+  </p:clrMapOvr>
+</p:sld>
+</file>
+
 <file path=ppt/slides/slide3.xml><?xml version="1.0" encoding="utf-8"?>
 <p:sld xmlns:a="http://schemas.openxmlformats.org/drawingml/2006/main" xmlns:r="http://schemas.openxmlformats.org/officeDocument/2006/relationships" xmlns:p="http://schemas.openxmlformats.org/presentationml/2006/main">
   <p:cSld>
